--- a/Cours/Cours.pptx
+++ b/Cours/Cours.pptx
@@ -24,19 +24,21 @@
     <p:sldId id="269" r:id="rId18"/>
     <p:sldId id="293" r:id="rId19"/>
     <p:sldId id="295" r:id="rId20"/>
-    <p:sldId id="291" r:id="rId21"/>
-    <p:sldId id="270" r:id="rId22"/>
-    <p:sldId id="271" r:id="rId23"/>
-    <p:sldId id="272" r:id="rId24"/>
-    <p:sldId id="285" r:id="rId25"/>
-    <p:sldId id="273" r:id="rId26"/>
-    <p:sldId id="286" r:id="rId27"/>
-    <p:sldId id="274" r:id="rId28"/>
-    <p:sldId id="275" r:id="rId29"/>
-    <p:sldId id="276" r:id="rId30"/>
-    <p:sldId id="277" r:id="rId31"/>
-    <p:sldId id="287" r:id="rId32"/>
-    <p:sldId id="288" r:id="rId33"/>
+    <p:sldId id="302" r:id="rId21"/>
+    <p:sldId id="298" r:id="rId22"/>
+    <p:sldId id="301" r:id="rId23"/>
+    <p:sldId id="300" r:id="rId24"/>
+    <p:sldId id="299" r:id="rId25"/>
+    <p:sldId id="271" r:id="rId26"/>
+    <p:sldId id="272" r:id="rId27"/>
+    <p:sldId id="273" r:id="rId28"/>
+    <p:sldId id="286" r:id="rId29"/>
+    <p:sldId id="274" r:id="rId30"/>
+    <p:sldId id="275" r:id="rId31"/>
+    <p:sldId id="276" r:id="rId32"/>
+    <p:sldId id="277" r:id="rId33"/>
+    <p:sldId id="287" r:id="rId34"/>
+    <p:sldId id="288" r:id="rId35"/>
   </p:sldIdLst>
   <p:sldSz cx="12192000" cy="6858000"/>
   <p:notesSz cx="6858000" cy="9144000"/>
@@ -6018,7 +6020,7 @@
           <a:lstStyle/>
           <a:p>
             <a:r>
-              <a:rPr lang="fr-FR" dirty="0"/>
+              <a:rPr lang="fr-FR" sz="2400" dirty="0"/>
               <a:t>Docker Desktop</a:t>
             </a:r>
           </a:p>
@@ -6288,11 +6290,13 @@
         </p:nvSpPr>
         <p:spPr/>
         <p:txBody>
-          <a:bodyPr/>
-          <a:lstStyle/>
-          <a:p>
-            <a:r>
-              <a:rPr lang="fr-FR" dirty="0"/>
+          <a:bodyPr>
+            <a:normAutofit/>
+          </a:bodyPr>
+          <a:lstStyle/>
+          <a:p>
+            <a:r>
+              <a:rPr lang="fr-FR" sz="2400" dirty="0"/>
               <a:t>Installation</a:t>
             </a:r>
           </a:p>
@@ -6390,14 +6394,15 @@
         </p:nvSpPr>
         <p:spPr/>
         <p:txBody>
-          <a:bodyPr/>
-          <a:lstStyle/>
-          <a:p>
-            <a:r>
-              <a:rPr lang="fr-FR"/>
+          <a:bodyPr>
+            <a:normAutofit/>
+          </a:bodyPr>
+          <a:lstStyle/>
+          <a:p>
+            <a:r>
+              <a:rPr lang="fr-FR" sz="2400" dirty="0"/>
               <a:t>Utiliser le Docker Client</a:t>
             </a:r>
-            <a:endParaRPr lang="fr-FR" dirty="0"/>
           </a:p>
         </p:txBody>
       </p:sp>
@@ -6925,8 +6930,8 @@
           <a:lstStyle/>
           <a:p>
             <a:r>
-              <a:rPr lang="fr-FR" sz="2800"/>
-              <a:t>Qu’est ce qu’un container </a:t>
+              <a:rPr lang="fr-FR" sz="2400" dirty="0"/>
+              <a:t>Container</a:t>
             </a:r>
           </a:p>
         </p:txBody>
@@ -7686,7 +7691,7 @@
           <a:lstStyle/>
           <a:p>
             <a:r>
-              <a:rPr lang="fr-FR" sz="2800"/>
+              <a:rPr lang="fr-FR" sz="2800" dirty="0"/>
               <a:t>Comment Docker fonctionne</a:t>
             </a:r>
           </a:p>
@@ -8023,7 +8028,7 @@
           <a:lstStyle/>
           <a:p>
             <a:r>
-              <a:rPr lang="fr-FR" sz="4400" dirty="0"/>
+              <a:rPr lang="fr-FR" sz="2400" dirty="0"/>
               <a:t>Manipuler des containers</a:t>
             </a:r>
           </a:p>
@@ -8077,11 +8082,13 @@
         </p:nvSpPr>
         <p:spPr/>
         <p:txBody>
-          <a:bodyPr/>
-          <a:lstStyle/>
-          <a:p>
-            <a:r>
-              <a:rPr lang="fr-FR" dirty="0"/>
+          <a:bodyPr>
+            <a:normAutofit/>
+          </a:bodyPr>
+          <a:lstStyle/>
+          <a:p>
+            <a:r>
+              <a:rPr lang="fr-FR" sz="2400" dirty="0"/>
               <a:t>TP1</a:t>
             </a:r>
           </a:p>
@@ -8202,7 +8209,7 @@
           <a:lstStyle/>
           <a:p>
             <a:r>
-              <a:rPr lang="fr-FR" sz="4400" dirty="0"/>
+              <a:rPr lang="fr-FR" sz="2400" dirty="0"/>
               <a:t>Créer et manipuler des images</a:t>
             </a:r>
           </a:p>
@@ -8262,7 +8269,7 @@
           <a:lstStyle/>
           <a:p>
             <a:r>
-              <a:rPr lang="fr-FR" sz="2800" dirty="0"/>
+              <a:rPr lang="fr-FR" sz="2400" dirty="0"/>
               <a:t>Comment créer ses propres images</a:t>
             </a:r>
           </a:p>
@@ -8427,6 +8434,14 @@
 <file path=ppt/slides/slide19.xml><?xml version="1.0" encoding="utf-8"?>
 <p:sld xmlns:a="http://schemas.openxmlformats.org/drawingml/2006/main" xmlns:r="http://schemas.openxmlformats.org/officeDocument/2006/relationships" xmlns:p="http://schemas.openxmlformats.org/presentationml/2006/main">
   <p:cSld>
+    <p:bg>
+      <p:bgPr>
+        <a:solidFill>
+          <a:schemeClr val="bg1"/>
+        </a:solidFill>
+        <a:effectLst/>
+      </p:bgPr>
+    </p:bg>
     <p:spTree>
       <p:nvGrpSpPr>
         <p:cNvPr id="1" name=""/>
@@ -8441,6 +8456,404 @@
           <a:chExt cx="0" cy="0"/>
         </a:xfrm>
       </p:grpSpPr>
+      <p:sp useBgFill="1">
+        <p:nvSpPr>
+          <p:cNvPr id="36" name="Rectangle 35">
+            <a:extLst>
+              <a:ext uri="{FF2B5EF4-FFF2-40B4-BE49-F238E27FC236}">
+                <a16:creationId xmlns:a16="http://schemas.microsoft.com/office/drawing/2014/main" id="{5C9B446A-6343-4E56-90BA-061E4DDF0FFB}"/>
+              </a:ext>
+              <a:ext uri="{C183D7F6-B498-43B3-948B-1728B52AA6E4}">
+                <adec:decorative xmlns:adec="http://schemas.microsoft.com/office/drawing/2017/decorative" val="1"/>
+              </a:ext>
+            </a:extLst>
+          </p:cNvPr>
+          <p:cNvSpPr>
+            <a:spLocks noGrp="1" noRot="1" noChangeAspect="1" noMove="1" noResize="1" noEditPoints="1" noAdjustHandles="1" noChangeArrowheads="1" noChangeShapeType="1" noTextEdit="1"/>
+          </p:cNvSpPr>
+          <p:nvPr>
+            <p:extLst>
+              <p:ext uri="{386F3935-93C4-4BCD-93E2-E3B085C9AB24}">
+                <p16:designElem xmlns:p16="http://schemas.microsoft.com/office/powerpoint/2015/main" val="1"/>
+              </p:ext>
+            </p:extLst>
+          </p:nvPr>
+        </p:nvSpPr>
+        <p:spPr>
+          <a:xfrm>
+            <a:off x="0" y="0"/>
+            <a:ext cx="12192000" cy="6858000"/>
+          </a:xfrm>
+          <a:prstGeom prst="rect">
+            <a:avLst/>
+          </a:prstGeom>
+          <a:ln>
+            <a:noFill/>
+          </a:ln>
+        </p:spPr>
+        <p:style>
+          <a:lnRef idx="2">
+            <a:schemeClr val="accent1">
+              <a:shade val="50000"/>
+            </a:schemeClr>
+          </a:lnRef>
+          <a:fillRef idx="1">
+            <a:schemeClr val="accent1"/>
+          </a:fillRef>
+          <a:effectRef idx="0">
+            <a:schemeClr val="accent1"/>
+          </a:effectRef>
+          <a:fontRef idx="minor">
+            <a:schemeClr val="lt1"/>
+          </a:fontRef>
+        </p:style>
+        <p:txBody>
+          <a:bodyPr rtlCol="0" anchor="ctr"/>
+          <a:lstStyle/>
+          <a:p>
+            <a:pPr algn="ctr"/>
+            <a:endParaRPr lang="en-US"/>
+          </a:p>
+        </p:txBody>
+      </p:sp>
+      <p:sp useBgFill="1">
+        <p:nvSpPr>
+          <p:cNvPr id="38" name="Freeform: Shape 37">
+            <a:extLst>
+              <a:ext uri="{FF2B5EF4-FFF2-40B4-BE49-F238E27FC236}">
+                <a16:creationId xmlns:a16="http://schemas.microsoft.com/office/drawing/2014/main" id="{3EC72A1B-03D3-499C-B4BF-AC68EEC22B10}"/>
+              </a:ext>
+              <a:ext uri="{C183D7F6-B498-43B3-948B-1728B52AA6E4}">
+                <adec:decorative xmlns:adec="http://schemas.microsoft.com/office/drawing/2017/decorative" val="1"/>
+              </a:ext>
+            </a:extLst>
+          </p:cNvPr>
+          <p:cNvSpPr>
+            <a:spLocks noGrp="1" noRot="1" noChangeAspect="1" noMove="1" noResize="1" noEditPoints="1" noAdjustHandles="1" noChangeArrowheads="1" noChangeShapeType="1" noTextEdit="1"/>
+          </p:cNvSpPr>
+          <p:nvPr>
+            <p:extLst>
+              <p:ext uri="{386F3935-93C4-4BCD-93E2-E3B085C9AB24}">
+                <p16:designElem xmlns:p16="http://schemas.microsoft.com/office/powerpoint/2015/main" val="1"/>
+              </p:ext>
+            </p:extLst>
+          </p:nvPr>
+        </p:nvSpPr>
+        <p:spPr>
+          <a:xfrm>
+            <a:off x="-1" y="0"/>
+            <a:ext cx="4455673" cy="6858000"/>
+          </a:xfrm>
+          <a:custGeom>
+            <a:avLst/>
+            <a:gdLst>
+              <a:gd name="connsiteX0" fmla="*/ 0 w 4455673"/>
+              <a:gd name="connsiteY0" fmla="*/ 0 h 6858000"/>
+              <a:gd name="connsiteX1" fmla="*/ 3242695 w 4455673"/>
+              <a:gd name="connsiteY1" fmla="*/ 0 h 6858000"/>
+              <a:gd name="connsiteX2" fmla="*/ 3305678 w 4455673"/>
+              <a:gd name="connsiteY2" fmla="*/ 69271 h 6858000"/>
+              <a:gd name="connsiteX3" fmla="*/ 4455673 w 4455673"/>
+              <a:gd name="connsiteY3" fmla="*/ 3429000 h 6858000"/>
+              <a:gd name="connsiteX4" fmla="*/ 3305678 w 4455673"/>
+              <a:gd name="connsiteY4" fmla="*/ 6788730 h 6858000"/>
+              <a:gd name="connsiteX5" fmla="*/ 3242695 w 4455673"/>
+              <a:gd name="connsiteY5" fmla="*/ 6858000 h 6858000"/>
+              <a:gd name="connsiteX6" fmla="*/ 0 w 4455673"/>
+              <a:gd name="connsiteY6" fmla="*/ 6858000 h 6858000"/>
+            </a:gdLst>
+            <a:ahLst/>
+            <a:cxnLst>
+              <a:cxn ang="0">
+                <a:pos x="connsiteX0" y="connsiteY0"/>
+              </a:cxn>
+              <a:cxn ang="0">
+                <a:pos x="connsiteX1" y="connsiteY1"/>
+              </a:cxn>
+              <a:cxn ang="0">
+                <a:pos x="connsiteX2" y="connsiteY2"/>
+              </a:cxn>
+              <a:cxn ang="0">
+                <a:pos x="connsiteX3" y="connsiteY3"/>
+              </a:cxn>
+              <a:cxn ang="0">
+                <a:pos x="connsiteX4" y="connsiteY4"/>
+              </a:cxn>
+              <a:cxn ang="0">
+                <a:pos x="connsiteX5" y="connsiteY5"/>
+              </a:cxn>
+              <a:cxn ang="0">
+                <a:pos x="connsiteX6" y="connsiteY6"/>
+              </a:cxn>
+            </a:cxnLst>
+            <a:rect l="l" t="t" r="r" b="b"/>
+            <a:pathLst>
+              <a:path w="4455673" h="6858000">
+                <a:moveTo>
+                  <a:pt x="0" y="0"/>
+                </a:moveTo>
+                <a:lnTo>
+                  <a:pt x="3242695" y="0"/>
+                </a:lnTo>
+                <a:lnTo>
+                  <a:pt x="3305678" y="69271"/>
+                </a:lnTo>
+                <a:cubicBezTo>
+                  <a:pt x="4016204" y="929100"/>
+                  <a:pt x="4455673" y="2116944"/>
+                  <a:pt x="4455673" y="3429000"/>
+                </a:cubicBezTo>
+                <a:cubicBezTo>
+                  <a:pt x="4455673" y="4741056"/>
+                  <a:pt x="4016204" y="5928900"/>
+                  <a:pt x="3305678" y="6788730"/>
+                </a:cubicBezTo>
+                <a:lnTo>
+                  <a:pt x="3242695" y="6858000"/>
+                </a:lnTo>
+                <a:lnTo>
+                  <a:pt x="0" y="6858000"/>
+                </a:lnTo>
+                <a:close/>
+              </a:path>
+            </a:pathLst>
+          </a:custGeom>
+          <a:ln w="9525">
+            <a:solidFill>
+              <a:schemeClr val="tx2">
+                <a:lumMod val="10000"/>
+                <a:lumOff val="90000"/>
+              </a:schemeClr>
+            </a:solidFill>
+          </a:ln>
+          <a:effectLst>
+            <a:outerShdw blurRad="50800" dist="38100" algn="l" rotWithShape="0">
+              <a:schemeClr val="bg1">
+                <a:lumMod val="85000"/>
+                <a:alpha val="30000"/>
+              </a:schemeClr>
+            </a:outerShdw>
+          </a:effectLst>
+        </p:spPr>
+        <p:style>
+          <a:lnRef idx="2">
+            <a:schemeClr val="accent1">
+              <a:shade val="50000"/>
+            </a:schemeClr>
+          </a:lnRef>
+          <a:fillRef idx="1">
+            <a:schemeClr val="accent1"/>
+          </a:fillRef>
+          <a:effectRef idx="0">
+            <a:schemeClr val="accent1"/>
+          </a:effectRef>
+          <a:fontRef idx="minor">
+            <a:schemeClr val="lt1"/>
+          </a:fontRef>
+        </p:style>
+        <p:txBody>
+          <a:bodyPr wrap="square" rtlCol="0" anchor="ctr">
+            <a:noAutofit/>
+          </a:bodyPr>
+          <a:lstStyle/>
+          <a:p>
+            <a:pPr marL="0" marR="0" lvl="0" indent="0" algn="ctr" defTabSz="914400" rtl="0" eaLnBrk="1" fontAlgn="auto" latinLnBrk="0" hangingPunct="1">
+              <a:lnSpc>
+                <a:spcPct val="100000"/>
+              </a:lnSpc>
+              <a:spcBef>
+                <a:spcPts val="0"/>
+              </a:spcBef>
+              <a:spcAft>
+                <a:spcPts val="0"/>
+              </a:spcAft>
+              <a:buClrTx/>
+              <a:buSzTx/>
+              <a:buFontTx/>
+              <a:buNone/>
+              <a:tabLst/>
+              <a:defRPr/>
+            </a:pPr>
+            <a:endParaRPr kumimoji="0" lang="en-US" sz="1800" b="0" i="0" u="none" strike="noStrike" kern="1200" cap="none" spc="0" normalizeH="0" baseline="0" noProof="0">
+              <a:ln>
+                <a:noFill/>
+              </a:ln>
+              <a:solidFill>
+                <a:prstClr val="white"/>
+              </a:solidFill>
+              <a:effectLst/>
+              <a:uLnTx/>
+              <a:uFillTx/>
+              <a:latin typeface="Calibri" panose="020F0502020204030204"/>
+              <a:ea typeface="+mn-ea"/>
+              <a:cs typeface="+mn-cs"/>
+            </a:endParaRPr>
+          </a:p>
+        </p:txBody>
+      </p:sp>
+      <p:sp useBgFill="1">
+        <p:nvSpPr>
+          <p:cNvPr id="40" name="Freeform: Shape 39">
+            <a:extLst>
+              <a:ext uri="{FF2B5EF4-FFF2-40B4-BE49-F238E27FC236}">
+                <a16:creationId xmlns:a16="http://schemas.microsoft.com/office/drawing/2014/main" id="{216322C2-3CF0-4D33-BF90-3F384CF6D232}"/>
+              </a:ext>
+              <a:ext uri="{C183D7F6-B498-43B3-948B-1728B52AA6E4}">
+                <adec:decorative xmlns:adec="http://schemas.microsoft.com/office/drawing/2017/decorative" val="1"/>
+              </a:ext>
+            </a:extLst>
+          </p:cNvPr>
+          <p:cNvSpPr>
+            <a:spLocks noGrp="1" noRot="1" noChangeAspect="1" noMove="1" noResize="1" noEditPoints="1" noAdjustHandles="1" noChangeArrowheads="1" noChangeShapeType="1" noTextEdit="1"/>
+          </p:cNvSpPr>
+          <p:nvPr>
+            <p:extLst>
+              <p:ext uri="{386F3935-93C4-4BCD-93E2-E3B085C9AB24}">
+                <p16:designElem xmlns:p16="http://schemas.microsoft.com/office/powerpoint/2015/main" val="1"/>
+              </p:ext>
+            </p:extLst>
+          </p:nvPr>
+        </p:nvSpPr>
+        <p:spPr>
+          <a:xfrm>
+            <a:off x="0" y="0"/>
+            <a:ext cx="4446529" cy="6858000"/>
+          </a:xfrm>
+          <a:custGeom>
+            <a:avLst/>
+            <a:gdLst>
+              <a:gd name="connsiteX0" fmla="*/ 0 w 4446529"/>
+              <a:gd name="connsiteY0" fmla="*/ 0 h 6858000"/>
+              <a:gd name="connsiteX1" fmla="*/ 3233551 w 4446529"/>
+              <a:gd name="connsiteY1" fmla="*/ 0 h 6858000"/>
+              <a:gd name="connsiteX2" fmla="*/ 3296534 w 4446529"/>
+              <a:gd name="connsiteY2" fmla="*/ 69271 h 6858000"/>
+              <a:gd name="connsiteX3" fmla="*/ 4446529 w 4446529"/>
+              <a:gd name="connsiteY3" fmla="*/ 3429000 h 6858000"/>
+              <a:gd name="connsiteX4" fmla="*/ 3296534 w 4446529"/>
+              <a:gd name="connsiteY4" fmla="*/ 6788730 h 6858000"/>
+              <a:gd name="connsiteX5" fmla="*/ 3233551 w 4446529"/>
+              <a:gd name="connsiteY5" fmla="*/ 6858000 h 6858000"/>
+              <a:gd name="connsiteX6" fmla="*/ 0 w 4446529"/>
+              <a:gd name="connsiteY6" fmla="*/ 6858000 h 6858000"/>
+            </a:gdLst>
+            <a:ahLst/>
+            <a:cxnLst>
+              <a:cxn ang="0">
+                <a:pos x="connsiteX0" y="connsiteY0"/>
+              </a:cxn>
+              <a:cxn ang="0">
+                <a:pos x="connsiteX1" y="connsiteY1"/>
+              </a:cxn>
+              <a:cxn ang="0">
+                <a:pos x="connsiteX2" y="connsiteY2"/>
+              </a:cxn>
+              <a:cxn ang="0">
+                <a:pos x="connsiteX3" y="connsiteY3"/>
+              </a:cxn>
+              <a:cxn ang="0">
+                <a:pos x="connsiteX4" y="connsiteY4"/>
+              </a:cxn>
+              <a:cxn ang="0">
+                <a:pos x="connsiteX5" y="connsiteY5"/>
+              </a:cxn>
+              <a:cxn ang="0">
+                <a:pos x="connsiteX6" y="connsiteY6"/>
+              </a:cxn>
+            </a:cxnLst>
+            <a:rect l="l" t="t" r="r" b="b"/>
+            <a:pathLst>
+              <a:path w="4446529" h="6858000">
+                <a:moveTo>
+                  <a:pt x="0" y="0"/>
+                </a:moveTo>
+                <a:lnTo>
+                  <a:pt x="3233551" y="0"/>
+                </a:lnTo>
+                <a:lnTo>
+                  <a:pt x="3296534" y="69271"/>
+                </a:lnTo>
+                <a:cubicBezTo>
+                  <a:pt x="4007060" y="929100"/>
+                  <a:pt x="4446529" y="2116944"/>
+                  <a:pt x="4446529" y="3429000"/>
+                </a:cubicBezTo>
+                <a:cubicBezTo>
+                  <a:pt x="4446529" y="4741056"/>
+                  <a:pt x="4007060" y="5928900"/>
+                  <a:pt x="3296534" y="6788730"/>
+                </a:cubicBezTo>
+                <a:lnTo>
+                  <a:pt x="3233551" y="6858000"/>
+                </a:lnTo>
+                <a:lnTo>
+                  <a:pt x="0" y="6858000"/>
+                </a:lnTo>
+                <a:close/>
+              </a:path>
+            </a:pathLst>
+          </a:custGeom>
+          <a:ln w="9525">
+            <a:noFill/>
+          </a:ln>
+          <a:effectLst/>
+        </p:spPr>
+        <p:style>
+          <a:lnRef idx="2">
+            <a:schemeClr val="accent1">
+              <a:shade val="50000"/>
+            </a:schemeClr>
+          </a:lnRef>
+          <a:fillRef idx="1">
+            <a:schemeClr val="accent1"/>
+          </a:fillRef>
+          <a:effectRef idx="0">
+            <a:schemeClr val="accent1"/>
+          </a:effectRef>
+          <a:fontRef idx="minor">
+            <a:schemeClr val="lt1"/>
+          </a:fontRef>
+        </p:style>
+        <p:txBody>
+          <a:bodyPr wrap="square" rtlCol="0" anchor="ctr">
+            <a:noAutofit/>
+          </a:bodyPr>
+          <a:lstStyle/>
+          <a:p>
+            <a:pPr marL="0" marR="0" lvl="0" indent="0" algn="ctr" defTabSz="914400" rtl="0" eaLnBrk="1" fontAlgn="auto" latinLnBrk="0" hangingPunct="1">
+              <a:lnSpc>
+                <a:spcPct val="100000"/>
+              </a:lnSpc>
+              <a:spcBef>
+                <a:spcPts val="0"/>
+              </a:spcBef>
+              <a:spcAft>
+                <a:spcPts val="0"/>
+              </a:spcAft>
+              <a:buClrTx/>
+              <a:buSzTx/>
+              <a:buFontTx/>
+              <a:buNone/>
+              <a:tabLst/>
+              <a:defRPr/>
+            </a:pPr>
+            <a:endParaRPr kumimoji="0" lang="en-US" sz="1800" b="0" i="0" u="none" strike="noStrike" kern="1200" cap="none" spc="0" normalizeH="0" baseline="0" noProof="0">
+              <a:ln>
+                <a:noFill/>
+              </a:ln>
+              <a:solidFill>
+                <a:prstClr val="white"/>
+              </a:solidFill>
+              <a:effectLst/>
+              <a:uLnTx/>
+              <a:uFillTx/>
+              <a:latin typeface="Calibri" panose="020F0502020204030204"/>
+              <a:ea typeface="+mn-ea"/>
+              <a:cs typeface="+mn-cs"/>
+            </a:endParaRPr>
+          </a:p>
+        </p:txBody>
+      </p:sp>
       <p:sp>
         <p:nvSpPr>
           <p:cNvPr id="2" name="Titre 1">
@@ -8457,16 +8870,211 @@
             <p:ph type="title"/>
           </p:nvPr>
         </p:nvSpPr>
-        <p:spPr/>
-        <p:txBody>
-          <a:bodyPr/>
-          <a:lstStyle/>
-          <a:p>
-            <a:r>
-              <a:rPr lang="fr-FR" dirty="0" err="1"/>
+        <p:spPr>
+          <a:xfrm>
+            <a:off x="371094" y="1803654"/>
+            <a:ext cx="3438144" cy="482346"/>
+          </a:xfrm>
+        </p:spPr>
+        <p:txBody>
+          <a:bodyPr anchor="b">
+            <a:normAutofit/>
+          </a:bodyPr>
+          <a:lstStyle/>
+          <a:p>
+            <a:r>
+              <a:rPr lang="fr-FR" sz="2400" dirty="0" err="1"/>
               <a:t>Dockerfile</a:t>
             </a:r>
-            <a:endParaRPr lang="fr-FR" dirty="0"/>
+            <a:endParaRPr lang="fr-FR" sz="2400" dirty="0"/>
+          </a:p>
+        </p:txBody>
+      </p:sp>
+      <p:sp>
+        <p:nvSpPr>
+          <p:cNvPr id="42" name="Rectangle 41">
+            <a:extLst>
+              <a:ext uri="{FF2B5EF4-FFF2-40B4-BE49-F238E27FC236}">
+                <a16:creationId xmlns:a16="http://schemas.microsoft.com/office/drawing/2014/main" id="{55D4142C-5077-457F-A6AD-3FECFDB39685}"/>
+              </a:ext>
+              <a:ext uri="{C183D7F6-B498-43B3-948B-1728B52AA6E4}">
+                <adec:decorative xmlns:adec="http://schemas.microsoft.com/office/drawing/2017/decorative" val="1"/>
+              </a:ext>
+            </a:extLst>
+          </p:cNvPr>
+          <p:cNvSpPr>
+            <a:spLocks noGrp="1" noRot="1" noChangeAspect="1" noMove="1" noResize="1" noEditPoints="1" noAdjustHandles="1" noChangeArrowheads="1" noChangeShapeType="1" noTextEdit="1"/>
+          </p:cNvSpPr>
+          <p:nvPr>
+            <p:extLst>
+              <p:ext uri="{386F3935-93C4-4BCD-93E2-E3B085C9AB24}">
+                <p16:designElem xmlns:p16="http://schemas.microsoft.com/office/powerpoint/2015/main" val="1"/>
+              </p:ext>
+            </p:extLst>
+          </p:nvPr>
+        </p:nvSpPr>
+        <p:spPr>
+          <a:xfrm rot="5400000">
+            <a:off x="662559" y="605790"/>
+            <a:ext cx="73152" cy="548640"/>
+          </a:xfrm>
+          <a:prstGeom prst="rect">
+            <a:avLst/>
+          </a:prstGeom>
+          <a:solidFill>
+            <a:schemeClr val="accent1"/>
+          </a:solidFill>
+          <a:ln>
+            <a:noFill/>
+          </a:ln>
+        </p:spPr>
+        <p:style>
+          <a:lnRef idx="2">
+            <a:schemeClr val="accent1">
+              <a:shade val="50000"/>
+            </a:schemeClr>
+          </a:lnRef>
+          <a:fillRef idx="1">
+            <a:schemeClr val="accent1"/>
+          </a:fillRef>
+          <a:effectRef idx="0">
+            <a:schemeClr val="accent1"/>
+          </a:effectRef>
+          <a:fontRef idx="minor">
+            <a:schemeClr val="lt1"/>
+          </a:fontRef>
+        </p:style>
+        <p:txBody>
+          <a:bodyPr rtlCol="0" anchor="ctr"/>
+          <a:lstStyle/>
+          <a:p>
+            <a:pPr marL="0" marR="0" lvl="0" indent="0" algn="ctr" defTabSz="914400" rtl="0" eaLnBrk="1" fontAlgn="auto" latinLnBrk="0" hangingPunct="1">
+              <a:lnSpc>
+                <a:spcPct val="100000"/>
+              </a:lnSpc>
+              <a:spcBef>
+                <a:spcPts val="0"/>
+              </a:spcBef>
+              <a:spcAft>
+                <a:spcPts val="0"/>
+              </a:spcAft>
+              <a:buClrTx/>
+              <a:buSzTx/>
+              <a:buFontTx/>
+              <a:buNone/>
+              <a:tabLst/>
+              <a:defRPr/>
+            </a:pPr>
+            <a:endParaRPr kumimoji="0" lang="en-US" sz="1800" b="0" i="0" u="none" strike="noStrike" kern="1200" cap="none" spc="0" normalizeH="0" baseline="0" noProof="0">
+              <a:ln>
+                <a:noFill/>
+              </a:ln>
+              <a:solidFill>
+                <a:prstClr val="white"/>
+              </a:solidFill>
+              <a:effectLst/>
+              <a:uLnTx/>
+              <a:uFillTx/>
+              <a:latin typeface="Calibri" panose="020F0502020204030204"/>
+              <a:ea typeface="+mn-ea"/>
+              <a:cs typeface="+mn-cs"/>
+            </a:endParaRPr>
+          </a:p>
+        </p:txBody>
+      </p:sp>
+      <p:sp>
+        <p:nvSpPr>
+          <p:cNvPr id="44" name="Rectangle 43">
+            <a:extLst>
+              <a:ext uri="{FF2B5EF4-FFF2-40B4-BE49-F238E27FC236}">
+                <a16:creationId xmlns:a16="http://schemas.microsoft.com/office/drawing/2014/main" id="{7A5F0580-5EE9-419F-96EE-B6529EF6E7D0}"/>
+              </a:ext>
+              <a:ext uri="{C183D7F6-B498-43B3-948B-1728B52AA6E4}">
+                <adec:decorative xmlns:adec="http://schemas.microsoft.com/office/drawing/2017/decorative" val="1"/>
+              </a:ext>
+            </a:extLst>
+          </p:cNvPr>
+          <p:cNvSpPr>
+            <a:spLocks noGrp="1" noRot="1" noChangeAspect="1" noMove="1" noResize="1" noEditPoints="1" noAdjustHandles="1" noChangeArrowheads="1" noChangeShapeType="1" noTextEdit="1"/>
+          </p:cNvSpPr>
+          <p:nvPr>
+            <p:extLst>
+              <p:ext uri="{386F3935-93C4-4BCD-93E2-E3B085C9AB24}">
+                <p16:designElem xmlns:p16="http://schemas.microsoft.com/office/powerpoint/2015/main" val="1"/>
+              </p:ext>
+            </p:extLst>
+          </p:nvPr>
+        </p:nvSpPr>
+        <p:spPr>
+          <a:xfrm>
+            <a:off x="428244" y="2443480"/>
+            <a:ext cx="3337560" cy="18288"/>
+          </a:xfrm>
+          <a:prstGeom prst="rect">
+            <a:avLst/>
+          </a:prstGeom>
+          <a:solidFill>
+            <a:schemeClr val="tx2">
+              <a:lumMod val="25000"/>
+              <a:lumOff val="75000"/>
+            </a:schemeClr>
+          </a:solidFill>
+          <a:ln w="3175">
+            <a:noFill/>
+          </a:ln>
+          <a:effectLst/>
+        </p:spPr>
+        <p:style>
+          <a:lnRef idx="2">
+            <a:schemeClr val="accent1">
+              <a:shade val="50000"/>
+            </a:schemeClr>
+          </a:lnRef>
+          <a:fillRef idx="1">
+            <a:schemeClr val="accent1"/>
+          </a:fillRef>
+          <a:effectRef idx="0">
+            <a:schemeClr val="accent1"/>
+          </a:effectRef>
+          <a:fontRef idx="minor">
+            <a:schemeClr val="lt1"/>
+          </a:fontRef>
+        </p:style>
+        <p:txBody>
+          <a:bodyPr rtlCol="0" anchor="ctr"/>
+          <a:lstStyle/>
+          <a:p>
+            <a:pPr marL="0" marR="0" lvl="0" indent="0" algn="ctr" defTabSz="914400" rtl="0" eaLnBrk="1" fontAlgn="auto" latinLnBrk="0" hangingPunct="1">
+              <a:lnSpc>
+                <a:spcPct val="100000"/>
+              </a:lnSpc>
+              <a:spcBef>
+                <a:spcPts val="0"/>
+              </a:spcBef>
+              <a:spcAft>
+                <a:spcPts val="0"/>
+              </a:spcAft>
+              <a:buClrTx/>
+              <a:buSzTx/>
+              <a:buFontTx/>
+              <a:buNone/>
+              <a:tabLst/>
+              <a:defRPr/>
+            </a:pPr>
+            <a:endParaRPr kumimoji="0" lang="en-US" sz="1800" b="0" i="0" u="none" strike="noStrike" kern="1200" cap="none" spc="0" normalizeH="0" baseline="0" noProof="0">
+              <a:ln>
+                <a:noFill/>
+              </a:ln>
+              <a:solidFill>
+                <a:prstClr val="white"/>
+              </a:solidFill>
+              <a:effectLst/>
+              <a:uLnTx/>
+              <a:uFillTx/>
+              <a:latin typeface="Calibri" panose="020F0502020204030204"/>
+              <a:ea typeface="+mn-ea"/>
+              <a:cs typeface="+mn-cs"/>
+            </a:endParaRPr>
           </a:p>
         </p:txBody>
       </p:sp>
@@ -8486,15 +9094,169 @@
             <p:ph idx="1"/>
           </p:nvPr>
         </p:nvSpPr>
-        <p:spPr/>
-        <p:txBody>
-          <a:bodyPr/>
-          <a:lstStyle/>
-          <a:p>
-            <a:endParaRPr lang="fr-FR"/>
-          </a:p>
-        </p:txBody>
-      </p:sp>
+        <p:spPr>
+          <a:xfrm>
+            <a:off x="371094" y="2718054"/>
+            <a:ext cx="3438906" cy="3207258"/>
+          </a:xfrm>
+        </p:spPr>
+        <p:txBody>
+          <a:bodyPr anchor="t">
+            <a:noAutofit/>
+          </a:bodyPr>
+          <a:lstStyle/>
+          <a:p>
+            <a:pPr marL="0" indent="0">
+              <a:lnSpc>
+                <a:spcPct val="100000"/>
+              </a:lnSpc>
+              <a:buNone/>
+            </a:pPr>
+            <a:r>
+              <a:rPr lang="fr-FR" sz="1050"/>
+              <a:t>Dans ce premier exemple, nous avons un ficher index.php qui lance la commande: </a:t>
+            </a:r>
+          </a:p>
+          <a:p>
+            <a:pPr marL="0" indent="0">
+              <a:lnSpc>
+                <a:spcPct val="100000"/>
+              </a:lnSpc>
+              <a:buNone/>
+            </a:pPr>
+            <a:r>
+              <a:rPr lang="fr-FR" sz="1050"/>
+              <a:t>echo hello from Docker.</a:t>
+            </a:r>
+          </a:p>
+          <a:p>
+            <a:pPr marL="0" indent="0">
+              <a:lnSpc>
+                <a:spcPct val="100000"/>
+              </a:lnSpc>
+              <a:buNone/>
+            </a:pPr>
+            <a:endParaRPr lang="fr-FR" sz="1050"/>
+          </a:p>
+          <a:p>
+            <a:pPr marL="0" indent="0">
+              <a:lnSpc>
+                <a:spcPct val="100000"/>
+              </a:lnSpc>
+              <a:buNone/>
+            </a:pPr>
+            <a:r>
+              <a:rPr lang="fr-FR" sz="1050"/>
+              <a:t>Imaginons que nous n’avons pas PHP installé sur notre machine, et que nous voulons créer notre propre image.</a:t>
+            </a:r>
+          </a:p>
+          <a:p>
+            <a:pPr marL="0" indent="0">
+              <a:lnSpc>
+                <a:spcPct val="100000"/>
+              </a:lnSpc>
+              <a:buNone/>
+            </a:pPr>
+            <a:endParaRPr lang="fr-FR" sz="1050"/>
+          </a:p>
+          <a:p>
+            <a:pPr marL="0" indent="0">
+              <a:lnSpc>
+                <a:spcPct val="100000"/>
+              </a:lnSpc>
+              <a:buNone/>
+            </a:pPr>
+            <a:r>
+              <a:rPr lang="fr-FR" sz="1050"/>
+              <a:t>Pour créer un container à partir d’un Dockerfile, il faut lancer la commande: </a:t>
+            </a:r>
+          </a:p>
+          <a:p>
+            <a:pPr marL="0" indent="0">
+              <a:lnSpc>
+                <a:spcPct val="100000"/>
+              </a:lnSpc>
+              <a:buNone/>
+            </a:pPr>
+            <a:r>
+              <a:rPr lang="fr-FR" sz="1050" b="1"/>
+              <a:t>docker build .</a:t>
+            </a:r>
+          </a:p>
+          <a:p>
+            <a:pPr marL="0" indent="0">
+              <a:lnSpc>
+                <a:spcPct val="100000"/>
+              </a:lnSpc>
+              <a:buNone/>
+            </a:pPr>
+            <a:endParaRPr lang="fr-FR" sz="1050"/>
+          </a:p>
+          <a:p>
+            <a:pPr marL="0" indent="0">
+              <a:lnSpc>
+                <a:spcPct val="100000"/>
+              </a:lnSpc>
+              <a:buNone/>
+            </a:pPr>
+            <a:r>
+              <a:rPr lang="fr-FR" sz="1050"/>
+              <a:t>L’argument après l’instruction build signifie: dans quel dossier se trouve le Dockerfile (le . signifie le répertoire courant)</a:t>
+            </a:r>
+          </a:p>
+          <a:p>
+            <a:pPr marL="0" indent="0">
+              <a:lnSpc>
+                <a:spcPct val="100000"/>
+              </a:lnSpc>
+              <a:buNone/>
+            </a:pPr>
+            <a:endParaRPr lang="fr-FR" sz="1050"/>
+          </a:p>
+          <a:p>
+            <a:pPr marL="0" indent="0">
+              <a:lnSpc>
+                <a:spcPct val="100000"/>
+              </a:lnSpc>
+              <a:buNone/>
+            </a:pPr>
+            <a:br>
+              <a:rPr lang="fr-FR" sz="1050"/>
+            </a:br>
+            <a:endParaRPr lang="fr-FR" sz="1050" dirty="0"/>
+          </a:p>
+        </p:txBody>
+      </p:sp>
+      <p:pic>
+        <p:nvPicPr>
+          <p:cNvPr id="17" name="Image 16" descr="Une image contenant texte&#10;&#10;Description générée automatiquement">
+            <a:extLst>
+              <a:ext uri="{FF2B5EF4-FFF2-40B4-BE49-F238E27FC236}">
+                <a16:creationId xmlns:a16="http://schemas.microsoft.com/office/drawing/2014/main" id="{0DCAE973-94A7-A84D-AEE3-04CC2EFC5503}"/>
+              </a:ext>
+            </a:extLst>
+          </p:cNvPr>
+          <p:cNvPicPr>
+            <a:picLocks noChangeAspect="1"/>
+          </p:cNvPicPr>
+          <p:nvPr/>
+        </p:nvPicPr>
+        <p:blipFill>
+          <a:blip r:embed="rId2"/>
+          <a:stretch>
+            <a:fillRect/>
+          </a:stretch>
+        </p:blipFill>
+        <p:spPr>
+          <a:xfrm>
+            <a:off x="4796559" y="1628751"/>
+            <a:ext cx="7054553" cy="4912008"/>
+          </a:xfrm>
+          <a:prstGeom prst="rect">
+            <a:avLst/>
+          </a:prstGeom>
+        </p:spPr>
+      </p:pic>
     </p:spTree>
     <p:extLst>
       <p:ext uri="{BB962C8B-B14F-4D97-AF65-F5344CB8AC3E}">
@@ -8543,11 +9305,13 @@
         </p:nvSpPr>
         <p:spPr/>
         <p:txBody>
-          <a:bodyPr/>
-          <a:lstStyle/>
-          <a:p>
-            <a:r>
-              <a:rPr lang="fr-FR" dirty="0"/>
+          <a:bodyPr>
+            <a:normAutofit/>
+          </a:bodyPr>
+          <a:lstStyle/>
+          <a:p>
+            <a:r>
+              <a:rPr lang="fr-FR" sz="2400" dirty="0"/>
               <a:t>Présentation</a:t>
             </a:r>
           </a:p>
@@ -8655,7 +9419,7 @@
           <p:cNvPr id="2" name="Titre 1">
             <a:extLst>
               <a:ext uri="{FF2B5EF4-FFF2-40B4-BE49-F238E27FC236}">
-                <a16:creationId xmlns:a16="http://schemas.microsoft.com/office/drawing/2014/main" id="{428092F5-D223-1B47-9F39-EA5FD2BD20CC}"/>
+                <a16:creationId xmlns:a16="http://schemas.microsoft.com/office/drawing/2014/main" id="{FC1367CE-1537-FF4A-867D-10A1CEEACAA9}"/>
               </a:ext>
             </a:extLst>
           </p:cNvPr>
@@ -8668,20 +9432,92 @@
         </p:nvSpPr>
         <p:spPr/>
         <p:txBody>
+          <a:bodyPr>
+            <a:normAutofit/>
+          </a:bodyPr>
+          <a:lstStyle/>
+          <a:p>
+            <a:r>
+              <a:rPr lang="fr-FR" sz="2400" dirty="0"/>
+              <a:t>Commandes </a:t>
+            </a:r>
+            <a:r>
+              <a:rPr lang="fr-FR" sz="2400" dirty="0" err="1"/>
+              <a:t>Dockerfile</a:t>
+            </a:r>
+            <a:endParaRPr lang="fr-FR" sz="2400" dirty="0"/>
+          </a:p>
+        </p:txBody>
+      </p:sp>
+      <p:sp>
+        <p:nvSpPr>
+          <p:cNvPr id="3" name="Espace réservé du contenu 2">
+            <a:extLst>
+              <a:ext uri="{FF2B5EF4-FFF2-40B4-BE49-F238E27FC236}">
+                <a16:creationId xmlns:a16="http://schemas.microsoft.com/office/drawing/2014/main" id="{5AD2B497-B332-A741-BA92-D3BD9A8852CC}"/>
+              </a:ext>
+            </a:extLst>
+          </p:cNvPr>
+          <p:cNvSpPr>
+            <a:spLocks noGrp="1"/>
+          </p:cNvSpPr>
+          <p:nvPr>
+            <p:ph idx="1"/>
+          </p:nvPr>
+        </p:nvSpPr>
+        <p:spPr/>
+        <p:txBody>
           <a:bodyPr/>
           <a:lstStyle/>
           <a:p>
             <a:r>
               <a:rPr lang="fr-FR" dirty="0"/>
-              <a:t>Quiz</a:t>
-            </a:r>
+              <a:t>https://</a:t>
+            </a:r>
+            <a:r>
+              <a:rPr lang="fr-FR" dirty="0" err="1"/>
+              <a:t>docs.docker.com</a:t>
+            </a:r>
+            <a:r>
+              <a:rPr lang="fr-FR" dirty="0"/>
+              <a:t>/</a:t>
+            </a:r>
+            <a:r>
+              <a:rPr lang="fr-FR" dirty="0" err="1"/>
+              <a:t>engine</a:t>
+            </a:r>
+            <a:r>
+              <a:rPr lang="fr-FR" dirty="0"/>
+              <a:t>/</a:t>
+            </a:r>
+            <a:r>
+              <a:rPr lang="fr-FR" dirty="0" err="1"/>
+              <a:t>reference</a:t>
+            </a:r>
+            <a:r>
+              <a:rPr lang="fr-FR" dirty="0"/>
+              <a:t>/</a:t>
+            </a:r>
+            <a:r>
+              <a:rPr lang="fr-FR" dirty="0" err="1"/>
+              <a:t>builder</a:t>
+            </a:r>
+            <a:r>
+              <a:rPr lang="fr-FR" dirty="0"/>
+              <a:t>/#</a:t>
+            </a:r>
+            <a:r>
+              <a:rPr lang="fr-FR" dirty="0" err="1"/>
+              <a:t>from</a:t>
+            </a:r>
+            <a:endParaRPr lang="fr-FR" dirty="0"/>
           </a:p>
         </p:txBody>
       </p:sp>
     </p:spTree>
     <p:extLst>
       <p:ext uri="{BB962C8B-B14F-4D97-AF65-F5344CB8AC3E}">
-        <p14:creationId xmlns:p14="http://schemas.microsoft.com/office/powerpoint/2010/main" val="1241235407"/>
+        <p14:creationId xmlns:p14="http://schemas.microsoft.com/office/powerpoint/2010/main" val="2476534500"/>
       </p:ext>
     </p:extLst>
   </p:cSld>
@@ -8694,6 +9530,14 @@
 <file path=ppt/slides/slide21.xml><?xml version="1.0" encoding="utf-8"?>
 <p:sld xmlns:a="http://schemas.openxmlformats.org/drawingml/2006/main" xmlns:r="http://schemas.openxmlformats.org/officeDocument/2006/relationships" xmlns:p="http://schemas.openxmlformats.org/presentationml/2006/main">
   <p:cSld>
+    <p:bg>
+      <p:bgPr>
+        <a:solidFill>
+          <a:schemeClr val="bg1"/>
+        </a:solidFill>
+        <a:effectLst/>
+      </p:bgPr>
+    </p:bg>
     <p:spTree>
       <p:nvGrpSpPr>
         <p:cNvPr id="1" name=""/>
@@ -8708,12 +9552,264 @@
           <a:chExt cx="0" cy="0"/>
         </a:xfrm>
       </p:grpSpPr>
+      <p:sp useBgFill="1">
+        <p:nvSpPr>
+          <p:cNvPr id="8" name="Rectangle 7">
+            <a:extLst>
+              <a:ext uri="{FF2B5EF4-FFF2-40B4-BE49-F238E27FC236}">
+                <a16:creationId xmlns:a16="http://schemas.microsoft.com/office/drawing/2014/main" id="{DAF1966E-FD40-4A4A-B61B-C4DF7FA05F06}"/>
+              </a:ext>
+              <a:ext uri="{C183D7F6-B498-43B3-948B-1728B52AA6E4}">
+                <adec:decorative xmlns:adec="http://schemas.microsoft.com/office/drawing/2017/decorative" val="1"/>
+              </a:ext>
+            </a:extLst>
+          </p:cNvPr>
+          <p:cNvSpPr>
+            <a:spLocks noGrp="1" noRot="1" noChangeAspect="1" noMove="1" noResize="1" noEditPoints="1" noAdjustHandles="1" noChangeArrowheads="1" noChangeShapeType="1" noTextEdit="1"/>
+          </p:cNvSpPr>
+          <p:nvPr>
+            <p:extLst>
+              <p:ext uri="{386F3935-93C4-4BCD-93E2-E3B085C9AB24}">
+                <p16:designElem xmlns:p16="http://schemas.microsoft.com/office/powerpoint/2015/main" val="1"/>
+              </p:ext>
+            </p:extLst>
+          </p:nvPr>
+        </p:nvSpPr>
+        <p:spPr>
+          <a:xfrm>
+            <a:off x="0" y="0"/>
+            <a:ext cx="12192000" cy="6858000"/>
+          </a:xfrm>
+          <a:prstGeom prst="rect">
+            <a:avLst/>
+          </a:prstGeom>
+          <a:ln>
+            <a:noFill/>
+          </a:ln>
+        </p:spPr>
+        <p:style>
+          <a:lnRef idx="2">
+            <a:schemeClr val="accent1">
+              <a:shade val="50000"/>
+            </a:schemeClr>
+          </a:lnRef>
+          <a:fillRef idx="1">
+            <a:schemeClr val="accent1"/>
+          </a:fillRef>
+          <a:effectRef idx="0">
+            <a:schemeClr val="accent1"/>
+          </a:effectRef>
+          <a:fontRef idx="minor">
+            <a:schemeClr val="lt1"/>
+          </a:fontRef>
+        </p:style>
+        <p:txBody>
+          <a:bodyPr rtlCol="0" anchor="ctr"/>
+          <a:lstStyle/>
+          <a:p>
+            <a:pPr algn="ctr"/>
+            <a:endParaRPr lang="en-US"/>
+          </a:p>
+        </p:txBody>
+      </p:sp>
+      <p:sp useBgFill="1">
+        <p:nvSpPr>
+          <p:cNvPr id="10" name="Rectangle 9">
+            <a:extLst>
+              <a:ext uri="{FF2B5EF4-FFF2-40B4-BE49-F238E27FC236}">
+                <a16:creationId xmlns:a16="http://schemas.microsoft.com/office/drawing/2014/main" id="{047BFA19-D45E-416B-A404-7AF2F3F27017}"/>
+              </a:ext>
+              <a:ext uri="{C183D7F6-B498-43B3-948B-1728B52AA6E4}">
+                <adec:decorative xmlns:adec="http://schemas.microsoft.com/office/drawing/2017/decorative" val="1"/>
+              </a:ext>
+            </a:extLst>
+          </p:cNvPr>
+          <p:cNvSpPr>
+            <a:spLocks noGrp="1" noRot="1" noChangeAspect="1" noMove="1" noResize="1" noEditPoints="1" noAdjustHandles="1" noChangeArrowheads="1" noChangeShapeType="1" noTextEdit="1"/>
+          </p:cNvSpPr>
+          <p:nvPr>
+            <p:extLst>
+              <p:ext uri="{386F3935-93C4-4BCD-93E2-E3B085C9AB24}">
+                <p16:designElem xmlns:p16="http://schemas.microsoft.com/office/powerpoint/2015/main" val="1"/>
+              </p:ext>
+            </p:extLst>
+          </p:nvPr>
+        </p:nvSpPr>
+        <p:spPr>
+          <a:xfrm>
+            <a:off x="558209" y="0"/>
+            <a:ext cx="11167447" cy="2018806"/>
+          </a:xfrm>
+          <a:prstGeom prst="rect">
+            <a:avLst/>
+          </a:prstGeom>
+          <a:ln w="9525">
+            <a:solidFill>
+              <a:schemeClr val="tx2">
+                <a:lumMod val="10000"/>
+                <a:lumOff val="90000"/>
+              </a:schemeClr>
+            </a:solidFill>
+          </a:ln>
+          <a:effectLst>
+            <a:outerShdw blurRad="50800" dist="38100" dir="2700000" algn="tl" rotWithShape="0">
+              <a:schemeClr val="bg1">
+                <a:lumMod val="85000"/>
+                <a:alpha val="30000"/>
+              </a:schemeClr>
+            </a:outerShdw>
+          </a:effectLst>
+        </p:spPr>
+        <p:style>
+          <a:lnRef idx="2">
+            <a:schemeClr val="accent1">
+              <a:shade val="50000"/>
+            </a:schemeClr>
+          </a:lnRef>
+          <a:fillRef idx="1">
+            <a:schemeClr val="accent1"/>
+          </a:fillRef>
+          <a:effectRef idx="0">
+            <a:schemeClr val="accent1"/>
+          </a:effectRef>
+          <a:fontRef idx="minor">
+            <a:schemeClr val="lt1"/>
+          </a:fontRef>
+        </p:style>
+        <p:txBody>
+          <a:bodyPr rtlCol="0" anchor="ctr"/>
+          <a:lstStyle/>
+          <a:p>
+            <a:pPr marL="0" marR="0" lvl="0" indent="0" algn="ctr" defTabSz="914400" rtl="0" eaLnBrk="1" fontAlgn="auto" latinLnBrk="0" hangingPunct="1">
+              <a:lnSpc>
+                <a:spcPct val="100000"/>
+              </a:lnSpc>
+              <a:spcBef>
+                <a:spcPts val="0"/>
+              </a:spcBef>
+              <a:spcAft>
+                <a:spcPts val="0"/>
+              </a:spcAft>
+              <a:buClrTx/>
+              <a:buSzTx/>
+              <a:buFontTx/>
+              <a:buNone/>
+              <a:tabLst/>
+              <a:defRPr/>
+            </a:pPr>
+            <a:endParaRPr kumimoji="0" lang="en-US" sz="1800" b="0" i="0" u="none" strike="noStrike" kern="1200" cap="none" spc="0" normalizeH="0" baseline="0" noProof="0">
+              <a:ln>
+                <a:noFill/>
+              </a:ln>
+              <a:solidFill>
+                <a:prstClr val="white"/>
+              </a:solidFill>
+              <a:effectLst/>
+              <a:uLnTx/>
+              <a:uFillTx/>
+              <a:latin typeface="Calibri" panose="020F0502020204030204"/>
+              <a:ea typeface="+mn-ea"/>
+              <a:cs typeface="+mn-cs"/>
+            </a:endParaRPr>
+          </a:p>
+        </p:txBody>
+      </p:sp>
+      <p:sp useBgFill="1">
+        <p:nvSpPr>
+          <p:cNvPr id="12" name="Rectangle 11">
+            <a:extLst>
+              <a:ext uri="{FF2B5EF4-FFF2-40B4-BE49-F238E27FC236}">
+                <a16:creationId xmlns:a16="http://schemas.microsoft.com/office/drawing/2014/main" id="{8E0105E7-23DB-4CF2-8258-FF47C7620F6E}"/>
+              </a:ext>
+              <a:ext uri="{C183D7F6-B498-43B3-948B-1728B52AA6E4}">
+                <adec:decorative xmlns:adec="http://schemas.microsoft.com/office/drawing/2017/decorative" val="1"/>
+              </a:ext>
+            </a:extLst>
+          </p:cNvPr>
+          <p:cNvSpPr>
+            <a:spLocks noGrp="1" noRot="1" noChangeAspect="1" noMove="1" noResize="1" noEditPoints="1" noAdjustHandles="1" noChangeArrowheads="1" noChangeShapeType="1" noTextEdit="1"/>
+          </p:cNvSpPr>
+          <p:nvPr>
+            <p:extLst>
+              <p:ext uri="{386F3935-93C4-4BCD-93E2-E3B085C9AB24}">
+                <p16:designElem xmlns:p16="http://schemas.microsoft.com/office/powerpoint/2015/main" val="1"/>
+              </p:ext>
+            </p:extLst>
+          </p:nvPr>
+        </p:nvSpPr>
+        <p:spPr>
+          <a:xfrm>
+            <a:off x="566928" y="0"/>
+            <a:ext cx="11155680" cy="2011680"/>
+          </a:xfrm>
+          <a:prstGeom prst="rect">
+            <a:avLst/>
+          </a:prstGeom>
+          <a:ln w="9525">
+            <a:noFill/>
+          </a:ln>
+          <a:effectLst/>
+        </p:spPr>
+        <p:style>
+          <a:lnRef idx="2">
+            <a:schemeClr val="accent1">
+              <a:shade val="50000"/>
+            </a:schemeClr>
+          </a:lnRef>
+          <a:fillRef idx="1">
+            <a:schemeClr val="accent1"/>
+          </a:fillRef>
+          <a:effectRef idx="0">
+            <a:schemeClr val="accent1"/>
+          </a:effectRef>
+          <a:fontRef idx="minor">
+            <a:schemeClr val="lt1"/>
+          </a:fontRef>
+        </p:style>
+        <p:txBody>
+          <a:bodyPr rtlCol="0" anchor="ctr"/>
+          <a:lstStyle/>
+          <a:p>
+            <a:pPr marL="0" marR="0" lvl="0" indent="0" algn="ctr" defTabSz="914400" rtl="0" eaLnBrk="1" fontAlgn="auto" latinLnBrk="0" hangingPunct="1">
+              <a:lnSpc>
+                <a:spcPct val="100000"/>
+              </a:lnSpc>
+              <a:spcBef>
+                <a:spcPts val="0"/>
+              </a:spcBef>
+              <a:spcAft>
+                <a:spcPts val="0"/>
+              </a:spcAft>
+              <a:buClrTx/>
+              <a:buSzTx/>
+              <a:buFontTx/>
+              <a:buNone/>
+              <a:tabLst/>
+              <a:defRPr/>
+            </a:pPr>
+            <a:endParaRPr kumimoji="0" lang="en-US" sz="1800" b="0" i="0" u="none" strike="noStrike" kern="1200" cap="none" spc="0" normalizeH="0" baseline="0" noProof="0">
+              <a:ln>
+                <a:noFill/>
+              </a:ln>
+              <a:solidFill>
+                <a:prstClr val="white"/>
+              </a:solidFill>
+              <a:effectLst/>
+              <a:uLnTx/>
+              <a:uFillTx/>
+              <a:latin typeface="Calibri" panose="020F0502020204030204"/>
+              <a:ea typeface="+mn-ea"/>
+              <a:cs typeface="+mn-cs"/>
+            </a:endParaRPr>
+          </a:p>
+        </p:txBody>
+      </p:sp>
       <p:sp>
         <p:nvSpPr>
           <p:cNvPr id="2" name="Titre 1">
             <a:extLst>
               <a:ext uri="{FF2B5EF4-FFF2-40B4-BE49-F238E27FC236}">
-                <a16:creationId xmlns:a16="http://schemas.microsoft.com/office/drawing/2014/main" id="{1CA49824-C98C-2A49-93A7-8910A5FD0440}"/>
+                <a16:creationId xmlns:a16="http://schemas.microsoft.com/office/drawing/2014/main" id="{958A140D-4676-5E46-B2D2-D3630879502E}"/>
               </a:ext>
             </a:extLst>
           </p:cNvPr>
@@ -8724,22 +9820,217 @@
             <p:ph type="title"/>
           </p:nvPr>
         </p:nvSpPr>
-        <p:spPr/>
-        <p:txBody>
-          <a:bodyPr/>
-          <a:lstStyle/>
-          <a:p>
-            <a:r>
-              <a:rPr lang="fr-FR" dirty="0"/>
-              <a:t>Utiliser Docker dans un projet</a:t>
-            </a:r>
+        <p:spPr>
+          <a:xfrm>
+            <a:off x="1115568" y="548640"/>
+            <a:ext cx="10168128" cy="1179576"/>
+          </a:xfrm>
+        </p:spPr>
+        <p:txBody>
+          <a:bodyPr>
+            <a:normAutofit/>
+          </a:bodyPr>
+          <a:lstStyle/>
+          <a:p>
+            <a:r>
+              <a:rPr lang="fr-FR" sz="2400" dirty="0"/>
+              <a:t>Image de base</a:t>
+            </a:r>
+          </a:p>
+        </p:txBody>
+      </p:sp>
+      <p:sp>
+        <p:nvSpPr>
+          <p:cNvPr id="14" name="Rectangle 13">
+            <a:extLst>
+              <a:ext uri="{FF2B5EF4-FFF2-40B4-BE49-F238E27FC236}">
+                <a16:creationId xmlns:a16="http://schemas.microsoft.com/office/drawing/2014/main" id="{074B4F7D-14B2-478B-8BF5-01E4E0C5D263}"/>
+              </a:ext>
+              <a:ext uri="{C183D7F6-B498-43B3-948B-1728B52AA6E4}">
+                <adec:decorative xmlns:adec="http://schemas.microsoft.com/office/drawing/2017/decorative" val="1"/>
+              </a:ext>
+            </a:extLst>
+          </p:cNvPr>
+          <p:cNvSpPr>
+            <a:spLocks noGrp="1" noRot="1" noChangeAspect="1" noMove="1" noResize="1" noEditPoints="1" noAdjustHandles="1" noChangeArrowheads="1" noChangeShapeType="1" noTextEdit="1"/>
+          </p:cNvSpPr>
+          <p:nvPr>
+            <p:extLst>
+              <p:ext uri="{386F3935-93C4-4BCD-93E2-E3B085C9AB24}">
+                <p16:designElem xmlns:p16="http://schemas.microsoft.com/office/powerpoint/2015/main" val="1"/>
+              </p:ext>
+            </p:extLst>
+          </p:nvPr>
+        </p:nvSpPr>
+        <p:spPr>
+          <a:xfrm>
+            <a:off x="498834" y="758952"/>
+            <a:ext cx="128016" cy="704088"/>
+          </a:xfrm>
+          <a:prstGeom prst="rect">
+            <a:avLst/>
+          </a:prstGeom>
+          <a:solidFill>
+            <a:schemeClr val="accent1"/>
+          </a:solidFill>
+          <a:ln>
+            <a:noFill/>
+          </a:ln>
+        </p:spPr>
+        <p:style>
+          <a:lnRef idx="2">
+            <a:schemeClr val="accent1">
+              <a:shade val="50000"/>
+            </a:schemeClr>
+          </a:lnRef>
+          <a:fillRef idx="1">
+            <a:schemeClr val="accent1"/>
+          </a:fillRef>
+          <a:effectRef idx="0">
+            <a:schemeClr val="accent1"/>
+          </a:effectRef>
+          <a:fontRef idx="minor">
+            <a:schemeClr val="lt1"/>
+          </a:fontRef>
+        </p:style>
+        <p:txBody>
+          <a:bodyPr rtlCol="0" anchor="ctr"/>
+          <a:lstStyle/>
+          <a:p>
+            <a:pPr marL="0" marR="0" lvl="0" indent="0" algn="ctr" defTabSz="914400" rtl="0" eaLnBrk="1" fontAlgn="auto" latinLnBrk="0" hangingPunct="1">
+              <a:lnSpc>
+                <a:spcPct val="100000"/>
+              </a:lnSpc>
+              <a:spcBef>
+                <a:spcPts val="0"/>
+              </a:spcBef>
+              <a:spcAft>
+                <a:spcPts val="0"/>
+              </a:spcAft>
+              <a:buClrTx/>
+              <a:buSzTx/>
+              <a:buFontTx/>
+              <a:buNone/>
+              <a:tabLst/>
+              <a:defRPr/>
+            </a:pPr>
+            <a:endParaRPr kumimoji="0" lang="en-US" sz="1800" b="0" i="0" u="none" strike="noStrike" kern="1200" cap="none" spc="0" normalizeH="0" baseline="0" noProof="0">
+              <a:ln>
+                <a:noFill/>
+              </a:ln>
+              <a:solidFill>
+                <a:prstClr val="white"/>
+              </a:solidFill>
+              <a:effectLst/>
+              <a:uLnTx/>
+              <a:uFillTx/>
+              <a:latin typeface="Calibri" panose="020F0502020204030204"/>
+              <a:ea typeface="+mn-ea"/>
+              <a:cs typeface="+mn-cs"/>
+            </a:endParaRPr>
+          </a:p>
+        </p:txBody>
+      </p:sp>
+      <p:sp>
+        <p:nvSpPr>
+          <p:cNvPr id="3" name="Espace réservé du contenu 2">
+            <a:extLst>
+              <a:ext uri="{FF2B5EF4-FFF2-40B4-BE49-F238E27FC236}">
+                <a16:creationId xmlns:a16="http://schemas.microsoft.com/office/drawing/2014/main" id="{81EB4BC2-F8CA-B84A-8112-65BDB4EA3D12}"/>
+              </a:ext>
+            </a:extLst>
+          </p:cNvPr>
+          <p:cNvSpPr>
+            <a:spLocks noGrp="1"/>
+          </p:cNvSpPr>
+          <p:nvPr>
+            <p:ph idx="1"/>
+          </p:nvPr>
+        </p:nvSpPr>
+        <p:spPr>
+          <a:xfrm>
+            <a:off x="566928" y="2487168"/>
+            <a:ext cx="10168128" cy="3695020"/>
+          </a:xfrm>
+        </p:spPr>
+        <p:txBody>
+          <a:bodyPr>
+            <a:normAutofit/>
+          </a:bodyPr>
+          <a:lstStyle/>
+          <a:p>
+            <a:pPr marL="0" indent="0" algn="just">
+              <a:buNone/>
+            </a:pPr>
+            <a:r>
+              <a:rPr lang="fr-FR" sz="1400" dirty="0"/>
+              <a:t>L’image de base est importante: elle définit à quoi ressemblera notre container avant que l’on effectue nos propre actions</a:t>
+            </a:r>
+          </a:p>
+          <a:p>
+            <a:pPr marL="0" indent="0" algn="just">
+              <a:buNone/>
+            </a:pPr>
+            <a:endParaRPr lang="fr-FR" sz="1400" dirty="0"/>
+          </a:p>
+          <a:p>
+            <a:pPr marL="0" indent="0" algn="just">
+              <a:buNone/>
+            </a:pPr>
+            <a:r>
+              <a:rPr lang="fr-FR" sz="1400" dirty="0"/>
+              <a:t>Dans notre exemple, l’image spécifiée étant une image PHP, le container aura </a:t>
+            </a:r>
+            <a:r>
+              <a:rPr lang="fr-FR" sz="1400" dirty="0" err="1"/>
+              <a:t>php</a:t>
+            </a:r>
+            <a:r>
+              <a:rPr lang="fr-FR" sz="1400" dirty="0"/>
+              <a:t> installé et configuré. Nous pouvons ensuite télécharger les dépendances que l’on souhaite, lancer des commandes, </a:t>
+            </a:r>
+            <a:r>
+              <a:rPr lang="fr-FR" sz="1400" dirty="0" err="1"/>
+              <a:t>etc</a:t>
+            </a:r>
+            <a:r>
+              <a:rPr lang="fr-FR" sz="1400" dirty="0"/>
+              <a:t> </a:t>
+            </a:r>
+          </a:p>
+          <a:p>
+            <a:pPr marL="0" indent="0" algn="just">
+              <a:buNone/>
+            </a:pPr>
+            <a:endParaRPr lang="fr-FR" sz="1400" dirty="0"/>
+          </a:p>
+          <a:p>
+            <a:pPr marL="0" indent="0" algn="just">
+              <a:buNone/>
+            </a:pPr>
+            <a:r>
+              <a:rPr lang="fr-FR" sz="1400" dirty="0"/>
+              <a:t>Il existe des images de bases pour chaque situation ou langage (Python, Redis, </a:t>
+            </a:r>
+            <a:r>
+              <a:rPr lang="fr-FR" sz="1400" dirty="0" err="1"/>
+              <a:t>Node</a:t>
+            </a:r>
+            <a:r>
+              <a:rPr lang="fr-FR" sz="1400" dirty="0"/>
+              <a:t>, MySQL…) </a:t>
+            </a:r>
+          </a:p>
+          <a:p>
+            <a:pPr algn="just"/>
+            <a:endParaRPr lang="fr-FR" sz="1400" dirty="0"/>
           </a:p>
         </p:txBody>
       </p:sp>
     </p:spTree>
     <p:extLst>
       <p:ext uri="{BB962C8B-B14F-4D97-AF65-F5344CB8AC3E}">
-        <p14:creationId xmlns:p14="http://schemas.microsoft.com/office/powerpoint/2010/main" val="4104799575"/>
+        <p14:creationId xmlns:p14="http://schemas.microsoft.com/office/powerpoint/2010/main" val="1985115113"/>
       </p:ext>
     </p:extLst>
   </p:cSld>
@@ -8771,7 +10062,7 @@
           <p:cNvPr id="2" name="Titre 1">
             <a:extLst>
               <a:ext uri="{FF2B5EF4-FFF2-40B4-BE49-F238E27FC236}">
-                <a16:creationId xmlns:a16="http://schemas.microsoft.com/office/drawing/2014/main" id="{8A5CAF97-F55F-3640-AA44-33911C68C1CD}"/>
+                <a16:creationId xmlns:a16="http://schemas.microsoft.com/office/drawing/2014/main" id="{5489D3BA-593A-D948-ACD8-43F05A0E8FD5}"/>
               </a:ext>
             </a:extLst>
           </p:cNvPr>
@@ -8784,20 +10075,52 @@
         </p:nvSpPr>
         <p:spPr/>
         <p:txBody>
+          <a:bodyPr>
+            <a:normAutofit/>
+          </a:bodyPr>
+          <a:lstStyle/>
+          <a:p>
+            <a:r>
+              <a:rPr lang="fr-FR" sz="2400" dirty="0"/>
+              <a:t>Mise en cache</a:t>
+            </a:r>
+          </a:p>
+        </p:txBody>
+      </p:sp>
+      <p:sp>
+        <p:nvSpPr>
+          <p:cNvPr id="3" name="Espace réservé du contenu 2">
+            <a:extLst>
+              <a:ext uri="{FF2B5EF4-FFF2-40B4-BE49-F238E27FC236}">
+                <a16:creationId xmlns:a16="http://schemas.microsoft.com/office/drawing/2014/main" id="{283FAF19-9060-5D4A-B47C-7DDF5FE0AEDA}"/>
+              </a:ext>
+            </a:extLst>
+          </p:cNvPr>
+          <p:cNvSpPr>
+            <a:spLocks noGrp="1"/>
+          </p:cNvSpPr>
+          <p:nvPr>
+            <p:ph idx="1"/>
+          </p:nvPr>
+        </p:nvSpPr>
+        <p:spPr>
+          <a:xfrm>
+            <a:off x="550506" y="2435290"/>
+            <a:ext cx="10733190" cy="3736910"/>
+          </a:xfrm>
+        </p:spPr>
+        <p:txBody>
           <a:bodyPr/>
           <a:lstStyle/>
           <a:p>
-            <a:r>
-              <a:rPr lang="fr-FR" dirty="0"/>
-              <a:t>Docker Compose</a:t>
-            </a:r>
+            <a:endParaRPr lang="fr-FR" dirty="0"/>
           </a:p>
         </p:txBody>
       </p:sp>
     </p:spTree>
     <p:extLst>
       <p:ext uri="{BB962C8B-B14F-4D97-AF65-F5344CB8AC3E}">
-        <p14:creationId xmlns:p14="http://schemas.microsoft.com/office/powerpoint/2010/main" val="67114313"/>
+        <p14:creationId xmlns:p14="http://schemas.microsoft.com/office/powerpoint/2010/main" val="3778925602"/>
       </p:ext>
     </p:extLst>
   </p:cSld>
@@ -8829,7 +10152,7 @@
           <p:cNvPr id="2" name="Titre 1">
             <a:extLst>
               <a:ext uri="{FF2B5EF4-FFF2-40B4-BE49-F238E27FC236}">
-                <a16:creationId xmlns:a16="http://schemas.microsoft.com/office/drawing/2014/main" id="{94368B1A-B008-4E46-97F9-DCE229137AF0}"/>
+                <a16:creationId xmlns:a16="http://schemas.microsoft.com/office/drawing/2014/main" id="{470D6994-6EF4-5F48-B5C8-6D9EFF63B28C}"/>
               </a:ext>
             </a:extLst>
           </p:cNvPr>
@@ -8842,20 +10165,47 @@
         </p:nvSpPr>
         <p:spPr/>
         <p:txBody>
+          <a:bodyPr>
+            <a:normAutofit/>
+          </a:bodyPr>
+          <a:lstStyle/>
+          <a:p>
+            <a:r>
+              <a:rPr lang="fr-FR" sz="2400" dirty="0"/>
+              <a:t>Tagger une image</a:t>
+            </a:r>
+          </a:p>
+        </p:txBody>
+      </p:sp>
+      <p:sp>
+        <p:nvSpPr>
+          <p:cNvPr id="3" name="Espace réservé du contenu 2">
+            <a:extLst>
+              <a:ext uri="{FF2B5EF4-FFF2-40B4-BE49-F238E27FC236}">
+                <a16:creationId xmlns:a16="http://schemas.microsoft.com/office/drawing/2014/main" id="{EC71024D-0ACF-1E49-A021-EB83E1B4748F}"/>
+              </a:ext>
+            </a:extLst>
+          </p:cNvPr>
+          <p:cNvSpPr>
+            <a:spLocks noGrp="1"/>
+          </p:cNvSpPr>
+          <p:nvPr>
+            <p:ph idx="1"/>
+          </p:nvPr>
+        </p:nvSpPr>
+        <p:spPr/>
+        <p:txBody>
           <a:bodyPr/>
           <a:lstStyle/>
           <a:p>
-            <a:r>
-              <a:rPr lang="fr-FR" dirty="0"/>
-              <a:t>App multi containers</a:t>
-            </a:r>
+            <a:endParaRPr lang="fr-FR"/>
           </a:p>
         </p:txBody>
       </p:sp>
     </p:spTree>
     <p:extLst>
       <p:ext uri="{BB962C8B-B14F-4D97-AF65-F5344CB8AC3E}">
-        <p14:creationId xmlns:p14="http://schemas.microsoft.com/office/powerpoint/2010/main" val="529074142"/>
+        <p14:creationId xmlns:p14="http://schemas.microsoft.com/office/powerpoint/2010/main" val="3185141783"/>
       </p:ext>
     </p:extLst>
   </p:cSld>
@@ -8887,7 +10237,7 @@
           <p:cNvPr id="2" name="Titre 1">
             <a:extLst>
               <a:ext uri="{FF2B5EF4-FFF2-40B4-BE49-F238E27FC236}">
-                <a16:creationId xmlns:a16="http://schemas.microsoft.com/office/drawing/2014/main" id="{972677CB-D558-764A-AB20-72D2F2F17530}"/>
+                <a16:creationId xmlns:a16="http://schemas.microsoft.com/office/drawing/2014/main" id="{23720B2E-8412-CB43-B222-94CF7309251C}"/>
               </a:ext>
             </a:extLst>
           </p:cNvPr>
@@ -8903,17 +10253,82 @@
           <a:bodyPr/>
           <a:lstStyle/>
           <a:p>
+            <a:endParaRPr lang="fr-FR"/>
+          </a:p>
+        </p:txBody>
+      </p:sp>
+      <p:sp>
+        <p:nvSpPr>
+          <p:cNvPr id="3" name="Espace réservé du contenu 2">
+            <a:extLst>
+              <a:ext uri="{FF2B5EF4-FFF2-40B4-BE49-F238E27FC236}">
+                <a16:creationId xmlns:a16="http://schemas.microsoft.com/office/drawing/2014/main" id="{C5271768-5885-2449-A0DA-6B54EA0760B6}"/>
+              </a:ext>
+            </a:extLst>
+          </p:cNvPr>
+          <p:cNvSpPr>
+            <a:spLocks noGrp="1"/>
+          </p:cNvSpPr>
+          <p:nvPr>
+            <p:ph idx="1"/>
+          </p:nvPr>
+        </p:nvSpPr>
+        <p:spPr/>
+        <p:txBody>
+          <a:bodyPr/>
+          <a:lstStyle/>
+          <a:p>
             <a:r>
               <a:rPr lang="fr-FR" dirty="0"/>
-              <a:t>Production Workflow</a:t>
-            </a:r>
+              <a:t>Exo (créer une image NodeJs pour lancer un projet express)</a:t>
+            </a:r>
+          </a:p>
+          <a:p>
+            <a:r>
+              <a:rPr lang="fr-FR" dirty="0"/>
+              <a:t>Refourguer le projet </a:t>
+            </a:r>
+            <a:r>
+              <a:rPr lang="fr-FR" dirty="0" err="1"/>
+              <a:t>star_wars</a:t>
+            </a:r>
+            <a:endParaRPr lang="fr-FR" dirty="0"/>
+          </a:p>
+          <a:p>
+            <a:r>
+              <a:rPr lang="fr-FR" dirty="0" err="1"/>
+              <a:t>Dockeriser</a:t>
+            </a:r>
+            <a:r>
+              <a:rPr lang="fr-FR" dirty="0"/>
+              <a:t> le projet avec docker-compose (modifier la connexion à la DB pour utiliser les </a:t>
+            </a:r>
+            <a:r>
+              <a:rPr lang="fr-FR" dirty="0" err="1"/>
+              <a:t>env</a:t>
+            </a:r>
+            <a:r>
+              <a:rPr lang="fr-FR" dirty="0"/>
+              <a:t> du docker-compose)</a:t>
+            </a:r>
+          </a:p>
+          <a:p>
+            <a:r>
+              <a:rPr lang="fr-FR" dirty="0"/>
+              <a:t>Transformer le projet en cluster </a:t>
+            </a:r>
+            <a:r>
+              <a:rPr lang="fr-FR" dirty="0" err="1"/>
+              <a:t>kubernetes</a:t>
+            </a:r>
+            <a:endParaRPr lang="fr-FR" dirty="0"/>
           </a:p>
         </p:txBody>
       </p:sp>
     </p:spTree>
     <p:extLst>
       <p:ext uri="{BB962C8B-B14F-4D97-AF65-F5344CB8AC3E}">
-        <p14:creationId xmlns:p14="http://schemas.microsoft.com/office/powerpoint/2010/main" val="208111951"/>
+        <p14:creationId xmlns:p14="http://schemas.microsoft.com/office/powerpoint/2010/main" val="2126954354"/>
       </p:ext>
     </p:extLst>
   </p:cSld>
@@ -8945,7 +10360,7 @@
           <p:cNvPr id="2" name="Titre 1">
             <a:extLst>
               <a:ext uri="{FF2B5EF4-FFF2-40B4-BE49-F238E27FC236}">
-                <a16:creationId xmlns:a16="http://schemas.microsoft.com/office/drawing/2014/main" id="{C2BDCA75-1104-164A-BCF5-8F65D188CD59}"/>
+                <a16:creationId xmlns:a16="http://schemas.microsoft.com/office/drawing/2014/main" id="{8A5CAF97-F55F-3640-AA44-33911C68C1CD}"/>
               </a:ext>
             </a:extLst>
           </p:cNvPr>
@@ -8954,34 +10369,6 @@
           </p:cNvSpPr>
           <p:nvPr>
             <p:ph type="title"/>
-          </p:nvPr>
-        </p:nvSpPr>
-        <p:spPr/>
-        <p:txBody>
-          <a:bodyPr/>
-          <a:lstStyle/>
-          <a:p>
-            <a:r>
-              <a:rPr lang="fr-FR" dirty="0"/>
-              <a:t>Sommaire deuxième partie</a:t>
-            </a:r>
-          </a:p>
-        </p:txBody>
-      </p:sp>
-      <p:sp>
-        <p:nvSpPr>
-          <p:cNvPr id="3" name="Espace réservé du contenu 2">
-            <a:extLst>
-              <a:ext uri="{FF2B5EF4-FFF2-40B4-BE49-F238E27FC236}">
-                <a16:creationId xmlns:a16="http://schemas.microsoft.com/office/drawing/2014/main" id="{313E1D13-E952-8642-972A-021CF734CC27}"/>
-              </a:ext>
-            </a:extLst>
-          </p:cNvPr>
-          <p:cNvSpPr>
-            <a:spLocks noGrp="1"/>
-          </p:cNvSpPr>
-          <p:nvPr>
-            <p:ph idx="1"/>
           </p:nvPr>
         </p:nvSpPr>
         <p:spPr/>
@@ -8992,79 +10379,8 @@
           <a:lstStyle/>
           <a:p>
             <a:r>
-              <a:rPr lang="fr-FR" sz="1600" dirty="0"/>
-              <a:t>Qu’est ce que Kubernetes</a:t>
-            </a:r>
-          </a:p>
-          <a:p>
-            <a:r>
-              <a:rPr lang="fr-FR" sz="1600" dirty="0"/>
-              <a:t>Pourquoi utiliser Kubernetes</a:t>
-            </a:r>
-          </a:p>
-          <a:p>
-            <a:r>
-              <a:rPr lang="fr-FR" sz="1600" dirty="0"/>
-              <a:t>Installer Kubernetes</a:t>
-            </a:r>
-          </a:p>
-          <a:p>
-            <a:r>
-              <a:rPr lang="fr-FR" sz="1600" dirty="0"/>
-              <a:t>Qu’est-ce qu’un </a:t>
-            </a:r>
-            <a:r>
-              <a:rPr lang="fr-FR" sz="1600" dirty="0" err="1"/>
-              <a:t>pod</a:t>
-            </a:r>
-            <a:endParaRPr lang="fr-FR" sz="1600" dirty="0"/>
-          </a:p>
-          <a:p>
-            <a:r>
-              <a:rPr lang="fr-FR" sz="1600" dirty="0"/>
-              <a:t>Qu’est ce qu’un service</a:t>
-            </a:r>
-          </a:p>
-          <a:p>
-            <a:r>
-              <a:rPr lang="fr-FR" sz="1600" dirty="0"/>
-              <a:t>Qu’est ce qu’un </a:t>
-            </a:r>
-            <a:r>
-              <a:rPr lang="fr-FR" sz="1600" dirty="0" err="1"/>
-              <a:t>deployment</a:t>
-            </a:r>
-            <a:endParaRPr lang="fr-FR" sz="1600" dirty="0"/>
-          </a:p>
-          <a:p>
-            <a:r>
-              <a:rPr lang="fr-FR" sz="1600" dirty="0"/>
-              <a:t>App multi containers avec Kubernetes</a:t>
-            </a:r>
-          </a:p>
-          <a:p>
-            <a:r>
-              <a:rPr lang="fr-FR" sz="1600" dirty="0"/>
-              <a:t>Gérer le trafic avec </a:t>
-            </a:r>
-            <a:r>
-              <a:rPr lang="fr-FR" sz="1600" dirty="0" err="1"/>
-              <a:t>Ingress</a:t>
-            </a:r>
-            <a:endParaRPr lang="fr-FR" sz="1600" dirty="0"/>
-          </a:p>
-          <a:p>
-            <a:r>
-              <a:rPr lang="fr-FR" sz="1600" dirty="0"/>
-              <a:t>Déployer une </a:t>
-            </a:r>
-            <a:r>
-              <a:rPr lang="fr-FR" sz="1600" dirty="0" err="1"/>
-              <a:t>app</a:t>
-            </a:r>
-            <a:r>
-              <a:rPr lang="fr-FR" sz="1600" dirty="0"/>
-              <a:t> Kubernetes</a:t>
+              <a:rPr lang="fr-FR" sz="2400" dirty="0"/>
+              <a:t>Docker Compose</a:t>
             </a:r>
           </a:p>
         </p:txBody>
@@ -9072,7 +10388,7 @@
     </p:spTree>
     <p:extLst>
       <p:ext uri="{BB962C8B-B14F-4D97-AF65-F5344CB8AC3E}">
-        <p14:creationId xmlns:p14="http://schemas.microsoft.com/office/powerpoint/2010/main" val="3804636423"/>
+        <p14:creationId xmlns:p14="http://schemas.microsoft.com/office/powerpoint/2010/main" val="67114313"/>
       </p:ext>
     </p:extLst>
   </p:cSld>
@@ -9104,7 +10420,7 @@
           <p:cNvPr id="2" name="Titre 1">
             <a:extLst>
               <a:ext uri="{FF2B5EF4-FFF2-40B4-BE49-F238E27FC236}">
-                <a16:creationId xmlns:a16="http://schemas.microsoft.com/office/drawing/2014/main" id="{BB13A1BC-7254-9840-9BF3-C8DF24BE0CD2}"/>
+                <a16:creationId xmlns:a16="http://schemas.microsoft.com/office/drawing/2014/main" id="{94368B1A-B008-4E46-97F9-DCE229137AF0}"/>
               </a:ext>
             </a:extLst>
           </p:cNvPr>
@@ -9122,7 +10438,7 @@
           <a:p>
             <a:r>
               <a:rPr lang="fr-FR" dirty="0"/>
-              <a:t>Kubernetes</a:t>
+              <a:t>App multi containers</a:t>
             </a:r>
           </a:p>
         </p:txBody>
@@ -9130,7 +10446,7 @@
     </p:spTree>
     <p:extLst>
       <p:ext uri="{BB962C8B-B14F-4D97-AF65-F5344CB8AC3E}">
-        <p14:creationId xmlns:p14="http://schemas.microsoft.com/office/powerpoint/2010/main" val="3010032273"/>
+        <p14:creationId xmlns:p14="http://schemas.microsoft.com/office/powerpoint/2010/main" val="529074142"/>
       </p:ext>
     </p:extLst>
   </p:cSld>
@@ -9162,7 +10478,7 @@
           <p:cNvPr id="2" name="Titre 1">
             <a:extLst>
               <a:ext uri="{FF2B5EF4-FFF2-40B4-BE49-F238E27FC236}">
-                <a16:creationId xmlns:a16="http://schemas.microsoft.com/office/drawing/2014/main" id="{189B7B4F-EC42-8148-B1C8-43810A892074}"/>
+                <a16:creationId xmlns:a16="http://schemas.microsoft.com/office/drawing/2014/main" id="{C2BDCA75-1104-164A-BCF5-8F65D188CD59}"/>
               </a:ext>
             </a:extLst>
           </p:cNvPr>
@@ -9171,6 +10487,34 @@
           </p:cNvSpPr>
           <p:nvPr>
             <p:ph type="title"/>
+          </p:nvPr>
+        </p:nvSpPr>
+        <p:spPr/>
+        <p:txBody>
+          <a:bodyPr/>
+          <a:lstStyle/>
+          <a:p>
+            <a:r>
+              <a:rPr lang="fr-FR" dirty="0"/>
+              <a:t>Sommaire deuxième partie</a:t>
+            </a:r>
+          </a:p>
+        </p:txBody>
+      </p:sp>
+      <p:sp>
+        <p:nvSpPr>
+          <p:cNvPr id="3" name="Espace réservé du contenu 2">
+            <a:extLst>
+              <a:ext uri="{FF2B5EF4-FFF2-40B4-BE49-F238E27FC236}">
+                <a16:creationId xmlns:a16="http://schemas.microsoft.com/office/drawing/2014/main" id="{313E1D13-E952-8642-972A-021CF734CC27}"/>
+              </a:ext>
+            </a:extLst>
+          </p:cNvPr>
+          <p:cNvSpPr>
+            <a:spLocks noGrp="1"/>
+          </p:cNvSpPr>
+          <p:nvPr>
+            <p:ph idx="1"/>
           </p:nvPr>
         </p:nvSpPr>
         <p:spPr/>
@@ -9181,41 +10525,87 @@
           <a:lstStyle/>
           <a:p>
             <a:r>
-              <a:rPr lang="fr-FR" dirty="0"/>
+              <a:rPr lang="fr-FR" sz="1600" dirty="0"/>
               <a:t>Qu’est ce que Kubernetes</a:t>
             </a:r>
           </a:p>
-        </p:txBody>
-      </p:sp>
-      <p:sp>
-        <p:nvSpPr>
-          <p:cNvPr id="3" name="Espace réservé du contenu 2">
-            <a:extLst>
-              <a:ext uri="{FF2B5EF4-FFF2-40B4-BE49-F238E27FC236}">
-                <a16:creationId xmlns:a16="http://schemas.microsoft.com/office/drawing/2014/main" id="{FA04DAE1-B727-084E-A859-8FD4ED81BC64}"/>
-              </a:ext>
-            </a:extLst>
-          </p:cNvPr>
-          <p:cNvSpPr>
-            <a:spLocks noGrp="1"/>
-          </p:cNvSpPr>
-          <p:nvPr>
-            <p:ph idx="1"/>
-          </p:nvPr>
-        </p:nvSpPr>
-        <p:spPr/>
-        <p:txBody>
-          <a:bodyPr/>
-          <a:lstStyle/>
-          <a:p>
-            <a:endParaRPr lang="fr-FR"/>
+          <a:p>
+            <a:r>
+              <a:rPr lang="fr-FR" sz="1600" dirty="0"/>
+              <a:t>Pourquoi utiliser Kubernetes</a:t>
+            </a:r>
+          </a:p>
+          <a:p>
+            <a:r>
+              <a:rPr lang="fr-FR" sz="1600" dirty="0"/>
+              <a:t>Installer Kubernetes</a:t>
+            </a:r>
+          </a:p>
+          <a:p>
+            <a:r>
+              <a:rPr lang="fr-FR" sz="1600" dirty="0"/>
+              <a:t>Qu’est-ce qu’un </a:t>
+            </a:r>
+            <a:r>
+              <a:rPr lang="fr-FR" sz="1600" dirty="0" err="1"/>
+              <a:t>pod</a:t>
+            </a:r>
+            <a:endParaRPr lang="fr-FR" sz="1600" dirty="0"/>
+          </a:p>
+          <a:p>
+            <a:r>
+              <a:rPr lang="fr-FR" sz="1600" dirty="0"/>
+              <a:t>Qu’est ce qu’un service</a:t>
+            </a:r>
+          </a:p>
+          <a:p>
+            <a:r>
+              <a:rPr lang="fr-FR" sz="1600" dirty="0"/>
+              <a:t>Qu’est ce qu’un </a:t>
+            </a:r>
+            <a:r>
+              <a:rPr lang="fr-FR" sz="1600" dirty="0" err="1"/>
+              <a:t>deployment</a:t>
+            </a:r>
+            <a:endParaRPr lang="fr-FR" sz="1600" dirty="0"/>
+          </a:p>
+          <a:p>
+            <a:r>
+              <a:rPr lang="fr-FR" sz="1600" dirty="0"/>
+              <a:t>App multi containers avec Kubernetes</a:t>
+            </a:r>
+          </a:p>
+          <a:p>
+            <a:r>
+              <a:rPr lang="fr-FR" sz="1600" dirty="0"/>
+              <a:t>Gérer le trafic avec </a:t>
+            </a:r>
+            <a:r>
+              <a:rPr lang="fr-FR" sz="1600" dirty="0" err="1"/>
+              <a:t>Ingress</a:t>
+            </a:r>
+            <a:endParaRPr lang="fr-FR" sz="1600" dirty="0"/>
+          </a:p>
+          <a:p>
+            <a:r>
+              <a:rPr lang="fr-FR" sz="1600" dirty="0"/>
+              <a:t>Déployer une </a:t>
+            </a:r>
+            <a:r>
+              <a:rPr lang="fr-FR" sz="1600" dirty="0" err="1"/>
+              <a:t>app</a:t>
+            </a:r>
+            <a:r>
+              <a:rPr lang="fr-FR" sz="1600" dirty="0"/>
+              <a:t> Kubernetes</a:t>
+            </a:r>
           </a:p>
         </p:txBody>
       </p:sp>
     </p:spTree>
     <p:extLst>
       <p:ext uri="{BB962C8B-B14F-4D97-AF65-F5344CB8AC3E}">
-        <p14:creationId xmlns:p14="http://schemas.microsoft.com/office/powerpoint/2010/main" val="1773393910"/>
+        <p14:creationId xmlns:p14="http://schemas.microsoft.com/office/powerpoint/2010/main" val="3804636423"/>
       </p:ext>
     </p:extLst>
   </p:cSld>
@@ -9247,7 +10637,7 @@
           <p:cNvPr id="2" name="Titre 1">
             <a:extLst>
               <a:ext uri="{FF2B5EF4-FFF2-40B4-BE49-F238E27FC236}">
-                <a16:creationId xmlns:a16="http://schemas.microsoft.com/office/drawing/2014/main" id="{18DD65D0-03CD-DF49-B1F8-35CE2A6182D4}"/>
+                <a16:creationId xmlns:a16="http://schemas.microsoft.com/office/drawing/2014/main" id="{BB13A1BC-7254-9840-9BF3-C8DF24BE0CD2}"/>
               </a:ext>
             </a:extLst>
           </p:cNvPr>
@@ -9265,40 +10655,15 @@
           <a:p>
             <a:r>
               <a:rPr lang="fr-FR" dirty="0"/>
-              <a:t>Pourquoi Kubernetes</a:t>
-            </a:r>
-          </a:p>
-        </p:txBody>
-      </p:sp>
-      <p:sp>
-        <p:nvSpPr>
-          <p:cNvPr id="3" name="Espace réservé du contenu 2">
-            <a:extLst>
-              <a:ext uri="{FF2B5EF4-FFF2-40B4-BE49-F238E27FC236}">
-                <a16:creationId xmlns:a16="http://schemas.microsoft.com/office/drawing/2014/main" id="{53F6BB81-2BEF-E341-B9E8-B2C06BC9F1FE}"/>
-              </a:ext>
-            </a:extLst>
-          </p:cNvPr>
-          <p:cNvSpPr>
-            <a:spLocks noGrp="1"/>
-          </p:cNvSpPr>
-          <p:nvPr>
-            <p:ph idx="1"/>
-          </p:nvPr>
-        </p:nvSpPr>
-        <p:spPr/>
-        <p:txBody>
-          <a:bodyPr/>
-          <a:lstStyle/>
-          <a:p>
-            <a:endParaRPr lang="fr-FR"/>
+              <a:t>Kubernetes</a:t>
+            </a:r>
           </a:p>
         </p:txBody>
       </p:sp>
     </p:spTree>
     <p:extLst>
       <p:ext uri="{BB962C8B-B14F-4D97-AF65-F5344CB8AC3E}">
-        <p14:creationId xmlns:p14="http://schemas.microsoft.com/office/powerpoint/2010/main" val="3725948383"/>
+        <p14:creationId xmlns:p14="http://schemas.microsoft.com/office/powerpoint/2010/main" val="3010032273"/>
       </p:ext>
     </p:extLst>
   </p:cSld>
@@ -9330,7 +10695,7 @@
           <p:cNvPr id="2" name="Titre 1">
             <a:extLst>
               <a:ext uri="{FF2B5EF4-FFF2-40B4-BE49-F238E27FC236}">
-                <a16:creationId xmlns:a16="http://schemas.microsoft.com/office/drawing/2014/main" id="{D7F3DB66-8D3D-514C-93D2-4A8116A820E1}"/>
+                <a16:creationId xmlns:a16="http://schemas.microsoft.com/office/drawing/2014/main" id="{189B7B4F-EC42-8148-B1C8-43810A892074}"/>
               </a:ext>
             </a:extLst>
           </p:cNvPr>
@@ -9343,12 +10708,14 @@
         </p:nvSpPr>
         <p:spPr/>
         <p:txBody>
-          <a:bodyPr/>
+          <a:bodyPr>
+            <a:normAutofit/>
+          </a:bodyPr>
           <a:lstStyle/>
           <a:p>
             <a:r>
               <a:rPr lang="fr-FR" dirty="0"/>
-              <a:t>Installation</a:t>
+              <a:t>Qu’est ce que Kubernetes</a:t>
             </a:r>
           </a:p>
         </p:txBody>
@@ -9358,7 +10725,7 @@
           <p:cNvPr id="3" name="Espace réservé du contenu 2">
             <a:extLst>
               <a:ext uri="{FF2B5EF4-FFF2-40B4-BE49-F238E27FC236}">
-                <a16:creationId xmlns:a16="http://schemas.microsoft.com/office/drawing/2014/main" id="{64CB6E40-D37E-3340-94D0-49C94AA5A624}"/>
+                <a16:creationId xmlns:a16="http://schemas.microsoft.com/office/drawing/2014/main" id="{FA04DAE1-B727-084E-A859-8FD4ED81BC64}"/>
               </a:ext>
             </a:extLst>
           </p:cNvPr>
@@ -9381,7 +10748,7 @@
     </p:spTree>
     <p:extLst>
       <p:ext uri="{BB962C8B-B14F-4D97-AF65-F5344CB8AC3E}">
-        <p14:creationId xmlns:p14="http://schemas.microsoft.com/office/powerpoint/2010/main" val="2461077664"/>
+        <p14:creationId xmlns:p14="http://schemas.microsoft.com/office/powerpoint/2010/main" val="1773393910"/>
       </p:ext>
     </p:extLst>
   </p:cSld>
@@ -9867,7 +11234,7 @@
           <p:cNvPr id="2" name="Titre 1">
             <a:extLst>
               <a:ext uri="{FF2B5EF4-FFF2-40B4-BE49-F238E27FC236}">
-                <a16:creationId xmlns:a16="http://schemas.microsoft.com/office/drawing/2014/main" id="{C356CBC8-BFB8-0247-8BA8-C7D03B57F189}"/>
+                <a16:creationId xmlns:a16="http://schemas.microsoft.com/office/drawing/2014/main" id="{18DD65D0-03CD-DF49-B1F8-35CE2A6182D4}"/>
               </a:ext>
             </a:extLst>
           </p:cNvPr>
@@ -9884,10 +11251,9 @@
           <a:lstStyle/>
           <a:p>
             <a:r>
-              <a:rPr lang="fr-FR" dirty="0" err="1"/>
-              <a:t>Pod</a:t>
-            </a:r>
-            <a:endParaRPr lang="fr-FR" dirty="0"/>
+              <a:rPr lang="fr-FR" dirty="0"/>
+              <a:t>Pourquoi Kubernetes</a:t>
+            </a:r>
           </a:p>
         </p:txBody>
       </p:sp>
@@ -9896,7 +11262,7 @@
           <p:cNvPr id="3" name="Espace réservé du contenu 2">
             <a:extLst>
               <a:ext uri="{FF2B5EF4-FFF2-40B4-BE49-F238E27FC236}">
-                <a16:creationId xmlns:a16="http://schemas.microsoft.com/office/drawing/2014/main" id="{638C7C71-D621-CD45-975B-1A9FE0A690C4}"/>
+                <a16:creationId xmlns:a16="http://schemas.microsoft.com/office/drawing/2014/main" id="{53F6BB81-2BEF-E341-B9E8-B2C06BC9F1FE}"/>
               </a:ext>
             </a:extLst>
           </p:cNvPr>
@@ -9919,7 +11285,7 @@
     </p:spTree>
     <p:extLst>
       <p:ext uri="{BB962C8B-B14F-4D97-AF65-F5344CB8AC3E}">
-        <p14:creationId xmlns:p14="http://schemas.microsoft.com/office/powerpoint/2010/main" val="3321395717"/>
+        <p14:creationId xmlns:p14="http://schemas.microsoft.com/office/powerpoint/2010/main" val="3725948383"/>
       </p:ext>
     </p:extLst>
   </p:cSld>
@@ -9951,6 +11317,173 @@
           <p:cNvPr id="2" name="Titre 1">
             <a:extLst>
               <a:ext uri="{FF2B5EF4-FFF2-40B4-BE49-F238E27FC236}">
+                <a16:creationId xmlns:a16="http://schemas.microsoft.com/office/drawing/2014/main" id="{D7F3DB66-8D3D-514C-93D2-4A8116A820E1}"/>
+              </a:ext>
+            </a:extLst>
+          </p:cNvPr>
+          <p:cNvSpPr>
+            <a:spLocks noGrp="1"/>
+          </p:cNvSpPr>
+          <p:nvPr>
+            <p:ph type="title"/>
+          </p:nvPr>
+        </p:nvSpPr>
+        <p:spPr/>
+        <p:txBody>
+          <a:bodyPr/>
+          <a:lstStyle/>
+          <a:p>
+            <a:r>
+              <a:rPr lang="fr-FR" dirty="0"/>
+              <a:t>Installation</a:t>
+            </a:r>
+          </a:p>
+        </p:txBody>
+      </p:sp>
+      <p:sp>
+        <p:nvSpPr>
+          <p:cNvPr id="3" name="Espace réservé du contenu 2">
+            <a:extLst>
+              <a:ext uri="{FF2B5EF4-FFF2-40B4-BE49-F238E27FC236}">
+                <a16:creationId xmlns:a16="http://schemas.microsoft.com/office/drawing/2014/main" id="{64CB6E40-D37E-3340-94D0-49C94AA5A624}"/>
+              </a:ext>
+            </a:extLst>
+          </p:cNvPr>
+          <p:cNvSpPr>
+            <a:spLocks noGrp="1"/>
+          </p:cNvSpPr>
+          <p:nvPr>
+            <p:ph idx="1"/>
+          </p:nvPr>
+        </p:nvSpPr>
+        <p:spPr/>
+        <p:txBody>
+          <a:bodyPr/>
+          <a:lstStyle/>
+          <a:p>
+            <a:endParaRPr lang="fr-FR"/>
+          </a:p>
+        </p:txBody>
+      </p:sp>
+    </p:spTree>
+    <p:extLst>
+      <p:ext uri="{BB962C8B-B14F-4D97-AF65-F5344CB8AC3E}">
+        <p14:creationId xmlns:p14="http://schemas.microsoft.com/office/powerpoint/2010/main" val="2461077664"/>
+      </p:ext>
+    </p:extLst>
+  </p:cSld>
+  <p:clrMapOvr>
+    <a:masterClrMapping/>
+  </p:clrMapOvr>
+</p:sld>
+</file>
+
+<file path=ppt/slides/slide32.xml><?xml version="1.0" encoding="utf-8"?>
+<p:sld xmlns:a="http://schemas.openxmlformats.org/drawingml/2006/main" xmlns:r="http://schemas.openxmlformats.org/officeDocument/2006/relationships" xmlns:p="http://schemas.openxmlformats.org/presentationml/2006/main">
+  <p:cSld>
+    <p:spTree>
+      <p:nvGrpSpPr>
+        <p:cNvPr id="1" name=""/>
+        <p:cNvGrpSpPr/>
+        <p:nvPr/>
+      </p:nvGrpSpPr>
+      <p:grpSpPr>
+        <a:xfrm>
+          <a:off x="0" y="0"/>
+          <a:ext cx="0" cy="0"/>
+          <a:chOff x="0" y="0"/>
+          <a:chExt cx="0" cy="0"/>
+        </a:xfrm>
+      </p:grpSpPr>
+      <p:sp>
+        <p:nvSpPr>
+          <p:cNvPr id="2" name="Titre 1">
+            <a:extLst>
+              <a:ext uri="{FF2B5EF4-FFF2-40B4-BE49-F238E27FC236}">
+                <a16:creationId xmlns:a16="http://schemas.microsoft.com/office/drawing/2014/main" id="{C356CBC8-BFB8-0247-8BA8-C7D03B57F189}"/>
+              </a:ext>
+            </a:extLst>
+          </p:cNvPr>
+          <p:cNvSpPr>
+            <a:spLocks noGrp="1"/>
+          </p:cNvSpPr>
+          <p:nvPr>
+            <p:ph type="title"/>
+          </p:nvPr>
+        </p:nvSpPr>
+        <p:spPr/>
+        <p:txBody>
+          <a:bodyPr/>
+          <a:lstStyle/>
+          <a:p>
+            <a:r>
+              <a:rPr lang="fr-FR" dirty="0" err="1"/>
+              <a:t>Pod</a:t>
+            </a:r>
+            <a:endParaRPr lang="fr-FR" dirty="0"/>
+          </a:p>
+        </p:txBody>
+      </p:sp>
+      <p:sp>
+        <p:nvSpPr>
+          <p:cNvPr id="3" name="Espace réservé du contenu 2">
+            <a:extLst>
+              <a:ext uri="{FF2B5EF4-FFF2-40B4-BE49-F238E27FC236}">
+                <a16:creationId xmlns:a16="http://schemas.microsoft.com/office/drawing/2014/main" id="{638C7C71-D621-CD45-975B-1A9FE0A690C4}"/>
+              </a:ext>
+            </a:extLst>
+          </p:cNvPr>
+          <p:cNvSpPr>
+            <a:spLocks noGrp="1"/>
+          </p:cNvSpPr>
+          <p:nvPr>
+            <p:ph idx="1"/>
+          </p:nvPr>
+        </p:nvSpPr>
+        <p:spPr/>
+        <p:txBody>
+          <a:bodyPr/>
+          <a:lstStyle/>
+          <a:p>
+            <a:endParaRPr lang="fr-FR"/>
+          </a:p>
+        </p:txBody>
+      </p:sp>
+    </p:spTree>
+    <p:extLst>
+      <p:ext uri="{BB962C8B-B14F-4D97-AF65-F5344CB8AC3E}">
+        <p14:creationId xmlns:p14="http://schemas.microsoft.com/office/powerpoint/2010/main" val="3321395717"/>
+      </p:ext>
+    </p:extLst>
+  </p:cSld>
+  <p:clrMapOvr>
+    <a:masterClrMapping/>
+  </p:clrMapOvr>
+</p:sld>
+</file>
+
+<file path=ppt/slides/slide33.xml><?xml version="1.0" encoding="utf-8"?>
+<p:sld xmlns:a="http://schemas.openxmlformats.org/drawingml/2006/main" xmlns:r="http://schemas.openxmlformats.org/officeDocument/2006/relationships" xmlns:p="http://schemas.openxmlformats.org/presentationml/2006/main">
+  <p:cSld>
+    <p:spTree>
+      <p:nvGrpSpPr>
+        <p:cNvPr id="1" name=""/>
+        <p:cNvGrpSpPr/>
+        <p:nvPr/>
+      </p:nvGrpSpPr>
+      <p:grpSpPr>
+        <a:xfrm>
+          <a:off x="0" y="0"/>
+          <a:ext cx="0" cy="0"/>
+          <a:chOff x="0" y="0"/>
+          <a:chExt cx="0" cy="0"/>
+        </a:xfrm>
+      </p:grpSpPr>
+      <p:sp>
+        <p:nvSpPr>
+          <p:cNvPr id="2" name="Titre 1">
+            <a:extLst>
+              <a:ext uri="{FF2B5EF4-FFF2-40B4-BE49-F238E27FC236}">
                 <a16:creationId xmlns:a16="http://schemas.microsoft.com/office/drawing/2014/main" id="{8185F0AD-8C11-1B4E-AACE-96333D865C09}"/>
               </a:ext>
             </a:extLst>
@@ -9987,7 +11520,7 @@
 </p:sld>
 </file>
 
-<file path=ppt/slides/slide32.xml><?xml version="1.0" encoding="utf-8"?>
+<file path=ppt/slides/slide34.xml><?xml version="1.0" encoding="utf-8"?>
 <p:sld xmlns:a="http://schemas.openxmlformats.org/drawingml/2006/main" xmlns:r="http://schemas.openxmlformats.org/officeDocument/2006/relationships" xmlns:p="http://schemas.openxmlformats.org/presentationml/2006/main">
   <p:cSld>
     <p:spTree>
@@ -10080,11 +11613,13 @@
         </p:nvSpPr>
         <p:spPr/>
         <p:txBody>
-          <a:bodyPr/>
-          <a:lstStyle/>
-          <a:p>
-            <a:r>
-              <a:rPr lang="fr-FR" dirty="0"/>
+          <a:bodyPr>
+            <a:normAutofit/>
+          </a:bodyPr>
+          <a:lstStyle/>
+          <a:p>
+            <a:r>
+              <a:rPr lang="fr-FR" sz="2400" dirty="0"/>
               <a:t>Objectif du cours</a:t>
             </a:r>
           </a:p>
@@ -10189,11 +11724,13 @@
         </p:nvSpPr>
         <p:spPr/>
         <p:txBody>
-          <a:bodyPr/>
-          <a:lstStyle/>
-          <a:p>
-            <a:r>
-              <a:rPr lang="fr-FR" dirty="0"/>
+          <a:bodyPr>
+            <a:normAutofit/>
+          </a:bodyPr>
+          <a:lstStyle/>
+          <a:p>
+            <a:r>
+              <a:rPr lang="fr-FR" sz="2400" dirty="0"/>
               <a:t>Sommaire première partie</a:t>
             </a:r>
           </a:p>
@@ -10810,14 +12347,15 @@
         </p:nvSpPr>
         <p:spPr/>
         <p:txBody>
-          <a:bodyPr/>
-          <a:lstStyle/>
-          <a:p>
-            <a:r>
-              <a:rPr lang="fr-FR"/>
+          <a:bodyPr>
+            <a:normAutofit/>
+          </a:bodyPr>
+          <a:lstStyle/>
+          <a:p>
+            <a:r>
+              <a:rPr lang="fr-FR" sz="2400" dirty="0"/>
               <a:t>Qu’est-ce que Docker</a:t>
             </a:r>
-            <a:endParaRPr lang="fr-FR" dirty="0"/>
           </a:p>
         </p:txBody>
       </p:sp>
@@ -11217,7 +12755,7 @@
           <a:lstStyle/>
           <a:p>
             <a:r>
-              <a:rPr lang="fr-FR" sz="3200"/>
+              <a:rPr lang="fr-FR" sz="2400" dirty="0"/>
               <a:t>Pourquoi Docker</a:t>
             </a:r>
           </a:p>
@@ -11968,7 +13506,7 @@
           <a:lstStyle/>
           <a:p>
             <a:r>
-              <a:rPr lang="fr-FR" dirty="0"/>
+              <a:rPr lang="fr-FR" sz="2400" dirty="0"/>
               <a:t>Concepts clés</a:t>
             </a:r>
           </a:p>

--- a/Cours/Cours.pptx
+++ b/Cours/Cours.pptx
@@ -28,17 +28,18 @@
     <p:sldId id="298" r:id="rId22"/>
     <p:sldId id="301" r:id="rId23"/>
     <p:sldId id="300" r:id="rId24"/>
-    <p:sldId id="299" r:id="rId25"/>
-    <p:sldId id="271" r:id="rId26"/>
-    <p:sldId id="272" r:id="rId27"/>
-    <p:sldId id="273" r:id="rId28"/>
-    <p:sldId id="286" r:id="rId29"/>
-    <p:sldId id="274" r:id="rId30"/>
-    <p:sldId id="275" r:id="rId31"/>
-    <p:sldId id="276" r:id="rId32"/>
-    <p:sldId id="277" r:id="rId33"/>
-    <p:sldId id="287" r:id="rId34"/>
-    <p:sldId id="288" r:id="rId35"/>
+    <p:sldId id="303" r:id="rId25"/>
+    <p:sldId id="299" r:id="rId26"/>
+    <p:sldId id="271" r:id="rId27"/>
+    <p:sldId id="272" r:id="rId28"/>
+    <p:sldId id="273" r:id="rId29"/>
+    <p:sldId id="286" r:id="rId30"/>
+    <p:sldId id="274" r:id="rId31"/>
+    <p:sldId id="275" r:id="rId32"/>
+    <p:sldId id="276" r:id="rId33"/>
+    <p:sldId id="277" r:id="rId34"/>
+    <p:sldId id="287" r:id="rId35"/>
+    <p:sldId id="288" r:id="rId36"/>
   </p:sldIdLst>
   <p:sldSz cx="12192000" cy="6858000"/>
   <p:notesSz cx="6858000" cy="9144000"/>
@@ -6153,16 +6154,16 @@
               <a:buNone/>
             </a:pPr>
             <a:r>
-              <a:rPr lang="fr-FR" sz="1700"/>
+              <a:rPr lang="fr-FR" sz="1200" dirty="0"/>
               <a:t>Pour utiliser Docker sur notre pc, nous allons avoir besoin d’installer </a:t>
             </a:r>
             <a:r>
-              <a:rPr lang="fr-FR" sz="1700">
+              <a:rPr lang="fr-FR" sz="1200" dirty="0">
                 <a:hlinkClick r:id="rId2"/>
               </a:rPr>
               <a:t>Docker Desktop</a:t>
             </a:r>
-            <a:endParaRPr lang="fr-FR" sz="1700"/>
+            <a:endParaRPr lang="fr-FR" sz="1200" dirty="0"/>
           </a:p>
           <a:p>
             <a:pPr marL="0" indent="0">
@@ -6171,7 +6172,7 @@
               </a:lnSpc>
               <a:buNone/>
             </a:pPr>
-            <a:endParaRPr lang="fr-FR" sz="1700"/>
+            <a:endParaRPr lang="fr-FR" sz="1200" dirty="0"/>
           </a:p>
           <a:p>
             <a:pPr marL="0" indent="0">
@@ -6181,7 +6182,7 @@
               <a:buNone/>
             </a:pPr>
             <a:r>
-              <a:rPr lang="fr-FR" sz="1700"/>
+              <a:rPr lang="fr-FR" sz="1200" dirty="0"/>
               <a:t>Docker Desktop est un logiciel destiné aux développeurs, qui propose un ensemble d’outils améliorant la productivité de l’utilisateur, ainsi qu’un environnement Kubernetes local</a:t>
             </a:r>
           </a:p>
@@ -6192,7 +6193,7 @@
               </a:lnSpc>
               <a:buNone/>
             </a:pPr>
-            <a:endParaRPr lang="fr-FR" sz="1700"/>
+            <a:endParaRPr lang="fr-FR" sz="1200" dirty="0"/>
           </a:p>
           <a:p>
             <a:pPr marL="0" indent="0">
@@ -6202,7 +6203,7 @@
               <a:buNone/>
             </a:pPr>
             <a:r>
-              <a:rPr lang="fr-FR" sz="1700"/>
+              <a:rPr lang="fr-FR" sz="1200" dirty="0"/>
               <a:t>Docker Desktop est composé entre autres de deux éléments importants: </a:t>
             </a:r>
           </a:p>
@@ -6215,11 +6216,11 @@
               <a:buAutoNum type="arabicPeriod"/>
             </a:pPr>
             <a:r>
-              <a:rPr lang="fr-FR" sz="1700" b="1"/>
+              <a:rPr lang="fr-FR" sz="1200" b="1" dirty="0"/>
               <a:t>Docker Client (Docker CLI)</a:t>
             </a:r>
             <a:r>
-              <a:rPr lang="fr-FR" sz="1700"/>
+              <a:rPr lang="fr-FR" sz="1200" dirty="0"/>
               <a:t>, outil avec le quelle nous allons interagir en ligne de commande</a:t>
             </a:r>
           </a:p>
@@ -6232,13 +6233,18 @@
               <a:buAutoNum type="arabicPeriod"/>
             </a:pPr>
             <a:r>
-              <a:rPr lang="fr-FR" sz="1700" b="1"/>
+              <a:rPr lang="fr-FR" sz="1200" b="1" dirty="0"/>
               <a:t>Docker Server (Docker Daemon), </a:t>
             </a:r>
             <a:r>
-              <a:rPr lang="fr-FR" sz="1700"/>
-              <a:t>l’outil responsable de créer les images, lancer les containers, etc</a:t>
-            </a:r>
+              <a:rPr lang="fr-FR" sz="1200" dirty="0"/>
+              <a:t>l’outil responsable de créer les images, lancer les containers, </a:t>
+            </a:r>
+            <a:r>
+              <a:rPr lang="fr-FR" sz="1200" dirty="0" err="1"/>
+              <a:t>etc</a:t>
+            </a:r>
+            <a:endParaRPr lang="fr-FR" sz="1200" dirty="0"/>
           </a:p>
         </p:txBody>
       </p:sp>
@@ -7152,47 +7158,59 @@
           </a:bodyPr>
           <a:lstStyle/>
           <a:p>
-            <a:r>
-              <a:rPr lang="fr-FR" sz="1400" dirty="0"/>
+            <a:pPr algn="just"/>
+            <a:r>
+              <a:rPr lang="fr-FR" sz="1200" dirty="0"/>
               <a:t>Une image contient une copie des fichiers de base de notre machine, ainsi qu’une commande </a:t>
             </a:r>
           </a:p>
           <a:p>
-            <a:r>
-              <a:rPr lang="fr-FR" sz="1400" dirty="0"/>
+            <a:pPr algn="just"/>
+            <a:endParaRPr lang="fr-FR" sz="1200" dirty="0"/>
+          </a:p>
+          <a:p>
+            <a:pPr algn="just"/>
+            <a:r>
+              <a:rPr lang="fr-FR" sz="1200" dirty="0"/>
               <a:t>Lorsqu’on crée un container avec une image, le </a:t>
             </a:r>
             <a:r>
-              <a:rPr lang="fr-FR" sz="1400" dirty="0" err="1"/>
+              <a:rPr lang="fr-FR" sz="1200" dirty="0" err="1"/>
               <a:t>Kernel</a:t>
             </a:r>
             <a:r>
-              <a:rPr lang="fr-FR" sz="1400" dirty="0"/>
+              <a:rPr lang="fr-FR" sz="1200" dirty="0"/>
               <a:t> sélectionne une partie du disque dur de notre machine pour l’assigner à ce container uniquement</a:t>
             </a:r>
           </a:p>
           <a:p>
-            <a:r>
-              <a:rPr lang="fr-FR" sz="1400" dirty="0"/>
+            <a:pPr algn="just"/>
+            <a:endParaRPr lang="fr-FR" sz="1200" dirty="0"/>
+          </a:p>
+          <a:p>
+            <a:pPr algn="just"/>
+            <a:r>
+              <a:rPr lang="fr-FR" sz="1200" dirty="0"/>
               <a:t>Ainsi, lorsque le processus du container est en cours, le </a:t>
             </a:r>
             <a:r>
-              <a:rPr lang="fr-FR" sz="1400" dirty="0" err="1"/>
+              <a:rPr lang="fr-FR" sz="1200" dirty="0" err="1"/>
               <a:t>Kernel</a:t>
             </a:r>
             <a:r>
-              <a:rPr lang="fr-FR" sz="1400" dirty="0"/>
+              <a:rPr lang="fr-FR" sz="1200" dirty="0"/>
               <a:t> utilise uniquement les ressources assignés au container, contenant dans notre cas le langage Python et rien d’autre</a:t>
             </a:r>
           </a:p>
           <a:p>
-            <a:pPr marL="0" indent="0">
+            <a:pPr marL="0" indent="0" algn="just">
               <a:buNone/>
             </a:pPr>
-            <a:endParaRPr lang="fr-FR" sz="1400" dirty="0"/>
-          </a:p>
-          <a:p>
-            <a:endParaRPr lang="fr-FR" sz="1400" dirty="0"/>
+            <a:endParaRPr lang="fr-FR" sz="1200" dirty="0"/>
+          </a:p>
+          <a:p>
+            <a:pPr algn="just"/>
+            <a:endParaRPr lang="fr-FR" sz="1200" dirty="0"/>
           </a:p>
         </p:txBody>
       </p:sp>
@@ -7913,32 +7931,32 @@
           </a:bodyPr>
           <a:lstStyle/>
           <a:p>
-            <a:pPr>
+            <a:pPr algn="just">
               <a:lnSpc>
                 <a:spcPct val="100000"/>
               </a:lnSpc>
             </a:pPr>
             <a:r>
-              <a:rPr lang="fr-FR" sz="1400" dirty="0"/>
+              <a:rPr lang="fr-FR" sz="1200" dirty="0"/>
               <a:t>Le fait de pouvoir regrouper des ressources par </a:t>
             </a:r>
             <a:r>
-              <a:rPr lang="fr-FR" sz="1400" dirty="0" err="1"/>
+              <a:rPr lang="fr-FR" sz="1200" dirty="0" err="1"/>
               <a:t>namespace</a:t>
             </a:r>
             <a:r>
-              <a:rPr lang="fr-FR" sz="1400" dirty="0"/>
+              <a:rPr lang="fr-FR" sz="1200" dirty="0"/>
               <a:t> n’est possible qu’avec Linux</a:t>
             </a:r>
           </a:p>
           <a:p>
-            <a:pPr>
+            <a:pPr algn="just">
               <a:lnSpc>
                 <a:spcPct val="100000"/>
               </a:lnSpc>
             </a:pPr>
             <a:r>
-              <a:rPr lang="fr-FR" sz="1400" dirty="0"/>
+              <a:rPr lang="fr-FR" sz="1200" dirty="0"/>
               <a:t>En réalité, lorsqu’on installe le Docker Client sur Mac/Windows, on installe une machine virtuelle Linux, qui communique avec notre OS pour utiliser les ressources de notre machine</a:t>
             </a:r>
           </a:p>
@@ -8299,7 +8317,7 @@
         </p:spPr>
         <p:txBody>
           <a:bodyPr>
-            <a:normAutofit lnSpcReduction="10000"/>
+            <a:normAutofit/>
           </a:bodyPr>
           <a:lstStyle/>
           <a:p>
@@ -8307,14 +8325,14 @@
               <a:buNone/>
             </a:pPr>
             <a:r>
-              <a:rPr lang="fr-FR" sz="1400" dirty="0"/>
+              <a:rPr lang="fr-FR" sz="1200" dirty="0"/>
               <a:t>Jusqu’à maintenant, nous avons utilisé des images créées par d’autres personnes. </a:t>
             </a:r>
             <a:br>
-              <a:rPr lang="fr-FR" sz="1400" dirty="0"/>
+              <a:rPr lang="fr-FR" sz="1200" dirty="0"/>
             </a:br>
             <a:r>
-              <a:rPr lang="fr-FR" sz="1400" dirty="0"/>
+              <a:rPr lang="fr-FR" sz="1200" dirty="0"/>
               <a:t>Nous allons maintenant voir comment créer nos propres images Docker.</a:t>
             </a:r>
           </a:p>
@@ -8322,29 +8340,29 @@
             <a:pPr marL="0" indent="0">
               <a:buNone/>
             </a:pPr>
-            <a:endParaRPr lang="fr-FR" sz="1400" dirty="0"/>
+            <a:endParaRPr lang="fr-FR" sz="1200" dirty="0"/>
           </a:p>
           <a:p>
             <a:pPr marL="0" indent="0">
               <a:buNone/>
             </a:pPr>
             <a:r>
-              <a:rPr lang="fr-FR" sz="1400" dirty="0"/>
+              <a:rPr lang="fr-FR" sz="1200" dirty="0"/>
               <a:t>Pour créer une image Docker, il faut créer un fichier intitulé </a:t>
             </a:r>
             <a:r>
-              <a:rPr lang="fr-FR" sz="1400" b="1" dirty="0" err="1"/>
+              <a:rPr lang="fr-FR" sz="1200" b="1" dirty="0" err="1"/>
               <a:t>Dockerfile</a:t>
             </a:r>
             <a:r>
-              <a:rPr lang="fr-FR" sz="1400" dirty="0"/>
+              <a:rPr lang="fr-FR" sz="1200" dirty="0"/>
               <a:t>. </a:t>
             </a:r>
             <a:br>
-              <a:rPr lang="fr-FR" sz="1400" dirty="0"/>
+              <a:rPr lang="fr-FR" sz="1200" dirty="0"/>
             </a:br>
             <a:r>
-              <a:rPr lang="fr-FR" sz="1400" dirty="0"/>
+              <a:rPr lang="fr-FR" sz="1200" dirty="0"/>
               <a:t>Ce fichier défini la configuration et le comportement des containers qui seront crées à partir de cette image</a:t>
             </a:r>
           </a:p>
@@ -8353,7 +8371,7 @@
               <a:buNone/>
             </a:pPr>
             <a:r>
-              <a:rPr lang="fr-FR" sz="1400" dirty="0"/>
+              <a:rPr lang="fr-FR" sz="1200" dirty="0"/>
               <a:t>Ensuite, il faut utiliser le Docker Client pour lancer cette image, qui va être envoyé au Docker Server qui va rendre l’image utilisable.</a:t>
             </a:r>
           </a:p>
@@ -8361,22 +8379,22 @@
             <a:pPr marL="0" indent="0">
               <a:buNone/>
             </a:pPr>
-            <a:endParaRPr lang="fr-FR" sz="1400" dirty="0"/>
+            <a:endParaRPr lang="fr-FR" sz="1200" dirty="0"/>
           </a:p>
           <a:p>
             <a:pPr marL="0" indent="0">
               <a:buNone/>
             </a:pPr>
             <a:r>
-              <a:rPr lang="fr-FR" sz="1400" dirty="0"/>
+              <a:rPr lang="fr-FR" sz="1200" dirty="0"/>
               <a:t>En général, la structure du </a:t>
             </a:r>
             <a:r>
-              <a:rPr lang="fr-FR" sz="1400" b="1" dirty="0" err="1"/>
+              <a:rPr lang="fr-FR" sz="1200" b="1" dirty="0" err="1"/>
               <a:t>Dockerfile</a:t>
             </a:r>
             <a:r>
-              <a:rPr lang="fr-FR" sz="1400" dirty="0"/>
+              <a:rPr lang="fr-FR" sz="1200" dirty="0"/>
               <a:t> reste la même et suit les étapes suivantes: </a:t>
             </a:r>
           </a:p>
@@ -8386,7 +8404,7 @@
               <a:buAutoNum type="arabicPeriod"/>
             </a:pPr>
             <a:r>
-              <a:rPr lang="fr-FR" sz="1400" dirty="0"/>
+              <a:rPr lang="fr-FR" sz="1200" dirty="0"/>
               <a:t>Spécifier une image de base</a:t>
             </a:r>
           </a:p>
@@ -8396,7 +8414,7 @@
               <a:buAutoNum type="arabicPeriod"/>
             </a:pPr>
             <a:r>
-              <a:rPr lang="fr-FR" sz="1400" dirty="0"/>
+              <a:rPr lang="fr-FR" sz="1200" dirty="0"/>
               <a:t>Lancer des commandes pour installer certains programmes ou effectuer certaines actions</a:t>
             </a:r>
           </a:p>
@@ -8406,7 +8424,7 @@
               <a:buAutoNum type="arabicPeriod"/>
             </a:pPr>
             <a:r>
-              <a:rPr lang="fr-FR" sz="1400" dirty="0"/>
+              <a:rPr lang="fr-FR" sz="1200" dirty="0"/>
               <a:t>Spécifier une commande à exécuter lors de la création du container</a:t>
             </a:r>
           </a:p>
@@ -8414,7 +8432,7 @@
             <a:pPr marL="0" indent="0">
               <a:buNone/>
             </a:pPr>
-            <a:endParaRPr lang="fr-FR" sz="1400" dirty="0"/>
+            <a:endParaRPr lang="fr-FR" sz="1200" dirty="0"/>
           </a:p>
         </p:txBody>
       </p:sp>
@@ -9113,8 +9131,16 @@
               <a:buNone/>
             </a:pPr>
             <a:r>
-              <a:rPr lang="fr-FR" sz="1050"/>
-              <a:t>Dans ce premier exemple, nous avons un ficher index.php qui lance la commande: </a:t>
+              <a:rPr lang="fr-FR" sz="1050" dirty="0"/>
+              <a:t>Dans ce premier exemple, nous avons un ficher </a:t>
+            </a:r>
+            <a:r>
+              <a:rPr lang="fr-FR" sz="1050" dirty="0" err="1"/>
+              <a:t>index.php</a:t>
+            </a:r>
+            <a:r>
+              <a:rPr lang="fr-FR" sz="1050" dirty="0"/>
+              <a:t> qui lance la commande: </a:t>
             </a:r>
           </a:p>
           <a:p>
@@ -9125,8 +9151,20 @@
               <a:buNone/>
             </a:pPr>
             <a:r>
-              <a:rPr lang="fr-FR" sz="1050"/>
-              <a:t>echo hello from Docker.</a:t>
+              <a:rPr lang="fr-FR" sz="1050" dirty="0" err="1"/>
+              <a:t>echo</a:t>
+            </a:r>
+            <a:r>
+              <a:rPr lang="fr-FR" sz="1050" dirty="0"/>
+              <a:t> hello </a:t>
+            </a:r>
+            <a:r>
+              <a:rPr lang="fr-FR" sz="1050" dirty="0" err="1"/>
+              <a:t>from</a:t>
+            </a:r>
+            <a:r>
+              <a:rPr lang="fr-FR" sz="1050" dirty="0"/>
+              <a:t> Docker.</a:t>
             </a:r>
           </a:p>
           <a:p>
@@ -9136,7 +9174,7 @@
               </a:lnSpc>
               <a:buNone/>
             </a:pPr>
-            <a:endParaRPr lang="fr-FR" sz="1050"/>
+            <a:endParaRPr lang="fr-FR" sz="1050" dirty="0"/>
           </a:p>
           <a:p>
             <a:pPr marL="0" indent="0">
@@ -9146,7 +9184,7 @@
               <a:buNone/>
             </a:pPr>
             <a:r>
-              <a:rPr lang="fr-FR" sz="1050"/>
+              <a:rPr lang="fr-FR" sz="1050" dirty="0"/>
               <a:t>Imaginons que nous n’avons pas PHP installé sur notre machine, et que nous voulons créer notre propre image.</a:t>
             </a:r>
           </a:p>
@@ -9157,7 +9195,7 @@
               </a:lnSpc>
               <a:buNone/>
             </a:pPr>
-            <a:endParaRPr lang="fr-FR" sz="1050"/>
+            <a:endParaRPr lang="fr-FR" sz="1050" dirty="0"/>
           </a:p>
           <a:p>
             <a:pPr marL="0" indent="0">
@@ -9167,8 +9205,16 @@
               <a:buNone/>
             </a:pPr>
             <a:r>
-              <a:rPr lang="fr-FR" sz="1050"/>
-              <a:t>Pour créer un container à partir d’un Dockerfile, il faut lancer la commande: </a:t>
+              <a:rPr lang="fr-FR" sz="1050" dirty="0"/>
+              <a:t>Pour créer un container à partir d’un </a:t>
+            </a:r>
+            <a:r>
+              <a:rPr lang="fr-FR" sz="1050" dirty="0" err="1"/>
+              <a:t>Dockerfile</a:t>
+            </a:r>
+            <a:r>
+              <a:rPr lang="fr-FR" sz="1050" dirty="0"/>
+              <a:t>, il faut lancer la commande: </a:t>
             </a:r>
           </a:p>
           <a:p>
@@ -9179,8 +9225,16 @@
               <a:buNone/>
             </a:pPr>
             <a:r>
-              <a:rPr lang="fr-FR" sz="1050" b="1"/>
-              <a:t>docker build .</a:t>
+              <a:rPr lang="fr-FR" sz="1050" b="1" dirty="0"/>
+              <a:t>docker </a:t>
+            </a:r>
+            <a:r>
+              <a:rPr lang="fr-FR" sz="1050" b="1" dirty="0" err="1"/>
+              <a:t>build</a:t>
+            </a:r>
+            <a:r>
+              <a:rPr lang="fr-FR" sz="1050" b="1" dirty="0"/>
+              <a:t> .</a:t>
             </a:r>
           </a:p>
           <a:p>
@@ -9190,7 +9244,7 @@
               </a:lnSpc>
               <a:buNone/>
             </a:pPr>
-            <a:endParaRPr lang="fr-FR" sz="1050"/>
+            <a:endParaRPr lang="fr-FR" sz="1050" dirty="0"/>
           </a:p>
           <a:p>
             <a:pPr marL="0" indent="0">
@@ -9200,8 +9254,24 @@
               <a:buNone/>
             </a:pPr>
             <a:r>
-              <a:rPr lang="fr-FR" sz="1050"/>
-              <a:t>L’argument après l’instruction build signifie: dans quel dossier se trouve le Dockerfile (le . signifie le répertoire courant)</a:t>
+              <a:rPr lang="fr-FR" sz="1050" dirty="0"/>
+              <a:t>L’argument après l’instruction </a:t>
+            </a:r>
+            <a:r>
+              <a:rPr lang="fr-FR" sz="1050" dirty="0" err="1"/>
+              <a:t>build</a:t>
+            </a:r>
+            <a:r>
+              <a:rPr lang="fr-FR" sz="1050" dirty="0"/>
+              <a:t> signifie: dans quel dossier se trouve le </a:t>
+            </a:r>
+            <a:r>
+              <a:rPr lang="fr-FR" sz="1050" dirty="0" err="1"/>
+              <a:t>Dockerfile</a:t>
+            </a:r>
+            <a:r>
+              <a:rPr lang="fr-FR" sz="1050" dirty="0"/>
+              <a:t> (le . signifie le répertoire courant)</a:t>
             </a:r>
           </a:p>
           <a:p>
@@ -9211,7 +9281,7 @@
               </a:lnSpc>
               <a:buNone/>
             </a:pPr>
-            <a:endParaRPr lang="fr-FR" sz="1050"/>
+            <a:endParaRPr lang="fr-FR" sz="1050" dirty="0"/>
           </a:p>
           <a:p>
             <a:pPr marL="0" indent="0">
@@ -9221,7 +9291,7 @@
               <a:buNone/>
             </a:pPr>
             <a:br>
-              <a:rPr lang="fr-FR" sz="1050"/>
+              <a:rPr lang="fr-FR" sz="1050" dirty="0"/>
             </a:br>
             <a:endParaRPr lang="fr-FR" sz="1050" dirty="0"/>
           </a:p>
@@ -9963,7 +10033,7 @@
               <a:buNone/>
             </a:pPr>
             <a:r>
-              <a:rPr lang="fr-FR" sz="1400" dirty="0"/>
+              <a:rPr lang="fr-FR" sz="1200" dirty="0"/>
               <a:t>L’image de base est importante: elle définit à quoi ressemblera notre container avant que l’on effectue nos propre actions</a:t>
             </a:r>
           </a:p>
@@ -9971,30 +10041,30 @@
             <a:pPr marL="0" indent="0" algn="just">
               <a:buNone/>
             </a:pPr>
-            <a:endParaRPr lang="fr-FR" sz="1400" dirty="0"/>
+            <a:endParaRPr lang="fr-FR" sz="1200" dirty="0"/>
           </a:p>
           <a:p>
             <a:pPr marL="0" indent="0" algn="just">
               <a:buNone/>
             </a:pPr>
             <a:r>
-              <a:rPr lang="fr-FR" sz="1400" dirty="0"/>
+              <a:rPr lang="fr-FR" sz="1200" dirty="0"/>
               <a:t>Dans notre exemple, l’image spécifiée étant une image PHP, le container aura </a:t>
             </a:r>
             <a:r>
-              <a:rPr lang="fr-FR" sz="1400" dirty="0" err="1"/>
+              <a:rPr lang="fr-FR" sz="1200" dirty="0" err="1"/>
               <a:t>php</a:t>
             </a:r>
             <a:r>
-              <a:rPr lang="fr-FR" sz="1400" dirty="0"/>
+              <a:rPr lang="fr-FR" sz="1200" dirty="0"/>
               <a:t> installé et configuré. Nous pouvons ensuite télécharger les dépendances que l’on souhaite, lancer des commandes, </a:t>
             </a:r>
             <a:r>
-              <a:rPr lang="fr-FR" sz="1400" dirty="0" err="1"/>
+              <a:rPr lang="fr-FR" sz="1200" dirty="0" err="1"/>
               <a:t>etc</a:t>
             </a:r>
             <a:r>
-              <a:rPr lang="fr-FR" sz="1400" dirty="0"/>
+              <a:rPr lang="fr-FR" sz="1200" dirty="0"/>
               <a:t> </a:t>
             </a:r>
           </a:p>
@@ -10002,28 +10072,28 @@
             <a:pPr marL="0" indent="0" algn="just">
               <a:buNone/>
             </a:pPr>
-            <a:endParaRPr lang="fr-FR" sz="1400" dirty="0"/>
+            <a:endParaRPr lang="fr-FR" sz="1200" dirty="0"/>
           </a:p>
           <a:p>
             <a:pPr marL="0" indent="0" algn="just">
               <a:buNone/>
             </a:pPr>
             <a:r>
-              <a:rPr lang="fr-FR" sz="1400" dirty="0"/>
+              <a:rPr lang="fr-FR" sz="1200" dirty="0"/>
               <a:t>Il existe des images de bases pour chaque situation ou langage (Python, Redis, </a:t>
             </a:r>
             <a:r>
-              <a:rPr lang="fr-FR" sz="1400" dirty="0" err="1"/>
+              <a:rPr lang="fr-FR" sz="1200" dirty="0" err="1"/>
               <a:t>Node</a:t>
             </a:r>
             <a:r>
-              <a:rPr lang="fr-FR" sz="1400" dirty="0"/>
+              <a:rPr lang="fr-FR" sz="1200" dirty="0"/>
               <a:t>, MySQL…) </a:t>
             </a:r>
           </a:p>
           <a:p>
             <a:pPr algn="just"/>
-            <a:endParaRPr lang="fr-FR" sz="1400" dirty="0"/>
+            <a:endParaRPr lang="fr-FR" sz="1200" dirty="0"/>
           </a:p>
         </p:txBody>
       </p:sp>
@@ -10237,7 +10307,7 @@
           <p:cNvPr id="2" name="Titre 1">
             <a:extLst>
               <a:ext uri="{FF2B5EF4-FFF2-40B4-BE49-F238E27FC236}">
-                <a16:creationId xmlns:a16="http://schemas.microsoft.com/office/drawing/2014/main" id="{23720B2E-8412-CB43-B222-94CF7309251C}"/>
+                <a16:creationId xmlns:a16="http://schemas.microsoft.com/office/drawing/2014/main" id="{1CDD1515-3365-5E44-8717-CA0B06DAE180}"/>
               </a:ext>
             </a:extLst>
           </p:cNvPr>
@@ -10250,10 +10320,15 @@
         </p:nvSpPr>
         <p:spPr/>
         <p:txBody>
-          <a:bodyPr/>
-          <a:lstStyle/>
-          <a:p>
-            <a:endParaRPr lang="fr-FR"/>
+          <a:bodyPr>
+            <a:normAutofit/>
+          </a:bodyPr>
+          <a:lstStyle/>
+          <a:p>
+            <a:r>
+              <a:rPr lang="fr-FR" sz="2400" dirty="0"/>
+              <a:t>TP2</a:t>
+            </a:r>
           </a:p>
         </p:txBody>
       </p:sp>
@@ -10262,7 +10337,7 @@
           <p:cNvPr id="3" name="Espace réservé du contenu 2">
             <a:extLst>
               <a:ext uri="{FF2B5EF4-FFF2-40B4-BE49-F238E27FC236}">
-                <a16:creationId xmlns:a16="http://schemas.microsoft.com/office/drawing/2014/main" id="{C5271768-5885-2449-A0DA-6B54EA0760B6}"/>
+                <a16:creationId xmlns:a16="http://schemas.microsoft.com/office/drawing/2014/main" id="{52FCEE57-F106-2642-8B26-EF4C216831EF}"/>
               </a:ext>
             </a:extLst>
           </p:cNvPr>
@@ -10273,62 +10348,52 @@
             <p:ph idx="1"/>
           </p:nvPr>
         </p:nvSpPr>
-        <p:spPr/>
-        <p:txBody>
-          <a:bodyPr/>
-          <a:lstStyle/>
-          <a:p>
-            <a:r>
-              <a:rPr lang="fr-FR" dirty="0"/>
-              <a:t>Exo (créer une image NodeJs pour lancer un projet express)</a:t>
-            </a:r>
-          </a:p>
-          <a:p>
-            <a:r>
-              <a:rPr lang="fr-FR" dirty="0"/>
-              <a:t>Refourguer le projet </a:t>
-            </a:r>
-            <a:r>
-              <a:rPr lang="fr-FR" dirty="0" err="1"/>
-              <a:t>star_wars</a:t>
-            </a:r>
-            <a:endParaRPr lang="fr-FR" dirty="0"/>
-          </a:p>
-          <a:p>
-            <a:r>
-              <a:rPr lang="fr-FR" dirty="0" err="1"/>
-              <a:t>Dockeriser</a:t>
-            </a:r>
-            <a:r>
-              <a:rPr lang="fr-FR" dirty="0"/>
-              <a:t> le projet avec docker-compose (modifier la connexion à la DB pour utiliser les </a:t>
-            </a:r>
-            <a:r>
-              <a:rPr lang="fr-FR" dirty="0" err="1"/>
-              <a:t>env</a:t>
-            </a:r>
-            <a:r>
-              <a:rPr lang="fr-FR" dirty="0"/>
-              <a:t> du docker-compose)</a:t>
-            </a:r>
-          </a:p>
-          <a:p>
-            <a:r>
-              <a:rPr lang="fr-FR" dirty="0"/>
-              <a:t>Transformer le projet en cluster </a:t>
-            </a:r>
-            <a:r>
-              <a:rPr lang="fr-FR" dirty="0" err="1"/>
-              <a:t>kubernetes</a:t>
-            </a:r>
-            <a:endParaRPr lang="fr-FR" dirty="0"/>
+        <p:spPr>
+          <a:xfrm>
+            <a:off x="558350" y="2379058"/>
+            <a:ext cx="10725346" cy="3793142"/>
+          </a:xfrm>
+        </p:spPr>
+        <p:txBody>
+          <a:bodyPr>
+            <a:normAutofit/>
+          </a:bodyPr>
+          <a:lstStyle/>
+          <a:p>
+            <a:pPr marL="0" indent="0">
+              <a:buNone/>
+            </a:pPr>
+            <a:r>
+              <a:rPr lang="fr-FR" sz="1400" dirty="0"/>
+              <a:t>Dans ce TP, vous allez utiliser Docker pour créer une image NodeJs permettant de lancer une application </a:t>
+            </a:r>
+            <a:r>
+              <a:rPr lang="fr-FR" sz="1400" dirty="0" err="1"/>
+              <a:t>NodeJS</a:t>
+            </a:r>
+            <a:endParaRPr lang="fr-FR" sz="1400" dirty="0"/>
+          </a:p>
+          <a:p>
+            <a:pPr marL="0" indent="0">
+              <a:buNone/>
+            </a:pPr>
+            <a:endParaRPr lang="fr-FR" sz="1400" dirty="0"/>
+          </a:p>
+          <a:p>
+            <a:pPr marL="0" indent="0">
+              <a:buNone/>
+            </a:pPr>
+            <a:r>
+              <a:rPr lang="fr-FR" sz="1400" dirty="0"/>
+              <a:t>Vous trouverez le TP sur ce lien</a:t>
+            </a:r>
           </a:p>
         </p:txBody>
       </p:sp>
     </p:spTree>
     <p:extLst>
       <p:ext uri="{BB962C8B-B14F-4D97-AF65-F5344CB8AC3E}">
-        <p14:creationId xmlns:p14="http://schemas.microsoft.com/office/powerpoint/2010/main" val="2126954354"/>
+        <p14:creationId xmlns:p14="http://schemas.microsoft.com/office/powerpoint/2010/main" val="1294863314"/>
       </p:ext>
     </p:extLst>
   </p:cSld>
@@ -10360,7 +10425,7 @@
           <p:cNvPr id="2" name="Titre 1">
             <a:extLst>
               <a:ext uri="{FF2B5EF4-FFF2-40B4-BE49-F238E27FC236}">
-                <a16:creationId xmlns:a16="http://schemas.microsoft.com/office/drawing/2014/main" id="{8A5CAF97-F55F-3640-AA44-33911C68C1CD}"/>
+                <a16:creationId xmlns:a16="http://schemas.microsoft.com/office/drawing/2014/main" id="{23720B2E-8412-CB43-B222-94CF7309251C}"/>
               </a:ext>
             </a:extLst>
           </p:cNvPr>
@@ -10373,22 +10438,85 @@
         </p:nvSpPr>
         <p:spPr/>
         <p:txBody>
-          <a:bodyPr>
-            <a:normAutofit/>
-          </a:bodyPr>
-          <a:lstStyle/>
-          <a:p>
-            <a:r>
-              <a:rPr lang="fr-FR" sz="2400" dirty="0"/>
-              <a:t>Docker Compose</a:t>
-            </a:r>
+          <a:bodyPr/>
+          <a:lstStyle/>
+          <a:p>
+            <a:endParaRPr lang="fr-FR"/>
+          </a:p>
+        </p:txBody>
+      </p:sp>
+      <p:sp>
+        <p:nvSpPr>
+          <p:cNvPr id="3" name="Espace réservé du contenu 2">
+            <a:extLst>
+              <a:ext uri="{FF2B5EF4-FFF2-40B4-BE49-F238E27FC236}">
+                <a16:creationId xmlns:a16="http://schemas.microsoft.com/office/drawing/2014/main" id="{C5271768-5885-2449-A0DA-6B54EA0760B6}"/>
+              </a:ext>
+            </a:extLst>
+          </p:cNvPr>
+          <p:cNvSpPr>
+            <a:spLocks noGrp="1"/>
+          </p:cNvSpPr>
+          <p:nvPr>
+            <p:ph idx="1"/>
+          </p:nvPr>
+        </p:nvSpPr>
+        <p:spPr/>
+        <p:txBody>
+          <a:bodyPr/>
+          <a:lstStyle/>
+          <a:p>
+            <a:r>
+              <a:rPr lang="fr-FR" dirty="0"/>
+              <a:t>Exo (créer une image NodeJs pour lancer un projet express)</a:t>
+            </a:r>
+          </a:p>
+          <a:p>
+            <a:r>
+              <a:rPr lang="fr-FR" dirty="0"/>
+              <a:t>Refourguer le projet </a:t>
+            </a:r>
+            <a:r>
+              <a:rPr lang="fr-FR" dirty="0" err="1"/>
+              <a:t>star_wars</a:t>
+            </a:r>
+            <a:endParaRPr lang="fr-FR" dirty="0"/>
+          </a:p>
+          <a:p>
+            <a:r>
+              <a:rPr lang="fr-FR" dirty="0" err="1"/>
+              <a:t>Dockeriser</a:t>
+            </a:r>
+            <a:r>
+              <a:rPr lang="fr-FR" dirty="0"/>
+              <a:t> le projet avec docker-compose (modifier la connexion à la DB pour utiliser les </a:t>
+            </a:r>
+            <a:r>
+              <a:rPr lang="fr-FR" dirty="0" err="1"/>
+              <a:t>env</a:t>
+            </a:r>
+            <a:r>
+              <a:rPr lang="fr-FR" dirty="0"/>
+              <a:t> du docker-compose)</a:t>
+            </a:r>
+          </a:p>
+          <a:p>
+            <a:r>
+              <a:rPr lang="fr-FR" dirty="0"/>
+              <a:t>Transformer le projet en cluster </a:t>
+            </a:r>
+            <a:r>
+              <a:rPr lang="fr-FR" dirty="0" err="1"/>
+              <a:t>kubernetes</a:t>
+            </a:r>
+            <a:endParaRPr lang="fr-FR" dirty="0"/>
           </a:p>
         </p:txBody>
       </p:sp>
     </p:spTree>
     <p:extLst>
       <p:ext uri="{BB962C8B-B14F-4D97-AF65-F5344CB8AC3E}">
-        <p14:creationId xmlns:p14="http://schemas.microsoft.com/office/powerpoint/2010/main" val="67114313"/>
+        <p14:creationId xmlns:p14="http://schemas.microsoft.com/office/powerpoint/2010/main" val="2126954354"/>
       </p:ext>
     </p:extLst>
   </p:cSld>
@@ -10420,7 +10548,7 @@
           <p:cNvPr id="2" name="Titre 1">
             <a:extLst>
               <a:ext uri="{FF2B5EF4-FFF2-40B4-BE49-F238E27FC236}">
-                <a16:creationId xmlns:a16="http://schemas.microsoft.com/office/drawing/2014/main" id="{94368B1A-B008-4E46-97F9-DCE229137AF0}"/>
+                <a16:creationId xmlns:a16="http://schemas.microsoft.com/office/drawing/2014/main" id="{8A5CAF97-F55F-3640-AA44-33911C68C1CD}"/>
               </a:ext>
             </a:extLst>
           </p:cNvPr>
@@ -10433,12 +10561,14 @@
         </p:nvSpPr>
         <p:spPr/>
         <p:txBody>
-          <a:bodyPr/>
-          <a:lstStyle/>
-          <a:p>
-            <a:r>
-              <a:rPr lang="fr-FR" dirty="0"/>
-              <a:t>App multi containers</a:t>
+          <a:bodyPr>
+            <a:normAutofit/>
+          </a:bodyPr>
+          <a:lstStyle/>
+          <a:p>
+            <a:r>
+              <a:rPr lang="fr-FR" sz="2400" dirty="0"/>
+              <a:t>Docker Compose</a:t>
             </a:r>
           </a:p>
         </p:txBody>
@@ -10446,7 +10576,7 @@
     </p:spTree>
     <p:extLst>
       <p:ext uri="{BB962C8B-B14F-4D97-AF65-F5344CB8AC3E}">
-        <p14:creationId xmlns:p14="http://schemas.microsoft.com/office/powerpoint/2010/main" val="529074142"/>
+        <p14:creationId xmlns:p14="http://schemas.microsoft.com/office/powerpoint/2010/main" val="67114313"/>
       </p:ext>
     </p:extLst>
   </p:cSld>
@@ -10478,7 +10608,7 @@
           <p:cNvPr id="2" name="Titre 1">
             <a:extLst>
               <a:ext uri="{FF2B5EF4-FFF2-40B4-BE49-F238E27FC236}">
-                <a16:creationId xmlns:a16="http://schemas.microsoft.com/office/drawing/2014/main" id="{C2BDCA75-1104-164A-BCF5-8F65D188CD59}"/>
+                <a16:creationId xmlns:a16="http://schemas.microsoft.com/office/drawing/2014/main" id="{94368B1A-B008-4E46-97F9-DCE229137AF0}"/>
               </a:ext>
             </a:extLst>
           </p:cNvPr>
@@ -10496,108 +10626,7 @@
           <a:p>
             <a:r>
               <a:rPr lang="fr-FR" dirty="0"/>
-              <a:t>Sommaire deuxième partie</a:t>
-            </a:r>
-          </a:p>
-        </p:txBody>
-      </p:sp>
-      <p:sp>
-        <p:nvSpPr>
-          <p:cNvPr id="3" name="Espace réservé du contenu 2">
-            <a:extLst>
-              <a:ext uri="{FF2B5EF4-FFF2-40B4-BE49-F238E27FC236}">
-                <a16:creationId xmlns:a16="http://schemas.microsoft.com/office/drawing/2014/main" id="{313E1D13-E952-8642-972A-021CF734CC27}"/>
-              </a:ext>
-            </a:extLst>
-          </p:cNvPr>
-          <p:cNvSpPr>
-            <a:spLocks noGrp="1"/>
-          </p:cNvSpPr>
-          <p:nvPr>
-            <p:ph idx="1"/>
-          </p:nvPr>
-        </p:nvSpPr>
-        <p:spPr/>
-        <p:txBody>
-          <a:bodyPr>
-            <a:normAutofit/>
-          </a:bodyPr>
-          <a:lstStyle/>
-          <a:p>
-            <a:r>
-              <a:rPr lang="fr-FR" sz="1600" dirty="0"/>
-              <a:t>Qu’est ce que Kubernetes</a:t>
-            </a:r>
-          </a:p>
-          <a:p>
-            <a:r>
-              <a:rPr lang="fr-FR" sz="1600" dirty="0"/>
-              <a:t>Pourquoi utiliser Kubernetes</a:t>
-            </a:r>
-          </a:p>
-          <a:p>
-            <a:r>
-              <a:rPr lang="fr-FR" sz="1600" dirty="0"/>
-              <a:t>Installer Kubernetes</a:t>
-            </a:r>
-          </a:p>
-          <a:p>
-            <a:r>
-              <a:rPr lang="fr-FR" sz="1600" dirty="0"/>
-              <a:t>Qu’est-ce qu’un </a:t>
-            </a:r>
-            <a:r>
-              <a:rPr lang="fr-FR" sz="1600" dirty="0" err="1"/>
-              <a:t>pod</a:t>
-            </a:r>
-            <a:endParaRPr lang="fr-FR" sz="1600" dirty="0"/>
-          </a:p>
-          <a:p>
-            <a:r>
-              <a:rPr lang="fr-FR" sz="1600" dirty="0"/>
-              <a:t>Qu’est ce qu’un service</a:t>
-            </a:r>
-          </a:p>
-          <a:p>
-            <a:r>
-              <a:rPr lang="fr-FR" sz="1600" dirty="0"/>
-              <a:t>Qu’est ce qu’un </a:t>
-            </a:r>
-            <a:r>
-              <a:rPr lang="fr-FR" sz="1600" dirty="0" err="1"/>
-              <a:t>deployment</a:t>
-            </a:r>
-            <a:endParaRPr lang="fr-FR" sz="1600" dirty="0"/>
-          </a:p>
-          <a:p>
-            <a:r>
-              <a:rPr lang="fr-FR" sz="1600" dirty="0"/>
-              <a:t>App multi containers avec Kubernetes</a:t>
-            </a:r>
-          </a:p>
-          <a:p>
-            <a:r>
-              <a:rPr lang="fr-FR" sz="1600" dirty="0"/>
-              <a:t>Gérer le trafic avec </a:t>
-            </a:r>
-            <a:r>
-              <a:rPr lang="fr-FR" sz="1600" dirty="0" err="1"/>
-              <a:t>Ingress</a:t>
-            </a:r>
-            <a:endParaRPr lang="fr-FR" sz="1600" dirty="0"/>
-          </a:p>
-          <a:p>
-            <a:r>
-              <a:rPr lang="fr-FR" sz="1600" dirty="0"/>
-              <a:t>Déployer une </a:t>
-            </a:r>
-            <a:r>
-              <a:rPr lang="fr-FR" sz="1600" dirty="0" err="1"/>
-              <a:t>app</a:t>
-            </a:r>
-            <a:r>
-              <a:rPr lang="fr-FR" sz="1600" dirty="0"/>
-              <a:t> Kubernetes</a:t>
+              <a:t>App multi containers</a:t>
             </a:r>
           </a:p>
         </p:txBody>
@@ -10605,7 +10634,7 @@
     </p:spTree>
     <p:extLst>
       <p:ext uri="{BB962C8B-B14F-4D97-AF65-F5344CB8AC3E}">
-        <p14:creationId xmlns:p14="http://schemas.microsoft.com/office/powerpoint/2010/main" val="3804636423"/>
+        <p14:creationId xmlns:p14="http://schemas.microsoft.com/office/powerpoint/2010/main" val="529074142"/>
       </p:ext>
     </p:extLst>
   </p:cSld>
@@ -10637,7 +10666,7 @@
           <p:cNvPr id="2" name="Titre 1">
             <a:extLst>
               <a:ext uri="{FF2B5EF4-FFF2-40B4-BE49-F238E27FC236}">
-                <a16:creationId xmlns:a16="http://schemas.microsoft.com/office/drawing/2014/main" id="{BB13A1BC-7254-9840-9BF3-C8DF24BE0CD2}"/>
+                <a16:creationId xmlns:a16="http://schemas.microsoft.com/office/drawing/2014/main" id="{C2BDCA75-1104-164A-BCF5-8F65D188CD59}"/>
               </a:ext>
             </a:extLst>
           </p:cNvPr>
@@ -10655,7 +10684,108 @@
           <a:p>
             <a:r>
               <a:rPr lang="fr-FR" dirty="0"/>
-              <a:t>Kubernetes</a:t>
+              <a:t>Sommaire deuxième partie</a:t>
+            </a:r>
+          </a:p>
+        </p:txBody>
+      </p:sp>
+      <p:sp>
+        <p:nvSpPr>
+          <p:cNvPr id="3" name="Espace réservé du contenu 2">
+            <a:extLst>
+              <a:ext uri="{FF2B5EF4-FFF2-40B4-BE49-F238E27FC236}">
+                <a16:creationId xmlns:a16="http://schemas.microsoft.com/office/drawing/2014/main" id="{313E1D13-E952-8642-972A-021CF734CC27}"/>
+              </a:ext>
+            </a:extLst>
+          </p:cNvPr>
+          <p:cNvSpPr>
+            <a:spLocks noGrp="1"/>
+          </p:cNvSpPr>
+          <p:nvPr>
+            <p:ph idx="1"/>
+          </p:nvPr>
+        </p:nvSpPr>
+        <p:spPr/>
+        <p:txBody>
+          <a:bodyPr>
+            <a:normAutofit/>
+          </a:bodyPr>
+          <a:lstStyle/>
+          <a:p>
+            <a:r>
+              <a:rPr lang="fr-FR" sz="1600" dirty="0"/>
+              <a:t>Qu’est ce que Kubernetes</a:t>
+            </a:r>
+          </a:p>
+          <a:p>
+            <a:r>
+              <a:rPr lang="fr-FR" sz="1600" dirty="0"/>
+              <a:t>Pourquoi utiliser Kubernetes</a:t>
+            </a:r>
+          </a:p>
+          <a:p>
+            <a:r>
+              <a:rPr lang="fr-FR" sz="1600" dirty="0"/>
+              <a:t>Installer Kubernetes</a:t>
+            </a:r>
+          </a:p>
+          <a:p>
+            <a:r>
+              <a:rPr lang="fr-FR" sz="1600" dirty="0"/>
+              <a:t>Qu’est-ce qu’un </a:t>
+            </a:r>
+            <a:r>
+              <a:rPr lang="fr-FR" sz="1600" dirty="0" err="1"/>
+              <a:t>pod</a:t>
+            </a:r>
+            <a:endParaRPr lang="fr-FR" sz="1600" dirty="0"/>
+          </a:p>
+          <a:p>
+            <a:r>
+              <a:rPr lang="fr-FR" sz="1600" dirty="0"/>
+              <a:t>Qu’est ce qu’un service</a:t>
+            </a:r>
+          </a:p>
+          <a:p>
+            <a:r>
+              <a:rPr lang="fr-FR" sz="1600" dirty="0"/>
+              <a:t>Qu’est ce qu’un </a:t>
+            </a:r>
+            <a:r>
+              <a:rPr lang="fr-FR" sz="1600" dirty="0" err="1"/>
+              <a:t>deployment</a:t>
+            </a:r>
+            <a:endParaRPr lang="fr-FR" sz="1600" dirty="0"/>
+          </a:p>
+          <a:p>
+            <a:r>
+              <a:rPr lang="fr-FR" sz="1600" dirty="0"/>
+              <a:t>App multi containers avec Kubernetes</a:t>
+            </a:r>
+          </a:p>
+          <a:p>
+            <a:r>
+              <a:rPr lang="fr-FR" sz="1600" dirty="0"/>
+              <a:t>Gérer le trafic avec </a:t>
+            </a:r>
+            <a:r>
+              <a:rPr lang="fr-FR" sz="1600" dirty="0" err="1"/>
+              <a:t>Ingress</a:t>
+            </a:r>
+            <a:endParaRPr lang="fr-FR" sz="1600" dirty="0"/>
+          </a:p>
+          <a:p>
+            <a:r>
+              <a:rPr lang="fr-FR" sz="1600" dirty="0"/>
+              <a:t>Déployer une </a:t>
+            </a:r>
+            <a:r>
+              <a:rPr lang="fr-FR" sz="1600" dirty="0" err="1"/>
+              <a:t>app</a:t>
+            </a:r>
+            <a:r>
+              <a:rPr lang="fr-FR" sz="1600" dirty="0"/>
+              <a:t> Kubernetes</a:t>
             </a:r>
           </a:p>
         </p:txBody>
@@ -10663,7 +10793,7 @@
     </p:spTree>
     <p:extLst>
       <p:ext uri="{BB962C8B-B14F-4D97-AF65-F5344CB8AC3E}">
-        <p14:creationId xmlns:p14="http://schemas.microsoft.com/office/powerpoint/2010/main" val="3010032273"/>
+        <p14:creationId xmlns:p14="http://schemas.microsoft.com/office/powerpoint/2010/main" val="3804636423"/>
       </p:ext>
     </p:extLst>
   </p:cSld>
@@ -10695,7 +10825,7 @@
           <p:cNvPr id="2" name="Titre 1">
             <a:extLst>
               <a:ext uri="{FF2B5EF4-FFF2-40B4-BE49-F238E27FC236}">
-                <a16:creationId xmlns:a16="http://schemas.microsoft.com/office/drawing/2014/main" id="{189B7B4F-EC42-8148-B1C8-43810A892074}"/>
+                <a16:creationId xmlns:a16="http://schemas.microsoft.com/office/drawing/2014/main" id="{BB13A1BC-7254-9840-9BF3-C8DF24BE0CD2}"/>
               </a:ext>
             </a:extLst>
           </p:cNvPr>
@@ -10708,47 +10838,20 @@
         </p:nvSpPr>
         <p:spPr/>
         <p:txBody>
-          <a:bodyPr>
-            <a:normAutofit/>
-          </a:bodyPr>
+          <a:bodyPr/>
           <a:lstStyle/>
           <a:p>
             <a:r>
               <a:rPr lang="fr-FR" dirty="0"/>
-              <a:t>Qu’est ce que Kubernetes</a:t>
-            </a:r>
-          </a:p>
-        </p:txBody>
-      </p:sp>
-      <p:sp>
-        <p:nvSpPr>
-          <p:cNvPr id="3" name="Espace réservé du contenu 2">
-            <a:extLst>
-              <a:ext uri="{FF2B5EF4-FFF2-40B4-BE49-F238E27FC236}">
-                <a16:creationId xmlns:a16="http://schemas.microsoft.com/office/drawing/2014/main" id="{FA04DAE1-B727-084E-A859-8FD4ED81BC64}"/>
-              </a:ext>
-            </a:extLst>
-          </p:cNvPr>
-          <p:cNvSpPr>
-            <a:spLocks noGrp="1"/>
-          </p:cNvSpPr>
-          <p:nvPr>
-            <p:ph idx="1"/>
-          </p:nvPr>
-        </p:nvSpPr>
-        <p:spPr/>
-        <p:txBody>
-          <a:bodyPr/>
-          <a:lstStyle/>
-          <a:p>
-            <a:endParaRPr lang="fr-FR"/>
+              <a:t>Kubernetes</a:t>
+            </a:r>
           </a:p>
         </p:txBody>
       </p:sp>
     </p:spTree>
     <p:extLst>
       <p:ext uri="{BB962C8B-B14F-4D97-AF65-F5344CB8AC3E}">
-        <p14:creationId xmlns:p14="http://schemas.microsoft.com/office/powerpoint/2010/main" val="1773393910"/>
+        <p14:creationId xmlns:p14="http://schemas.microsoft.com/office/powerpoint/2010/main" val="3010032273"/>
       </p:ext>
     </p:extLst>
   </p:cSld>
@@ -11234,7 +11337,7 @@
           <p:cNvPr id="2" name="Titre 1">
             <a:extLst>
               <a:ext uri="{FF2B5EF4-FFF2-40B4-BE49-F238E27FC236}">
-                <a16:creationId xmlns:a16="http://schemas.microsoft.com/office/drawing/2014/main" id="{18DD65D0-03CD-DF49-B1F8-35CE2A6182D4}"/>
+                <a16:creationId xmlns:a16="http://schemas.microsoft.com/office/drawing/2014/main" id="{189B7B4F-EC42-8148-B1C8-43810A892074}"/>
               </a:ext>
             </a:extLst>
           </p:cNvPr>
@@ -11247,12 +11350,14 @@
         </p:nvSpPr>
         <p:spPr/>
         <p:txBody>
-          <a:bodyPr/>
+          <a:bodyPr>
+            <a:normAutofit/>
+          </a:bodyPr>
           <a:lstStyle/>
           <a:p>
             <a:r>
               <a:rPr lang="fr-FR" dirty="0"/>
-              <a:t>Pourquoi Kubernetes</a:t>
+              <a:t>Qu’est ce que Kubernetes</a:t>
             </a:r>
           </a:p>
         </p:txBody>
@@ -11262,7 +11367,7 @@
           <p:cNvPr id="3" name="Espace réservé du contenu 2">
             <a:extLst>
               <a:ext uri="{FF2B5EF4-FFF2-40B4-BE49-F238E27FC236}">
-                <a16:creationId xmlns:a16="http://schemas.microsoft.com/office/drawing/2014/main" id="{53F6BB81-2BEF-E341-B9E8-B2C06BC9F1FE}"/>
+                <a16:creationId xmlns:a16="http://schemas.microsoft.com/office/drawing/2014/main" id="{FA04DAE1-B727-084E-A859-8FD4ED81BC64}"/>
               </a:ext>
             </a:extLst>
           </p:cNvPr>
@@ -11285,7 +11390,7 @@
     </p:spTree>
     <p:extLst>
       <p:ext uri="{BB962C8B-B14F-4D97-AF65-F5344CB8AC3E}">
-        <p14:creationId xmlns:p14="http://schemas.microsoft.com/office/powerpoint/2010/main" val="3725948383"/>
+        <p14:creationId xmlns:p14="http://schemas.microsoft.com/office/powerpoint/2010/main" val="1773393910"/>
       </p:ext>
     </p:extLst>
   </p:cSld>
@@ -11317,7 +11422,7 @@
           <p:cNvPr id="2" name="Titre 1">
             <a:extLst>
               <a:ext uri="{FF2B5EF4-FFF2-40B4-BE49-F238E27FC236}">
-                <a16:creationId xmlns:a16="http://schemas.microsoft.com/office/drawing/2014/main" id="{D7F3DB66-8D3D-514C-93D2-4A8116A820E1}"/>
+                <a16:creationId xmlns:a16="http://schemas.microsoft.com/office/drawing/2014/main" id="{18DD65D0-03CD-DF49-B1F8-35CE2A6182D4}"/>
               </a:ext>
             </a:extLst>
           </p:cNvPr>
@@ -11335,7 +11440,7 @@
           <a:p>
             <a:r>
               <a:rPr lang="fr-FR" dirty="0"/>
-              <a:t>Installation</a:t>
+              <a:t>Pourquoi Kubernetes</a:t>
             </a:r>
           </a:p>
         </p:txBody>
@@ -11345,7 +11450,7 @@
           <p:cNvPr id="3" name="Espace réservé du contenu 2">
             <a:extLst>
               <a:ext uri="{FF2B5EF4-FFF2-40B4-BE49-F238E27FC236}">
-                <a16:creationId xmlns:a16="http://schemas.microsoft.com/office/drawing/2014/main" id="{64CB6E40-D37E-3340-94D0-49C94AA5A624}"/>
+                <a16:creationId xmlns:a16="http://schemas.microsoft.com/office/drawing/2014/main" id="{53F6BB81-2BEF-E341-B9E8-B2C06BC9F1FE}"/>
               </a:ext>
             </a:extLst>
           </p:cNvPr>
@@ -11368,7 +11473,7 @@
     </p:spTree>
     <p:extLst>
       <p:ext uri="{BB962C8B-B14F-4D97-AF65-F5344CB8AC3E}">
-        <p14:creationId xmlns:p14="http://schemas.microsoft.com/office/powerpoint/2010/main" val="2461077664"/>
+        <p14:creationId xmlns:p14="http://schemas.microsoft.com/office/powerpoint/2010/main" val="3725948383"/>
       </p:ext>
     </p:extLst>
   </p:cSld>
@@ -11400,7 +11505,7 @@
           <p:cNvPr id="2" name="Titre 1">
             <a:extLst>
               <a:ext uri="{FF2B5EF4-FFF2-40B4-BE49-F238E27FC236}">
-                <a16:creationId xmlns:a16="http://schemas.microsoft.com/office/drawing/2014/main" id="{C356CBC8-BFB8-0247-8BA8-C7D03B57F189}"/>
+                <a16:creationId xmlns:a16="http://schemas.microsoft.com/office/drawing/2014/main" id="{D7F3DB66-8D3D-514C-93D2-4A8116A820E1}"/>
               </a:ext>
             </a:extLst>
           </p:cNvPr>
@@ -11417,10 +11522,9 @@
           <a:lstStyle/>
           <a:p>
             <a:r>
-              <a:rPr lang="fr-FR" dirty="0" err="1"/>
-              <a:t>Pod</a:t>
-            </a:r>
-            <a:endParaRPr lang="fr-FR" dirty="0"/>
+              <a:rPr lang="fr-FR" dirty="0"/>
+              <a:t>Installation</a:t>
+            </a:r>
           </a:p>
         </p:txBody>
       </p:sp>
@@ -11429,7 +11533,7 @@
           <p:cNvPr id="3" name="Espace réservé du contenu 2">
             <a:extLst>
               <a:ext uri="{FF2B5EF4-FFF2-40B4-BE49-F238E27FC236}">
-                <a16:creationId xmlns:a16="http://schemas.microsoft.com/office/drawing/2014/main" id="{638C7C71-D621-CD45-975B-1A9FE0A690C4}"/>
+                <a16:creationId xmlns:a16="http://schemas.microsoft.com/office/drawing/2014/main" id="{64CB6E40-D37E-3340-94D0-49C94AA5A624}"/>
               </a:ext>
             </a:extLst>
           </p:cNvPr>
@@ -11452,7 +11556,7 @@
     </p:spTree>
     <p:extLst>
       <p:ext uri="{BB962C8B-B14F-4D97-AF65-F5344CB8AC3E}">
-        <p14:creationId xmlns:p14="http://schemas.microsoft.com/office/powerpoint/2010/main" val="3321395717"/>
+        <p14:creationId xmlns:p14="http://schemas.microsoft.com/office/powerpoint/2010/main" val="2461077664"/>
       </p:ext>
     </p:extLst>
   </p:cSld>
@@ -11484,6 +11588,90 @@
           <p:cNvPr id="2" name="Titre 1">
             <a:extLst>
               <a:ext uri="{FF2B5EF4-FFF2-40B4-BE49-F238E27FC236}">
+                <a16:creationId xmlns:a16="http://schemas.microsoft.com/office/drawing/2014/main" id="{C356CBC8-BFB8-0247-8BA8-C7D03B57F189}"/>
+              </a:ext>
+            </a:extLst>
+          </p:cNvPr>
+          <p:cNvSpPr>
+            <a:spLocks noGrp="1"/>
+          </p:cNvSpPr>
+          <p:nvPr>
+            <p:ph type="title"/>
+          </p:nvPr>
+        </p:nvSpPr>
+        <p:spPr/>
+        <p:txBody>
+          <a:bodyPr/>
+          <a:lstStyle/>
+          <a:p>
+            <a:r>
+              <a:rPr lang="fr-FR" dirty="0" err="1"/>
+              <a:t>Pod</a:t>
+            </a:r>
+            <a:endParaRPr lang="fr-FR" dirty="0"/>
+          </a:p>
+        </p:txBody>
+      </p:sp>
+      <p:sp>
+        <p:nvSpPr>
+          <p:cNvPr id="3" name="Espace réservé du contenu 2">
+            <a:extLst>
+              <a:ext uri="{FF2B5EF4-FFF2-40B4-BE49-F238E27FC236}">
+                <a16:creationId xmlns:a16="http://schemas.microsoft.com/office/drawing/2014/main" id="{638C7C71-D621-CD45-975B-1A9FE0A690C4}"/>
+              </a:ext>
+            </a:extLst>
+          </p:cNvPr>
+          <p:cNvSpPr>
+            <a:spLocks noGrp="1"/>
+          </p:cNvSpPr>
+          <p:nvPr>
+            <p:ph idx="1"/>
+          </p:nvPr>
+        </p:nvSpPr>
+        <p:spPr/>
+        <p:txBody>
+          <a:bodyPr/>
+          <a:lstStyle/>
+          <a:p>
+            <a:endParaRPr lang="fr-FR"/>
+          </a:p>
+        </p:txBody>
+      </p:sp>
+    </p:spTree>
+    <p:extLst>
+      <p:ext uri="{BB962C8B-B14F-4D97-AF65-F5344CB8AC3E}">
+        <p14:creationId xmlns:p14="http://schemas.microsoft.com/office/powerpoint/2010/main" val="3321395717"/>
+      </p:ext>
+    </p:extLst>
+  </p:cSld>
+  <p:clrMapOvr>
+    <a:masterClrMapping/>
+  </p:clrMapOvr>
+</p:sld>
+</file>
+
+<file path=ppt/slides/slide34.xml><?xml version="1.0" encoding="utf-8"?>
+<p:sld xmlns:a="http://schemas.openxmlformats.org/drawingml/2006/main" xmlns:r="http://schemas.openxmlformats.org/officeDocument/2006/relationships" xmlns:p="http://schemas.openxmlformats.org/presentationml/2006/main">
+  <p:cSld>
+    <p:spTree>
+      <p:nvGrpSpPr>
+        <p:cNvPr id="1" name=""/>
+        <p:cNvGrpSpPr/>
+        <p:nvPr/>
+      </p:nvGrpSpPr>
+      <p:grpSpPr>
+        <a:xfrm>
+          <a:off x="0" y="0"/>
+          <a:ext cx="0" cy="0"/>
+          <a:chOff x="0" y="0"/>
+          <a:chExt cx="0" cy="0"/>
+        </a:xfrm>
+      </p:grpSpPr>
+      <p:sp>
+        <p:nvSpPr>
+          <p:cNvPr id="2" name="Titre 1">
+            <a:extLst>
+              <a:ext uri="{FF2B5EF4-FFF2-40B4-BE49-F238E27FC236}">
                 <a16:creationId xmlns:a16="http://schemas.microsoft.com/office/drawing/2014/main" id="{8185F0AD-8C11-1B4E-AACE-96333D865C09}"/>
               </a:ext>
             </a:extLst>
@@ -11520,7 +11708,7 @@
 </p:sld>
 </file>
 
-<file path=ppt/slides/slide34.xml><?xml version="1.0" encoding="utf-8"?>
+<file path=ppt/slides/slide35.xml><?xml version="1.0" encoding="utf-8"?>
 <p:sld xmlns:a="http://schemas.openxmlformats.org/drawingml/2006/main" xmlns:r="http://schemas.openxmlformats.org/officeDocument/2006/relationships" xmlns:p="http://schemas.openxmlformats.org/presentationml/2006/main">
   <p:cSld>
     <p:spTree>
@@ -12391,15 +12579,15 @@
               <a:buNone/>
             </a:pPr>
             <a:r>
-              <a:rPr lang="fr-FR" sz="1600" dirty="0"/>
+              <a:rPr lang="fr-FR" sz="1200" dirty="0"/>
               <a:t>Docker est une technologie de </a:t>
             </a:r>
             <a:r>
-              <a:rPr lang="fr-FR" sz="1600" b="1" dirty="0"/>
+              <a:rPr lang="fr-FR" sz="1200" b="1" dirty="0"/>
               <a:t>conteneurisation</a:t>
             </a:r>
             <a:r>
-              <a:rPr lang="fr-FR" sz="1600" dirty="0"/>
+              <a:rPr lang="fr-FR" sz="1200" dirty="0"/>
               <a:t> qui facilite la gestion de dépendance au sein d’un projet et ce, à tous les niveaux (développement et déploiement). </a:t>
             </a:r>
           </a:p>
@@ -12408,31 +12596,31 @@
               <a:buNone/>
             </a:pPr>
             <a:r>
-              <a:rPr lang="fr-FR" sz="1600" dirty="0"/>
+              <a:rPr lang="fr-FR" sz="1200" dirty="0"/>
               <a:t>Disponible sur Linux, Windows et Mac OS, le mécanisme de Docker se centre autour des </a:t>
             </a:r>
             <a:r>
-              <a:rPr lang="fr-FR" sz="1600" b="1" dirty="0"/>
+              <a:rPr lang="fr-FR" sz="1200" b="1" dirty="0"/>
               <a:t>conteneurs</a:t>
             </a:r>
             <a:r>
-              <a:rPr lang="fr-FR" sz="1600" dirty="0"/>
+              <a:rPr lang="fr-FR" sz="1200" dirty="0"/>
               <a:t> et de leur orchestration, et c’est en cela que la </a:t>
             </a:r>
             <a:r>
-              <a:rPr lang="fr-FR" sz="1600" b="1" dirty="0"/>
+              <a:rPr lang="fr-FR" sz="1200" b="1" dirty="0"/>
               <a:t>conteneurisation</a:t>
             </a:r>
             <a:r>
-              <a:rPr lang="fr-FR" sz="1600" dirty="0"/>
+              <a:rPr lang="fr-FR" sz="1200" dirty="0"/>
               <a:t> se différencie de la </a:t>
             </a:r>
             <a:r>
-              <a:rPr lang="fr-FR" sz="1600" b="1" dirty="0"/>
+              <a:rPr lang="fr-FR" sz="1200" b="1" dirty="0"/>
               <a:t>virtualisation</a:t>
             </a:r>
             <a:r>
-              <a:rPr lang="fr-FR" sz="1600" dirty="0"/>
+              <a:rPr lang="fr-FR" sz="1200" dirty="0"/>
               <a:t>.</a:t>
             </a:r>
           </a:p>
@@ -12488,7 +12676,7 @@
         </p:blipFill>
         <p:spPr>
           <a:xfrm>
-            <a:off x="1115568" y="4232789"/>
+            <a:off x="1058924" y="4030488"/>
             <a:ext cx="3159976" cy="2625211"/>
           </a:xfrm>
           <a:prstGeom prst="rect">
@@ -12518,7 +12706,7 @@
         </p:blipFill>
         <p:spPr>
           <a:xfrm>
-            <a:off x="7590263" y="4232788"/>
+            <a:off x="7565987" y="4030488"/>
             <a:ext cx="3159976" cy="2625211"/>
           </a:xfrm>
           <a:prstGeom prst="rect">
@@ -12981,7 +13169,7 @@
               <a:buNone/>
             </a:pPr>
             <a:r>
-              <a:rPr lang="fr-FR" sz="1600" dirty="0"/>
+              <a:rPr lang="fr-FR" sz="1200" dirty="0"/>
               <a:t>Un problème fréquent lors de l’installation d’un projet est de passer plusieurs heures à essayer d’installer et de lancer un projet car beaucoup de facteurs problématiques peuvent entrer en jeu, tels que le système d’exploitation, la base de données, ou encore la version du langage de développement.</a:t>
             </a:r>
           </a:p>
@@ -12989,14 +13177,14 @@
             <a:pPr marL="0" indent="0" algn="just">
               <a:buNone/>
             </a:pPr>
-            <a:endParaRPr lang="fr-FR" sz="1600" dirty="0"/>
+            <a:endParaRPr lang="fr-FR" sz="1200" dirty="0"/>
           </a:p>
           <a:p>
             <a:pPr marL="0" indent="0" algn="just">
               <a:buNone/>
             </a:pPr>
             <a:r>
-              <a:rPr lang="fr-FR" sz="1600" dirty="0"/>
+              <a:rPr lang="fr-FR" sz="1200" dirty="0"/>
               <a:t>Avec Docker, tous ces problèmes de dépendances de versions et de machines n’existent plus</a:t>
             </a:r>
           </a:p>
@@ -13639,12 +13827,20 @@
               <a:buNone/>
             </a:pPr>
             <a:r>
-              <a:rPr lang="fr-FR" sz="1500"/>
+              <a:rPr lang="fr-FR" sz="1200" dirty="0"/>
               <a:t>Il existe trois concepts clés dans Docker : </a:t>
             </a:r>
             <a:r>
-              <a:rPr lang="fr-FR" sz="1500" b="1"/>
-              <a:t>les conteneurs, les images et les fichiers Docker (Dockerfile)</a:t>
+              <a:rPr lang="fr-FR" sz="1200" b="1" dirty="0"/>
+              <a:t>les conteneurs, les images et les fichiers Docker (</a:t>
+            </a:r>
+            <a:r>
+              <a:rPr lang="fr-FR" sz="1200" b="1" dirty="0" err="1"/>
+              <a:t>Dockerfile</a:t>
+            </a:r>
+            <a:r>
+              <a:rPr lang="fr-FR" sz="1200" b="1" dirty="0"/>
+              <a:t>)</a:t>
             </a:r>
           </a:p>
           <a:p>
@@ -13654,7 +13850,7 @@
               </a:lnSpc>
               <a:buNone/>
             </a:pPr>
-            <a:endParaRPr lang="fr-FR" sz="1500" b="1"/>
+            <a:endParaRPr lang="fr-FR" sz="1200" b="1" dirty="0"/>
           </a:p>
           <a:p>
             <a:pPr>
@@ -13663,16 +13859,24 @@
               </a:lnSpc>
             </a:pPr>
             <a:r>
-              <a:rPr lang="fr-FR" sz="1500"/>
+              <a:rPr lang="fr-FR" sz="1200" dirty="0"/>
               <a:t>Un </a:t>
             </a:r>
             <a:r>
-              <a:rPr lang="fr-FR" sz="1500" b="1"/>
+              <a:rPr lang="fr-FR" sz="1200" b="1" dirty="0"/>
               <a:t>conteneur</a:t>
             </a:r>
             <a:r>
-              <a:rPr lang="fr-FR" sz="1500"/>
-              <a:t> est un espace dans lequel une application tourne avec son propre environnement. Les applications qu’un conteneur peut faire tourner sont de tous types : site web, API, db, etc. Chaque conteneur est une instance d’une image. </a:t>
+              <a:rPr lang="fr-FR" sz="1200" dirty="0"/>
+              <a:t> est un espace dans lequel une application tourne avec son propre environnement. Les applications qu’un conteneur peut faire tourner sont de tous types : site web, API, </a:t>
+            </a:r>
+            <a:r>
+              <a:rPr lang="fr-FR" sz="1200" dirty="0" err="1"/>
+              <a:t>db</a:t>
+            </a:r>
+            <a:r>
+              <a:rPr lang="fr-FR" sz="1200" dirty="0"/>
+              <a:t>, etc. Chaque conteneur est une instance d’une image. </a:t>
             </a:r>
           </a:p>
           <a:p>
@@ -13682,23 +13886,23 @@
               </a:lnSpc>
             </a:pPr>
             <a:r>
-              <a:rPr lang="fr-FR" sz="1500"/>
+              <a:rPr lang="fr-FR" sz="1200" dirty="0"/>
               <a:t>Les </a:t>
             </a:r>
             <a:r>
-              <a:rPr lang="fr-FR" sz="1500" b="1"/>
+              <a:rPr lang="fr-FR" sz="1200" b="1" dirty="0"/>
               <a:t>images</a:t>
             </a:r>
             <a:r>
-              <a:rPr lang="fr-FR" sz="1500"/>
+              <a:rPr lang="fr-FR" sz="1200" dirty="0"/>
               <a:t> représentent le contexte que plusieurs conteneurs peuvent exécuter</a:t>
             </a:r>
             <a:r>
-              <a:rPr lang="fr-FR" sz="1500" b="1"/>
+              <a:rPr lang="fr-FR" sz="1200" b="1" dirty="0"/>
               <a:t>.</a:t>
             </a:r>
             <a:r>
-              <a:rPr lang="fr-FR" sz="1500"/>
+              <a:rPr lang="fr-FR" sz="1200" dirty="0"/>
               <a:t> Elles sont aux conteneurs ce que les classes sont aux objets en Programmation Orientée Objet : un moule.</a:t>
             </a:r>
           </a:p>
@@ -13709,22 +13913,33 @@
               </a:lnSpc>
             </a:pPr>
             <a:r>
-              <a:rPr lang="fr-FR" sz="1500"/>
+              <a:rPr lang="fr-FR" sz="1200" dirty="0"/>
               <a:t>Un </a:t>
             </a:r>
             <a:r>
-              <a:rPr lang="fr-FR" sz="1500" b="1"/>
+              <a:rPr lang="fr-FR" sz="1200" b="1" dirty="0" err="1"/>
               <a:t>Dockerfile</a:t>
             </a:r>
             <a:r>
-              <a:rPr lang="fr-FR" sz="1500"/>
-              <a:t> est un fichier qui liste les instructions à exécuter pour build une image. Il est lu de haut en bas au cours du processus de build</a:t>
-            </a:r>
-            <a:r>
-              <a:rPr lang="fr-FR" sz="1500" dirty="0"/>
+              <a:rPr lang="fr-FR" sz="1200" dirty="0"/>
+              <a:t> est un fichier qui liste les instructions à exécuter pour </a:t>
+            </a:r>
+            <a:r>
+              <a:rPr lang="fr-FR" sz="1200" dirty="0" err="1"/>
+              <a:t>build</a:t>
+            </a:r>
+            <a:r>
+              <a:rPr lang="fr-FR" sz="1200" dirty="0"/>
+              <a:t> une image. Il est lu de haut en bas au cours du processus de </a:t>
+            </a:r>
+            <a:r>
+              <a:rPr lang="fr-FR" sz="1200" dirty="0" err="1"/>
+              <a:t>build</a:t>
+            </a:r>
+            <a:r>
+              <a:rPr lang="fr-FR" sz="1200" dirty="0"/>
               <a:t>.</a:t>
             </a:r>
-            <a:endParaRPr lang="fr-FR" sz="1500"/>
           </a:p>
           <a:p>
             <a:pPr>
@@ -13732,7 +13947,7 @@
                 <a:spcPct val="100000"/>
               </a:lnSpc>
             </a:pPr>
-            <a:endParaRPr lang="fr-FR" sz="1500"/>
+            <a:endParaRPr lang="fr-FR" sz="1200" dirty="0"/>
           </a:p>
           <a:p>
             <a:pPr marL="0" indent="0">
@@ -13742,10 +13957,9 @@
               <a:buNone/>
             </a:pPr>
             <a:r>
-              <a:rPr lang="fr-FR" sz="1500" dirty="0"/>
+              <a:rPr lang="fr-FR" sz="1200" dirty="0"/>
               <a:t>Nous verrons tous cela en détails dans le cours</a:t>
             </a:r>
-            <a:endParaRPr lang="fr-FR" sz="1500"/>
           </a:p>
         </p:txBody>
       </p:sp>

--- a/Cours/Cours.pptx
+++ b/Cours/Cours.pptx
@@ -24,22 +24,21 @@
     <p:sldId id="269" r:id="rId18"/>
     <p:sldId id="293" r:id="rId19"/>
     <p:sldId id="295" r:id="rId20"/>
-    <p:sldId id="302" r:id="rId21"/>
-    <p:sldId id="298" r:id="rId22"/>
-    <p:sldId id="301" r:id="rId23"/>
-    <p:sldId id="300" r:id="rId24"/>
-    <p:sldId id="303" r:id="rId25"/>
-    <p:sldId id="299" r:id="rId26"/>
-    <p:sldId id="271" r:id="rId27"/>
-    <p:sldId id="272" r:id="rId28"/>
-    <p:sldId id="273" r:id="rId29"/>
-    <p:sldId id="286" r:id="rId30"/>
-    <p:sldId id="274" r:id="rId31"/>
-    <p:sldId id="275" r:id="rId32"/>
-    <p:sldId id="276" r:id="rId33"/>
-    <p:sldId id="277" r:id="rId34"/>
-    <p:sldId id="287" r:id="rId35"/>
-    <p:sldId id="288" r:id="rId36"/>
+    <p:sldId id="298" r:id="rId21"/>
+    <p:sldId id="302" r:id="rId22"/>
+    <p:sldId id="300" r:id="rId23"/>
+    <p:sldId id="303" r:id="rId24"/>
+    <p:sldId id="299" r:id="rId25"/>
+    <p:sldId id="271" r:id="rId26"/>
+    <p:sldId id="272" r:id="rId27"/>
+    <p:sldId id="273" r:id="rId28"/>
+    <p:sldId id="286" r:id="rId29"/>
+    <p:sldId id="274" r:id="rId30"/>
+    <p:sldId id="275" r:id="rId31"/>
+    <p:sldId id="276" r:id="rId32"/>
+    <p:sldId id="277" r:id="rId33"/>
+    <p:sldId id="287" r:id="rId34"/>
+    <p:sldId id="288" r:id="rId35"/>
   </p:sldIdLst>
   <p:sldSz cx="12192000" cy="6858000"/>
   <p:notesSz cx="6858000" cy="9144000"/>
@@ -302,7 +301,7 @@
           <a:p>
             <a:fld id="{02AC24A9-CCB6-4F8D-B8DB-C2F3692CFA5A}" type="datetimeFigureOut">
               <a:rPr lang="en-US" smtClean="0"/>
-              <a:t>12/31/21</a:t>
+              <a:t>1/1/22</a:t>
             </a:fld>
             <a:endParaRPr lang="en-US" dirty="0"/>
           </a:p>
@@ -672,7 +671,7 @@
           <a:p>
             <a:fld id="{02AC24A9-CCB6-4F8D-B8DB-C2F3692CFA5A}" type="datetimeFigureOut">
               <a:rPr lang="en-US" smtClean="0"/>
-              <a:t>12/31/21</a:t>
+              <a:t>1/1/22</a:t>
             </a:fld>
             <a:endParaRPr lang="en-US"/>
           </a:p>
@@ -881,7 +880,7 @@
           <a:p>
             <a:fld id="{02AC24A9-CCB6-4F8D-B8DB-C2F3692CFA5A}" type="datetimeFigureOut">
               <a:rPr lang="en-US" smtClean="0"/>
-              <a:t>12/31/21</a:t>
+              <a:t>1/1/22</a:t>
             </a:fld>
             <a:endParaRPr lang="en-US"/>
           </a:p>
@@ -1351,7 +1350,7 @@
           <a:p>
             <a:fld id="{02AC24A9-CCB6-4F8D-B8DB-C2F3692CFA5A}" type="datetimeFigureOut">
               <a:rPr lang="en-US" smtClean="0"/>
-              <a:t>12/31/21</a:t>
+              <a:t>1/1/22</a:t>
             </a:fld>
             <a:endParaRPr lang="en-US"/>
           </a:p>
@@ -1805,7 +1804,7 @@
           <a:p>
             <a:fld id="{02AC24A9-CCB6-4F8D-B8DB-C2F3692CFA5A}" type="datetimeFigureOut">
               <a:rPr lang="en-US" smtClean="0"/>
-              <a:t>12/31/21</a:t>
+              <a:t>1/1/22</a:t>
             </a:fld>
             <a:endParaRPr lang="en-US"/>
           </a:p>
@@ -2337,7 +2336,7 @@
           <a:p>
             <a:fld id="{02AC24A9-CCB6-4F8D-B8DB-C2F3692CFA5A}" type="datetimeFigureOut">
               <a:rPr lang="en-US" smtClean="0"/>
-              <a:t>12/31/21</a:t>
+              <a:t>1/1/22</a:t>
             </a:fld>
             <a:endParaRPr lang="en-US"/>
           </a:p>
@@ -3036,7 +3035,7 @@
           <a:p>
             <a:fld id="{02AC24A9-CCB6-4F8D-B8DB-C2F3692CFA5A}" type="datetimeFigureOut">
               <a:rPr lang="en-US" smtClean="0"/>
-              <a:t>12/31/21</a:t>
+              <a:t>1/1/22</a:t>
             </a:fld>
             <a:endParaRPr lang="en-US"/>
           </a:p>
@@ -3365,7 +3364,7 @@
           <a:p>
             <a:fld id="{02AC24A9-CCB6-4F8D-B8DB-C2F3692CFA5A}" type="datetimeFigureOut">
               <a:rPr lang="en-US" smtClean="0"/>
-              <a:t>12/31/21</a:t>
+              <a:t>1/1/22</a:t>
             </a:fld>
             <a:endParaRPr lang="en-US"/>
           </a:p>
@@ -3478,7 +3477,7 @@
           <a:p>
             <a:fld id="{02AC24A9-CCB6-4F8D-B8DB-C2F3692CFA5A}" type="datetimeFigureOut">
               <a:rPr lang="en-US" smtClean="0"/>
-              <a:t>12/31/21</a:t>
+              <a:t>1/1/22</a:t>
             </a:fld>
             <a:endParaRPr lang="en-US"/>
           </a:p>
@@ -3973,7 +3972,7 @@
           <a:p>
             <a:fld id="{02AC24A9-CCB6-4F8D-B8DB-C2F3692CFA5A}" type="datetimeFigureOut">
               <a:rPr lang="en-US" smtClean="0"/>
-              <a:t>12/31/21</a:t>
+              <a:t>1/1/22</a:t>
             </a:fld>
             <a:endParaRPr lang="en-US" dirty="0"/>
           </a:p>
@@ -4450,7 +4449,7 @@
           <a:p>
             <a:fld id="{02AC24A9-CCB6-4F8D-B8DB-C2F3692CFA5A}" type="datetimeFigureOut">
               <a:rPr lang="en-US" smtClean="0"/>
-              <a:t>12/31/21</a:t>
+              <a:t>1/1/22</a:t>
             </a:fld>
             <a:endParaRPr lang="en-US"/>
           </a:p>
@@ -4693,7 +4692,7 @@
           <a:p>
             <a:fld id="{02AC24A9-CCB6-4F8D-B8DB-C2F3692CFA5A}" type="datetimeFigureOut">
               <a:rPr lang="en-US" smtClean="0"/>
-              <a:t>12/31/21</a:t>
+              <a:t>1/1/22</a:t>
             </a:fld>
             <a:endParaRPr lang="en-US"/>
           </a:p>
@@ -8047,7 +8046,7 @@
           <a:p>
             <a:r>
               <a:rPr lang="fr-FR" sz="2400" dirty="0"/>
-              <a:t>Manipuler des containers</a:t>
+              <a:t>Manipuler des containers et des images</a:t>
             </a:r>
           </a:p>
         </p:txBody>
@@ -8140,7 +8139,7 @@
             </a:pPr>
             <a:r>
               <a:rPr lang="fr-FR" sz="1400" dirty="0"/>
-              <a:t>La liste des commandes à connaitre pour manipuler des containers Docker est disponible sur </a:t>
+              <a:t>La liste des commandes à connaitre pour manipuler des containers et images Docker est disponible sur </a:t>
             </a:r>
             <a:r>
               <a:rPr lang="fr-FR" sz="1400" dirty="0">
@@ -8149,11 +8148,13 @@
               <a:t>ce lien</a:t>
             </a:r>
             <a:br>
+              <a:rPr lang="fr-FR" sz="1400" dirty="0">
+                <a:hlinkClick r:id="rId2"/>
+              </a:rPr>
+            </a:br>
+            <a:r>
               <a:rPr lang="fr-FR" sz="1400" dirty="0"/>
-            </a:br>
-            <a:r>
-              <a:rPr lang="fr-FR" sz="1400" dirty="0"/>
-              <a:t>Vous pouvez de cette façon tester chaque étape</a:t>
+              <a:t>Vous pouvez de cette façon tester chaque commande</a:t>
             </a:r>
           </a:p>
           <a:p>
@@ -8228,7 +8229,7 @@
           <a:p>
             <a:r>
               <a:rPr lang="fr-FR" sz="2400" dirty="0"/>
-              <a:t>Créer et manipuler des images</a:t>
+              <a:t>Créer des images</a:t>
             </a:r>
           </a:p>
         </p:txBody>
@@ -8326,11 +8327,13 @@
             </a:pPr>
             <a:r>
               <a:rPr lang="fr-FR" sz="1200" dirty="0"/>
-              <a:t>Jusqu’à maintenant, nous avons utilisé des images créées par d’autres personnes. </a:t>
-            </a:r>
-            <a:br>
-              <a:rPr lang="fr-FR" sz="1200" dirty="0"/>
-            </a:br>
+              <a:t>Jusqu’à maintenant, nous avons utilisé des images créées par d’autres personnes.  </a:t>
+            </a:r>
+          </a:p>
+          <a:p>
+            <a:pPr marL="0" indent="0">
+              <a:buNone/>
+            </a:pPr>
             <a:r>
               <a:rPr lang="fr-FR" sz="1200" dirty="0"/>
               <a:t>Nous allons maintenant voir comment créer nos propres images Docker.</a:t>
@@ -9132,15 +9135,15 @@
             </a:pPr>
             <a:r>
               <a:rPr lang="fr-FR" sz="1050" dirty="0"/>
-              <a:t>Dans ce premier exemple, nous avons un ficher </a:t>
+              <a:t>Pour créer un container à partir d’un </a:t>
             </a:r>
             <a:r>
               <a:rPr lang="fr-FR" sz="1050" dirty="0" err="1"/>
-              <a:t>index.php</a:t>
+              <a:t>Dockerfile</a:t>
             </a:r>
             <a:r>
               <a:rPr lang="fr-FR" sz="1050" dirty="0"/>
-              <a:t> qui lance la commande: </a:t>
+              <a:t>, il faut lancer la commande: </a:t>
             </a:r>
           </a:p>
           <a:p>
@@ -9151,20 +9154,16 @@
               <a:buNone/>
             </a:pPr>
             <a:r>
-              <a:rPr lang="fr-FR" sz="1050" dirty="0" err="1"/>
-              <a:t>echo</a:t>
-            </a:r>
-            <a:r>
-              <a:rPr lang="fr-FR" sz="1050" dirty="0"/>
-              <a:t> hello </a:t>
-            </a:r>
-            <a:r>
-              <a:rPr lang="fr-FR" sz="1050" dirty="0" err="1"/>
-              <a:t>from</a:t>
-            </a:r>
-            <a:r>
-              <a:rPr lang="fr-FR" sz="1050" dirty="0"/>
-              <a:t> Docker.</a:t>
+              <a:rPr lang="fr-FR" sz="1050" b="1" dirty="0"/>
+              <a:t>docker </a:t>
+            </a:r>
+            <a:r>
+              <a:rPr lang="fr-FR" sz="1050" b="1" dirty="0" err="1"/>
+              <a:t>build</a:t>
+            </a:r>
+            <a:r>
+              <a:rPr lang="fr-FR" sz="1050" b="1" dirty="0"/>
+              <a:t> .</a:t>
             </a:r>
           </a:p>
           <a:p>
@@ -9185,7 +9184,23 @@
             </a:pPr>
             <a:r>
               <a:rPr lang="fr-FR" sz="1050" dirty="0"/>
-              <a:t>Imaginons que nous n’avons pas PHP installé sur notre machine, et que nous voulons créer notre propre image.</a:t>
+              <a:t>L’argument après l’instruction </a:t>
+            </a:r>
+            <a:r>
+              <a:rPr lang="fr-FR" sz="1050" dirty="0" err="1"/>
+              <a:t>build</a:t>
+            </a:r>
+            <a:r>
+              <a:rPr lang="fr-FR" sz="1050" dirty="0"/>
+              <a:t> signifie: dans quel dossier se trouve le </a:t>
+            </a:r>
+            <a:r>
+              <a:rPr lang="fr-FR" sz="1050" dirty="0" err="1"/>
+              <a:t>Dockerfile</a:t>
+            </a:r>
+            <a:r>
+              <a:rPr lang="fr-FR" sz="1050" dirty="0"/>
+              <a:t> (le . signifie le répertoire courant)</a:t>
             </a:r>
           </a:p>
           <a:p>
@@ -9206,73 +9221,20 @@
             </a:pPr>
             <a:r>
               <a:rPr lang="fr-FR" sz="1050" dirty="0"/>
-              <a:t>Pour créer un container à partir d’un </a:t>
-            </a:r>
-            <a:r>
-              <a:rPr lang="fr-FR" sz="1050" dirty="0" err="1"/>
-              <a:t>Dockerfile</a:t>
-            </a:r>
-            <a:r>
+              <a:t>Lorsque Docker crée un container à partir d’une image, il met en cache les étapes de création.</a:t>
+            </a:r>
+            <a:br>
               <a:rPr lang="fr-FR" sz="1050" dirty="0"/>
-              <a:t>, il faut lancer la commande: </a:t>
-            </a:r>
-          </a:p>
-          <a:p>
-            <a:pPr marL="0" indent="0">
-              <a:lnSpc>
-                <a:spcPct val="100000"/>
-              </a:lnSpc>
-              <a:buNone/>
-            </a:pPr>
-            <a:r>
-              <a:rPr lang="fr-FR" sz="1050" b="1" dirty="0"/>
-              <a:t>docker </a:t>
-            </a:r>
-            <a:r>
-              <a:rPr lang="fr-FR" sz="1050" b="1" dirty="0" err="1"/>
-              <a:t>build</a:t>
-            </a:r>
-            <a:r>
-              <a:rPr lang="fr-FR" sz="1050" b="1" dirty="0"/>
-              <a:t> .</a:t>
-            </a:r>
-          </a:p>
-          <a:p>
-            <a:pPr marL="0" indent="0">
-              <a:lnSpc>
-                <a:spcPct val="100000"/>
-              </a:lnSpc>
-              <a:buNone/>
-            </a:pPr>
-            <a:endParaRPr lang="fr-FR" sz="1050" dirty="0"/>
-          </a:p>
-          <a:p>
-            <a:pPr marL="0" indent="0">
-              <a:lnSpc>
-                <a:spcPct val="100000"/>
-              </a:lnSpc>
-              <a:buNone/>
-            </a:pPr>
+            </a:br>
             <a:r>
               <a:rPr lang="fr-FR" sz="1050" dirty="0"/>
-              <a:t>L’argument après l’instruction </a:t>
+              <a:t>Modifier l’ordre de ces étapes à un impact sur le cache lors d’un nouveau </a:t>
             </a:r>
             <a:r>
               <a:rPr lang="fr-FR" sz="1050" dirty="0" err="1"/>
               <a:t>build</a:t>
             </a:r>
-            <a:r>
-              <a:rPr lang="fr-FR" sz="1050" dirty="0"/>
-              <a:t> signifie: dans quel dossier se trouve le </a:t>
-            </a:r>
-            <a:r>
-              <a:rPr lang="fr-FR" sz="1050" dirty="0" err="1"/>
-              <a:t>Dockerfile</a:t>
-            </a:r>
-            <a:r>
-              <a:rPr lang="fr-FR" sz="1050" dirty="0"/>
-              <a:t> (le . signifie le répertoire courant)</a:t>
-            </a:r>
+            <a:endParaRPr lang="fr-FR" sz="1050" dirty="0"/>
           </a:p>
           <a:p>
             <a:pPr marL="0" indent="0">
@@ -9470,136 +9432,6 @@
 <file path=ppt/slides/slide20.xml><?xml version="1.0" encoding="utf-8"?>
 <p:sld xmlns:a="http://schemas.openxmlformats.org/drawingml/2006/main" xmlns:r="http://schemas.openxmlformats.org/officeDocument/2006/relationships" xmlns:p="http://schemas.openxmlformats.org/presentationml/2006/main">
   <p:cSld>
-    <p:spTree>
-      <p:nvGrpSpPr>
-        <p:cNvPr id="1" name=""/>
-        <p:cNvGrpSpPr/>
-        <p:nvPr/>
-      </p:nvGrpSpPr>
-      <p:grpSpPr>
-        <a:xfrm>
-          <a:off x="0" y="0"/>
-          <a:ext cx="0" cy="0"/>
-          <a:chOff x="0" y="0"/>
-          <a:chExt cx="0" cy="0"/>
-        </a:xfrm>
-      </p:grpSpPr>
-      <p:sp>
-        <p:nvSpPr>
-          <p:cNvPr id="2" name="Titre 1">
-            <a:extLst>
-              <a:ext uri="{FF2B5EF4-FFF2-40B4-BE49-F238E27FC236}">
-                <a16:creationId xmlns:a16="http://schemas.microsoft.com/office/drawing/2014/main" id="{FC1367CE-1537-FF4A-867D-10A1CEEACAA9}"/>
-              </a:ext>
-            </a:extLst>
-          </p:cNvPr>
-          <p:cNvSpPr>
-            <a:spLocks noGrp="1"/>
-          </p:cNvSpPr>
-          <p:nvPr>
-            <p:ph type="title"/>
-          </p:nvPr>
-        </p:nvSpPr>
-        <p:spPr/>
-        <p:txBody>
-          <a:bodyPr>
-            <a:normAutofit/>
-          </a:bodyPr>
-          <a:lstStyle/>
-          <a:p>
-            <a:r>
-              <a:rPr lang="fr-FR" sz="2400" dirty="0"/>
-              <a:t>Commandes </a:t>
-            </a:r>
-            <a:r>
-              <a:rPr lang="fr-FR" sz="2400" dirty="0" err="1"/>
-              <a:t>Dockerfile</a:t>
-            </a:r>
-            <a:endParaRPr lang="fr-FR" sz="2400" dirty="0"/>
-          </a:p>
-        </p:txBody>
-      </p:sp>
-      <p:sp>
-        <p:nvSpPr>
-          <p:cNvPr id="3" name="Espace réservé du contenu 2">
-            <a:extLst>
-              <a:ext uri="{FF2B5EF4-FFF2-40B4-BE49-F238E27FC236}">
-                <a16:creationId xmlns:a16="http://schemas.microsoft.com/office/drawing/2014/main" id="{5AD2B497-B332-A741-BA92-D3BD9A8852CC}"/>
-              </a:ext>
-            </a:extLst>
-          </p:cNvPr>
-          <p:cNvSpPr>
-            <a:spLocks noGrp="1"/>
-          </p:cNvSpPr>
-          <p:nvPr>
-            <p:ph idx="1"/>
-          </p:nvPr>
-        </p:nvSpPr>
-        <p:spPr/>
-        <p:txBody>
-          <a:bodyPr/>
-          <a:lstStyle/>
-          <a:p>
-            <a:r>
-              <a:rPr lang="fr-FR" dirty="0"/>
-              <a:t>https://</a:t>
-            </a:r>
-            <a:r>
-              <a:rPr lang="fr-FR" dirty="0" err="1"/>
-              <a:t>docs.docker.com</a:t>
-            </a:r>
-            <a:r>
-              <a:rPr lang="fr-FR" dirty="0"/>
-              <a:t>/</a:t>
-            </a:r>
-            <a:r>
-              <a:rPr lang="fr-FR" dirty="0" err="1"/>
-              <a:t>engine</a:t>
-            </a:r>
-            <a:r>
-              <a:rPr lang="fr-FR" dirty="0"/>
-              <a:t>/</a:t>
-            </a:r>
-            <a:r>
-              <a:rPr lang="fr-FR" dirty="0" err="1"/>
-              <a:t>reference</a:t>
-            </a:r>
-            <a:r>
-              <a:rPr lang="fr-FR" dirty="0"/>
-              <a:t>/</a:t>
-            </a:r>
-            <a:r>
-              <a:rPr lang="fr-FR" dirty="0" err="1"/>
-              <a:t>builder</a:t>
-            </a:r>
-            <a:r>
-              <a:rPr lang="fr-FR" dirty="0"/>
-              <a:t>/#</a:t>
-            </a:r>
-            <a:r>
-              <a:rPr lang="fr-FR" dirty="0" err="1"/>
-              <a:t>from</a:t>
-            </a:r>
-            <a:endParaRPr lang="fr-FR" dirty="0"/>
-          </a:p>
-        </p:txBody>
-      </p:sp>
-    </p:spTree>
-    <p:extLst>
-      <p:ext uri="{BB962C8B-B14F-4D97-AF65-F5344CB8AC3E}">
-        <p14:creationId xmlns:p14="http://schemas.microsoft.com/office/powerpoint/2010/main" val="2476534500"/>
-      </p:ext>
-    </p:extLst>
-  </p:cSld>
-  <p:clrMapOvr>
-    <a:masterClrMapping/>
-  </p:clrMapOvr>
-</p:sld>
-</file>
-
-<file path=ppt/slides/slide21.xml><?xml version="1.0" encoding="utf-8"?>
-<p:sld xmlns:a="http://schemas.openxmlformats.org/drawingml/2006/main" xmlns:r="http://schemas.openxmlformats.org/officeDocument/2006/relationships" xmlns:p="http://schemas.openxmlformats.org/presentationml/2006/main">
-  <p:cSld>
     <p:bg>
       <p:bgPr>
         <a:solidFill>
@@ -10080,7 +9912,7 @@
             </a:pPr>
             <a:r>
               <a:rPr lang="fr-FR" sz="1200" dirty="0"/>
-              <a:t>Il existe des images de bases pour chaque situation ou langage (Python, Redis, </a:t>
+              <a:t>Il existe des images de bases pour chaque langage ou technologie (Python, Redis, </a:t>
             </a:r>
             <a:r>
               <a:rPr lang="fr-FR" sz="1200" dirty="0" err="1"/>
@@ -10101,6 +9933,263 @@
     <p:extLst>
       <p:ext uri="{BB962C8B-B14F-4D97-AF65-F5344CB8AC3E}">
         <p14:creationId xmlns:p14="http://schemas.microsoft.com/office/powerpoint/2010/main" val="1985115113"/>
+      </p:ext>
+    </p:extLst>
+  </p:cSld>
+  <p:clrMapOvr>
+    <a:masterClrMapping/>
+  </p:clrMapOvr>
+</p:sld>
+</file>
+
+<file path=ppt/slides/slide21.xml><?xml version="1.0" encoding="utf-8"?>
+<p:sld xmlns:a="http://schemas.openxmlformats.org/drawingml/2006/main" xmlns:r="http://schemas.openxmlformats.org/officeDocument/2006/relationships" xmlns:p="http://schemas.openxmlformats.org/presentationml/2006/main">
+  <p:cSld>
+    <p:spTree>
+      <p:nvGrpSpPr>
+        <p:cNvPr id="1" name=""/>
+        <p:cNvGrpSpPr/>
+        <p:nvPr/>
+      </p:nvGrpSpPr>
+      <p:grpSpPr>
+        <a:xfrm>
+          <a:off x="0" y="0"/>
+          <a:ext cx="0" cy="0"/>
+          <a:chOff x="0" y="0"/>
+          <a:chExt cx="0" cy="0"/>
+        </a:xfrm>
+      </p:grpSpPr>
+      <p:sp>
+        <p:nvSpPr>
+          <p:cNvPr id="2" name="Titre 1">
+            <a:extLst>
+              <a:ext uri="{FF2B5EF4-FFF2-40B4-BE49-F238E27FC236}">
+                <a16:creationId xmlns:a16="http://schemas.microsoft.com/office/drawing/2014/main" id="{FC1367CE-1537-FF4A-867D-10A1CEEACAA9}"/>
+              </a:ext>
+            </a:extLst>
+          </p:cNvPr>
+          <p:cNvSpPr>
+            <a:spLocks noGrp="1"/>
+          </p:cNvSpPr>
+          <p:nvPr>
+            <p:ph type="title"/>
+          </p:nvPr>
+        </p:nvSpPr>
+        <p:spPr/>
+        <p:txBody>
+          <a:bodyPr>
+            <a:normAutofit/>
+          </a:bodyPr>
+          <a:lstStyle/>
+          <a:p>
+            <a:r>
+              <a:rPr lang="fr-FR" sz="2400" dirty="0"/>
+              <a:t>Commandes </a:t>
+            </a:r>
+            <a:r>
+              <a:rPr lang="fr-FR" sz="2400" dirty="0" err="1"/>
+              <a:t>Dockerfile</a:t>
+            </a:r>
+            <a:endParaRPr lang="fr-FR" sz="2400" dirty="0"/>
+          </a:p>
+        </p:txBody>
+      </p:sp>
+      <p:sp>
+        <p:nvSpPr>
+          <p:cNvPr id="3" name="Espace réservé du contenu 2">
+            <a:extLst>
+              <a:ext uri="{FF2B5EF4-FFF2-40B4-BE49-F238E27FC236}">
+                <a16:creationId xmlns:a16="http://schemas.microsoft.com/office/drawing/2014/main" id="{5AD2B497-B332-A741-BA92-D3BD9A8852CC}"/>
+              </a:ext>
+            </a:extLst>
+          </p:cNvPr>
+          <p:cNvSpPr>
+            <a:spLocks noGrp="1"/>
+          </p:cNvSpPr>
+          <p:nvPr>
+            <p:ph idx="1"/>
+          </p:nvPr>
+        </p:nvSpPr>
+        <p:spPr>
+          <a:xfrm>
+            <a:off x="525982" y="2314322"/>
+            <a:ext cx="10757714" cy="3857878"/>
+          </a:xfrm>
+        </p:spPr>
+        <p:txBody>
+          <a:bodyPr>
+            <a:normAutofit/>
+          </a:bodyPr>
+          <a:lstStyle/>
+          <a:p>
+            <a:pPr marL="0" indent="0">
+              <a:buNone/>
+            </a:pPr>
+            <a:r>
+              <a:rPr lang="fr-FR" sz="1200" dirty="0"/>
+              <a:t>Voici la liste des principales commandes pour un </a:t>
+            </a:r>
+            <a:r>
+              <a:rPr lang="fr-FR" sz="1200" dirty="0" err="1"/>
+              <a:t>Dockerfile</a:t>
+            </a:r>
+            <a:r>
+              <a:rPr lang="fr-FR" sz="1200" dirty="0"/>
+              <a:t>:</a:t>
+            </a:r>
+          </a:p>
+          <a:p>
+            <a:pPr marL="0" indent="0">
+              <a:buNone/>
+            </a:pPr>
+            <a:endParaRPr lang="fr-FR" sz="1200" dirty="0">
+              <a:hlinkClick r:id="rId2">
+                <a:extLst>
+                  <a:ext uri="{A12FA001-AC4F-418D-AE19-62706E023703}">
+                    <ahyp:hlinkClr xmlns:ahyp="http://schemas.microsoft.com/office/drawing/2018/hyperlinkcolor" val="tx"/>
+                  </a:ext>
+                </a:extLst>
+              </a:hlinkClick>
+            </a:endParaRPr>
+          </a:p>
+          <a:p>
+            <a:r>
+              <a:rPr lang="fr-FR" sz="1200" b="1" dirty="0">
+                <a:hlinkClick r:id="rId2">
+                  <a:extLst>
+                    <a:ext uri="{A12FA001-AC4F-418D-AE19-62706E023703}">
+                      <ahyp:hlinkClr xmlns:ahyp="http://schemas.microsoft.com/office/drawing/2018/hyperlinkcolor" val="tx"/>
+                    </a:ext>
+                  </a:extLst>
+                </a:hlinkClick>
+              </a:rPr>
+              <a:t>FROM</a:t>
+            </a:r>
+            <a:r>
+              <a:rPr lang="fr-FR" sz="1200" dirty="0"/>
+              <a:t>: Définit l'image de base pour les instructions suivantes.</a:t>
+            </a:r>
+          </a:p>
+          <a:p>
+            <a:r>
+              <a:rPr lang="fr-FR" sz="1200" b="1" dirty="0">
+                <a:hlinkClick r:id="rId3">
+                  <a:extLst>
+                    <a:ext uri="{A12FA001-AC4F-418D-AE19-62706E023703}">
+                      <ahyp:hlinkClr xmlns:ahyp="http://schemas.microsoft.com/office/drawing/2018/hyperlinkcolor" val="tx"/>
+                    </a:ext>
+                  </a:extLst>
+                </a:hlinkClick>
+              </a:rPr>
+              <a:t>RUN</a:t>
+            </a:r>
+            <a:r>
+              <a:rPr lang="fr-FR" sz="1200" dirty="0"/>
+              <a:t>:  Exécute une commandes dans une nouvelle couche au-dessus de l'image actuelle et validera les résultats. L'image validée résultante sera utilisée pour la prochaine étape dans le </a:t>
+            </a:r>
+            <a:r>
+              <a:rPr lang="fr-FR" sz="1200" dirty="0" err="1"/>
+              <a:t>Dockerfile</a:t>
+            </a:r>
+            <a:r>
+              <a:rPr lang="fr-FR" sz="1200" dirty="0"/>
+              <a:t>. Un </a:t>
+            </a:r>
+            <a:r>
+              <a:rPr lang="fr-FR" sz="1200" dirty="0" err="1"/>
+              <a:t>Dockerfile</a:t>
+            </a:r>
+            <a:r>
+              <a:rPr lang="fr-FR" sz="1200" dirty="0"/>
+              <a:t> peut contenir plusieurs instructions RUN</a:t>
+            </a:r>
+          </a:p>
+          <a:p>
+            <a:r>
+              <a:rPr lang="fr-FR" sz="1200" b="1" dirty="0">
+                <a:hlinkClick r:id="rId4">
+                  <a:extLst>
+                    <a:ext uri="{A12FA001-AC4F-418D-AE19-62706E023703}">
+                      <ahyp:hlinkClr xmlns:ahyp="http://schemas.microsoft.com/office/drawing/2018/hyperlinkcolor" val="tx"/>
+                    </a:ext>
+                  </a:extLst>
+                </a:hlinkClick>
+              </a:rPr>
+              <a:t>CMD</a:t>
+            </a:r>
+            <a:r>
+              <a:rPr lang="fr-FR" sz="1200" dirty="0"/>
+              <a:t>: Fournit une commande par défaut au lancement du container. Il ne peut y avoir qu'une seule instruction CMD dans un </a:t>
+            </a:r>
+            <a:r>
+              <a:rPr lang="fr-FR" sz="1200" dirty="0" err="1"/>
+              <a:t>Dockerfile</a:t>
+            </a:r>
+            <a:endParaRPr lang="fr-FR" sz="1200" dirty="0"/>
+          </a:p>
+          <a:p>
+            <a:r>
+              <a:rPr lang="fr-FR" sz="1200" b="1" dirty="0">
+                <a:hlinkClick r:id="rId5">
+                  <a:extLst>
+                    <a:ext uri="{A12FA001-AC4F-418D-AE19-62706E023703}">
+                      <ahyp:hlinkClr xmlns:ahyp="http://schemas.microsoft.com/office/drawing/2018/hyperlinkcolor" val="tx"/>
+                    </a:ext>
+                  </a:extLst>
+                </a:hlinkClick>
+              </a:rPr>
+              <a:t>EXPOSE</a:t>
+            </a:r>
+            <a:r>
+              <a:rPr lang="fr-FR" sz="1200" dirty="0"/>
+              <a:t>:  Informe Docker que le conteneur écoute sur les ports réseau spécifiés lors de l'exécution</a:t>
+            </a:r>
+          </a:p>
+          <a:p>
+            <a:r>
+              <a:rPr lang="fr-FR" sz="1200" b="1" dirty="0">
+                <a:hlinkClick r:id="rId6">
+                  <a:extLst>
+                    <a:ext uri="{A12FA001-AC4F-418D-AE19-62706E023703}">
+                      <ahyp:hlinkClr xmlns:ahyp="http://schemas.microsoft.com/office/drawing/2018/hyperlinkcolor" val="tx"/>
+                    </a:ext>
+                  </a:extLst>
+                </a:hlinkClick>
+              </a:rPr>
+              <a:t>ENV</a:t>
+            </a:r>
+            <a:r>
+              <a:rPr lang="fr-FR" sz="1200" dirty="0"/>
+              <a:t>: Définit une variable d'environnement</a:t>
+            </a:r>
+          </a:p>
+          <a:p>
+            <a:r>
+              <a:rPr lang="fr-FR" sz="1200" b="1" dirty="0">
+                <a:hlinkClick r:id="rId7">
+                  <a:extLst>
+                    <a:ext uri="{A12FA001-AC4F-418D-AE19-62706E023703}">
+                      <ahyp:hlinkClr xmlns:ahyp="http://schemas.microsoft.com/office/drawing/2018/hyperlinkcolor" val="tx"/>
+                    </a:ext>
+                  </a:extLst>
+                </a:hlinkClick>
+              </a:rPr>
+              <a:t>COPY</a:t>
+            </a:r>
+            <a:r>
+              <a:rPr lang="fr-FR" sz="1200" dirty="0"/>
+              <a:t>: Copie les nouveaux fichiers ou répertoires de la source vers la destination</a:t>
+            </a:r>
+          </a:p>
+          <a:p>
+            <a:endParaRPr lang="fr-FR" sz="1200" dirty="0"/>
+          </a:p>
+        </p:txBody>
+      </p:sp>
+    </p:spTree>
+    <p:extLst>
+      <p:ext uri="{BB962C8B-B14F-4D97-AF65-F5344CB8AC3E}">
+        <p14:creationId xmlns:p14="http://schemas.microsoft.com/office/powerpoint/2010/main" val="2476534500"/>
       </p:ext>
     </p:extLst>
   </p:cSld>
@@ -10132,7 +10221,7 @@
           <p:cNvPr id="2" name="Titre 1">
             <a:extLst>
               <a:ext uri="{FF2B5EF4-FFF2-40B4-BE49-F238E27FC236}">
-                <a16:creationId xmlns:a16="http://schemas.microsoft.com/office/drawing/2014/main" id="{5489D3BA-593A-D948-ACD8-43F05A0E8FD5}"/>
+                <a16:creationId xmlns:a16="http://schemas.microsoft.com/office/drawing/2014/main" id="{470D6994-6EF4-5F48-B5C8-6D9EFF63B28C}"/>
               </a:ext>
             </a:extLst>
           </p:cNvPr>
@@ -10151,9 +10240,10 @@
           <a:lstStyle/>
           <a:p>
             <a:r>
-              <a:rPr lang="fr-FR" sz="2400" dirty="0"/>
-              <a:t>Mise en cache</a:t>
-            </a:r>
+              <a:rPr lang="fr-FR" sz="2400"/>
+              <a:t>Tagger une image</a:t>
+            </a:r>
+            <a:endParaRPr lang="fr-FR" sz="2400" dirty="0"/>
           </a:p>
         </p:txBody>
       </p:sp>
@@ -10162,7 +10252,7 @@
           <p:cNvPr id="3" name="Espace réservé du contenu 2">
             <a:extLst>
               <a:ext uri="{FF2B5EF4-FFF2-40B4-BE49-F238E27FC236}">
-                <a16:creationId xmlns:a16="http://schemas.microsoft.com/office/drawing/2014/main" id="{283FAF19-9060-5D4A-B47C-7DDF5FE0AEDA}"/>
+                <a16:creationId xmlns:a16="http://schemas.microsoft.com/office/drawing/2014/main" id="{EC71024D-0ACF-1E49-A021-EB83E1B4748F}"/>
               </a:ext>
             </a:extLst>
           </p:cNvPr>
@@ -10175,22 +10265,122 @@
         </p:nvSpPr>
         <p:spPr>
           <a:xfrm>
-            <a:off x="550506" y="2435290"/>
-            <a:ext cx="10733190" cy="3736910"/>
+            <a:off x="581891" y="2348345"/>
+            <a:ext cx="10701805" cy="3823855"/>
           </a:xfrm>
         </p:spPr>
         <p:txBody>
-          <a:bodyPr/>
-          <a:lstStyle/>
-          <a:p>
-            <a:endParaRPr lang="fr-FR" dirty="0"/>
-          </a:p>
-        </p:txBody>
-      </p:sp>
+          <a:bodyPr>
+            <a:normAutofit/>
+          </a:bodyPr>
+          <a:lstStyle/>
+          <a:p>
+            <a:pPr marL="0" indent="0" algn="just">
+              <a:buNone/>
+            </a:pPr>
+            <a:r>
+              <a:rPr lang="fr-FR" sz="1200"/>
+              <a:t>Actuellement, lorsque l’on crée notre image à partir du Dockerfile, il faut récupérer l’id de l’image manuellement pour lancer le container</a:t>
+            </a:r>
+          </a:p>
+          <a:p>
+            <a:pPr marL="0" indent="0" algn="just">
+              <a:buNone/>
+            </a:pPr>
+            <a:r>
+              <a:rPr lang="fr-FR" sz="1200"/>
+              <a:t>Cela signifie aussi que plusieurs images sont créées à chaque build avec des id différents</a:t>
+            </a:r>
+          </a:p>
+          <a:p>
+            <a:pPr marL="0" indent="0" algn="just">
+              <a:buNone/>
+            </a:pPr>
+            <a:endParaRPr lang="fr-FR" sz="1200"/>
+          </a:p>
+          <a:p>
+            <a:pPr marL="0" indent="0" algn="just">
+              <a:buNone/>
+            </a:pPr>
+            <a:r>
+              <a:rPr lang="fr-FR" sz="1200"/>
+              <a:t>On peut tagger une image, pour utiliser le tag de l’image au lieu de son ID, comme nous l’avons fait avec les images externes (docker run redis)</a:t>
+            </a:r>
+          </a:p>
+          <a:p>
+            <a:pPr marL="0" indent="0" algn="just">
+              <a:buNone/>
+            </a:pPr>
+            <a:r>
+              <a:rPr lang="fr-FR" sz="1200"/>
+              <a:t>Pour tagger une image, on peut ajouter l’option </a:t>
+            </a:r>
+            <a:r>
+              <a:rPr lang="fr-FR" sz="1200" b="1"/>
+              <a:t>–t </a:t>
+            </a:r>
+            <a:r>
+              <a:rPr lang="fr-FR" sz="1200"/>
+              <a:t>à la commande docker build:</a:t>
+            </a:r>
+          </a:p>
+          <a:p>
+            <a:pPr marL="0" indent="0">
+              <a:buNone/>
+            </a:pPr>
+            <a:endParaRPr lang="fr-FR" sz="1200"/>
+          </a:p>
+          <a:p>
+            <a:pPr marL="0" indent="0">
+              <a:buNone/>
+            </a:pPr>
+            <a:endParaRPr lang="fr-FR" sz="1200"/>
+          </a:p>
+          <a:p>
+            <a:pPr marL="0" indent="0">
+              <a:buNone/>
+            </a:pPr>
+            <a:endParaRPr lang="fr-FR" sz="1200"/>
+          </a:p>
+          <a:p>
+            <a:endParaRPr lang="fr-FR" sz="1200" dirty="0"/>
+          </a:p>
+        </p:txBody>
+      </p:sp>
+      <p:pic>
+        <p:nvPicPr>
+          <p:cNvPr id="5" name="Image 4">
+            <a:extLst>
+              <a:ext uri="{FF2B5EF4-FFF2-40B4-BE49-F238E27FC236}">
+                <a16:creationId xmlns:a16="http://schemas.microsoft.com/office/drawing/2014/main" id="{1A084615-4034-174B-9401-0B138750F06C}"/>
+              </a:ext>
+            </a:extLst>
+          </p:cNvPr>
+          <p:cNvPicPr>
+            <a:picLocks noChangeAspect="1"/>
+          </p:cNvPicPr>
+          <p:nvPr/>
+        </p:nvPicPr>
+        <p:blipFill>
+          <a:blip r:embed="rId2"/>
+          <a:stretch>
+            <a:fillRect/>
+          </a:stretch>
+        </p:blipFill>
+        <p:spPr>
+          <a:xfrm>
+            <a:off x="2527301" y="4227117"/>
+            <a:ext cx="6989233" cy="2082243"/>
+          </a:xfrm>
+          <a:prstGeom prst="rect">
+            <a:avLst/>
+          </a:prstGeom>
+        </p:spPr>
+      </p:pic>
     </p:spTree>
     <p:extLst>
       <p:ext uri="{BB962C8B-B14F-4D97-AF65-F5344CB8AC3E}">
-        <p14:creationId xmlns:p14="http://schemas.microsoft.com/office/powerpoint/2010/main" val="3778925602"/>
+        <p14:creationId xmlns:p14="http://schemas.microsoft.com/office/powerpoint/2010/main" val="3185141783"/>
       </p:ext>
     </p:extLst>
   </p:cSld>
@@ -10222,7 +10412,7 @@
           <p:cNvPr id="2" name="Titre 1">
             <a:extLst>
               <a:ext uri="{FF2B5EF4-FFF2-40B4-BE49-F238E27FC236}">
-                <a16:creationId xmlns:a16="http://schemas.microsoft.com/office/drawing/2014/main" id="{470D6994-6EF4-5F48-B5C8-6D9EFF63B28C}"/>
+                <a16:creationId xmlns:a16="http://schemas.microsoft.com/office/drawing/2014/main" id="{1CDD1515-3365-5E44-8717-CA0B06DAE180}"/>
               </a:ext>
             </a:extLst>
           </p:cNvPr>
@@ -10242,7 +10432,7 @@
           <a:p>
             <a:r>
               <a:rPr lang="fr-FR" sz="2400" dirty="0"/>
-              <a:t>Tagger une image</a:t>
+              <a:t>TP2</a:t>
             </a:r>
           </a:p>
         </p:txBody>
@@ -10252,7 +10442,7 @@
           <p:cNvPr id="3" name="Espace réservé du contenu 2">
             <a:extLst>
               <a:ext uri="{FF2B5EF4-FFF2-40B4-BE49-F238E27FC236}">
-                <a16:creationId xmlns:a16="http://schemas.microsoft.com/office/drawing/2014/main" id="{EC71024D-0ACF-1E49-A021-EB83E1B4748F}"/>
+                <a16:creationId xmlns:a16="http://schemas.microsoft.com/office/drawing/2014/main" id="{52FCEE57-F106-2642-8B26-EF4C216831EF}"/>
               </a:ext>
             </a:extLst>
           </p:cNvPr>
@@ -10263,19 +10453,59 @@
             <p:ph idx="1"/>
           </p:nvPr>
         </p:nvSpPr>
-        <p:spPr/>
-        <p:txBody>
-          <a:bodyPr/>
-          <a:lstStyle/>
-          <a:p>
-            <a:endParaRPr lang="fr-FR"/>
+        <p:spPr>
+          <a:xfrm>
+            <a:off x="558350" y="2379058"/>
+            <a:ext cx="10725346" cy="3793142"/>
+          </a:xfrm>
+        </p:spPr>
+        <p:txBody>
+          <a:bodyPr>
+            <a:normAutofit/>
+          </a:bodyPr>
+          <a:lstStyle/>
+          <a:p>
+            <a:pPr marL="0" indent="0">
+              <a:buNone/>
+            </a:pPr>
+            <a:r>
+              <a:rPr lang="fr-FR" sz="1400" dirty="0"/>
+              <a:t>Dans ce TP, vous utiliserez Docker pour créer une image permettant de lancer une application </a:t>
+            </a:r>
+            <a:r>
+              <a:rPr lang="fr-FR" sz="1400" dirty="0" err="1"/>
+              <a:t>NodeJS</a:t>
+            </a:r>
+            <a:endParaRPr lang="fr-FR" sz="1400" dirty="0"/>
+          </a:p>
+          <a:p>
+            <a:pPr marL="0" indent="0">
+              <a:buNone/>
+            </a:pPr>
+            <a:endParaRPr lang="fr-FR" sz="1400" dirty="0"/>
+          </a:p>
+          <a:p>
+            <a:pPr marL="0" indent="0">
+              <a:buNone/>
+            </a:pPr>
+            <a:r>
+              <a:rPr lang="fr-FR" sz="1400" dirty="0"/>
+              <a:t>Vous trouverez le TP sur </a:t>
+            </a:r>
+            <a:r>
+              <a:rPr lang="fr-FR" sz="1400" dirty="0">
+                <a:hlinkClick r:id="rId2"/>
+              </a:rPr>
+              <a:t>ce lien</a:t>
+            </a:r>
+            <a:endParaRPr lang="fr-FR" sz="1400" dirty="0"/>
           </a:p>
         </p:txBody>
       </p:sp>
     </p:spTree>
     <p:extLst>
       <p:ext uri="{BB962C8B-B14F-4D97-AF65-F5344CB8AC3E}">
-        <p14:creationId xmlns:p14="http://schemas.microsoft.com/office/powerpoint/2010/main" val="3185141783"/>
+        <p14:creationId xmlns:p14="http://schemas.microsoft.com/office/powerpoint/2010/main" val="1294863314"/>
       </p:ext>
     </p:extLst>
   </p:cSld>
@@ -10307,7 +10537,7 @@
           <p:cNvPr id="2" name="Titre 1">
             <a:extLst>
               <a:ext uri="{FF2B5EF4-FFF2-40B4-BE49-F238E27FC236}">
-                <a16:creationId xmlns:a16="http://schemas.microsoft.com/office/drawing/2014/main" id="{1CDD1515-3365-5E44-8717-CA0B06DAE180}"/>
+                <a16:creationId xmlns:a16="http://schemas.microsoft.com/office/drawing/2014/main" id="{23720B2E-8412-CB43-B222-94CF7309251C}"/>
               </a:ext>
             </a:extLst>
           </p:cNvPr>
@@ -10320,15 +10550,10 @@
         </p:nvSpPr>
         <p:spPr/>
         <p:txBody>
-          <a:bodyPr>
-            <a:normAutofit/>
-          </a:bodyPr>
-          <a:lstStyle/>
-          <a:p>
-            <a:r>
-              <a:rPr lang="fr-FR" sz="2400" dirty="0"/>
-              <a:t>TP2</a:t>
-            </a:r>
+          <a:bodyPr/>
+          <a:lstStyle/>
+          <a:p>
+            <a:endParaRPr lang="fr-FR"/>
           </a:p>
         </p:txBody>
       </p:sp>
@@ -10337,7 +10562,7 @@
           <p:cNvPr id="3" name="Espace réservé du contenu 2">
             <a:extLst>
               <a:ext uri="{FF2B5EF4-FFF2-40B4-BE49-F238E27FC236}">
-                <a16:creationId xmlns:a16="http://schemas.microsoft.com/office/drawing/2014/main" id="{52FCEE57-F106-2642-8B26-EF4C216831EF}"/>
+                <a16:creationId xmlns:a16="http://schemas.microsoft.com/office/drawing/2014/main" id="{C5271768-5885-2449-A0DA-6B54EA0760B6}"/>
               </a:ext>
             </a:extLst>
           </p:cNvPr>
@@ -10348,52 +10573,62 @@
             <p:ph idx="1"/>
           </p:nvPr>
         </p:nvSpPr>
-        <p:spPr>
-          <a:xfrm>
-            <a:off x="558350" y="2379058"/>
-            <a:ext cx="10725346" cy="3793142"/>
-          </a:xfrm>
-        </p:spPr>
-        <p:txBody>
-          <a:bodyPr>
-            <a:normAutofit/>
-          </a:bodyPr>
-          <a:lstStyle/>
-          <a:p>
-            <a:pPr marL="0" indent="0">
-              <a:buNone/>
-            </a:pPr>
-            <a:r>
-              <a:rPr lang="fr-FR" sz="1400" dirty="0"/>
-              <a:t>Dans ce TP, vous allez utiliser Docker pour créer une image NodeJs permettant de lancer une application </a:t>
-            </a:r>
-            <a:r>
-              <a:rPr lang="fr-FR" sz="1400" dirty="0" err="1"/>
-              <a:t>NodeJS</a:t>
-            </a:r>
-            <a:endParaRPr lang="fr-FR" sz="1400" dirty="0"/>
-          </a:p>
-          <a:p>
-            <a:pPr marL="0" indent="0">
-              <a:buNone/>
-            </a:pPr>
-            <a:endParaRPr lang="fr-FR" sz="1400" dirty="0"/>
-          </a:p>
-          <a:p>
-            <a:pPr marL="0" indent="0">
-              <a:buNone/>
-            </a:pPr>
-            <a:r>
-              <a:rPr lang="fr-FR" sz="1400" dirty="0"/>
-              <a:t>Vous trouverez le TP sur ce lien</a:t>
-            </a:r>
+        <p:spPr/>
+        <p:txBody>
+          <a:bodyPr/>
+          <a:lstStyle/>
+          <a:p>
+            <a:r>
+              <a:rPr lang="fr-FR" dirty="0"/>
+              <a:t>Exo (créer une image NodeJs pour lancer un projet express)</a:t>
+            </a:r>
+          </a:p>
+          <a:p>
+            <a:r>
+              <a:rPr lang="fr-FR" dirty="0"/>
+              <a:t>Refourguer le projet </a:t>
+            </a:r>
+            <a:r>
+              <a:rPr lang="fr-FR" dirty="0" err="1"/>
+              <a:t>star_wars</a:t>
+            </a:r>
+            <a:endParaRPr lang="fr-FR" dirty="0"/>
+          </a:p>
+          <a:p>
+            <a:r>
+              <a:rPr lang="fr-FR" dirty="0" err="1"/>
+              <a:t>Dockeriser</a:t>
+            </a:r>
+            <a:r>
+              <a:rPr lang="fr-FR" dirty="0"/>
+              <a:t> le projet avec docker-compose (modifier la connexion à la DB pour utiliser les </a:t>
+            </a:r>
+            <a:r>
+              <a:rPr lang="fr-FR" dirty="0" err="1"/>
+              <a:t>env</a:t>
+            </a:r>
+            <a:r>
+              <a:rPr lang="fr-FR" dirty="0"/>
+              <a:t> du docker-compose)</a:t>
+            </a:r>
+          </a:p>
+          <a:p>
+            <a:r>
+              <a:rPr lang="fr-FR" dirty="0"/>
+              <a:t>Transformer le projet en cluster </a:t>
+            </a:r>
+            <a:r>
+              <a:rPr lang="fr-FR" dirty="0" err="1"/>
+              <a:t>kubernetes</a:t>
+            </a:r>
+            <a:endParaRPr lang="fr-FR" dirty="0"/>
           </a:p>
         </p:txBody>
       </p:sp>
     </p:spTree>
     <p:extLst>
       <p:ext uri="{BB962C8B-B14F-4D97-AF65-F5344CB8AC3E}">
-        <p14:creationId xmlns:p14="http://schemas.microsoft.com/office/powerpoint/2010/main" val="1294863314"/>
+        <p14:creationId xmlns:p14="http://schemas.microsoft.com/office/powerpoint/2010/main" val="2126954354"/>
       </p:ext>
     </p:extLst>
   </p:cSld>
@@ -10425,7 +10660,7 @@
           <p:cNvPr id="2" name="Titre 1">
             <a:extLst>
               <a:ext uri="{FF2B5EF4-FFF2-40B4-BE49-F238E27FC236}">
-                <a16:creationId xmlns:a16="http://schemas.microsoft.com/office/drawing/2014/main" id="{23720B2E-8412-CB43-B222-94CF7309251C}"/>
+                <a16:creationId xmlns:a16="http://schemas.microsoft.com/office/drawing/2014/main" id="{8A5CAF97-F55F-3640-AA44-33911C68C1CD}"/>
               </a:ext>
             </a:extLst>
           </p:cNvPr>
@@ -10438,85 +10673,22 @@
         </p:nvSpPr>
         <p:spPr/>
         <p:txBody>
-          <a:bodyPr/>
-          <a:lstStyle/>
-          <a:p>
-            <a:endParaRPr lang="fr-FR"/>
-          </a:p>
-        </p:txBody>
-      </p:sp>
-      <p:sp>
-        <p:nvSpPr>
-          <p:cNvPr id="3" name="Espace réservé du contenu 2">
-            <a:extLst>
-              <a:ext uri="{FF2B5EF4-FFF2-40B4-BE49-F238E27FC236}">
-                <a16:creationId xmlns:a16="http://schemas.microsoft.com/office/drawing/2014/main" id="{C5271768-5885-2449-A0DA-6B54EA0760B6}"/>
-              </a:ext>
-            </a:extLst>
-          </p:cNvPr>
-          <p:cNvSpPr>
-            <a:spLocks noGrp="1"/>
-          </p:cNvSpPr>
-          <p:nvPr>
-            <p:ph idx="1"/>
-          </p:nvPr>
-        </p:nvSpPr>
-        <p:spPr/>
-        <p:txBody>
-          <a:bodyPr/>
-          <a:lstStyle/>
-          <a:p>
-            <a:r>
-              <a:rPr lang="fr-FR" dirty="0"/>
-              <a:t>Exo (créer une image NodeJs pour lancer un projet express)</a:t>
-            </a:r>
-          </a:p>
-          <a:p>
-            <a:r>
-              <a:rPr lang="fr-FR" dirty="0"/>
-              <a:t>Refourguer le projet </a:t>
-            </a:r>
-            <a:r>
-              <a:rPr lang="fr-FR" dirty="0" err="1"/>
-              <a:t>star_wars</a:t>
-            </a:r>
-            <a:endParaRPr lang="fr-FR" dirty="0"/>
-          </a:p>
-          <a:p>
-            <a:r>
-              <a:rPr lang="fr-FR" dirty="0" err="1"/>
-              <a:t>Dockeriser</a:t>
-            </a:r>
-            <a:r>
-              <a:rPr lang="fr-FR" dirty="0"/>
-              <a:t> le projet avec docker-compose (modifier la connexion à la DB pour utiliser les </a:t>
-            </a:r>
-            <a:r>
-              <a:rPr lang="fr-FR" dirty="0" err="1"/>
-              <a:t>env</a:t>
-            </a:r>
-            <a:r>
-              <a:rPr lang="fr-FR" dirty="0"/>
-              <a:t> du docker-compose)</a:t>
-            </a:r>
-          </a:p>
-          <a:p>
-            <a:r>
-              <a:rPr lang="fr-FR" dirty="0"/>
-              <a:t>Transformer le projet en cluster </a:t>
-            </a:r>
-            <a:r>
-              <a:rPr lang="fr-FR" dirty="0" err="1"/>
-              <a:t>kubernetes</a:t>
-            </a:r>
-            <a:endParaRPr lang="fr-FR" dirty="0"/>
+          <a:bodyPr>
+            <a:normAutofit/>
+          </a:bodyPr>
+          <a:lstStyle/>
+          <a:p>
+            <a:r>
+              <a:rPr lang="fr-FR" sz="2400" dirty="0"/>
+              <a:t>Docker Compose</a:t>
+            </a:r>
           </a:p>
         </p:txBody>
       </p:sp>
     </p:spTree>
     <p:extLst>
       <p:ext uri="{BB962C8B-B14F-4D97-AF65-F5344CB8AC3E}">
-        <p14:creationId xmlns:p14="http://schemas.microsoft.com/office/powerpoint/2010/main" val="2126954354"/>
+        <p14:creationId xmlns:p14="http://schemas.microsoft.com/office/powerpoint/2010/main" val="67114313"/>
       </p:ext>
     </p:extLst>
   </p:cSld>
@@ -10548,7 +10720,7 @@
           <p:cNvPr id="2" name="Titre 1">
             <a:extLst>
               <a:ext uri="{FF2B5EF4-FFF2-40B4-BE49-F238E27FC236}">
-                <a16:creationId xmlns:a16="http://schemas.microsoft.com/office/drawing/2014/main" id="{8A5CAF97-F55F-3640-AA44-33911C68C1CD}"/>
+                <a16:creationId xmlns:a16="http://schemas.microsoft.com/office/drawing/2014/main" id="{94368B1A-B008-4E46-97F9-DCE229137AF0}"/>
               </a:ext>
             </a:extLst>
           </p:cNvPr>
@@ -10561,14 +10733,12 @@
         </p:nvSpPr>
         <p:spPr/>
         <p:txBody>
-          <a:bodyPr>
-            <a:normAutofit/>
-          </a:bodyPr>
-          <a:lstStyle/>
-          <a:p>
-            <a:r>
-              <a:rPr lang="fr-FR" sz="2400" dirty="0"/>
-              <a:t>Docker Compose</a:t>
+          <a:bodyPr/>
+          <a:lstStyle/>
+          <a:p>
+            <a:r>
+              <a:rPr lang="fr-FR" dirty="0"/>
+              <a:t>App multi containers</a:t>
             </a:r>
           </a:p>
         </p:txBody>
@@ -10576,7 +10746,7 @@
     </p:spTree>
     <p:extLst>
       <p:ext uri="{BB962C8B-B14F-4D97-AF65-F5344CB8AC3E}">
-        <p14:creationId xmlns:p14="http://schemas.microsoft.com/office/powerpoint/2010/main" val="67114313"/>
+        <p14:creationId xmlns:p14="http://schemas.microsoft.com/office/powerpoint/2010/main" val="529074142"/>
       </p:ext>
     </p:extLst>
   </p:cSld>
@@ -10608,7 +10778,7 @@
           <p:cNvPr id="2" name="Titre 1">
             <a:extLst>
               <a:ext uri="{FF2B5EF4-FFF2-40B4-BE49-F238E27FC236}">
-                <a16:creationId xmlns:a16="http://schemas.microsoft.com/office/drawing/2014/main" id="{94368B1A-B008-4E46-97F9-DCE229137AF0}"/>
+                <a16:creationId xmlns:a16="http://schemas.microsoft.com/office/drawing/2014/main" id="{C2BDCA75-1104-164A-BCF5-8F65D188CD59}"/>
               </a:ext>
             </a:extLst>
           </p:cNvPr>
@@ -10626,7 +10796,108 @@
           <a:p>
             <a:r>
               <a:rPr lang="fr-FR" dirty="0"/>
-              <a:t>App multi containers</a:t>
+              <a:t>Sommaire deuxième partie</a:t>
+            </a:r>
+          </a:p>
+        </p:txBody>
+      </p:sp>
+      <p:sp>
+        <p:nvSpPr>
+          <p:cNvPr id="3" name="Espace réservé du contenu 2">
+            <a:extLst>
+              <a:ext uri="{FF2B5EF4-FFF2-40B4-BE49-F238E27FC236}">
+                <a16:creationId xmlns:a16="http://schemas.microsoft.com/office/drawing/2014/main" id="{313E1D13-E952-8642-972A-021CF734CC27}"/>
+              </a:ext>
+            </a:extLst>
+          </p:cNvPr>
+          <p:cNvSpPr>
+            <a:spLocks noGrp="1"/>
+          </p:cNvSpPr>
+          <p:nvPr>
+            <p:ph idx="1"/>
+          </p:nvPr>
+        </p:nvSpPr>
+        <p:spPr/>
+        <p:txBody>
+          <a:bodyPr>
+            <a:normAutofit/>
+          </a:bodyPr>
+          <a:lstStyle/>
+          <a:p>
+            <a:r>
+              <a:rPr lang="fr-FR" sz="1600" dirty="0"/>
+              <a:t>Qu’est ce que Kubernetes</a:t>
+            </a:r>
+          </a:p>
+          <a:p>
+            <a:r>
+              <a:rPr lang="fr-FR" sz="1600" dirty="0"/>
+              <a:t>Pourquoi utiliser Kubernetes</a:t>
+            </a:r>
+          </a:p>
+          <a:p>
+            <a:r>
+              <a:rPr lang="fr-FR" sz="1600" dirty="0"/>
+              <a:t>Installer Kubernetes</a:t>
+            </a:r>
+          </a:p>
+          <a:p>
+            <a:r>
+              <a:rPr lang="fr-FR" sz="1600" dirty="0"/>
+              <a:t>Qu’est-ce qu’un </a:t>
+            </a:r>
+            <a:r>
+              <a:rPr lang="fr-FR" sz="1600" dirty="0" err="1"/>
+              <a:t>pod</a:t>
+            </a:r>
+            <a:endParaRPr lang="fr-FR" sz="1600" dirty="0"/>
+          </a:p>
+          <a:p>
+            <a:r>
+              <a:rPr lang="fr-FR" sz="1600" dirty="0"/>
+              <a:t>Qu’est ce qu’un service</a:t>
+            </a:r>
+          </a:p>
+          <a:p>
+            <a:r>
+              <a:rPr lang="fr-FR" sz="1600" dirty="0"/>
+              <a:t>Qu’est ce qu’un </a:t>
+            </a:r>
+            <a:r>
+              <a:rPr lang="fr-FR" sz="1600" dirty="0" err="1"/>
+              <a:t>deployment</a:t>
+            </a:r>
+            <a:endParaRPr lang="fr-FR" sz="1600" dirty="0"/>
+          </a:p>
+          <a:p>
+            <a:r>
+              <a:rPr lang="fr-FR" sz="1600" dirty="0"/>
+              <a:t>App multi containers avec Kubernetes</a:t>
+            </a:r>
+          </a:p>
+          <a:p>
+            <a:r>
+              <a:rPr lang="fr-FR" sz="1600" dirty="0"/>
+              <a:t>Gérer le trafic avec </a:t>
+            </a:r>
+            <a:r>
+              <a:rPr lang="fr-FR" sz="1600" dirty="0" err="1"/>
+              <a:t>Ingress</a:t>
+            </a:r>
+            <a:endParaRPr lang="fr-FR" sz="1600" dirty="0"/>
+          </a:p>
+          <a:p>
+            <a:r>
+              <a:rPr lang="fr-FR" sz="1600" dirty="0"/>
+              <a:t>Déployer une </a:t>
+            </a:r>
+            <a:r>
+              <a:rPr lang="fr-FR" sz="1600" dirty="0" err="1"/>
+              <a:t>app</a:t>
+            </a:r>
+            <a:r>
+              <a:rPr lang="fr-FR" sz="1600" dirty="0"/>
+              <a:t> Kubernetes</a:t>
             </a:r>
           </a:p>
         </p:txBody>
@@ -10634,7 +10905,7 @@
     </p:spTree>
     <p:extLst>
       <p:ext uri="{BB962C8B-B14F-4D97-AF65-F5344CB8AC3E}">
-        <p14:creationId xmlns:p14="http://schemas.microsoft.com/office/powerpoint/2010/main" val="529074142"/>
+        <p14:creationId xmlns:p14="http://schemas.microsoft.com/office/powerpoint/2010/main" val="3804636423"/>
       </p:ext>
     </p:extLst>
   </p:cSld>
@@ -10666,7 +10937,7 @@
           <p:cNvPr id="2" name="Titre 1">
             <a:extLst>
               <a:ext uri="{FF2B5EF4-FFF2-40B4-BE49-F238E27FC236}">
-                <a16:creationId xmlns:a16="http://schemas.microsoft.com/office/drawing/2014/main" id="{C2BDCA75-1104-164A-BCF5-8F65D188CD59}"/>
+                <a16:creationId xmlns:a16="http://schemas.microsoft.com/office/drawing/2014/main" id="{BB13A1BC-7254-9840-9BF3-C8DF24BE0CD2}"/>
               </a:ext>
             </a:extLst>
           </p:cNvPr>
@@ -10684,108 +10955,7 @@
           <a:p>
             <a:r>
               <a:rPr lang="fr-FR" dirty="0"/>
-              <a:t>Sommaire deuxième partie</a:t>
-            </a:r>
-          </a:p>
-        </p:txBody>
-      </p:sp>
-      <p:sp>
-        <p:nvSpPr>
-          <p:cNvPr id="3" name="Espace réservé du contenu 2">
-            <a:extLst>
-              <a:ext uri="{FF2B5EF4-FFF2-40B4-BE49-F238E27FC236}">
-                <a16:creationId xmlns:a16="http://schemas.microsoft.com/office/drawing/2014/main" id="{313E1D13-E952-8642-972A-021CF734CC27}"/>
-              </a:ext>
-            </a:extLst>
-          </p:cNvPr>
-          <p:cNvSpPr>
-            <a:spLocks noGrp="1"/>
-          </p:cNvSpPr>
-          <p:nvPr>
-            <p:ph idx="1"/>
-          </p:nvPr>
-        </p:nvSpPr>
-        <p:spPr/>
-        <p:txBody>
-          <a:bodyPr>
-            <a:normAutofit/>
-          </a:bodyPr>
-          <a:lstStyle/>
-          <a:p>
-            <a:r>
-              <a:rPr lang="fr-FR" sz="1600" dirty="0"/>
-              <a:t>Qu’est ce que Kubernetes</a:t>
-            </a:r>
-          </a:p>
-          <a:p>
-            <a:r>
-              <a:rPr lang="fr-FR" sz="1600" dirty="0"/>
-              <a:t>Pourquoi utiliser Kubernetes</a:t>
-            </a:r>
-          </a:p>
-          <a:p>
-            <a:r>
-              <a:rPr lang="fr-FR" sz="1600" dirty="0"/>
-              <a:t>Installer Kubernetes</a:t>
-            </a:r>
-          </a:p>
-          <a:p>
-            <a:r>
-              <a:rPr lang="fr-FR" sz="1600" dirty="0"/>
-              <a:t>Qu’est-ce qu’un </a:t>
-            </a:r>
-            <a:r>
-              <a:rPr lang="fr-FR" sz="1600" dirty="0" err="1"/>
-              <a:t>pod</a:t>
-            </a:r>
-            <a:endParaRPr lang="fr-FR" sz="1600" dirty="0"/>
-          </a:p>
-          <a:p>
-            <a:r>
-              <a:rPr lang="fr-FR" sz="1600" dirty="0"/>
-              <a:t>Qu’est ce qu’un service</a:t>
-            </a:r>
-          </a:p>
-          <a:p>
-            <a:r>
-              <a:rPr lang="fr-FR" sz="1600" dirty="0"/>
-              <a:t>Qu’est ce qu’un </a:t>
-            </a:r>
-            <a:r>
-              <a:rPr lang="fr-FR" sz="1600" dirty="0" err="1"/>
-              <a:t>deployment</a:t>
-            </a:r>
-            <a:endParaRPr lang="fr-FR" sz="1600" dirty="0"/>
-          </a:p>
-          <a:p>
-            <a:r>
-              <a:rPr lang="fr-FR" sz="1600" dirty="0"/>
-              <a:t>App multi containers avec Kubernetes</a:t>
-            </a:r>
-          </a:p>
-          <a:p>
-            <a:r>
-              <a:rPr lang="fr-FR" sz="1600" dirty="0"/>
-              <a:t>Gérer le trafic avec </a:t>
-            </a:r>
-            <a:r>
-              <a:rPr lang="fr-FR" sz="1600" dirty="0" err="1"/>
-              <a:t>Ingress</a:t>
-            </a:r>
-            <a:endParaRPr lang="fr-FR" sz="1600" dirty="0"/>
-          </a:p>
-          <a:p>
-            <a:r>
-              <a:rPr lang="fr-FR" sz="1600" dirty="0"/>
-              <a:t>Déployer une </a:t>
-            </a:r>
-            <a:r>
-              <a:rPr lang="fr-FR" sz="1600" dirty="0" err="1"/>
-              <a:t>app</a:t>
-            </a:r>
-            <a:r>
-              <a:rPr lang="fr-FR" sz="1600" dirty="0"/>
-              <a:t> Kubernetes</a:t>
+              <a:t>Kubernetes</a:t>
             </a:r>
           </a:p>
         </p:txBody>
@@ -10793,7 +10963,7 @@
     </p:spTree>
     <p:extLst>
       <p:ext uri="{BB962C8B-B14F-4D97-AF65-F5344CB8AC3E}">
-        <p14:creationId xmlns:p14="http://schemas.microsoft.com/office/powerpoint/2010/main" val="3804636423"/>
+        <p14:creationId xmlns:p14="http://schemas.microsoft.com/office/powerpoint/2010/main" val="3010032273"/>
       </p:ext>
     </p:extLst>
   </p:cSld>
@@ -10825,7 +10995,7 @@
           <p:cNvPr id="2" name="Titre 1">
             <a:extLst>
               <a:ext uri="{FF2B5EF4-FFF2-40B4-BE49-F238E27FC236}">
-                <a16:creationId xmlns:a16="http://schemas.microsoft.com/office/drawing/2014/main" id="{BB13A1BC-7254-9840-9BF3-C8DF24BE0CD2}"/>
+                <a16:creationId xmlns:a16="http://schemas.microsoft.com/office/drawing/2014/main" id="{189B7B4F-EC42-8148-B1C8-43810A892074}"/>
               </a:ext>
             </a:extLst>
           </p:cNvPr>
@@ -10838,20 +11008,47 @@
         </p:nvSpPr>
         <p:spPr/>
         <p:txBody>
+          <a:bodyPr>
+            <a:normAutofit/>
+          </a:bodyPr>
+          <a:lstStyle/>
+          <a:p>
+            <a:r>
+              <a:rPr lang="fr-FR" dirty="0"/>
+              <a:t>Qu’est ce que Kubernetes</a:t>
+            </a:r>
+          </a:p>
+        </p:txBody>
+      </p:sp>
+      <p:sp>
+        <p:nvSpPr>
+          <p:cNvPr id="3" name="Espace réservé du contenu 2">
+            <a:extLst>
+              <a:ext uri="{FF2B5EF4-FFF2-40B4-BE49-F238E27FC236}">
+                <a16:creationId xmlns:a16="http://schemas.microsoft.com/office/drawing/2014/main" id="{FA04DAE1-B727-084E-A859-8FD4ED81BC64}"/>
+              </a:ext>
+            </a:extLst>
+          </p:cNvPr>
+          <p:cNvSpPr>
+            <a:spLocks noGrp="1"/>
+          </p:cNvSpPr>
+          <p:nvPr>
+            <p:ph idx="1"/>
+          </p:nvPr>
+        </p:nvSpPr>
+        <p:spPr/>
+        <p:txBody>
           <a:bodyPr/>
           <a:lstStyle/>
           <a:p>
-            <a:r>
-              <a:rPr lang="fr-FR" dirty="0"/>
-              <a:t>Kubernetes</a:t>
-            </a:r>
+            <a:endParaRPr lang="fr-FR"/>
           </a:p>
         </p:txBody>
       </p:sp>
     </p:spTree>
     <p:extLst>
       <p:ext uri="{BB962C8B-B14F-4D97-AF65-F5344CB8AC3E}">
-        <p14:creationId xmlns:p14="http://schemas.microsoft.com/office/powerpoint/2010/main" val="3010032273"/>
+        <p14:creationId xmlns:p14="http://schemas.microsoft.com/office/powerpoint/2010/main" val="1773393910"/>
       </p:ext>
     </p:extLst>
   </p:cSld>
@@ -11337,7 +11534,7 @@
           <p:cNvPr id="2" name="Titre 1">
             <a:extLst>
               <a:ext uri="{FF2B5EF4-FFF2-40B4-BE49-F238E27FC236}">
-                <a16:creationId xmlns:a16="http://schemas.microsoft.com/office/drawing/2014/main" id="{189B7B4F-EC42-8148-B1C8-43810A892074}"/>
+                <a16:creationId xmlns:a16="http://schemas.microsoft.com/office/drawing/2014/main" id="{18DD65D0-03CD-DF49-B1F8-35CE2A6182D4}"/>
               </a:ext>
             </a:extLst>
           </p:cNvPr>
@@ -11350,14 +11547,12 @@
         </p:nvSpPr>
         <p:spPr/>
         <p:txBody>
-          <a:bodyPr>
-            <a:normAutofit/>
-          </a:bodyPr>
+          <a:bodyPr/>
           <a:lstStyle/>
           <a:p>
             <a:r>
               <a:rPr lang="fr-FR" dirty="0"/>
-              <a:t>Qu’est ce que Kubernetes</a:t>
+              <a:t>Pourquoi Kubernetes</a:t>
             </a:r>
           </a:p>
         </p:txBody>
@@ -11367,7 +11562,7 @@
           <p:cNvPr id="3" name="Espace réservé du contenu 2">
             <a:extLst>
               <a:ext uri="{FF2B5EF4-FFF2-40B4-BE49-F238E27FC236}">
-                <a16:creationId xmlns:a16="http://schemas.microsoft.com/office/drawing/2014/main" id="{FA04DAE1-B727-084E-A859-8FD4ED81BC64}"/>
+                <a16:creationId xmlns:a16="http://schemas.microsoft.com/office/drawing/2014/main" id="{53F6BB81-2BEF-E341-B9E8-B2C06BC9F1FE}"/>
               </a:ext>
             </a:extLst>
           </p:cNvPr>
@@ -11390,7 +11585,7 @@
     </p:spTree>
     <p:extLst>
       <p:ext uri="{BB962C8B-B14F-4D97-AF65-F5344CB8AC3E}">
-        <p14:creationId xmlns:p14="http://schemas.microsoft.com/office/powerpoint/2010/main" val="1773393910"/>
+        <p14:creationId xmlns:p14="http://schemas.microsoft.com/office/powerpoint/2010/main" val="3725948383"/>
       </p:ext>
     </p:extLst>
   </p:cSld>
@@ -11422,7 +11617,7 @@
           <p:cNvPr id="2" name="Titre 1">
             <a:extLst>
               <a:ext uri="{FF2B5EF4-FFF2-40B4-BE49-F238E27FC236}">
-                <a16:creationId xmlns:a16="http://schemas.microsoft.com/office/drawing/2014/main" id="{18DD65D0-03CD-DF49-B1F8-35CE2A6182D4}"/>
+                <a16:creationId xmlns:a16="http://schemas.microsoft.com/office/drawing/2014/main" id="{D7F3DB66-8D3D-514C-93D2-4A8116A820E1}"/>
               </a:ext>
             </a:extLst>
           </p:cNvPr>
@@ -11440,7 +11635,7 @@
           <a:p>
             <a:r>
               <a:rPr lang="fr-FR" dirty="0"/>
-              <a:t>Pourquoi Kubernetes</a:t>
+              <a:t>Installation</a:t>
             </a:r>
           </a:p>
         </p:txBody>
@@ -11450,7 +11645,7 @@
           <p:cNvPr id="3" name="Espace réservé du contenu 2">
             <a:extLst>
               <a:ext uri="{FF2B5EF4-FFF2-40B4-BE49-F238E27FC236}">
-                <a16:creationId xmlns:a16="http://schemas.microsoft.com/office/drawing/2014/main" id="{53F6BB81-2BEF-E341-B9E8-B2C06BC9F1FE}"/>
+                <a16:creationId xmlns:a16="http://schemas.microsoft.com/office/drawing/2014/main" id="{64CB6E40-D37E-3340-94D0-49C94AA5A624}"/>
               </a:ext>
             </a:extLst>
           </p:cNvPr>
@@ -11473,7 +11668,7 @@
     </p:spTree>
     <p:extLst>
       <p:ext uri="{BB962C8B-B14F-4D97-AF65-F5344CB8AC3E}">
-        <p14:creationId xmlns:p14="http://schemas.microsoft.com/office/powerpoint/2010/main" val="3725948383"/>
+        <p14:creationId xmlns:p14="http://schemas.microsoft.com/office/powerpoint/2010/main" val="2461077664"/>
       </p:ext>
     </p:extLst>
   </p:cSld>
@@ -11505,7 +11700,7 @@
           <p:cNvPr id="2" name="Titre 1">
             <a:extLst>
               <a:ext uri="{FF2B5EF4-FFF2-40B4-BE49-F238E27FC236}">
-                <a16:creationId xmlns:a16="http://schemas.microsoft.com/office/drawing/2014/main" id="{D7F3DB66-8D3D-514C-93D2-4A8116A820E1}"/>
+                <a16:creationId xmlns:a16="http://schemas.microsoft.com/office/drawing/2014/main" id="{C356CBC8-BFB8-0247-8BA8-C7D03B57F189}"/>
               </a:ext>
             </a:extLst>
           </p:cNvPr>
@@ -11522,9 +11717,10 @@
           <a:lstStyle/>
           <a:p>
             <a:r>
-              <a:rPr lang="fr-FR" dirty="0"/>
-              <a:t>Installation</a:t>
-            </a:r>
+              <a:rPr lang="fr-FR" dirty="0" err="1"/>
+              <a:t>Pod</a:t>
+            </a:r>
+            <a:endParaRPr lang="fr-FR" dirty="0"/>
           </a:p>
         </p:txBody>
       </p:sp>
@@ -11533,7 +11729,7 @@
           <p:cNvPr id="3" name="Espace réservé du contenu 2">
             <a:extLst>
               <a:ext uri="{FF2B5EF4-FFF2-40B4-BE49-F238E27FC236}">
-                <a16:creationId xmlns:a16="http://schemas.microsoft.com/office/drawing/2014/main" id="{64CB6E40-D37E-3340-94D0-49C94AA5A624}"/>
+                <a16:creationId xmlns:a16="http://schemas.microsoft.com/office/drawing/2014/main" id="{638C7C71-D621-CD45-975B-1A9FE0A690C4}"/>
               </a:ext>
             </a:extLst>
           </p:cNvPr>
@@ -11556,7 +11752,7 @@
     </p:spTree>
     <p:extLst>
       <p:ext uri="{BB962C8B-B14F-4D97-AF65-F5344CB8AC3E}">
-        <p14:creationId xmlns:p14="http://schemas.microsoft.com/office/powerpoint/2010/main" val="2461077664"/>
+        <p14:creationId xmlns:p14="http://schemas.microsoft.com/office/powerpoint/2010/main" val="3321395717"/>
       </p:ext>
     </p:extLst>
   </p:cSld>
@@ -11588,90 +11784,6 @@
           <p:cNvPr id="2" name="Titre 1">
             <a:extLst>
               <a:ext uri="{FF2B5EF4-FFF2-40B4-BE49-F238E27FC236}">
-                <a16:creationId xmlns:a16="http://schemas.microsoft.com/office/drawing/2014/main" id="{C356CBC8-BFB8-0247-8BA8-C7D03B57F189}"/>
-              </a:ext>
-            </a:extLst>
-          </p:cNvPr>
-          <p:cNvSpPr>
-            <a:spLocks noGrp="1"/>
-          </p:cNvSpPr>
-          <p:nvPr>
-            <p:ph type="title"/>
-          </p:nvPr>
-        </p:nvSpPr>
-        <p:spPr/>
-        <p:txBody>
-          <a:bodyPr/>
-          <a:lstStyle/>
-          <a:p>
-            <a:r>
-              <a:rPr lang="fr-FR" dirty="0" err="1"/>
-              <a:t>Pod</a:t>
-            </a:r>
-            <a:endParaRPr lang="fr-FR" dirty="0"/>
-          </a:p>
-        </p:txBody>
-      </p:sp>
-      <p:sp>
-        <p:nvSpPr>
-          <p:cNvPr id="3" name="Espace réservé du contenu 2">
-            <a:extLst>
-              <a:ext uri="{FF2B5EF4-FFF2-40B4-BE49-F238E27FC236}">
-                <a16:creationId xmlns:a16="http://schemas.microsoft.com/office/drawing/2014/main" id="{638C7C71-D621-CD45-975B-1A9FE0A690C4}"/>
-              </a:ext>
-            </a:extLst>
-          </p:cNvPr>
-          <p:cNvSpPr>
-            <a:spLocks noGrp="1"/>
-          </p:cNvSpPr>
-          <p:nvPr>
-            <p:ph idx="1"/>
-          </p:nvPr>
-        </p:nvSpPr>
-        <p:spPr/>
-        <p:txBody>
-          <a:bodyPr/>
-          <a:lstStyle/>
-          <a:p>
-            <a:endParaRPr lang="fr-FR"/>
-          </a:p>
-        </p:txBody>
-      </p:sp>
-    </p:spTree>
-    <p:extLst>
-      <p:ext uri="{BB962C8B-B14F-4D97-AF65-F5344CB8AC3E}">
-        <p14:creationId xmlns:p14="http://schemas.microsoft.com/office/powerpoint/2010/main" val="3321395717"/>
-      </p:ext>
-    </p:extLst>
-  </p:cSld>
-  <p:clrMapOvr>
-    <a:masterClrMapping/>
-  </p:clrMapOvr>
-</p:sld>
-</file>
-
-<file path=ppt/slides/slide34.xml><?xml version="1.0" encoding="utf-8"?>
-<p:sld xmlns:a="http://schemas.openxmlformats.org/drawingml/2006/main" xmlns:r="http://schemas.openxmlformats.org/officeDocument/2006/relationships" xmlns:p="http://schemas.openxmlformats.org/presentationml/2006/main">
-  <p:cSld>
-    <p:spTree>
-      <p:nvGrpSpPr>
-        <p:cNvPr id="1" name=""/>
-        <p:cNvGrpSpPr/>
-        <p:nvPr/>
-      </p:nvGrpSpPr>
-      <p:grpSpPr>
-        <a:xfrm>
-          <a:off x="0" y="0"/>
-          <a:ext cx="0" cy="0"/>
-          <a:chOff x="0" y="0"/>
-          <a:chExt cx="0" cy="0"/>
-        </a:xfrm>
-      </p:grpSpPr>
-      <p:sp>
-        <p:nvSpPr>
-          <p:cNvPr id="2" name="Titre 1">
-            <a:extLst>
-              <a:ext uri="{FF2B5EF4-FFF2-40B4-BE49-F238E27FC236}">
                 <a16:creationId xmlns:a16="http://schemas.microsoft.com/office/drawing/2014/main" id="{8185F0AD-8C11-1B4E-AACE-96333D865C09}"/>
               </a:ext>
             </a:extLst>
@@ -11708,7 +11820,7 @@
 </p:sld>
 </file>
 
-<file path=ppt/slides/slide35.xml><?xml version="1.0" encoding="utf-8"?>
+<file path=ppt/slides/slide34.xml><?xml version="1.0" encoding="utf-8"?>
 <p:sld xmlns:a="http://schemas.openxmlformats.org/drawingml/2006/main" xmlns:r="http://schemas.openxmlformats.org/officeDocument/2006/relationships" xmlns:p="http://schemas.openxmlformats.org/presentationml/2006/main">
   <p:cSld>
     <p:spTree>

--- a/Cours/Cours.pptx
+++ b/Cours/Cours.pptx
@@ -28,17 +28,20 @@
     <p:sldId id="302" r:id="rId22"/>
     <p:sldId id="300" r:id="rId23"/>
     <p:sldId id="303" r:id="rId24"/>
-    <p:sldId id="299" r:id="rId25"/>
-    <p:sldId id="271" r:id="rId26"/>
-    <p:sldId id="272" r:id="rId27"/>
-    <p:sldId id="273" r:id="rId28"/>
-    <p:sldId id="286" r:id="rId29"/>
-    <p:sldId id="274" r:id="rId30"/>
-    <p:sldId id="275" r:id="rId31"/>
-    <p:sldId id="276" r:id="rId32"/>
-    <p:sldId id="277" r:id="rId33"/>
-    <p:sldId id="287" r:id="rId34"/>
-    <p:sldId id="288" r:id="rId35"/>
+    <p:sldId id="271" r:id="rId25"/>
+    <p:sldId id="304" r:id="rId26"/>
+    <p:sldId id="305" r:id="rId27"/>
+    <p:sldId id="306" r:id="rId28"/>
+    <p:sldId id="307" r:id="rId29"/>
+    <p:sldId id="299" r:id="rId30"/>
+    <p:sldId id="273" r:id="rId31"/>
+    <p:sldId id="286" r:id="rId32"/>
+    <p:sldId id="274" r:id="rId33"/>
+    <p:sldId id="275" r:id="rId34"/>
+    <p:sldId id="276" r:id="rId35"/>
+    <p:sldId id="277" r:id="rId36"/>
+    <p:sldId id="287" r:id="rId37"/>
+    <p:sldId id="288" r:id="rId38"/>
   </p:sldIdLst>
   <p:sldSz cx="12192000" cy="6858000"/>
   <p:notesSz cx="6858000" cy="9144000"/>
@@ -10537,7 +10540,7 @@
           <p:cNvPr id="2" name="Titre 1">
             <a:extLst>
               <a:ext uri="{FF2B5EF4-FFF2-40B4-BE49-F238E27FC236}">
-                <a16:creationId xmlns:a16="http://schemas.microsoft.com/office/drawing/2014/main" id="{23720B2E-8412-CB43-B222-94CF7309251C}"/>
+                <a16:creationId xmlns:a16="http://schemas.microsoft.com/office/drawing/2014/main" id="{8A5CAF97-F55F-3640-AA44-33911C68C1CD}"/>
               </a:ext>
             </a:extLst>
           </p:cNvPr>
@@ -10550,85 +10553,22 @@
         </p:nvSpPr>
         <p:spPr/>
         <p:txBody>
-          <a:bodyPr/>
-          <a:lstStyle/>
-          <a:p>
-            <a:endParaRPr lang="fr-FR"/>
-          </a:p>
-        </p:txBody>
-      </p:sp>
-      <p:sp>
-        <p:nvSpPr>
-          <p:cNvPr id="3" name="Espace réservé du contenu 2">
-            <a:extLst>
-              <a:ext uri="{FF2B5EF4-FFF2-40B4-BE49-F238E27FC236}">
-                <a16:creationId xmlns:a16="http://schemas.microsoft.com/office/drawing/2014/main" id="{C5271768-5885-2449-A0DA-6B54EA0760B6}"/>
-              </a:ext>
-            </a:extLst>
-          </p:cNvPr>
-          <p:cNvSpPr>
-            <a:spLocks noGrp="1"/>
-          </p:cNvSpPr>
-          <p:nvPr>
-            <p:ph idx="1"/>
-          </p:nvPr>
-        </p:nvSpPr>
-        <p:spPr/>
-        <p:txBody>
-          <a:bodyPr/>
-          <a:lstStyle/>
-          <a:p>
-            <a:r>
-              <a:rPr lang="fr-FR" dirty="0"/>
-              <a:t>Exo (créer une image NodeJs pour lancer un projet express)</a:t>
-            </a:r>
-          </a:p>
-          <a:p>
-            <a:r>
-              <a:rPr lang="fr-FR" dirty="0"/>
-              <a:t>Refourguer le projet </a:t>
-            </a:r>
-            <a:r>
-              <a:rPr lang="fr-FR" dirty="0" err="1"/>
-              <a:t>star_wars</a:t>
-            </a:r>
-            <a:endParaRPr lang="fr-FR" dirty="0"/>
-          </a:p>
-          <a:p>
-            <a:r>
-              <a:rPr lang="fr-FR" dirty="0" err="1"/>
-              <a:t>Dockeriser</a:t>
-            </a:r>
-            <a:r>
-              <a:rPr lang="fr-FR" dirty="0"/>
-              <a:t> le projet avec docker-compose (modifier la connexion à la DB pour utiliser les </a:t>
-            </a:r>
-            <a:r>
-              <a:rPr lang="fr-FR" dirty="0" err="1"/>
-              <a:t>env</a:t>
-            </a:r>
-            <a:r>
-              <a:rPr lang="fr-FR" dirty="0"/>
-              <a:t> du docker-compose)</a:t>
-            </a:r>
-          </a:p>
-          <a:p>
-            <a:r>
-              <a:rPr lang="fr-FR" dirty="0"/>
-              <a:t>Transformer le projet en cluster </a:t>
-            </a:r>
-            <a:r>
-              <a:rPr lang="fr-FR" dirty="0" err="1"/>
-              <a:t>kubernetes</a:t>
-            </a:r>
-            <a:endParaRPr lang="fr-FR" dirty="0"/>
+          <a:bodyPr>
+            <a:normAutofit/>
+          </a:bodyPr>
+          <a:lstStyle/>
+          <a:p>
+            <a:r>
+              <a:rPr lang="fr-FR" sz="2400" dirty="0"/>
+              <a:t>Docker Compose</a:t>
+            </a:r>
           </a:p>
         </p:txBody>
       </p:sp>
     </p:spTree>
     <p:extLst>
       <p:ext uri="{BB962C8B-B14F-4D97-AF65-F5344CB8AC3E}">
-        <p14:creationId xmlns:p14="http://schemas.microsoft.com/office/powerpoint/2010/main" val="2126954354"/>
+        <p14:creationId xmlns:p14="http://schemas.microsoft.com/office/powerpoint/2010/main" val="67114313"/>
       </p:ext>
     </p:extLst>
   </p:cSld>
@@ -10660,7 +10600,7 @@
           <p:cNvPr id="2" name="Titre 1">
             <a:extLst>
               <a:ext uri="{FF2B5EF4-FFF2-40B4-BE49-F238E27FC236}">
-                <a16:creationId xmlns:a16="http://schemas.microsoft.com/office/drawing/2014/main" id="{8A5CAF97-F55F-3640-AA44-33911C68C1CD}"/>
+                <a16:creationId xmlns:a16="http://schemas.microsoft.com/office/drawing/2014/main" id="{105D6FE2-C944-1642-BA8B-2D7C5C98CEC9}"/>
               </a:ext>
             </a:extLst>
           </p:cNvPr>
@@ -10673,22 +10613,45 @@
         </p:nvSpPr>
         <p:spPr/>
         <p:txBody>
-          <a:bodyPr>
-            <a:normAutofit/>
-          </a:bodyPr>
-          <a:lstStyle/>
-          <a:p>
-            <a:r>
-              <a:rPr lang="fr-FR" sz="2400" dirty="0"/>
-              <a:t>Docker Compose</a:t>
-            </a:r>
+          <a:bodyPr/>
+          <a:lstStyle/>
+          <a:p>
+            <a:r>
+              <a:rPr lang="fr-FR" dirty="0"/>
+              <a:t>Qu’est ce que Docker Compose</a:t>
+            </a:r>
+          </a:p>
+        </p:txBody>
+      </p:sp>
+      <p:sp>
+        <p:nvSpPr>
+          <p:cNvPr id="3" name="Espace réservé du contenu 2">
+            <a:extLst>
+              <a:ext uri="{FF2B5EF4-FFF2-40B4-BE49-F238E27FC236}">
+                <a16:creationId xmlns:a16="http://schemas.microsoft.com/office/drawing/2014/main" id="{0DB013C7-2CB4-B444-91DB-DAB931B22B52}"/>
+              </a:ext>
+            </a:extLst>
+          </p:cNvPr>
+          <p:cNvSpPr>
+            <a:spLocks noGrp="1"/>
+          </p:cNvSpPr>
+          <p:nvPr>
+            <p:ph idx="1"/>
+          </p:nvPr>
+        </p:nvSpPr>
+        <p:spPr/>
+        <p:txBody>
+          <a:bodyPr/>
+          <a:lstStyle/>
+          <a:p>
+            <a:endParaRPr lang="fr-FR"/>
           </a:p>
         </p:txBody>
       </p:sp>
     </p:spTree>
     <p:extLst>
       <p:ext uri="{BB962C8B-B14F-4D97-AF65-F5344CB8AC3E}">
-        <p14:creationId xmlns:p14="http://schemas.microsoft.com/office/powerpoint/2010/main" val="67114313"/>
+        <p14:creationId xmlns:p14="http://schemas.microsoft.com/office/powerpoint/2010/main" val="1616406288"/>
       </p:ext>
     </p:extLst>
   </p:cSld>
@@ -10720,7 +10683,7 @@
           <p:cNvPr id="2" name="Titre 1">
             <a:extLst>
               <a:ext uri="{FF2B5EF4-FFF2-40B4-BE49-F238E27FC236}">
-                <a16:creationId xmlns:a16="http://schemas.microsoft.com/office/drawing/2014/main" id="{94368B1A-B008-4E46-97F9-DCE229137AF0}"/>
+                <a16:creationId xmlns:a16="http://schemas.microsoft.com/office/drawing/2014/main" id="{968D0B40-480A-1E4C-8E1B-EC9FC4AA50E3}"/>
               </a:ext>
             </a:extLst>
           </p:cNvPr>
@@ -10738,15 +10701,40 @@
           <a:p>
             <a:r>
               <a:rPr lang="fr-FR" dirty="0"/>
-              <a:t>App multi containers</a:t>
-            </a:r>
+              <a:t>Pourquoi Docker Compose</a:t>
+            </a:r>
+          </a:p>
+        </p:txBody>
+      </p:sp>
+      <p:sp>
+        <p:nvSpPr>
+          <p:cNvPr id="3" name="Espace réservé du contenu 2">
+            <a:extLst>
+              <a:ext uri="{FF2B5EF4-FFF2-40B4-BE49-F238E27FC236}">
+                <a16:creationId xmlns:a16="http://schemas.microsoft.com/office/drawing/2014/main" id="{A8BF4B13-95D4-5E47-B427-789ACFA8AF82}"/>
+              </a:ext>
+            </a:extLst>
+          </p:cNvPr>
+          <p:cNvSpPr>
+            <a:spLocks noGrp="1"/>
+          </p:cNvSpPr>
+          <p:nvPr>
+            <p:ph idx="1"/>
+          </p:nvPr>
+        </p:nvSpPr>
+        <p:spPr/>
+        <p:txBody>
+          <a:bodyPr/>
+          <a:lstStyle/>
+          <a:p>
+            <a:endParaRPr lang="fr-FR"/>
           </a:p>
         </p:txBody>
       </p:sp>
     </p:spTree>
     <p:extLst>
       <p:ext uri="{BB962C8B-B14F-4D97-AF65-F5344CB8AC3E}">
-        <p14:creationId xmlns:p14="http://schemas.microsoft.com/office/powerpoint/2010/main" val="529074142"/>
+        <p14:creationId xmlns:p14="http://schemas.microsoft.com/office/powerpoint/2010/main" val="3979612916"/>
       </p:ext>
     </p:extLst>
   </p:cSld>
@@ -10778,7 +10766,7 @@
           <p:cNvPr id="2" name="Titre 1">
             <a:extLst>
               <a:ext uri="{FF2B5EF4-FFF2-40B4-BE49-F238E27FC236}">
-                <a16:creationId xmlns:a16="http://schemas.microsoft.com/office/drawing/2014/main" id="{C2BDCA75-1104-164A-BCF5-8F65D188CD59}"/>
+                <a16:creationId xmlns:a16="http://schemas.microsoft.com/office/drawing/2014/main" id="{E64E000A-CE97-2C4C-896C-F8A5295EE641}"/>
               </a:ext>
             </a:extLst>
           </p:cNvPr>
@@ -10796,8 +10784,13 @@
           <a:p>
             <a:r>
               <a:rPr lang="fr-FR" dirty="0"/>
-              <a:t>Sommaire deuxième partie</a:t>
-            </a:r>
+              <a:t>docker-</a:t>
+            </a:r>
+            <a:r>
+              <a:rPr lang="fr-FR" dirty="0" err="1"/>
+              <a:t>compose.yml</a:t>
+            </a:r>
+            <a:endParaRPr lang="fr-FR" dirty="0"/>
           </a:p>
         </p:txBody>
       </p:sp>
@@ -10806,7 +10799,7 @@
           <p:cNvPr id="3" name="Espace réservé du contenu 2">
             <a:extLst>
               <a:ext uri="{FF2B5EF4-FFF2-40B4-BE49-F238E27FC236}">
-                <a16:creationId xmlns:a16="http://schemas.microsoft.com/office/drawing/2014/main" id="{313E1D13-E952-8642-972A-021CF734CC27}"/>
+                <a16:creationId xmlns:a16="http://schemas.microsoft.com/office/drawing/2014/main" id="{C2BD9A5C-2504-C445-9000-A4E4D53AA809}"/>
               </a:ext>
             </a:extLst>
           </p:cNvPr>
@@ -10819,93 +10812,17 @@
         </p:nvSpPr>
         <p:spPr/>
         <p:txBody>
-          <a:bodyPr>
-            <a:normAutofit/>
-          </a:bodyPr>
-          <a:lstStyle/>
-          <a:p>
-            <a:r>
-              <a:rPr lang="fr-FR" sz="1600" dirty="0"/>
-              <a:t>Qu’est ce que Kubernetes</a:t>
-            </a:r>
-          </a:p>
-          <a:p>
-            <a:r>
-              <a:rPr lang="fr-FR" sz="1600" dirty="0"/>
-              <a:t>Pourquoi utiliser Kubernetes</a:t>
-            </a:r>
-          </a:p>
-          <a:p>
-            <a:r>
-              <a:rPr lang="fr-FR" sz="1600" dirty="0"/>
-              <a:t>Installer Kubernetes</a:t>
-            </a:r>
-          </a:p>
-          <a:p>
-            <a:r>
-              <a:rPr lang="fr-FR" sz="1600" dirty="0"/>
-              <a:t>Qu’est-ce qu’un </a:t>
-            </a:r>
-            <a:r>
-              <a:rPr lang="fr-FR" sz="1600" dirty="0" err="1"/>
-              <a:t>pod</a:t>
-            </a:r>
-            <a:endParaRPr lang="fr-FR" sz="1600" dirty="0"/>
-          </a:p>
-          <a:p>
-            <a:r>
-              <a:rPr lang="fr-FR" sz="1600" dirty="0"/>
-              <a:t>Qu’est ce qu’un service</a:t>
-            </a:r>
-          </a:p>
-          <a:p>
-            <a:r>
-              <a:rPr lang="fr-FR" sz="1600" dirty="0"/>
-              <a:t>Qu’est ce qu’un </a:t>
-            </a:r>
-            <a:r>
-              <a:rPr lang="fr-FR" sz="1600" dirty="0" err="1"/>
-              <a:t>deployment</a:t>
-            </a:r>
-            <a:endParaRPr lang="fr-FR" sz="1600" dirty="0"/>
-          </a:p>
-          <a:p>
-            <a:r>
-              <a:rPr lang="fr-FR" sz="1600" dirty="0"/>
-              <a:t>App multi containers avec Kubernetes</a:t>
-            </a:r>
-          </a:p>
-          <a:p>
-            <a:r>
-              <a:rPr lang="fr-FR" sz="1600" dirty="0"/>
-              <a:t>Gérer le trafic avec </a:t>
-            </a:r>
-            <a:r>
-              <a:rPr lang="fr-FR" sz="1600" dirty="0" err="1"/>
-              <a:t>Ingress</a:t>
-            </a:r>
-            <a:endParaRPr lang="fr-FR" sz="1600" dirty="0"/>
-          </a:p>
-          <a:p>
-            <a:r>
-              <a:rPr lang="fr-FR" sz="1600" dirty="0"/>
-              <a:t>Déployer une </a:t>
-            </a:r>
-            <a:r>
-              <a:rPr lang="fr-FR" sz="1600" dirty="0" err="1"/>
-              <a:t>app</a:t>
-            </a:r>
-            <a:r>
-              <a:rPr lang="fr-FR" sz="1600" dirty="0"/>
-              <a:t> Kubernetes</a:t>
-            </a:r>
+          <a:bodyPr/>
+          <a:lstStyle/>
+          <a:p>
+            <a:endParaRPr lang="fr-FR"/>
           </a:p>
         </p:txBody>
       </p:sp>
     </p:spTree>
     <p:extLst>
       <p:ext uri="{BB962C8B-B14F-4D97-AF65-F5344CB8AC3E}">
-        <p14:creationId xmlns:p14="http://schemas.microsoft.com/office/powerpoint/2010/main" val="3804636423"/>
+        <p14:creationId xmlns:p14="http://schemas.microsoft.com/office/powerpoint/2010/main" val="1413016677"/>
       </p:ext>
     </p:extLst>
   </p:cSld>
@@ -10937,7 +10854,7 @@
           <p:cNvPr id="2" name="Titre 1">
             <a:extLst>
               <a:ext uri="{FF2B5EF4-FFF2-40B4-BE49-F238E27FC236}">
-                <a16:creationId xmlns:a16="http://schemas.microsoft.com/office/drawing/2014/main" id="{BB13A1BC-7254-9840-9BF3-C8DF24BE0CD2}"/>
+                <a16:creationId xmlns:a16="http://schemas.microsoft.com/office/drawing/2014/main" id="{484EA8B8-6396-E147-A7AF-C5FB73A072D5}"/>
               </a:ext>
             </a:extLst>
           </p:cNvPr>
@@ -10955,15 +10872,40 @@
           <a:p>
             <a:r>
               <a:rPr lang="fr-FR" dirty="0"/>
-              <a:t>Kubernetes</a:t>
-            </a:r>
+              <a:t>Commandes</a:t>
+            </a:r>
+          </a:p>
+        </p:txBody>
+      </p:sp>
+      <p:sp>
+        <p:nvSpPr>
+          <p:cNvPr id="3" name="Espace réservé du contenu 2">
+            <a:extLst>
+              <a:ext uri="{FF2B5EF4-FFF2-40B4-BE49-F238E27FC236}">
+                <a16:creationId xmlns:a16="http://schemas.microsoft.com/office/drawing/2014/main" id="{912B6F16-29E6-4643-ABB2-AA3FAFD3477E}"/>
+              </a:ext>
+            </a:extLst>
+          </p:cNvPr>
+          <p:cNvSpPr>
+            <a:spLocks noGrp="1"/>
+          </p:cNvSpPr>
+          <p:nvPr>
+            <p:ph idx="1"/>
+          </p:nvPr>
+        </p:nvSpPr>
+        <p:spPr/>
+        <p:txBody>
+          <a:bodyPr/>
+          <a:lstStyle/>
+          <a:p>
+            <a:endParaRPr lang="fr-FR"/>
           </a:p>
         </p:txBody>
       </p:sp>
     </p:spTree>
     <p:extLst>
       <p:ext uri="{BB962C8B-B14F-4D97-AF65-F5344CB8AC3E}">
-        <p14:creationId xmlns:p14="http://schemas.microsoft.com/office/powerpoint/2010/main" val="3010032273"/>
+        <p14:creationId xmlns:p14="http://schemas.microsoft.com/office/powerpoint/2010/main" val="2410024343"/>
       </p:ext>
     </p:extLst>
   </p:cSld>
@@ -10995,7 +10937,7 @@
           <p:cNvPr id="2" name="Titre 1">
             <a:extLst>
               <a:ext uri="{FF2B5EF4-FFF2-40B4-BE49-F238E27FC236}">
-                <a16:creationId xmlns:a16="http://schemas.microsoft.com/office/drawing/2014/main" id="{189B7B4F-EC42-8148-B1C8-43810A892074}"/>
+                <a16:creationId xmlns:a16="http://schemas.microsoft.com/office/drawing/2014/main" id="{23720B2E-8412-CB43-B222-94CF7309251C}"/>
               </a:ext>
             </a:extLst>
           </p:cNvPr>
@@ -11008,47 +10950,85 @@
         </p:nvSpPr>
         <p:spPr/>
         <p:txBody>
-          <a:bodyPr>
-            <a:normAutofit/>
-          </a:bodyPr>
+          <a:bodyPr/>
+          <a:lstStyle/>
+          <a:p>
+            <a:endParaRPr lang="fr-FR"/>
+          </a:p>
+        </p:txBody>
+      </p:sp>
+      <p:sp>
+        <p:nvSpPr>
+          <p:cNvPr id="3" name="Espace réservé du contenu 2">
+            <a:extLst>
+              <a:ext uri="{FF2B5EF4-FFF2-40B4-BE49-F238E27FC236}">
+                <a16:creationId xmlns:a16="http://schemas.microsoft.com/office/drawing/2014/main" id="{C5271768-5885-2449-A0DA-6B54EA0760B6}"/>
+              </a:ext>
+            </a:extLst>
+          </p:cNvPr>
+          <p:cNvSpPr>
+            <a:spLocks noGrp="1"/>
+          </p:cNvSpPr>
+          <p:nvPr>
+            <p:ph idx="1"/>
+          </p:nvPr>
+        </p:nvSpPr>
+        <p:spPr/>
+        <p:txBody>
+          <a:bodyPr/>
           <a:lstStyle/>
           <a:p>
             <a:r>
               <a:rPr lang="fr-FR" dirty="0"/>
-              <a:t>Qu’est ce que Kubernetes</a:t>
-            </a:r>
-          </a:p>
-        </p:txBody>
-      </p:sp>
-      <p:sp>
-        <p:nvSpPr>
-          <p:cNvPr id="3" name="Espace réservé du contenu 2">
-            <a:extLst>
-              <a:ext uri="{FF2B5EF4-FFF2-40B4-BE49-F238E27FC236}">
-                <a16:creationId xmlns:a16="http://schemas.microsoft.com/office/drawing/2014/main" id="{FA04DAE1-B727-084E-A859-8FD4ED81BC64}"/>
-              </a:ext>
-            </a:extLst>
-          </p:cNvPr>
-          <p:cNvSpPr>
-            <a:spLocks noGrp="1"/>
-          </p:cNvSpPr>
-          <p:nvPr>
-            <p:ph idx="1"/>
-          </p:nvPr>
-        </p:nvSpPr>
-        <p:spPr/>
-        <p:txBody>
-          <a:bodyPr/>
-          <a:lstStyle/>
-          <a:p>
-            <a:endParaRPr lang="fr-FR"/>
+              <a:t>Exo (créer une image NodeJs pour lancer un projet express)</a:t>
+            </a:r>
+          </a:p>
+          <a:p>
+            <a:r>
+              <a:rPr lang="fr-FR" dirty="0"/>
+              <a:t>Refourguer le projet </a:t>
+            </a:r>
+            <a:r>
+              <a:rPr lang="fr-FR" dirty="0" err="1"/>
+              <a:t>star_wars</a:t>
+            </a:r>
+            <a:endParaRPr lang="fr-FR" dirty="0"/>
+          </a:p>
+          <a:p>
+            <a:r>
+              <a:rPr lang="fr-FR" dirty="0" err="1"/>
+              <a:t>Dockeriser</a:t>
+            </a:r>
+            <a:r>
+              <a:rPr lang="fr-FR" dirty="0"/>
+              <a:t> le projet avec docker-compose (modifier la connexion à la DB pour utiliser les </a:t>
+            </a:r>
+            <a:r>
+              <a:rPr lang="fr-FR" dirty="0" err="1"/>
+              <a:t>env</a:t>
+            </a:r>
+            <a:r>
+              <a:rPr lang="fr-FR" dirty="0"/>
+              <a:t> du docker-compose)</a:t>
+            </a:r>
+          </a:p>
+          <a:p>
+            <a:r>
+              <a:rPr lang="fr-FR" dirty="0"/>
+              <a:t>Transformer le projet en cluster </a:t>
+            </a:r>
+            <a:r>
+              <a:rPr lang="fr-FR" dirty="0" err="1"/>
+              <a:t>kubernetes</a:t>
+            </a:r>
+            <a:endParaRPr lang="fr-FR" dirty="0"/>
           </a:p>
         </p:txBody>
       </p:sp>
     </p:spTree>
     <p:extLst>
       <p:ext uri="{BB962C8B-B14F-4D97-AF65-F5344CB8AC3E}">
-        <p14:creationId xmlns:p14="http://schemas.microsoft.com/office/powerpoint/2010/main" val="1773393910"/>
+        <p14:creationId xmlns:p14="http://schemas.microsoft.com/office/powerpoint/2010/main" val="2126954354"/>
       </p:ext>
     </p:extLst>
   </p:cSld>
@@ -11534,7 +11514,7 @@
           <p:cNvPr id="2" name="Titre 1">
             <a:extLst>
               <a:ext uri="{FF2B5EF4-FFF2-40B4-BE49-F238E27FC236}">
-                <a16:creationId xmlns:a16="http://schemas.microsoft.com/office/drawing/2014/main" id="{18DD65D0-03CD-DF49-B1F8-35CE2A6182D4}"/>
+                <a16:creationId xmlns:a16="http://schemas.microsoft.com/office/drawing/2014/main" id="{C2BDCA75-1104-164A-BCF5-8F65D188CD59}"/>
               </a:ext>
             </a:extLst>
           </p:cNvPr>
@@ -11552,7 +11532,7 @@
           <a:p>
             <a:r>
               <a:rPr lang="fr-FR" dirty="0"/>
-              <a:t>Pourquoi Kubernetes</a:t>
+              <a:t>Sommaire deuxième partie</a:t>
             </a:r>
           </a:p>
         </p:txBody>
@@ -11562,7 +11542,7 @@
           <p:cNvPr id="3" name="Espace réservé du contenu 2">
             <a:extLst>
               <a:ext uri="{FF2B5EF4-FFF2-40B4-BE49-F238E27FC236}">
-                <a16:creationId xmlns:a16="http://schemas.microsoft.com/office/drawing/2014/main" id="{53F6BB81-2BEF-E341-B9E8-B2C06BC9F1FE}"/>
+                <a16:creationId xmlns:a16="http://schemas.microsoft.com/office/drawing/2014/main" id="{313E1D13-E952-8642-972A-021CF734CC27}"/>
               </a:ext>
             </a:extLst>
           </p:cNvPr>
@@ -11575,17 +11555,93 @@
         </p:nvSpPr>
         <p:spPr/>
         <p:txBody>
-          <a:bodyPr/>
-          <a:lstStyle/>
-          <a:p>
-            <a:endParaRPr lang="fr-FR"/>
+          <a:bodyPr>
+            <a:normAutofit/>
+          </a:bodyPr>
+          <a:lstStyle/>
+          <a:p>
+            <a:r>
+              <a:rPr lang="fr-FR" sz="1600" dirty="0"/>
+              <a:t>Qu’est ce que Kubernetes</a:t>
+            </a:r>
+          </a:p>
+          <a:p>
+            <a:r>
+              <a:rPr lang="fr-FR" sz="1600" dirty="0"/>
+              <a:t>Pourquoi utiliser Kubernetes</a:t>
+            </a:r>
+          </a:p>
+          <a:p>
+            <a:r>
+              <a:rPr lang="fr-FR" sz="1600" dirty="0"/>
+              <a:t>Installer Kubernetes</a:t>
+            </a:r>
+          </a:p>
+          <a:p>
+            <a:r>
+              <a:rPr lang="fr-FR" sz="1600" dirty="0"/>
+              <a:t>Qu’est-ce qu’un </a:t>
+            </a:r>
+            <a:r>
+              <a:rPr lang="fr-FR" sz="1600" dirty="0" err="1"/>
+              <a:t>pod</a:t>
+            </a:r>
+            <a:endParaRPr lang="fr-FR" sz="1600" dirty="0"/>
+          </a:p>
+          <a:p>
+            <a:r>
+              <a:rPr lang="fr-FR" sz="1600" dirty="0"/>
+              <a:t>Qu’est ce qu’un service</a:t>
+            </a:r>
+          </a:p>
+          <a:p>
+            <a:r>
+              <a:rPr lang="fr-FR" sz="1600" dirty="0"/>
+              <a:t>Qu’est ce qu’un </a:t>
+            </a:r>
+            <a:r>
+              <a:rPr lang="fr-FR" sz="1600" dirty="0" err="1"/>
+              <a:t>deployment</a:t>
+            </a:r>
+            <a:endParaRPr lang="fr-FR" sz="1600" dirty="0"/>
+          </a:p>
+          <a:p>
+            <a:r>
+              <a:rPr lang="fr-FR" sz="1600" dirty="0"/>
+              <a:t>App multi containers avec Kubernetes</a:t>
+            </a:r>
+          </a:p>
+          <a:p>
+            <a:r>
+              <a:rPr lang="fr-FR" sz="1600" dirty="0"/>
+              <a:t>Gérer le trafic avec </a:t>
+            </a:r>
+            <a:r>
+              <a:rPr lang="fr-FR" sz="1600" dirty="0" err="1"/>
+              <a:t>Ingress</a:t>
+            </a:r>
+            <a:endParaRPr lang="fr-FR" sz="1600" dirty="0"/>
+          </a:p>
+          <a:p>
+            <a:r>
+              <a:rPr lang="fr-FR" sz="1600" dirty="0"/>
+              <a:t>Déployer une </a:t>
+            </a:r>
+            <a:r>
+              <a:rPr lang="fr-FR" sz="1600" dirty="0" err="1"/>
+              <a:t>app</a:t>
+            </a:r>
+            <a:r>
+              <a:rPr lang="fr-FR" sz="1600" dirty="0"/>
+              <a:t> Kubernetes</a:t>
+            </a:r>
           </a:p>
         </p:txBody>
       </p:sp>
     </p:spTree>
     <p:extLst>
       <p:ext uri="{BB962C8B-B14F-4D97-AF65-F5344CB8AC3E}">
-        <p14:creationId xmlns:p14="http://schemas.microsoft.com/office/powerpoint/2010/main" val="3725948383"/>
+        <p14:creationId xmlns:p14="http://schemas.microsoft.com/office/powerpoint/2010/main" val="3804636423"/>
       </p:ext>
     </p:extLst>
   </p:cSld>
@@ -11617,7 +11673,7 @@
           <p:cNvPr id="2" name="Titre 1">
             <a:extLst>
               <a:ext uri="{FF2B5EF4-FFF2-40B4-BE49-F238E27FC236}">
-                <a16:creationId xmlns:a16="http://schemas.microsoft.com/office/drawing/2014/main" id="{D7F3DB66-8D3D-514C-93D2-4A8116A820E1}"/>
+                <a16:creationId xmlns:a16="http://schemas.microsoft.com/office/drawing/2014/main" id="{BB13A1BC-7254-9840-9BF3-C8DF24BE0CD2}"/>
               </a:ext>
             </a:extLst>
           </p:cNvPr>
@@ -11635,40 +11691,15 @@
           <a:p>
             <a:r>
               <a:rPr lang="fr-FR" dirty="0"/>
-              <a:t>Installation</a:t>
-            </a:r>
-          </a:p>
-        </p:txBody>
-      </p:sp>
-      <p:sp>
-        <p:nvSpPr>
-          <p:cNvPr id="3" name="Espace réservé du contenu 2">
-            <a:extLst>
-              <a:ext uri="{FF2B5EF4-FFF2-40B4-BE49-F238E27FC236}">
-                <a16:creationId xmlns:a16="http://schemas.microsoft.com/office/drawing/2014/main" id="{64CB6E40-D37E-3340-94D0-49C94AA5A624}"/>
-              </a:ext>
-            </a:extLst>
-          </p:cNvPr>
-          <p:cNvSpPr>
-            <a:spLocks noGrp="1"/>
-          </p:cNvSpPr>
-          <p:nvPr>
-            <p:ph idx="1"/>
-          </p:nvPr>
-        </p:nvSpPr>
-        <p:spPr/>
-        <p:txBody>
-          <a:bodyPr/>
-          <a:lstStyle/>
-          <a:p>
-            <a:endParaRPr lang="fr-FR"/>
+              <a:t>Kubernetes</a:t>
+            </a:r>
           </a:p>
         </p:txBody>
       </p:sp>
     </p:spTree>
     <p:extLst>
       <p:ext uri="{BB962C8B-B14F-4D97-AF65-F5344CB8AC3E}">
-        <p14:creationId xmlns:p14="http://schemas.microsoft.com/office/powerpoint/2010/main" val="2461077664"/>
+        <p14:creationId xmlns:p14="http://schemas.microsoft.com/office/powerpoint/2010/main" val="3010032273"/>
       </p:ext>
     </p:extLst>
   </p:cSld>
@@ -11700,7 +11731,7 @@
           <p:cNvPr id="2" name="Titre 1">
             <a:extLst>
               <a:ext uri="{FF2B5EF4-FFF2-40B4-BE49-F238E27FC236}">
-                <a16:creationId xmlns:a16="http://schemas.microsoft.com/office/drawing/2014/main" id="{C356CBC8-BFB8-0247-8BA8-C7D03B57F189}"/>
+                <a16:creationId xmlns:a16="http://schemas.microsoft.com/office/drawing/2014/main" id="{189B7B4F-EC42-8148-B1C8-43810A892074}"/>
               </a:ext>
             </a:extLst>
           </p:cNvPr>
@@ -11713,14 +11744,15 @@
         </p:nvSpPr>
         <p:spPr/>
         <p:txBody>
-          <a:bodyPr/>
-          <a:lstStyle/>
-          <a:p>
-            <a:r>
-              <a:rPr lang="fr-FR" dirty="0" err="1"/>
-              <a:t>Pod</a:t>
-            </a:r>
-            <a:endParaRPr lang="fr-FR" dirty="0"/>
+          <a:bodyPr>
+            <a:normAutofit/>
+          </a:bodyPr>
+          <a:lstStyle/>
+          <a:p>
+            <a:r>
+              <a:rPr lang="fr-FR" dirty="0"/>
+              <a:t>Qu’est ce que Kubernetes</a:t>
+            </a:r>
           </a:p>
         </p:txBody>
       </p:sp>
@@ -11729,7 +11761,7 @@
           <p:cNvPr id="3" name="Espace réservé du contenu 2">
             <a:extLst>
               <a:ext uri="{FF2B5EF4-FFF2-40B4-BE49-F238E27FC236}">
-                <a16:creationId xmlns:a16="http://schemas.microsoft.com/office/drawing/2014/main" id="{638C7C71-D621-CD45-975B-1A9FE0A690C4}"/>
+                <a16:creationId xmlns:a16="http://schemas.microsoft.com/office/drawing/2014/main" id="{FA04DAE1-B727-084E-A859-8FD4ED81BC64}"/>
               </a:ext>
             </a:extLst>
           </p:cNvPr>
@@ -11752,7 +11784,7 @@
     </p:spTree>
     <p:extLst>
       <p:ext uri="{BB962C8B-B14F-4D97-AF65-F5344CB8AC3E}">
-        <p14:creationId xmlns:p14="http://schemas.microsoft.com/office/powerpoint/2010/main" val="3321395717"/>
+        <p14:creationId xmlns:p14="http://schemas.microsoft.com/office/powerpoint/2010/main" val="1773393910"/>
       </p:ext>
     </p:extLst>
   </p:cSld>
@@ -11784,6 +11816,256 @@
           <p:cNvPr id="2" name="Titre 1">
             <a:extLst>
               <a:ext uri="{FF2B5EF4-FFF2-40B4-BE49-F238E27FC236}">
+                <a16:creationId xmlns:a16="http://schemas.microsoft.com/office/drawing/2014/main" id="{18DD65D0-03CD-DF49-B1F8-35CE2A6182D4}"/>
+              </a:ext>
+            </a:extLst>
+          </p:cNvPr>
+          <p:cNvSpPr>
+            <a:spLocks noGrp="1"/>
+          </p:cNvSpPr>
+          <p:nvPr>
+            <p:ph type="title"/>
+          </p:nvPr>
+        </p:nvSpPr>
+        <p:spPr/>
+        <p:txBody>
+          <a:bodyPr/>
+          <a:lstStyle/>
+          <a:p>
+            <a:r>
+              <a:rPr lang="fr-FR" dirty="0"/>
+              <a:t>Pourquoi Kubernetes</a:t>
+            </a:r>
+          </a:p>
+        </p:txBody>
+      </p:sp>
+      <p:sp>
+        <p:nvSpPr>
+          <p:cNvPr id="3" name="Espace réservé du contenu 2">
+            <a:extLst>
+              <a:ext uri="{FF2B5EF4-FFF2-40B4-BE49-F238E27FC236}">
+                <a16:creationId xmlns:a16="http://schemas.microsoft.com/office/drawing/2014/main" id="{53F6BB81-2BEF-E341-B9E8-B2C06BC9F1FE}"/>
+              </a:ext>
+            </a:extLst>
+          </p:cNvPr>
+          <p:cNvSpPr>
+            <a:spLocks noGrp="1"/>
+          </p:cNvSpPr>
+          <p:nvPr>
+            <p:ph idx="1"/>
+          </p:nvPr>
+        </p:nvSpPr>
+        <p:spPr/>
+        <p:txBody>
+          <a:bodyPr/>
+          <a:lstStyle/>
+          <a:p>
+            <a:endParaRPr lang="fr-FR"/>
+          </a:p>
+        </p:txBody>
+      </p:sp>
+    </p:spTree>
+    <p:extLst>
+      <p:ext uri="{BB962C8B-B14F-4D97-AF65-F5344CB8AC3E}">
+        <p14:creationId xmlns:p14="http://schemas.microsoft.com/office/powerpoint/2010/main" val="3725948383"/>
+      </p:ext>
+    </p:extLst>
+  </p:cSld>
+  <p:clrMapOvr>
+    <a:masterClrMapping/>
+  </p:clrMapOvr>
+</p:sld>
+</file>
+
+<file path=ppt/slides/slide34.xml><?xml version="1.0" encoding="utf-8"?>
+<p:sld xmlns:a="http://schemas.openxmlformats.org/drawingml/2006/main" xmlns:r="http://schemas.openxmlformats.org/officeDocument/2006/relationships" xmlns:p="http://schemas.openxmlformats.org/presentationml/2006/main">
+  <p:cSld>
+    <p:spTree>
+      <p:nvGrpSpPr>
+        <p:cNvPr id="1" name=""/>
+        <p:cNvGrpSpPr/>
+        <p:nvPr/>
+      </p:nvGrpSpPr>
+      <p:grpSpPr>
+        <a:xfrm>
+          <a:off x="0" y="0"/>
+          <a:ext cx="0" cy="0"/>
+          <a:chOff x="0" y="0"/>
+          <a:chExt cx="0" cy="0"/>
+        </a:xfrm>
+      </p:grpSpPr>
+      <p:sp>
+        <p:nvSpPr>
+          <p:cNvPr id="2" name="Titre 1">
+            <a:extLst>
+              <a:ext uri="{FF2B5EF4-FFF2-40B4-BE49-F238E27FC236}">
+                <a16:creationId xmlns:a16="http://schemas.microsoft.com/office/drawing/2014/main" id="{D7F3DB66-8D3D-514C-93D2-4A8116A820E1}"/>
+              </a:ext>
+            </a:extLst>
+          </p:cNvPr>
+          <p:cNvSpPr>
+            <a:spLocks noGrp="1"/>
+          </p:cNvSpPr>
+          <p:nvPr>
+            <p:ph type="title"/>
+          </p:nvPr>
+        </p:nvSpPr>
+        <p:spPr/>
+        <p:txBody>
+          <a:bodyPr/>
+          <a:lstStyle/>
+          <a:p>
+            <a:r>
+              <a:rPr lang="fr-FR" dirty="0"/>
+              <a:t>Installation</a:t>
+            </a:r>
+          </a:p>
+        </p:txBody>
+      </p:sp>
+      <p:sp>
+        <p:nvSpPr>
+          <p:cNvPr id="3" name="Espace réservé du contenu 2">
+            <a:extLst>
+              <a:ext uri="{FF2B5EF4-FFF2-40B4-BE49-F238E27FC236}">
+                <a16:creationId xmlns:a16="http://schemas.microsoft.com/office/drawing/2014/main" id="{64CB6E40-D37E-3340-94D0-49C94AA5A624}"/>
+              </a:ext>
+            </a:extLst>
+          </p:cNvPr>
+          <p:cNvSpPr>
+            <a:spLocks noGrp="1"/>
+          </p:cNvSpPr>
+          <p:nvPr>
+            <p:ph idx="1"/>
+          </p:nvPr>
+        </p:nvSpPr>
+        <p:spPr/>
+        <p:txBody>
+          <a:bodyPr/>
+          <a:lstStyle/>
+          <a:p>
+            <a:endParaRPr lang="fr-FR"/>
+          </a:p>
+        </p:txBody>
+      </p:sp>
+    </p:spTree>
+    <p:extLst>
+      <p:ext uri="{BB962C8B-B14F-4D97-AF65-F5344CB8AC3E}">
+        <p14:creationId xmlns:p14="http://schemas.microsoft.com/office/powerpoint/2010/main" val="2461077664"/>
+      </p:ext>
+    </p:extLst>
+  </p:cSld>
+  <p:clrMapOvr>
+    <a:masterClrMapping/>
+  </p:clrMapOvr>
+</p:sld>
+</file>
+
+<file path=ppt/slides/slide35.xml><?xml version="1.0" encoding="utf-8"?>
+<p:sld xmlns:a="http://schemas.openxmlformats.org/drawingml/2006/main" xmlns:r="http://schemas.openxmlformats.org/officeDocument/2006/relationships" xmlns:p="http://schemas.openxmlformats.org/presentationml/2006/main">
+  <p:cSld>
+    <p:spTree>
+      <p:nvGrpSpPr>
+        <p:cNvPr id="1" name=""/>
+        <p:cNvGrpSpPr/>
+        <p:nvPr/>
+      </p:nvGrpSpPr>
+      <p:grpSpPr>
+        <a:xfrm>
+          <a:off x="0" y="0"/>
+          <a:ext cx="0" cy="0"/>
+          <a:chOff x="0" y="0"/>
+          <a:chExt cx="0" cy="0"/>
+        </a:xfrm>
+      </p:grpSpPr>
+      <p:sp>
+        <p:nvSpPr>
+          <p:cNvPr id="2" name="Titre 1">
+            <a:extLst>
+              <a:ext uri="{FF2B5EF4-FFF2-40B4-BE49-F238E27FC236}">
+                <a16:creationId xmlns:a16="http://schemas.microsoft.com/office/drawing/2014/main" id="{C356CBC8-BFB8-0247-8BA8-C7D03B57F189}"/>
+              </a:ext>
+            </a:extLst>
+          </p:cNvPr>
+          <p:cNvSpPr>
+            <a:spLocks noGrp="1"/>
+          </p:cNvSpPr>
+          <p:nvPr>
+            <p:ph type="title"/>
+          </p:nvPr>
+        </p:nvSpPr>
+        <p:spPr/>
+        <p:txBody>
+          <a:bodyPr/>
+          <a:lstStyle/>
+          <a:p>
+            <a:r>
+              <a:rPr lang="fr-FR" dirty="0" err="1"/>
+              <a:t>Pod</a:t>
+            </a:r>
+            <a:endParaRPr lang="fr-FR" dirty="0"/>
+          </a:p>
+        </p:txBody>
+      </p:sp>
+      <p:sp>
+        <p:nvSpPr>
+          <p:cNvPr id="3" name="Espace réservé du contenu 2">
+            <a:extLst>
+              <a:ext uri="{FF2B5EF4-FFF2-40B4-BE49-F238E27FC236}">
+                <a16:creationId xmlns:a16="http://schemas.microsoft.com/office/drawing/2014/main" id="{638C7C71-D621-CD45-975B-1A9FE0A690C4}"/>
+              </a:ext>
+            </a:extLst>
+          </p:cNvPr>
+          <p:cNvSpPr>
+            <a:spLocks noGrp="1"/>
+          </p:cNvSpPr>
+          <p:nvPr>
+            <p:ph idx="1"/>
+          </p:nvPr>
+        </p:nvSpPr>
+        <p:spPr/>
+        <p:txBody>
+          <a:bodyPr/>
+          <a:lstStyle/>
+          <a:p>
+            <a:endParaRPr lang="fr-FR"/>
+          </a:p>
+        </p:txBody>
+      </p:sp>
+    </p:spTree>
+    <p:extLst>
+      <p:ext uri="{BB962C8B-B14F-4D97-AF65-F5344CB8AC3E}">
+        <p14:creationId xmlns:p14="http://schemas.microsoft.com/office/powerpoint/2010/main" val="3321395717"/>
+      </p:ext>
+    </p:extLst>
+  </p:cSld>
+  <p:clrMapOvr>
+    <a:masterClrMapping/>
+  </p:clrMapOvr>
+</p:sld>
+</file>
+
+<file path=ppt/slides/slide36.xml><?xml version="1.0" encoding="utf-8"?>
+<p:sld xmlns:a="http://schemas.openxmlformats.org/drawingml/2006/main" xmlns:r="http://schemas.openxmlformats.org/officeDocument/2006/relationships" xmlns:p="http://schemas.openxmlformats.org/presentationml/2006/main">
+  <p:cSld>
+    <p:spTree>
+      <p:nvGrpSpPr>
+        <p:cNvPr id="1" name=""/>
+        <p:cNvGrpSpPr/>
+        <p:nvPr/>
+      </p:nvGrpSpPr>
+      <p:grpSpPr>
+        <a:xfrm>
+          <a:off x="0" y="0"/>
+          <a:ext cx="0" cy="0"/>
+          <a:chOff x="0" y="0"/>
+          <a:chExt cx="0" cy="0"/>
+        </a:xfrm>
+      </p:grpSpPr>
+      <p:sp>
+        <p:nvSpPr>
+          <p:cNvPr id="2" name="Titre 1">
+            <a:extLst>
+              <a:ext uri="{FF2B5EF4-FFF2-40B4-BE49-F238E27FC236}">
                 <a16:creationId xmlns:a16="http://schemas.microsoft.com/office/drawing/2014/main" id="{8185F0AD-8C11-1B4E-AACE-96333D865C09}"/>
               </a:ext>
             </a:extLst>
@@ -11820,7 +12102,7 @@
 </p:sld>
 </file>
 
-<file path=ppt/slides/slide34.xml><?xml version="1.0" encoding="utf-8"?>
+<file path=ppt/slides/slide37.xml><?xml version="1.0" encoding="utf-8"?>
 <p:sld xmlns:a="http://schemas.openxmlformats.org/drawingml/2006/main" xmlns:r="http://schemas.openxmlformats.org/officeDocument/2006/relationships" xmlns:p="http://schemas.openxmlformats.org/presentationml/2006/main">
   <p:cSld>
     <p:spTree>

--- a/Cours/Cours.pptx
+++ b/Cours/Cours.pptx
@@ -33,15 +33,13 @@
     <p:sldId id="308" r:id="rId27"/>
     <p:sldId id="307" r:id="rId28"/>
     <p:sldId id="309" r:id="rId29"/>
-    <p:sldId id="299" r:id="rId30"/>
-    <p:sldId id="273" r:id="rId31"/>
-    <p:sldId id="286" r:id="rId32"/>
-    <p:sldId id="274" r:id="rId33"/>
-    <p:sldId id="275" r:id="rId34"/>
-    <p:sldId id="276" r:id="rId35"/>
-    <p:sldId id="277" r:id="rId36"/>
-    <p:sldId id="287" r:id="rId37"/>
-    <p:sldId id="288" r:id="rId38"/>
+    <p:sldId id="286" r:id="rId30"/>
+    <p:sldId id="274" r:id="rId31"/>
+    <p:sldId id="275" r:id="rId32"/>
+    <p:sldId id="276" r:id="rId33"/>
+    <p:sldId id="277" r:id="rId34"/>
+    <p:sldId id="287" r:id="rId35"/>
+    <p:sldId id="288" r:id="rId36"/>
   </p:sldIdLst>
   <p:sldSz cx="12192000" cy="6858000"/>
   <p:notesSz cx="6858000" cy="9144000"/>
@@ -304,7 +302,7 @@
           <a:p>
             <a:fld id="{02AC24A9-CCB6-4F8D-B8DB-C2F3692CFA5A}" type="datetimeFigureOut">
               <a:rPr lang="en-US" smtClean="0"/>
-              <a:t>1/2/22</a:t>
+              <a:t>1/3/22</a:t>
             </a:fld>
             <a:endParaRPr lang="en-US" dirty="0"/>
           </a:p>
@@ -674,7 +672,7 @@
           <a:p>
             <a:fld id="{02AC24A9-CCB6-4F8D-B8DB-C2F3692CFA5A}" type="datetimeFigureOut">
               <a:rPr lang="en-US" smtClean="0"/>
-              <a:t>1/2/22</a:t>
+              <a:t>1/3/22</a:t>
             </a:fld>
             <a:endParaRPr lang="en-US"/>
           </a:p>
@@ -883,7 +881,7 @@
           <a:p>
             <a:fld id="{02AC24A9-CCB6-4F8D-B8DB-C2F3692CFA5A}" type="datetimeFigureOut">
               <a:rPr lang="en-US" smtClean="0"/>
-              <a:t>1/2/22</a:t>
+              <a:t>1/3/22</a:t>
             </a:fld>
             <a:endParaRPr lang="en-US"/>
           </a:p>
@@ -1353,7 +1351,7 @@
           <a:p>
             <a:fld id="{02AC24A9-CCB6-4F8D-B8DB-C2F3692CFA5A}" type="datetimeFigureOut">
               <a:rPr lang="en-US" smtClean="0"/>
-              <a:t>1/2/22</a:t>
+              <a:t>1/3/22</a:t>
             </a:fld>
             <a:endParaRPr lang="en-US"/>
           </a:p>
@@ -1807,7 +1805,7 @@
           <a:p>
             <a:fld id="{02AC24A9-CCB6-4F8D-B8DB-C2F3692CFA5A}" type="datetimeFigureOut">
               <a:rPr lang="en-US" smtClean="0"/>
-              <a:t>1/2/22</a:t>
+              <a:t>1/3/22</a:t>
             </a:fld>
             <a:endParaRPr lang="en-US"/>
           </a:p>
@@ -2339,7 +2337,7 @@
           <a:p>
             <a:fld id="{02AC24A9-CCB6-4F8D-B8DB-C2F3692CFA5A}" type="datetimeFigureOut">
               <a:rPr lang="en-US" smtClean="0"/>
-              <a:t>1/2/22</a:t>
+              <a:t>1/3/22</a:t>
             </a:fld>
             <a:endParaRPr lang="en-US"/>
           </a:p>
@@ -3038,7 +3036,7 @@
           <a:p>
             <a:fld id="{02AC24A9-CCB6-4F8D-B8DB-C2F3692CFA5A}" type="datetimeFigureOut">
               <a:rPr lang="en-US" smtClean="0"/>
-              <a:t>1/2/22</a:t>
+              <a:t>1/3/22</a:t>
             </a:fld>
             <a:endParaRPr lang="en-US"/>
           </a:p>
@@ -3367,7 +3365,7 @@
           <a:p>
             <a:fld id="{02AC24A9-CCB6-4F8D-B8DB-C2F3692CFA5A}" type="datetimeFigureOut">
               <a:rPr lang="en-US" smtClean="0"/>
-              <a:t>1/2/22</a:t>
+              <a:t>1/3/22</a:t>
             </a:fld>
             <a:endParaRPr lang="en-US"/>
           </a:p>
@@ -3480,7 +3478,7 @@
           <a:p>
             <a:fld id="{02AC24A9-CCB6-4F8D-B8DB-C2F3692CFA5A}" type="datetimeFigureOut">
               <a:rPr lang="en-US" smtClean="0"/>
-              <a:t>1/2/22</a:t>
+              <a:t>1/3/22</a:t>
             </a:fld>
             <a:endParaRPr lang="en-US"/>
           </a:p>
@@ -3975,7 +3973,7 @@
           <a:p>
             <a:fld id="{02AC24A9-CCB6-4F8D-B8DB-C2F3692CFA5A}" type="datetimeFigureOut">
               <a:rPr lang="en-US" smtClean="0"/>
-              <a:t>1/2/22</a:t>
+              <a:t>1/3/22</a:t>
             </a:fld>
             <a:endParaRPr lang="en-US" dirty="0"/>
           </a:p>
@@ -4452,7 +4450,7 @@
           <a:p>
             <a:fld id="{02AC24A9-CCB6-4F8D-B8DB-C2F3692CFA5A}" type="datetimeFigureOut">
               <a:rPr lang="en-US" smtClean="0"/>
-              <a:t>1/2/22</a:t>
+              <a:t>1/3/22</a:t>
             </a:fld>
             <a:endParaRPr lang="en-US"/>
           </a:p>
@@ -4695,7 +4693,7 @@
           <a:p>
             <a:fld id="{02AC24A9-CCB6-4F8D-B8DB-C2F3692CFA5A}" type="datetimeFigureOut">
               <a:rPr lang="en-US" smtClean="0"/>
-              <a:t>1/2/22</a:t>
+              <a:t>1/3/22</a:t>
             </a:fld>
             <a:endParaRPr lang="en-US"/>
           </a:p>
@@ -6509,7 +6507,7 @@
             </a:r>
             <a:r>
               <a:rPr lang="fr-FR" sz="1200" dirty="0"/>
-              <a:t> utilise uniquement les ressources assignés au container, contenant dans notre cas le langage Python et rien d’autre</a:t>
+              <a:t> utilise uniquement les ressources assignées au container, contenant dans notre cas le langage Python et rien d’autre</a:t>
             </a:r>
           </a:p>
           <a:p>
@@ -7677,7 +7675,7 @@
             </a:br>
             <a:r>
               <a:rPr lang="fr-FR" sz="1200" dirty="0"/>
-              <a:t>Ce fichier défini la configuration et le comportement des containers qui seront crées à partir de cette image</a:t>
+              <a:t>Ce fichier définit la configuration et le comportement des containers qui seront créées à partir de cette image</a:t>
             </a:r>
           </a:p>
           <a:p>
@@ -7686,7 +7684,7 @@
             </a:pPr>
             <a:r>
               <a:rPr lang="fr-FR" sz="1200" dirty="0"/>
-              <a:t>Ensuite, il faut utiliser le Docker Client pour lancer cette image, qui va être envoyé au Docker Server qui va rendre l’image utilisable.</a:t>
+              <a:t>Ensuite, il faut utiliser le Docker Client pour lancer cette image, qui va être envoyée au Docker Server qui va rendre l’image utilisable.</a:t>
             </a:r>
           </a:p>
           <a:p>
@@ -9050,7 +9048,7 @@
             </a:pPr>
             <a:r>
               <a:rPr lang="fr-FR" sz="1200" dirty="0"/>
-              <a:t>L’image de base est importante: elle définit à quoi ressemblera notre container avant que l’on effectue nos propre actions</a:t>
+              <a:t>L’image de base est importante: elle définit à quoi ressemblera notre container avant que l’on effectue nos propres actions.</a:t>
             </a:r>
           </a:p>
           <a:p>
@@ -9396,7 +9394,7 @@
             </a:r>
             <a:r>
               <a:rPr lang="fr-FR" sz="1200" dirty="0"/>
-              <a:t>:  Exécute une commandes dans une nouvelle couche au-dessus de l'image actuelle et validera les résultats. L'image validée résultante sera utilisée pour la prochaine étape dans le </a:t>
+              <a:t>:  Exécute une commande dans une nouvelle couche au-dessus de l'image actuelle et validera les résultats. L'image validée résultante sera utilisée pour la prochaine étape dans le </a:t>
             </a:r>
             <a:r>
               <a:rPr lang="fr-FR" sz="1200" dirty="0" err="1"/>
@@ -9453,7 +9451,7 @@
             </a:r>
             <a:r>
               <a:rPr lang="fr-FR" sz="1200" dirty="0"/>
-              <a:t>:  Informe Docker que le conteneur écoute sur les ports réseau spécifiés lors de l'exécution</a:t>
+              <a:t>:  Informe Docker que le conteneur écoute sur les ports réseaux spécifiés lors de l'exécution</a:t>
             </a:r>
           </a:p>
           <a:p>
@@ -9590,8 +9588,16 @@
               <a:buNone/>
             </a:pPr>
             <a:r>
-              <a:rPr lang="fr-FR" sz="1200"/>
-              <a:t>Actuellement, lorsque l’on crée notre image à partir du Dockerfile, il faut récupérer l’id de l’image manuellement pour lancer le container</a:t>
+              <a:rPr lang="fr-FR" sz="1200" dirty="0"/>
+              <a:t>Actuellement, lorsque l’on crée notre image à partir du </a:t>
+            </a:r>
+            <a:r>
+              <a:rPr lang="fr-FR" sz="1200" dirty="0" err="1"/>
+              <a:t>Dockerfile</a:t>
+            </a:r>
+            <a:r>
+              <a:rPr lang="fr-FR" sz="1200" dirty="0"/>
+              <a:t>, il faut récupérer l’id de l’image manuellement pour lancer le container</a:t>
             </a:r>
           </a:p>
           <a:p>
@@ -9599,23 +9605,39 @@
               <a:buNone/>
             </a:pPr>
             <a:r>
-              <a:rPr lang="fr-FR" sz="1200"/>
-              <a:t>Cela signifie aussi que plusieurs images sont créées à chaque build avec des id différents</a:t>
+              <a:rPr lang="fr-FR" sz="1200" dirty="0"/>
+              <a:t>Cela signifie aussi que plusieurs images sont créées à chaque </a:t>
+            </a:r>
+            <a:r>
+              <a:rPr lang="fr-FR" sz="1200" dirty="0" err="1"/>
+              <a:t>build</a:t>
+            </a:r>
+            <a:r>
+              <a:rPr lang="fr-FR" sz="1200" dirty="0"/>
+              <a:t> avec des id différents</a:t>
             </a:r>
           </a:p>
           <a:p>
             <a:pPr marL="0" indent="0" algn="just">
               <a:buNone/>
             </a:pPr>
-            <a:endParaRPr lang="fr-FR" sz="1200"/>
+            <a:endParaRPr lang="fr-FR" sz="1200" dirty="0"/>
           </a:p>
           <a:p>
             <a:pPr marL="0" indent="0" algn="just">
               <a:buNone/>
             </a:pPr>
             <a:r>
-              <a:rPr lang="fr-FR" sz="1200"/>
-              <a:t>On peut tagger une image, pour utiliser le tag de l’image au lieu de son ID, comme nous l’avons fait avec les images externes (docker run redis)</a:t>
+              <a:rPr lang="fr-FR" sz="1200" dirty="0"/>
+              <a:t>On peut tagger une image, pour utiliser le tag de l’image au lieu de son ID, comme nous l’avons fait avec les images externes (docker </a:t>
+            </a:r>
+            <a:r>
+              <a:rPr lang="fr-FR" sz="1200" dirty="0" err="1"/>
+              <a:t>run</a:t>
+            </a:r>
+            <a:r>
+              <a:rPr lang="fr-FR" sz="1200" dirty="0"/>
+              <a:t> redis)</a:t>
             </a:r>
           </a:p>
           <a:p>
@@ -9623,35 +9645,51 @@
               <a:buNone/>
             </a:pPr>
             <a:r>
-              <a:rPr lang="fr-FR" sz="1200"/>
+              <a:rPr lang="fr-FR" sz="1200" dirty="0"/>
               <a:t>Pour tagger une image, on peut ajouter l’option </a:t>
             </a:r>
             <a:r>
-              <a:rPr lang="fr-FR" sz="1200" b="1"/>
-              <a:t>–t </a:t>
-            </a:r>
-            <a:r>
-              <a:rPr lang="fr-FR" sz="1200"/>
-              <a:t>à la commande docker build:</a:t>
+              <a:rPr lang="fr-FR" sz="1200" b="1" dirty="0"/>
+              <a:t>–</a:t>
+            </a:r>
+            <a:r>
+              <a:rPr lang="fr-FR" sz="1200" b="1" dirty="0" err="1"/>
+              <a:t>t</a:t>
+            </a:r>
+            <a:r>
+              <a:rPr lang="fr-FR" sz="1200" b="1" dirty="0"/>
+              <a:t> </a:t>
+            </a:r>
+            <a:r>
+              <a:rPr lang="fr-FR" sz="1200" dirty="0"/>
+              <a:t>à la commande docker </a:t>
+            </a:r>
+            <a:r>
+              <a:rPr lang="fr-FR" sz="1200" dirty="0" err="1"/>
+              <a:t>build</a:t>
+            </a:r>
+            <a:r>
+              <a:rPr lang="fr-FR" sz="1200" dirty="0"/>
+              <a:t>:</a:t>
             </a:r>
           </a:p>
           <a:p>
             <a:pPr marL="0" indent="0">
               <a:buNone/>
             </a:pPr>
-            <a:endParaRPr lang="fr-FR" sz="1200"/>
+            <a:endParaRPr lang="fr-FR" sz="1200" dirty="0"/>
           </a:p>
           <a:p>
             <a:pPr marL="0" indent="0">
               <a:buNone/>
             </a:pPr>
-            <a:endParaRPr lang="fr-FR" sz="1200"/>
+            <a:endParaRPr lang="fr-FR" sz="1200" dirty="0"/>
           </a:p>
           <a:p>
             <a:pPr marL="0" indent="0">
               <a:buNone/>
             </a:pPr>
-            <a:endParaRPr lang="fr-FR" sz="1200"/>
+            <a:endParaRPr lang="fr-FR" sz="1200" dirty="0"/>
           </a:p>
           <a:p>
             <a:endParaRPr lang="fr-FR" sz="1200" dirty="0"/>
@@ -10026,12 +10064,12 @@
           <a:chExt cx="0" cy="0"/>
         </a:xfrm>
       </p:grpSpPr>
-      <p:sp>
-        <p:nvSpPr>
-          <p:cNvPr id="10" name="Rectangle 9">
-            <a:extLst>
-              <a:ext uri="{FF2B5EF4-FFF2-40B4-BE49-F238E27FC236}">
-                <a16:creationId xmlns:a16="http://schemas.microsoft.com/office/drawing/2014/main" id="{8D06CE56-3881-4ADA-8CEF-D18B02C242A3}"/>
+      <p:sp useBgFill="1">
+        <p:nvSpPr>
+          <p:cNvPr id="33" name="Rectangle 24">
+            <a:extLst>
+              <a:ext uri="{FF2B5EF4-FFF2-40B4-BE49-F238E27FC236}">
+                <a16:creationId xmlns:a16="http://schemas.microsoft.com/office/drawing/2014/main" id="{F94AA2BD-2E3F-4B1D-8127-5744B8115311}"/>
               </a:ext>
               <a:ext uri="{C183D7F6-B498-43B3-948B-1728B52AA6E4}">
                 <adec:decorative xmlns:adec="http://schemas.microsoft.com/office/drawing/2017/decorative" val="1"/>
@@ -10050,9 +10088,109 @@
           </p:nvPr>
         </p:nvSpPr>
         <p:spPr>
+          <a:xfrm>
+            <a:off x="0" y="0"/>
+            <a:ext cx="12192000" cy="6858000"/>
+          </a:xfrm>
+          <a:prstGeom prst="rect">
+            <a:avLst/>
+          </a:prstGeom>
+          <a:ln>
+            <a:noFill/>
+          </a:ln>
+        </p:spPr>
+        <p:style>
+          <a:lnRef idx="2">
+            <a:schemeClr val="accent1">
+              <a:shade val="50000"/>
+            </a:schemeClr>
+          </a:lnRef>
+          <a:fillRef idx="1">
+            <a:schemeClr val="accent1"/>
+          </a:fillRef>
+          <a:effectRef idx="0">
+            <a:schemeClr val="accent1"/>
+          </a:effectRef>
+          <a:fontRef idx="minor">
+            <a:schemeClr val="lt1"/>
+          </a:fontRef>
+        </p:style>
+        <p:txBody>
+          <a:bodyPr rtlCol="0" anchor="ctr"/>
+          <a:lstStyle/>
+          <a:p>
+            <a:pPr algn="ctr"/>
+            <a:endParaRPr lang="en-US"/>
+          </a:p>
+        </p:txBody>
+      </p:sp>
+      <p:sp>
+        <p:nvSpPr>
+          <p:cNvPr id="2" name="Titre 1">
+            <a:extLst>
+              <a:ext uri="{FF2B5EF4-FFF2-40B4-BE49-F238E27FC236}">
+                <a16:creationId xmlns:a16="http://schemas.microsoft.com/office/drawing/2014/main" id="{E64E000A-CE97-2C4C-896C-F8A5295EE641}"/>
+              </a:ext>
+            </a:extLst>
+          </p:cNvPr>
+          <p:cNvSpPr>
+            <a:spLocks noGrp="1"/>
+          </p:cNvSpPr>
+          <p:nvPr>
+            <p:ph type="title"/>
+          </p:nvPr>
+        </p:nvSpPr>
+        <p:spPr>
+          <a:xfrm>
+            <a:off x="363109" y="1032819"/>
+            <a:ext cx="4485861" cy="1088136"/>
+          </a:xfrm>
+        </p:spPr>
+        <p:txBody>
+          <a:bodyPr vert="horz" lIns="91440" tIns="45720" rIns="91440" bIns="45720" rtlCol="0" anchor="b">
+            <a:normAutofit/>
+          </a:bodyPr>
+          <a:lstStyle/>
+          <a:p>
+            <a:r>
+              <a:rPr lang="en-US" sz="2800" dirty="0"/>
+              <a:t>docker-</a:t>
+            </a:r>
+            <a:r>
+              <a:rPr lang="en-US" sz="2800" dirty="0" err="1"/>
+              <a:t>compose.yml</a:t>
+            </a:r>
+            <a:endParaRPr lang="en-US" sz="2800" dirty="0"/>
+          </a:p>
+        </p:txBody>
+      </p:sp>
+      <p:sp>
+        <p:nvSpPr>
+          <p:cNvPr id="34" name="Rectangle 26">
+            <a:extLst>
+              <a:ext uri="{FF2B5EF4-FFF2-40B4-BE49-F238E27FC236}">
+                <a16:creationId xmlns:a16="http://schemas.microsoft.com/office/drawing/2014/main" id="{4BD02261-2DC8-4AA8-9E16-7751AE892445}"/>
+              </a:ext>
+              <a:ext uri="{C183D7F6-B498-43B3-948B-1728B52AA6E4}">
+                <adec:decorative xmlns:adec="http://schemas.microsoft.com/office/drawing/2017/decorative" val="1"/>
+              </a:ext>
+            </a:extLst>
+          </p:cNvPr>
+          <p:cNvSpPr>
+            <a:spLocks noGrp="1" noRot="1" noChangeAspect="1" noMove="1" noResize="1" noEditPoints="1" noAdjustHandles="1" noChangeArrowheads="1" noChangeShapeType="1" noTextEdit="1"/>
+          </p:cNvSpPr>
+          <p:nvPr>
+            <p:extLst>
+              <p:ext uri="{386F3935-93C4-4BCD-93E2-E3B085C9AB24}">
+                <p16:designElem xmlns:p16="http://schemas.microsoft.com/office/powerpoint/2015/main" val="1"/>
+              </p:ext>
+            </p:extLst>
+          </p:nvPr>
+        </p:nvSpPr>
+        <p:spPr>
           <a:xfrm rot="5400000">
-            <a:off x="857544" y="346791"/>
-            <a:ext cx="146304" cy="704088"/>
+            <a:off x="649223" y="387939"/>
+            <a:ext cx="73152" cy="548640"/>
           </a:xfrm>
           <a:prstGeom prst="rect">
             <a:avLst/>
@@ -10120,10 +10258,10 @@
       </p:sp>
       <p:sp>
         <p:nvSpPr>
-          <p:cNvPr id="12" name="Rectangle 11">
-            <a:extLst>
-              <a:ext uri="{FF2B5EF4-FFF2-40B4-BE49-F238E27FC236}">
-                <a16:creationId xmlns:a16="http://schemas.microsoft.com/office/drawing/2014/main" id="{79F3C543-62EC-4433-9C93-A2CD8764E9B4}"/>
+          <p:cNvPr id="35" name="Rectangle 28">
+            <a:extLst>
+              <a:ext uri="{FF2B5EF4-FFF2-40B4-BE49-F238E27FC236}">
+                <a16:creationId xmlns:a16="http://schemas.microsoft.com/office/drawing/2014/main" id="{3D752CF2-2291-40B5-B462-C17B174C10BC}"/>
               </a:ext>
               <a:ext uri="{C183D7F6-B498-43B3-948B-1728B52AA6E4}">
                 <adec:decorative xmlns:adec="http://schemas.microsoft.com/office/drawing/2017/decorative" val="1"/>
@@ -10142,9 +10280,9 @@
           </p:nvPr>
         </p:nvSpPr>
         <p:spPr>
-          <a:xfrm flipV="1">
-            <a:off x="578652" y="4501201"/>
-            <a:ext cx="11034696" cy="18288"/>
+          <a:xfrm>
+            <a:off x="411480" y="2286000"/>
+            <a:ext cx="4389120" cy="18288"/>
           </a:xfrm>
           <a:prstGeom prst="rect">
             <a:avLst/>
@@ -10214,324 +10352,75 @@
           </a:p>
         </p:txBody>
       </p:sp>
-      <p:sp useBgFill="1">
-        <p:nvSpPr>
-          <p:cNvPr id="14" name="Rectangle 13">
-            <a:extLst>
-              <a:ext uri="{FF2B5EF4-FFF2-40B4-BE49-F238E27FC236}">
-                <a16:creationId xmlns:a16="http://schemas.microsoft.com/office/drawing/2014/main" id="{68AF5748-FED8-45BA-8631-26D1D10F3246}"/>
-              </a:ext>
-              <a:ext uri="{C183D7F6-B498-43B3-948B-1728B52AA6E4}">
-                <adec:decorative xmlns:adec="http://schemas.microsoft.com/office/drawing/2017/decorative" val="1"/>
-              </a:ext>
-            </a:extLst>
-          </p:cNvPr>
-          <p:cNvSpPr>
-            <a:spLocks noGrp="1" noRot="1" noChangeAspect="1" noMove="1" noResize="1" noEditPoints="1" noAdjustHandles="1" noChangeArrowheads="1" noChangeShapeType="1" noTextEdit="1"/>
-          </p:cNvSpPr>
-          <p:nvPr>
-            <p:extLst>
-              <p:ext uri="{386F3935-93C4-4BCD-93E2-E3B085C9AB24}">
-                <p16:designElem xmlns:p16="http://schemas.microsoft.com/office/powerpoint/2015/main" val="1"/>
-              </p:ext>
-            </p:extLst>
-          </p:nvPr>
-        </p:nvSpPr>
-        <p:spPr>
-          <a:xfrm>
-            <a:off x="0" y="0"/>
-            <a:ext cx="12192000" cy="6858000"/>
-          </a:xfrm>
-          <a:prstGeom prst="rect">
-            <a:avLst/>
-          </a:prstGeom>
-          <a:ln>
-            <a:noFill/>
-          </a:ln>
-        </p:spPr>
-        <p:style>
-          <a:lnRef idx="2">
-            <a:schemeClr val="accent1">
-              <a:shade val="50000"/>
-            </a:schemeClr>
-          </a:lnRef>
-          <a:fillRef idx="1">
-            <a:schemeClr val="accent1"/>
-          </a:fillRef>
-          <a:effectRef idx="0">
-            <a:schemeClr val="accent1"/>
-          </a:effectRef>
-          <a:fontRef idx="minor">
-            <a:schemeClr val="lt1"/>
-          </a:fontRef>
-        </p:style>
-        <p:txBody>
-          <a:bodyPr rtlCol="0" anchor="ctr"/>
-          <a:lstStyle/>
-          <a:p>
-            <a:pPr algn="ctr"/>
-            <a:endParaRPr lang="en-US"/>
-          </a:p>
-        </p:txBody>
-      </p:sp>
-      <p:sp>
-        <p:nvSpPr>
-          <p:cNvPr id="2" name="Titre 1">
-            <a:extLst>
-              <a:ext uri="{FF2B5EF4-FFF2-40B4-BE49-F238E27FC236}">
-                <a16:creationId xmlns:a16="http://schemas.microsoft.com/office/drawing/2014/main" id="{E64E000A-CE97-2C4C-896C-F8A5295EE641}"/>
-              </a:ext>
-            </a:extLst>
-          </p:cNvPr>
-          <p:cNvSpPr>
-            <a:spLocks noGrp="1"/>
-          </p:cNvSpPr>
-          <p:nvPr>
-            <p:ph type="title"/>
-          </p:nvPr>
-        </p:nvSpPr>
-        <p:spPr>
-          <a:xfrm>
-            <a:off x="477981" y="1122363"/>
-            <a:ext cx="4023360" cy="3204134"/>
-          </a:xfrm>
-        </p:spPr>
-        <p:txBody>
-          <a:bodyPr vert="horz" lIns="91440" tIns="45720" rIns="91440" bIns="45720" rtlCol="0" anchor="b">
-            <a:normAutofit/>
-          </a:bodyPr>
-          <a:lstStyle/>
-          <a:p>
-            <a:r>
-              <a:rPr lang="en-US" sz="2400" dirty="0"/>
-              <a:t>docker-</a:t>
-            </a:r>
-            <a:r>
-              <a:rPr lang="en-US" sz="2400" dirty="0" err="1"/>
-              <a:t>compose.yml</a:t>
-            </a:r>
-            <a:endParaRPr lang="en-US" sz="2400" dirty="0"/>
-          </a:p>
-        </p:txBody>
-      </p:sp>
-      <p:sp>
-        <p:nvSpPr>
-          <p:cNvPr id="16" name="Rectangle 15">
-            <a:extLst>
-              <a:ext uri="{FF2B5EF4-FFF2-40B4-BE49-F238E27FC236}">
-                <a16:creationId xmlns:a16="http://schemas.microsoft.com/office/drawing/2014/main" id="{AF2F604E-43BE-4DC3-B983-E071523364F8}"/>
-              </a:ext>
-              <a:ext uri="{C183D7F6-B498-43B3-948B-1728B52AA6E4}">
-                <adec:decorative xmlns:adec="http://schemas.microsoft.com/office/drawing/2017/decorative" val="1"/>
-              </a:ext>
-            </a:extLst>
-          </p:cNvPr>
-          <p:cNvSpPr>
-            <a:spLocks noGrp="1" noRot="1" noChangeAspect="1" noMove="1" noResize="1" noEditPoints="1" noAdjustHandles="1" noChangeArrowheads="1" noChangeShapeType="1" noTextEdit="1"/>
-          </p:cNvSpPr>
-          <p:nvPr>
-            <p:extLst>
-              <p:ext uri="{386F3935-93C4-4BCD-93E2-E3B085C9AB24}">
-                <p16:designElem xmlns:p16="http://schemas.microsoft.com/office/powerpoint/2015/main" val="1"/>
-              </p:ext>
-            </p:extLst>
-          </p:nvPr>
-        </p:nvSpPr>
-        <p:spPr>
-          <a:xfrm rot="5400000">
-            <a:off x="759921" y="346791"/>
-            <a:ext cx="146304" cy="704088"/>
-          </a:xfrm>
-          <a:prstGeom prst="rect">
-            <a:avLst/>
-          </a:prstGeom>
-          <a:solidFill>
-            <a:schemeClr val="accent1"/>
-          </a:solidFill>
-          <a:ln>
-            <a:noFill/>
-          </a:ln>
-        </p:spPr>
-        <p:style>
-          <a:lnRef idx="2">
-            <a:schemeClr val="accent1">
-              <a:shade val="50000"/>
-            </a:schemeClr>
-          </a:lnRef>
-          <a:fillRef idx="1">
-            <a:schemeClr val="accent1"/>
-          </a:fillRef>
-          <a:effectRef idx="0">
-            <a:schemeClr val="accent1"/>
-          </a:effectRef>
-          <a:fontRef idx="minor">
-            <a:schemeClr val="lt1"/>
-          </a:fontRef>
-        </p:style>
-        <p:txBody>
-          <a:bodyPr rtlCol="0" anchor="ctr"/>
-          <a:lstStyle/>
-          <a:p>
-            <a:pPr marL="0" marR="0" lvl="0" indent="0" algn="ctr" defTabSz="914400" rtl="0" eaLnBrk="1" fontAlgn="auto" latinLnBrk="0" hangingPunct="1">
-              <a:lnSpc>
-                <a:spcPct val="100000"/>
-              </a:lnSpc>
-              <a:spcBef>
-                <a:spcPts val="0"/>
-              </a:spcBef>
-              <a:spcAft>
-                <a:spcPts val="0"/>
-              </a:spcAft>
-              <a:buClrTx/>
-              <a:buSzTx/>
-              <a:buFontTx/>
-              <a:buNone/>
-              <a:tabLst/>
-              <a:defRPr/>
-            </a:pPr>
-            <a:endParaRPr kumimoji="0" lang="en-US" sz="1800" b="0" i="0" u="none" strike="noStrike" kern="1200" cap="none" spc="0" normalizeH="0" baseline="0" noProof="0">
-              <a:ln>
-                <a:noFill/>
-              </a:ln>
-              <a:solidFill>
-                <a:prstClr val="white"/>
-              </a:solidFill>
-              <a:effectLst/>
-              <a:uLnTx/>
-              <a:uFillTx/>
-              <a:latin typeface="Calibri" panose="020F0502020204030204"/>
-              <a:ea typeface="+mn-ea"/>
-              <a:cs typeface="+mn-cs"/>
-            </a:endParaRPr>
-          </a:p>
-        </p:txBody>
-      </p:sp>
-      <p:sp>
-        <p:nvSpPr>
-          <p:cNvPr id="18" name="Rectangle 17">
-            <a:extLst>
-              <a:ext uri="{FF2B5EF4-FFF2-40B4-BE49-F238E27FC236}">
-                <a16:creationId xmlns:a16="http://schemas.microsoft.com/office/drawing/2014/main" id="{08C9B587-E65E-4B52-B37C-ABEBB6E87928}"/>
-              </a:ext>
-              <a:ext uri="{C183D7F6-B498-43B3-948B-1728B52AA6E4}">
-                <adec:decorative xmlns:adec="http://schemas.microsoft.com/office/drawing/2017/decorative" val="1"/>
-              </a:ext>
-            </a:extLst>
-          </p:cNvPr>
-          <p:cNvSpPr>
-            <a:spLocks noGrp="1" noRot="1" noChangeAspect="1" noMove="1" noResize="1" noEditPoints="1" noAdjustHandles="1" noChangeArrowheads="1" noChangeShapeType="1" noTextEdit="1"/>
-          </p:cNvSpPr>
-          <p:nvPr>
-            <p:extLst>
-              <p:ext uri="{386F3935-93C4-4BCD-93E2-E3B085C9AB24}">
-                <p16:designElem xmlns:p16="http://schemas.microsoft.com/office/powerpoint/2015/main" val="1"/>
-              </p:ext>
-            </p:extLst>
-          </p:nvPr>
-        </p:nvSpPr>
-        <p:spPr>
-          <a:xfrm>
-            <a:off x="481029" y="4546920"/>
-            <a:ext cx="4023360" cy="18288"/>
-          </a:xfrm>
-          <a:prstGeom prst="rect">
-            <a:avLst/>
-          </a:prstGeom>
-          <a:solidFill>
-            <a:schemeClr val="tx2">
-              <a:lumMod val="25000"/>
-              <a:lumOff val="75000"/>
-            </a:schemeClr>
-          </a:solidFill>
-          <a:ln w="3175">
-            <a:noFill/>
-          </a:ln>
-          <a:effectLst/>
-        </p:spPr>
-        <p:style>
-          <a:lnRef idx="2">
-            <a:schemeClr val="accent1">
-              <a:shade val="50000"/>
-            </a:schemeClr>
-          </a:lnRef>
-          <a:fillRef idx="1">
-            <a:schemeClr val="accent1"/>
-          </a:fillRef>
-          <a:effectRef idx="0">
-            <a:schemeClr val="accent1"/>
-          </a:effectRef>
-          <a:fontRef idx="minor">
-            <a:schemeClr val="lt1"/>
-          </a:fontRef>
-        </p:style>
-        <p:txBody>
-          <a:bodyPr rtlCol="0" anchor="ctr"/>
-          <a:lstStyle/>
-          <a:p>
-            <a:pPr marL="0" marR="0" lvl="0" indent="0" algn="ctr" defTabSz="914400" rtl="0" eaLnBrk="1" fontAlgn="auto" latinLnBrk="0" hangingPunct="1">
-              <a:lnSpc>
-                <a:spcPct val="100000"/>
-              </a:lnSpc>
-              <a:spcBef>
-                <a:spcPts val="0"/>
-              </a:spcBef>
-              <a:spcAft>
-                <a:spcPts val="0"/>
-              </a:spcAft>
-              <a:buClrTx/>
-              <a:buSzTx/>
-              <a:buFontTx/>
-              <a:buNone/>
-              <a:tabLst/>
-              <a:defRPr/>
-            </a:pPr>
-            <a:endParaRPr kumimoji="0" lang="en-US" sz="1800" b="0" i="0" u="none" strike="noStrike" kern="1200" cap="none" spc="0" normalizeH="0" baseline="0" noProof="0">
-              <a:ln>
-                <a:noFill/>
-              </a:ln>
-              <a:solidFill>
-                <a:prstClr val="white"/>
-              </a:solidFill>
-              <a:effectLst/>
-              <a:uLnTx/>
-              <a:uFillTx/>
-              <a:latin typeface="Calibri" panose="020F0502020204030204"/>
-              <a:ea typeface="+mn-ea"/>
-              <a:cs typeface="+mn-cs"/>
-            </a:endParaRPr>
-          </a:p>
-        </p:txBody>
-      </p:sp>
       <p:pic>
         <p:nvPicPr>
-          <p:cNvPr id="5" name="Espace réservé du contenu 4" descr="Une image contenant texte&#10;&#10;Description générée automatiquement">
-            <a:extLst>
-              <a:ext uri="{FF2B5EF4-FFF2-40B4-BE49-F238E27FC236}">
-                <a16:creationId xmlns:a16="http://schemas.microsoft.com/office/drawing/2014/main" id="{B7824237-2A3F-D140-8388-D8777D90BCB0}"/>
+          <p:cNvPr id="7" name="Espace réservé du contenu 6" descr="Une image contenant texte&#10;&#10;Description générée automatiquement">
+            <a:extLst>
+              <a:ext uri="{FF2B5EF4-FFF2-40B4-BE49-F238E27FC236}">
+                <a16:creationId xmlns:a16="http://schemas.microsoft.com/office/drawing/2014/main" id="{877AB2A5-F46A-E94B-9EDF-D5A89805BB8D}"/>
               </a:ext>
             </a:extLst>
           </p:cNvPr>
           <p:cNvPicPr>
-            <a:picLocks noGrp="1" noChangeAspect="1"/>
+            <a:picLocks noChangeAspect="1"/>
           </p:cNvPicPr>
-          <p:nvPr>
-            <p:ph idx="1"/>
-          </p:nvPr>
+          <p:nvPr/>
         </p:nvPicPr>
-        <p:blipFill>
+        <p:blipFill rotWithShape="1">
           <a:blip r:embed="rId2"/>
-          <a:stretch>
-            <a:fillRect/>
-          </a:stretch>
+          <a:srcRect t="5595" b="3997"/>
+          <a:stretch/>
         </p:blipFill>
         <p:spPr>
           <a:xfrm>
-            <a:off x="4979322" y="72210"/>
-            <a:ext cx="7061703" cy="6620345"/>
+            <a:off x="5308052" y="10"/>
+            <a:ext cx="6883948" cy="6857990"/>
           </a:xfrm>
-          <a:prstGeom prst="rect">
+          <a:custGeom>
             <a:avLst/>
-          </a:prstGeom>
+            <a:gdLst/>
+            <a:ahLst/>
+            <a:cxnLst/>
+            <a:rect l="l" t="t" r="r" b="b"/>
+            <a:pathLst>
+              <a:path w="6883948" h="6858000">
+                <a:moveTo>
+                  <a:pt x="365648" y="0"/>
+                </a:moveTo>
+                <a:lnTo>
+                  <a:pt x="6883948" y="0"/>
+                </a:lnTo>
+                <a:lnTo>
+                  <a:pt x="6883948" y="6858000"/>
+                </a:lnTo>
+                <a:lnTo>
+                  <a:pt x="365648" y="6858000"/>
+                </a:lnTo>
+                <a:lnTo>
+                  <a:pt x="360213" y="6835050"/>
+                </a:lnTo>
+                <a:cubicBezTo>
+                  <a:pt x="128263" y="5788167"/>
+                  <a:pt x="0" y="4637179"/>
+                  <a:pt x="0" y="3429001"/>
+                </a:cubicBezTo>
+                <a:cubicBezTo>
+                  <a:pt x="0" y="2220824"/>
+                  <a:pt x="128263" y="1069835"/>
+                  <a:pt x="360213" y="22952"/>
+                </a:cubicBezTo>
+                <a:close/>
+              </a:path>
+            </a:pathLst>
+          </a:custGeom>
+          <a:effectLst>
+            <a:outerShdw blurRad="50800" dist="38100" dir="10800000" algn="r" rotWithShape="0">
+              <a:schemeClr val="bg1">
+                <a:lumMod val="85000"/>
+                <a:alpha val="30000"/>
+              </a:schemeClr>
+            </a:outerShdw>
+          </a:effectLst>
         </p:spPr>
       </p:pic>
     </p:spTree>
@@ -10885,7 +10774,7 @@
           <a:p>
             <a:r>
               <a:rPr lang="fr-FR" sz="1200" dirty="0"/>
-              <a:t>Avec Docker Compose, on peut également spécifier le comportement que le container doit adopter dans le cas ou il plante à cause d’une erreur ou s’il s’arrête pour une raison ou pour un autre</a:t>
+              <a:t>Avec Docker Compose, on peut également spécifier le comportement que le container doit adopter dans le cas où il plante à cause d’une erreur ou s’il s’arrête pour une raison ou pour un autre</a:t>
             </a:r>
           </a:p>
           <a:p>
@@ -11666,8 +11555,15 @@
             </a:pPr>
             <a:r>
               <a:rPr lang="fr-FR" sz="1200" dirty="0"/>
-              <a:t>Le TP est disponible sur ce lien</a:t>
-            </a:r>
+              <a:t>Le TP est disponible sur </a:t>
+            </a:r>
+            <a:r>
+              <a:rPr lang="fr-FR" sz="1200" dirty="0">
+                <a:hlinkClick r:id="rId2"/>
+              </a:rPr>
+              <a:t>ce lien</a:t>
+            </a:r>
+            <a:endParaRPr lang="fr-FR" sz="1200" dirty="0"/>
           </a:p>
         </p:txBody>
       </p:sp>
@@ -11706,7 +11602,7 @@
           <p:cNvPr id="2" name="Titre 1">
             <a:extLst>
               <a:ext uri="{FF2B5EF4-FFF2-40B4-BE49-F238E27FC236}">
-                <a16:creationId xmlns:a16="http://schemas.microsoft.com/office/drawing/2014/main" id="{23720B2E-8412-CB43-B222-94CF7309251C}"/>
+                <a16:creationId xmlns:a16="http://schemas.microsoft.com/office/drawing/2014/main" id="{BB13A1BC-7254-9840-9BF3-C8DF24BE0CD2}"/>
               </a:ext>
             </a:extLst>
           </p:cNvPr>
@@ -11719,85 +11615,22 @@
         </p:nvSpPr>
         <p:spPr/>
         <p:txBody>
-          <a:bodyPr/>
-          <a:lstStyle/>
-          <a:p>
-            <a:endParaRPr lang="fr-FR"/>
-          </a:p>
-        </p:txBody>
-      </p:sp>
-      <p:sp>
-        <p:nvSpPr>
-          <p:cNvPr id="3" name="Espace réservé du contenu 2">
-            <a:extLst>
-              <a:ext uri="{FF2B5EF4-FFF2-40B4-BE49-F238E27FC236}">
-                <a16:creationId xmlns:a16="http://schemas.microsoft.com/office/drawing/2014/main" id="{C5271768-5885-2449-A0DA-6B54EA0760B6}"/>
-              </a:ext>
-            </a:extLst>
-          </p:cNvPr>
-          <p:cNvSpPr>
-            <a:spLocks noGrp="1"/>
-          </p:cNvSpPr>
-          <p:nvPr>
-            <p:ph idx="1"/>
-          </p:nvPr>
-        </p:nvSpPr>
-        <p:spPr/>
-        <p:txBody>
-          <a:bodyPr/>
-          <a:lstStyle/>
-          <a:p>
-            <a:r>
-              <a:rPr lang="fr-FR" dirty="0"/>
-              <a:t>Exo (créer une image NodeJs pour lancer un projet express)</a:t>
-            </a:r>
-          </a:p>
-          <a:p>
-            <a:r>
-              <a:rPr lang="fr-FR" dirty="0"/>
-              <a:t>Refourguer le projet </a:t>
-            </a:r>
-            <a:r>
-              <a:rPr lang="fr-FR" dirty="0" err="1"/>
-              <a:t>star_wars</a:t>
-            </a:r>
-            <a:endParaRPr lang="fr-FR" dirty="0"/>
-          </a:p>
-          <a:p>
-            <a:r>
-              <a:rPr lang="fr-FR" dirty="0" err="1"/>
-              <a:t>Dockeriser</a:t>
-            </a:r>
-            <a:r>
-              <a:rPr lang="fr-FR" dirty="0"/>
-              <a:t> le projet avec docker-compose (modifier la connexion à la DB pour utiliser les </a:t>
-            </a:r>
-            <a:r>
-              <a:rPr lang="fr-FR" dirty="0" err="1"/>
-              <a:t>env</a:t>
-            </a:r>
-            <a:r>
-              <a:rPr lang="fr-FR" dirty="0"/>
-              <a:t> du docker-compose)</a:t>
-            </a:r>
-          </a:p>
-          <a:p>
-            <a:r>
-              <a:rPr lang="fr-FR" dirty="0"/>
-              <a:t>Transformer le projet en cluster </a:t>
-            </a:r>
-            <a:r>
-              <a:rPr lang="fr-FR" dirty="0" err="1"/>
-              <a:t>kubernetes</a:t>
-            </a:r>
-            <a:endParaRPr lang="fr-FR" dirty="0"/>
+          <a:bodyPr>
+            <a:normAutofit/>
+          </a:bodyPr>
+          <a:lstStyle/>
+          <a:p>
+            <a:r>
+              <a:rPr lang="fr-FR" sz="4000" dirty="0"/>
+              <a:t>Kubernetes</a:t>
+            </a:r>
           </a:p>
         </p:txBody>
       </p:sp>
     </p:spTree>
     <p:extLst>
       <p:ext uri="{BB962C8B-B14F-4D97-AF65-F5344CB8AC3E}">
-        <p14:creationId xmlns:p14="http://schemas.microsoft.com/office/powerpoint/2010/main" val="2126954354"/>
+        <p14:creationId xmlns:p14="http://schemas.microsoft.com/office/powerpoint/2010/main" val="3010032273"/>
       </p:ext>
     </p:extLst>
   </p:cSld>
@@ -12283,7 +12116,7 @@
           <p:cNvPr id="2" name="Titre 1">
             <a:extLst>
               <a:ext uri="{FF2B5EF4-FFF2-40B4-BE49-F238E27FC236}">
-                <a16:creationId xmlns:a16="http://schemas.microsoft.com/office/drawing/2014/main" id="{C2BDCA75-1104-164A-BCF5-8F65D188CD59}"/>
+                <a16:creationId xmlns:a16="http://schemas.microsoft.com/office/drawing/2014/main" id="{189B7B4F-EC42-8148-B1C8-43810A892074}"/>
               </a:ext>
             </a:extLst>
           </p:cNvPr>
@@ -12292,34 +12125,6 @@
           </p:cNvSpPr>
           <p:nvPr>
             <p:ph type="title"/>
-          </p:nvPr>
-        </p:nvSpPr>
-        <p:spPr/>
-        <p:txBody>
-          <a:bodyPr/>
-          <a:lstStyle/>
-          <a:p>
-            <a:r>
-              <a:rPr lang="fr-FR" dirty="0"/>
-              <a:t>Sommaire deuxième partie</a:t>
-            </a:r>
-          </a:p>
-        </p:txBody>
-      </p:sp>
-      <p:sp>
-        <p:nvSpPr>
-          <p:cNvPr id="3" name="Espace réservé du contenu 2">
-            <a:extLst>
-              <a:ext uri="{FF2B5EF4-FFF2-40B4-BE49-F238E27FC236}">
-                <a16:creationId xmlns:a16="http://schemas.microsoft.com/office/drawing/2014/main" id="{313E1D13-E952-8642-972A-021CF734CC27}"/>
-              </a:ext>
-            </a:extLst>
-          </p:cNvPr>
-          <p:cNvSpPr>
-            <a:spLocks noGrp="1"/>
-          </p:cNvSpPr>
-          <p:nvPr>
-            <p:ph idx="1"/>
           </p:nvPr>
         </p:nvSpPr>
         <p:spPr/>
@@ -12330,87 +12135,41 @@
           <a:lstStyle/>
           <a:p>
             <a:r>
-              <a:rPr lang="fr-FR" sz="1600" dirty="0"/>
+              <a:rPr lang="fr-FR" dirty="0"/>
               <a:t>Qu’est ce que Kubernetes</a:t>
             </a:r>
           </a:p>
-          <a:p>
-            <a:r>
-              <a:rPr lang="fr-FR" sz="1600" dirty="0"/>
-              <a:t>Pourquoi utiliser Kubernetes</a:t>
-            </a:r>
-          </a:p>
-          <a:p>
-            <a:r>
-              <a:rPr lang="fr-FR" sz="1600" dirty="0"/>
-              <a:t>Installer Kubernetes</a:t>
-            </a:r>
-          </a:p>
-          <a:p>
-            <a:r>
-              <a:rPr lang="fr-FR" sz="1600" dirty="0"/>
-              <a:t>Qu’est-ce qu’un </a:t>
-            </a:r>
-            <a:r>
-              <a:rPr lang="fr-FR" sz="1600" dirty="0" err="1"/>
-              <a:t>pod</a:t>
-            </a:r>
-            <a:endParaRPr lang="fr-FR" sz="1600" dirty="0"/>
-          </a:p>
-          <a:p>
-            <a:r>
-              <a:rPr lang="fr-FR" sz="1600" dirty="0"/>
-              <a:t>Qu’est ce qu’un service</a:t>
-            </a:r>
-          </a:p>
-          <a:p>
-            <a:r>
-              <a:rPr lang="fr-FR" sz="1600" dirty="0"/>
-              <a:t>Qu’est ce qu’un </a:t>
-            </a:r>
-            <a:r>
-              <a:rPr lang="fr-FR" sz="1600" dirty="0" err="1"/>
-              <a:t>deployment</a:t>
-            </a:r>
-            <a:endParaRPr lang="fr-FR" sz="1600" dirty="0"/>
-          </a:p>
-          <a:p>
-            <a:r>
-              <a:rPr lang="fr-FR" sz="1600" dirty="0"/>
-              <a:t>App multi containers avec Kubernetes</a:t>
-            </a:r>
-          </a:p>
-          <a:p>
-            <a:r>
-              <a:rPr lang="fr-FR" sz="1600" dirty="0"/>
-              <a:t>Gérer le trafic avec </a:t>
-            </a:r>
-            <a:r>
-              <a:rPr lang="fr-FR" sz="1600" dirty="0" err="1"/>
-              <a:t>Ingress</a:t>
-            </a:r>
-            <a:endParaRPr lang="fr-FR" sz="1600" dirty="0"/>
-          </a:p>
-          <a:p>
-            <a:r>
-              <a:rPr lang="fr-FR" sz="1600" dirty="0"/>
-              <a:t>Déployer une </a:t>
-            </a:r>
-            <a:r>
-              <a:rPr lang="fr-FR" sz="1600" dirty="0" err="1"/>
-              <a:t>app</a:t>
-            </a:r>
-            <a:r>
-              <a:rPr lang="fr-FR" sz="1600" dirty="0"/>
-              <a:t> Kubernetes</a:t>
-            </a:r>
+        </p:txBody>
+      </p:sp>
+      <p:sp>
+        <p:nvSpPr>
+          <p:cNvPr id="3" name="Espace réservé du contenu 2">
+            <a:extLst>
+              <a:ext uri="{FF2B5EF4-FFF2-40B4-BE49-F238E27FC236}">
+                <a16:creationId xmlns:a16="http://schemas.microsoft.com/office/drawing/2014/main" id="{FA04DAE1-B727-084E-A859-8FD4ED81BC64}"/>
+              </a:ext>
+            </a:extLst>
+          </p:cNvPr>
+          <p:cNvSpPr>
+            <a:spLocks noGrp="1"/>
+          </p:cNvSpPr>
+          <p:nvPr>
+            <p:ph idx="1"/>
+          </p:nvPr>
+        </p:nvSpPr>
+        <p:spPr/>
+        <p:txBody>
+          <a:bodyPr/>
+          <a:lstStyle/>
+          <a:p>
+            <a:endParaRPr lang="fr-FR"/>
           </a:p>
         </p:txBody>
       </p:sp>
     </p:spTree>
     <p:extLst>
       <p:ext uri="{BB962C8B-B14F-4D97-AF65-F5344CB8AC3E}">
-        <p14:creationId xmlns:p14="http://schemas.microsoft.com/office/powerpoint/2010/main" val="3804636423"/>
+        <p14:creationId xmlns:p14="http://schemas.microsoft.com/office/powerpoint/2010/main" val="1773393910"/>
       </p:ext>
     </p:extLst>
   </p:cSld>
@@ -12442,7 +12201,7 @@
           <p:cNvPr id="2" name="Titre 1">
             <a:extLst>
               <a:ext uri="{FF2B5EF4-FFF2-40B4-BE49-F238E27FC236}">
-                <a16:creationId xmlns:a16="http://schemas.microsoft.com/office/drawing/2014/main" id="{BB13A1BC-7254-9840-9BF3-C8DF24BE0CD2}"/>
+                <a16:creationId xmlns:a16="http://schemas.microsoft.com/office/drawing/2014/main" id="{18DD65D0-03CD-DF49-B1F8-35CE2A6182D4}"/>
               </a:ext>
             </a:extLst>
           </p:cNvPr>
@@ -12460,15 +12219,40 @@
           <a:p>
             <a:r>
               <a:rPr lang="fr-FR" dirty="0"/>
-              <a:t>Kubernetes</a:t>
-            </a:r>
+              <a:t>Pourquoi Kubernetes</a:t>
+            </a:r>
+          </a:p>
+        </p:txBody>
+      </p:sp>
+      <p:sp>
+        <p:nvSpPr>
+          <p:cNvPr id="3" name="Espace réservé du contenu 2">
+            <a:extLst>
+              <a:ext uri="{FF2B5EF4-FFF2-40B4-BE49-F238E27FC236}">
+                <a16:creationId xmlns:a16="http://schemas.microsoft.com/office/drawing/2014/main" id="{53F6BB81-2BEF-E341-B9E8-B2C06BC9F1FE}"/>
+              </a:ext>
+            </a:extLst>
+          </p:cNvPr>
+          <p:cNvSpPr>
+            <a:spLocks noGrp="1"/>
+          </p:cNvSpPr>
+          <p:nvPr>
+            <p:ph idx="1"/>
+          </p:nvPr>
+        </p:nvSpPr>
+        <p:spPr/>
+        <p:txBody>
+          <a:bodyPr/>
+          <a:lstStyle/>
+          <a:p>
+            <a:endParaRPr lang="fr-FR"/>
           </a:p>
         </p:txBody>
       </p:sp>
     </p:spTree>
     <p:extLst>
       <p:ext uri="{BB962C8B-B14F-4D97-AF65-F5344CB8AC3E}">
-        <p14:creationId xmlns:p14="http://schemas.microsoft.com/office/powerpoint/2010/main" val="3010032273"/>
+        <p14:creationId xmlns:p14="http://schemas.microsoft.com/office/powerpoint/2010/main" val="3725948383"/>
       </p:ext>
     </p:extLst>
   </p:cSld>
@@ -12500,7 +12284,7 @@
           <p:cNvPr id="2" name="Titre 1">
             <a:extLst>
               <a:ext uri="{FF2B5EF4-FFF2-40B4-BE49-F238E27FC236}">
-                <a16:creationId xmlns:a16="http://schemas.microsoft.com/office/drawing/2014/main" id="{189B7B4F-EC42-8148-B1C8-43810A892074}"/>
+                <a16:creationId xmlns:a16="http://schemas.microsoft.com/office/drawing/2014/main" id="{D7F3DB66-8D3D-514C-93D2-4A8116A820E1}"/>
               </a:ext>
             </a:extLst>
           </p:cNvPr>
@@ -12513,14 +12297,12 @@
         </p:nvSpPr>
         <p:spPr/>
         <p:txBody>
-          <a:bodyPr>
-            <a:normAutofit/>
-          </a:bodyPr>
+          <a:bodyPr/>
           <a:lstStyle/>
           <a:p>
             <a:r>
               <a:rPr lang="fr-FR" dirty="0"/>
-              <a:t>Qu’est ce que Kubernetes</a:t>
+              <a:t>Installation</a:t>
             </a:r>
           </a:p>
         </p:txBody>
@@ -12530,7 +12312,7 @@
           <p:cNvPr id="3" name="Espace réservé du contenu 2">
             <a:extLst>
               <a:ext uri="{FF2B5EF4-FFF2-40B4-BE49-F238E27FC236}">
-                <a16:creationId xmlns:a16="http://schemas.microsoft.com/office/drawing/2014/main" id="{FA04DAE1-B727-084E-A859-8FD4ED81BC64}"/>
+                <a16:creationId xmlns:a16="http://schemas.microsoft.com/office/drawing/2014/main" id="{64CB6E40-D37E-3340-94D0-49C94AA5A624}"/>
               </a:ext>
             </a:extLst>
           </p:cNvPr>
@@ -12553,7 +12335,7 @@
     </p:spTree>
     <p:extLst>
       <p:ext uri="{BB962C8B-B14F-4D97-AF65-F5344CB8AC3E}">
-        <p14:creationId xmlns:p14="http://schemas.microsoft.com/office/powerpoint/2010/main" val="1773393910"/>
+        <p14:creationId xmlns:p14="http://schemas.microsoft.com/office/powerpoint/2010/main" val="2461077664"/>
       </p:ext>
     </p:extLst>
   </p:cSld>
@@ -12585,7 +12367,7 @@
           <p:cNvPr id="2" name="Titre 1">
             <a:extLst>
               <a:ext uri="{FF2B5EF4-FFF2-40B4-BE49-F238E27FC236}">
-                <a16:creationId xmlns:a16="http://schemas.microsoft.com/office/drawing/2014/main" id="{18DD65D0-03CD-DF49-B1F8-35CE2A6182D4}"/>
+                <a16:creationId xmlns:a16="http://schemas.microsoft.com/office/drawing/2014/main" id="{C356CBC8-BFB8-0247-8BA8-C7D03B57F189}"/>
               </a:ext>
             </a:extLst>
           </p:cNvPr>
@@ -12602,9 +12384,10 @@
           <a:lstStyle/>
           <a:p>
             <a:r>
-              <a:rPr lang="fr-FR" dirty="0"/>
-              <a:t>Pourquoi Kubernetes</a:t>
-            </a:r>
+              <a:rPr lang="fr-FR" dirty="0" err="1"/>
+              <a:t>Pod</a:t>
+            </a:r>
+            <a:endParaRPr lang="fr-FR" dirty="0"/>
           </a:p>
         </p:txBody>
       </p:sp>
@@ -12613,7 +12396,7 @@
           <p:cNvPr id="3" name="Espace réservé du contenu 2">
             <a:extLst>
               <a:ext uri="{FF2B5EF4-FFF2-40B4-BE49-F238E27FC236}">
-                <a16:creationId xmlns:a16="http://schemas.microsoft.com/office/drawing/2014/main" id="{53F6BB81-2BEF-E341-B9E8-B2C06BC9F1FE}"/>
+                <a16:creationId xmlns:a16="http://schemas.microsoft.com/office/drawing/2014/main" id="{638C7C71-D621-CD45-975B-1A9FE0A690C4}"/>
               </a:ext>
             </a:extLst>
           </p:cNvPr>
@@ -12636,7 +12419,7 @@
     </p:spTree>
     <p:extLst>
       <p:ext uri="{BB962C8B-B14F-4D97-AF65-F5344CB8AC3E}">
-        <p14:creationId xmlns:p14="http://schemas.microsoft.com/office/powerpoint/2010/main" val="3725948383"/>
+        <p14:creationId xmlns:p14="http://schemas.microsoft.com/office/powerpoint/2010/main" val="3321395717"/>
       </p:ext>
     </p:extLst>
   </p:cSld>
@@ -12668,173 +12451,6 @@
           <p:cNvPr id="2" name="Titre 1">
             <a:extLst>
               <a:ext uri="{FF2B5EF4-FFF2-40B4-BE49-F238E27FC236}">
-                <a16:creationId xmlns:a16="http://schemas.microsoft.com/office/drawing/2014/main" id="{D7F3DB66-8D3D-514C-93D2-4A8116A820E1}"/>
-              </a:ext>
-            </a:extLst>
-          </p:cNvPr>
-          <p:cNvSpPr>
-            <a:spLocks noGrp="1"/>
-          </p:cNvSpPr>
-          <p:nvPr>
-            <p:ph type="title"/>
-          </p:nvPr>
-        </p:nvSpPr>
-        <p:spPr/>
-        <p:txBody>
-          <a:bodyPr/>
-          <a:lstStyle/>
-          <a:p>
-            <a:r>
-              <a:rPr lang="fr-FR" dirty="0"/>
-              <a:t>Installation</a:t>
-            </a:r>
-          </a:p>
-        </p:txBody>
-      </p:sp>
-      <p:sp>
-        <p:nvSpPr>
-          <p:cNvPr id="3" name="Espace réservé du contenu 2">
-            <a:extLst>
-              <a:ext uri="{FF2B5EF4-FFF2-40B4-BE49-F238E27FC236}">
-                <a16:creationId xmlns:a16="http://schemas.microsoft.com/office/drawing/2014/main" id="{64CB6E40-D37E-3340-94D0-49C94AA5A624}"/>
-              </a:ext>
-            </a:extLst>
-          </p:cNvPr>
-          <p:cNvSpPr>
-            <a:spLocks noGrp="1"/>
-          </p:cNvSpPr>
-          <p:nvPr>
-            <p:ph idx="1"/>
-          </p:nvPr>
-        </p:nvSpPr>
-        <p:spPr/>
-        <p:txBody>
-          <a:bodyPr/>
-          <a:lstStyle/>
-          <a:p>
-            <a:endParaRPr lang="fr-FR"/>
-          </a:p>
-        </p:txBody>
-      </p:sp>
-    </p:spTree>
-    <p:extLst>
-      <p:ext uri="{BB962C8B-B14F-4D97-AF65-F5344CB8AC3E}">
-        <p14:creationId xmlns:p14="http://schemas.microsoft.com/office/powerpoint/2010/main" val="2461077664"/>
-      </p:ext>
-    </p:extLst>
-  </p:cSld>
-  <p:clrMapOvr>
-    <a:masterClrMapping/>
-  </p:clrMapOvr>
-</p:sld>
-</file>
-
-<file path=ppt/slides/slide35.xml><?xml version="1.0" encoding="utf-8"?>
-<p:sld xmlns:a="http://schemas.openxmlformats.org/drawingml/2006/main" xmlns:r="http://schemas.openxmlformats.org/officeDocument/2006/relationships" xmlns:p="http://schemas.openxmlformats.org/presentationml/2006/main">
-  <p:cSld>
-    <p:spTree>
-      <p:nvGrpSpPr>
-        <p:cNvPr id="1" name=""/>
-        <p:cNvGrpSpPr/>
-        <p:nvPr/>
-      </p:nvGrpSpPr>
-      <p:grpSpPr>
-        <a:xfrm>
-          <a:off x="0" y="0"/>
-          <a:ext cx="0" cy="0"/>
-          <a:chOff x="0" y="0"/>
-          <a:chExt cx="0" cy="0"/>
-        </a:xfrm>
-      </p:grpSpPr>
-      <p:sp>
-        <p:nvSpPr>
-          <p:cNvPr id="2" name="Titre 1">
-            <a:extLst>
-              <a:ext uri="{FF2B5EF4-FFF2-40B4-BE49-F238E27FC236}">
-                <a16:creationId xmlns:a16="http://schemas.microsoft.com/office/drawing/2014/main" id="{C356CBC8-BFB8-0247-8BA8-C7D03B57F189}"/>
-              </a:ext>
-            </a:extLst>
-          </p:cNvPr>
-          <p:cNvSpPr>
-            <a:spLocks noGrp="1"/>
-          </p:cNvSpPr>
-          <p:nvPr>
-            <p:ph type="title"/>
-          </p:nvPr>
-        </p:nvSpPr>
-        <p:spPr/>
-        <p:txBody>
-          <a:bodyPr/>
-          <a:lstStyle/>
-          <a:p>
-            <a:r>
-              <a:rPr lang="fr-FR" dirty="0" err="1"/>
-              <a:t>Pod</a:t>
-            </a:r>
-            <a:endParaRPr lang="fr-FR" dirty="0"/>
-          </a:p>
-        </p:txBody>
-      </p:sp>
-      <p:sp>
-        <p:nvSpPr>
-          <p:cNvPr id="3" name="Espace réservé du contenu 2">
-            <a:extLst>
-              <a:ext uri="{FF2B5EF4-FFF2-40B4-BE49-F238E27FC236}">
-                <a16:creationId xmlns:a16="http://schemas.microsoft.com/office/drawing/2014/main" id="{638C7C71-D621-CD45-975B-1A9FE0A690C4}"/>
-              </a:ext>
-            </a:extLst>
-          </p:cNvPr>
-          <p:cNvSpPr>
-            <a:spLocks noGrp="1"/>
-          </p:cNvSpPr>
-          <p:nvPr>
-            <p:ph idx="1"/>
-          </p:nvPr>
-        </p:nvSpPr>
-        <p:spPr/>
-        <p:txBody>
-          <a:bodyPr/>
-          <a:lstStyle/>
-          <a:p>
-            <a:endParaRPr lang="fr-FR"/>
-          </a:p>
-        </p:txBody>
-      </p:sp>
-    </p:spTree>
-    <p:extLst>
-      <p:ext uri="{BB962C8B-B14F-4D97-AF65-F5344CB8AC3E}">
-        <p14:creationId xmlns:p14="http://schemas.microsoft.com/office/powerpoint/2010/main" val="3321395717"/>
-      </p:ext>
-    </p:extLst>
-  </p:cSld>
-  <p:clrMapOvr>
-    <a:masterClrMapping/>
-  </p:clrMapOvr>
-</p:sld>
-</file>
-
-<file path=ppt/slides/slide36.xml><?xml version="1.0" encoding="utf-8"?>
-<p:sld xmlns:a="http://schemas.openxmlformats.org/drawingml/2006/main" xmlns:r="http://schemas.openxmlformats.org/officeDocument/2006/relationships" xmlns:p="http://schemas.openxmlformats.org/presentationml/2006/main">
-  <p:cSld>
-    <p:spTree>
-      <p:nvGrpSpPr>
-        <p:cNvPr id="1" name=""/>
-        <p:cNvGrpSpPr/>
-        <p:nvPr/>
-      </p:nvGrpSpPr>
-      <p:grpSpPr>
-        <a:xfrm>
-          <a:off x="0" y="0"/>
-          <a:ext cx="0" cy="0"/>
-          <a:chOff x="0" y="0"/>
-          <a:chExt cx="0" cy="0"/>
-        </a:xfrm>
-      </p:grpSpPr>
-      <p:sp>
-        <p:nvSpPr>
-          <p:cNvPr id="2" name="Titre 1">
-            <a:extLst>
-              <a:ext uri="{FF2B5EF4-FFF2-40B4-BE49-F238E27FC236}">
                 <a16:creationId xmlns:a16="http://schemas.microsoft.com/office/drawing/2014/main" id="{8185F0AD-8C11-1B4E-AACE-96333D865C09}"/>
               </a:ext>
             </a:extLst>
@@ -12871,7 +12487,7 @@
 </p:sld>
 </file>
 
-<file path=ppt/slides/slide37.xml><?xml version="1.0" encoding="utf-8"?>
+<file path=ppt/slides/slide35.xml><?xml version="1.0" encoding="utf-8"?>
 <p:sld xmlns:a="http://schemas.openxmlformats.org/drawingml/2006/main" xmlns:r="http://schemas.openxmlformats.org/officeDocument/2006/relationships" xmlns:p="http://schemas.openxmlformats.org/presentationml/2006/main">
   <p:cSld>
     <p:spTree>
@@ -13342,7 +12958,7 @@
           <a:lstStyle/>
           <a:p>
             <a:r>
-              <a:rPr lang="en-US" sz="8000" dirty="0"/>
+              <a:rPr lang="en-US" sz="4000" dirty="0"/>
               <a:t>Docker</a:t>
             </a:r>
           </a:p>

--- a/Cours/Cours.pptx
+++ b/Cours/Cours.pptx
@@ -36,10 +36,11 @@
     <p:sldId id="286" r:id="rId30"/>
     <p:sldId id="274" r:id="rId31"/>
     <p:sldId id="275" r:id="rId32"/>
-    <p:sldId id="276" r:id="rId33"/>
-    <p:sldId id="277" r:id="rId34"/>
-    <p:sldId id="287" r:id="rId35"/>
-    <p:sldId id="288" r:id="rId36"/>
+    <p:sldId id="310" r:id="rId33"/>
+    <p:sldId id="311" r:id="rId34"/>
+    <p:sldId id="276" r:id="rId35"/>
+    <p:sldId id="287" r:id="rId36"/>
+    <p:sldId id="288" r:id="rId37"/>
   </p:sldIdLst>
   <p:sldSz cx="12192000" cy="6858000"/>
   <p:notesSz cx="6858000" cy="9144000"/>
@@ -9867,6 +9868,14 @@
 <file path=ppt/slides/slide23.xml><?xml version="1.0" encoding="utf-8"?>
 <p:sld xmlns:a="http://schemas.openxmlformats.org/drawingml/2006/main" xmlns:r="http://schemas.openxmlformats.org/officeDocument/2006/relationships" xmlns:p="http://schemas.openxmlformats.org/presentationml/2006/main">
   <p:cSld>
+    <p:bg>
+      <p:bgPr>
+        <a:solidFill>
+          <a:schemeClr val="bg1"/>
+        </a:solidFill>
+        <a:effectLst/>
+      </p:bgPr>
+    </p:bg>
     <p:spTree>
       <p:nvGrpSpPr>
         <p:cNvPr id="1" name=""/>
@@ -9883,6 +9892,592 @@
       </p:grpSpPr>
       <p:sp>
         <p:nvSpPr>
+          <p:cNvPr id="10" name="Rectangle 9">
+            <a:extLst>
+              <a:ext uri="{FF2B5EF4-FFF2-40B4-BE49-F238E27FC236}">
+                <a16:creationId xmlns:a16="http://schemas.microsoft.com/office/drawing/2014/main" id="{8D06CE56-3881-4ADA-8CEF-D18B02C242A3}"/>
+              </a:ext>
+              <a:ext uri="{C183D7F6-B498-43B3-948B-1728B52AA6E4}">
+                <adec:decorative xmlns:adec="http://schemas.microsoft.com/office/drawing/2017/decorative" val="1"/>
+              </a:ext>
+            </a:extLst>
+          </p:cNvPr>
+          <p:cNvSpPr>
+            <a:spLocks noGrp="1" noRot="1" noChangeAspect="1" noMove="1" noResize="1" noEditPoints="1" noAdjustHandles="1" noChangeArrowheads="1" noChangeShapeType="1" noTextEdit="1"/>
+          </p:cNvSpPr>
+          <p:nvPr>
+            <p:extLst>
+              <p:ext uri="{386F3935-93C4-4BCD-93E2-E3B085C9AB24}">
+                <p16:designElem xmlns:p16="http://schemas.microsoft.com/office/powerpoint/2015/main" val="1"/>
+              </p:ext>
+            </p:extLst>
+          </p:nvPr>
+        </p:nvSpPr>
+        <p:spPr>
+          <a:xfrm rot="5400000">
+            <a:off x="857544" y="346791"/>
+            <a:ext cx="146304" cy="704088"/>
+          </a:xfrm>
+          <a:prstGeom prst="rect">
+            <a:avLst/>
+          </a:prstGeom>
+          <a:solidFill>
+            <a:schemeClr val="accent1"/>
+          </a:solidFill>
+          <a:ln>
+            <a:noFill/>
+          </a:ln>
+        </p:spPr>
+        <p:style>
+          <a:lnRef idx="2">
+            <a:schemeClr val="accent1">
+              <a:shade val="50000"/>
+            </a:schemeClr>
+          </a:lnRef>
+          <a:fillRef idx="1">
+            <a:schemeClr val="accent1"/>
+          </a:fillRef>
+          <a:effectRef idx="0">
+            <a:schemeClr val="accent1"/>
+          </a:effectRef>
+          <a:fontRef idx="minor">
+            <a:schemeClr val="lt1"/>
+          </a:fontRef>
+        </p:style>
+        <p:txBody>
+          <a:bodyPr rtlCol="0" anchor="ctr"/>
+          <a:lstStyle/>
+          <a:p>
+            <a:pPr marL="0" marR="0" lvl="0" indent="0" algn="ctr" defTabSz="914400" rtl="0" eaLnBrk="1" fontAlgn="auto" latinLnBrk="0" hangingPunct="1">
+              <a:lnSpc>
+                <a:spcPct val="100000"/>
+              </a:lnSpc>
+              <a:spcBef>
+                <a:spcPts val="0"/>
+              </a:spcBef>
+              <a:spcAft>
+                <a:spcPts val="0"/>
+              </a:spcAft>
+              <a:buClrTx/>
+              <a:buSzTx/>
+              <a:buFontTx/>
+              <a:buNone/>
+              <a:tabLst/>
+              <a:defRPr/>
+            </a:pPr>
+            <a:endParaRPr kumimoji="0" lang="en-US" sz="1800" b="0" i="0" u="none" strike="noStrike" kern="1200" cap="none" spc="0" normalizeH="0" baseline="0" noProof="0">
+              <a:ln>
+                <a:noFill/>
+              </a:ln>
+              <a:solidFill>
+                <a:prstClr val="white"/>
+              </a:solidFill>
+              <a:effectLst/>
+              <a:uLnTx/>
+              <a:uFillTx/>
+              <a:latin typeface="Calibri" panose="020F0502020204030204"/>
+              <a:ea typeface="+mn-ea"/>
+              <a:cs typeface="+mn-cs"/>
+            </a:endParaRPr>
+          </a:p>
+        </p:txBody>
+      </p:sp>
+      <p:sp>
+        <p:nvSpPr>
+          <p:cNvPr id="12" name="Rectangle 11">
+            <a:extLst>
+              <a:ext uri="{FF2B5EF4-FFF2-40B4-BE49-F238E27FC236}">
+                <a16:creationId xmlns:a16="http://schemas.microsoft.com/office/drawing/2014/main" id="{79F3C543-62EC-4433-9C93-A2CD8764E9B4}"/>
+              </a:ext>
+              <a:ext uri="{C183D7F6-B498-43B3-948B-1728B52AA6E4}">
+                <adec:decorative xmlns:adec="http://schemas.microsoft.com/office/drawing/2017/decorative" val="1"/>
+              </a:ext>
+            </a:extLst>
+          </p:cNvPr>
+          <p:cNvSpPr>
+            <a:spLocks noGrp="1" noRot="1" noChangeAspect="1" noMove="1" noResize="1" noEditPoints="1" noAdjustHandles="1" noChangeArrowheads="1" noChangeShapeType="1" noTextEdit="1"/>
+          </p:cNvSpPr>
+          <p:nvPr>
+            <p:extLst>
+              <p:ext uri="{386F3935-93C4-4BCD-93E2-E3B085C9AB24}">
+                <p16:designElem xmlns:p16="http://schemas.microsoft.com/office/powerpoint/2015/main" val="1"/>
+              </p:ext>
+            </p:extLst>
+          </p:nvPr>
+        </p:nvSpPr>
+        <p:spPr>
+          <a:xfrm flipV="1">
+            <a:off x="578652" y="4501201"/>
+            <a:ext cx="11034696" cy="18288"/>
+          </a:xfrm>
+          <a:prstGeom prst="rect">
+            <a:avLst/>
+          </a:prstGeom>
+          <a:solidFill>
+            <a:schemeClr val="tx2">
+              <a:lumMod val="25000"/>
+              <a:lumOff val="75000"/>
+            </a:schemeClr>
+          </a:solidFill>
+          <a:ln w="3175">
+            <a:noFill/>
+          </a:ln>
+          <a:effectLst/>
+        </p:spPr>
+        <p:style>
+          <a:lnRef idx="2">
+            <a:schemeClr val="accent1">
+              <a:shade val="50000"/>
+            </a:schemeClr>
+          </a:lnRef>
+          <a:fillRef idx="1">
+            <a:schemeClr val="accent1"/>
+          </a:fillRef>
+          <a:effectRef idx="0">
+            <a:schemeClr val="accent1"/>
+          </a:effectRef>
+          <a:fontRef idx="minor">
+            <a:schemeClr val="lt1"/>
+          </a:fontRef>
+        </p:style>
+        <p:txBody>
+          <a:bodyPr rtlCol="0" anchor="ctr"/>
+          <a:lstStyle/>
+          <a:p>
+            <a:pPr marL="0" marR="0" lvl="0" indent="0" algn="ctr" defTabSz="914400" rtl="0" eaLnBrk="1" fontAlgn="auto" latinLnBrk="0" hangingPunct="1">
+              <a:lnSpc>
+                <a:spcPct val="100000"/>
+              </a:lnSpc>
+              <a:spcBef>
+                <a:spcPts val="0"/>
+              </a:spcBef>
+              <a:spcAft>
+                <a:spcPts val="0"/>
+              </a:spcAft>
+              <a:buClrTx/>
+              <a:buSzTx/>
+              <a:buFontTx/>
+              <a:buNone/>
+              <a:tabLst/>
+              <a:defRPr/>
+            </a:pPr>
+            <a:endParaRPr kumimoji="0" lang="en-US" sz="1800" b="0" i="0" u="none" strike="noStrike" kern="1200" cap="none" spc="0" normalizeH="0" baseline="0" noProof="0">
+              <a:ln>
+                <a:noFill/>
+              </a:ln>
+              <a:solidFill>
+                <a:prstClr val="white"/>
+              </a:solidFill>
+              <a:effectLst/>
+              <a:uLnTx/>
+              <a:uFillTx/>
+              <a:latin typeface="Calibri" panose="020F0502020204030204"/>
+              <a:ea typeface="+mn-ea"/>
+              <a:cs typeface="+mn-cs"/>
+            </a:endParaRPr>
+          </a:p>
+        </p:txBody>
+      </p:sp>
+      <p:sp useBgFill="1">
+        <p:nvSpPr>
+          <p:cNvPr id="14" name="Rectangle 13">
+            <a:extLst>
+              <a:ext uri="{FF2B5EF4-FFF2-40B4-BE49-F238E27FC236}">
+                <a16:creationId xmlns:a16="http://schemas.microsoft.com/office/drawing/2014/main" id="{5DCB5928-DC7D-4612-9922-441966E15627}"/>
+              </a:ext>
+              <a:ext uri="{C183D7F6-B498-43B3-948B-1728B52AA6E4}">
+                <adec:decorative xmlns:adec="http://schemas.microsoft.com/office/drawing/2017/decorative" val="1"/>
+              </a:ext>
+            </a:extLst>
+          </p:cNvPr>
+          <p:cNvSpPr>
+            <a:spLocks noGrp="1" noRot="1" noChangeAspect="1" noMove="1" noResize="1" noEditPoints="1" noAdjustHandles="1" noChangeArrowheads="1" noChangeShapeType="1" noTextEdit="1"/>
+          </p:cNvSpPr>
+          <p:nvPr>
+            <p:extLst>
+              <p:ext uri="{386F3935-93C4-4BCD-93E2-E3B085C9AB24}">
+                <p16:designElem xmlns:p16="http://schemas.microsoft.com/office/powerpoint/2015/main" val="1"/>
+              </p:ext>
+            </p:extLst>
+          </p:nvPr>
+        </p:nvSpPr>
+        <p:spPr>
+          <a:xfrm>
+            <a:off x="0" y="0"/>
+            <a:ext cx="12192000" cy="6858000"/>
+          </a:xfrm>
+          <a:prstGeom prst="rect">
+            <a:avLst/>
+          </a:prstGeom>
+          <a:ln>
+            <a:noFill/>
+          </a:ln>
+        </p:spPr>
+        <p:style>
+          <a:lnRef idx="2">
+            <a:schemeClr val="accent1">
+              <a:shade val="50000"/>
+            </a:schemeClr>
+          </a:lnRef>
+          <a:fillRef idx="1">
+            <a:schemeClr val="accent1"/>
+          </a:fillRef>
+          <a:effectRef idx="0">
+            <a:schemeClr val="accent1"/>
+          </a:effectRef>
+          <a:fontRef idx="minor">
+            <a:schemeClr val="lt1"/>
+          </a:fontRef>
+        </p:style>
+        <p:txBody>
+          <a:bodyPr rtlCol="0" anchor="ctr"/>
+          <a:lstStyle/>
+          <a:p>
+            <a:pPr algn="ctr"/>
+            <a:endParaRPr lang="en-US"/>
+          </a:p>
+        </p:txBody>
+      </p:sp>
+      <p:sp useBgFill="1">
+        <p:nvSpPr>
+          <p:cNvPr id="16" name="Freeform: Shape 15">
+            <a:extLst>
+              <a:ext uri="{FF2B5EF4-FFF2-40B4-BE49-F238E27FC236}">
+                <a16:creationId xmlns:a16="http://schemas.microsoft.com/office/drawing/2014/main" id="{682C1161-1736-45EC-99B7-33F3CAE9D517}"/>
+              </a:ext>
+              <a:ext uri="{C183D7F6-B498-43B3-948B-1728B52AA6E4}">
+                <adec:decorative xmlns:adec="http://schemas.microsoft.com/office/drawing/2017/decorative" val="1"/>
+              </a:ext>
+            </a:extLst>
+          </p:cNvPr>
+          <p:cNvSpPr>
+            <a:spLocks noGrp="1" noRot="1" noChangeAspect="1" noMove="1" noResize="1" noEditPoints="1" noAdjustHandles="1" noChangeArrowheads="1" noChangeShapeType="1" noTextEdit="1"/>
+          </p:cNvSpPr>
+          <p:nvPr>
+            <p:extLst>
+              <p:ext uri="{386F3935-93C4-4BCD-93E2-E3B085C9AB24}">
+                <p16:designElem xmlns:p16="http://schemas.microsoft.com/office/powerpoint/2015/main" val="1"/>
+              </p:ext>
+            </p:extLst>
+          </p:nvPr>
+        </p:nvSpPr>
+        <p:spPr>
+          <a:xfrm>
+            <a:off x="0" y="0"/>
+            <a:ext cx="4959047" cy="6858000"/>
+          </a:xfrm>
+          <a:custGeom>
+            <a:avLst/>
+            <a:gdLst>
+              <a:gd name="connsiteX0" fmla="*/ 0 w 4959047"/>
+              <a:gd name="connsiteY0" fmla="*/ 0 h 6858000"/>
+              <a:gd name="connsiteX1" fmla="*/ 4110127 w 4959047"/>
+              <a:gd name="connsiteY1" fmla="*/ 0 h 6858000"/>
+              <a:gd name="connsiteX2" fmla="*/ 4179024 w 4959047"/>
+              <a:gd name="connsiteY2" fmla="*/ 123368 h 6858000"/>
+              <a:gd name="connsiteX3" fmla="*/ 4959047 w 4959047"/>
+              <a:gd name="connsiteY3" fmla="*/ 3429000 h 6858000"/>
+              <a:gd name="connsiteX4" fmla="*/ 4179024 w 4959047"/>
+              <a:gd name="connsiteY4" fmla="*/ 6734633 h 6858000"/>
+              <a:gd name="connsiteX5" fmla="*/ 4110127 w 4959047"/>
+              <a:gd name="connsiteY5" fmla="*/ 6858000 h 6858000"/>
+              <a:gd name="connsiteX6" fmla="*/ 0 w 4959047"/>
+              <a:gd name="connsiteY6" fmla="*/ 6858000 h 6858000"/>
+            </a:gdLst>
+            <a:ahLst/>
+            <a:cxnLst>
+              <a:cxn ang="0">
+                <a:pos x="connsiteX0" y="connsiteY0"/>
+              </a:cxn>
+              <a:cxn ang="0">
+                <a:pos x="connsiteX1" y="connsiteY1"/>
+              </a:cxn>
+              <a:cxn ang="0">
+                <a:pos x="connsiteX2" y="connsiteY2"/>
+              </a:cxn>
+              <a:cxn ang="0">
+                <a:pos x="connsiteX3" y="connsiteY3"/>
+              </a:cxn>
+              <a:cxn ang="0">
+                <a:pos x="connsiteX4" y="connsiteY4"/>
+              </a:cxn>
+              <a:cxn ang="0">
+                <a:pos x="connsiteX5" y="connsiteY5"/>
+              </a:cxn>
+              <a:cxn ang="0">
+                <a:pos x="connsiteX6" y="connsiteY6"/>
+              </a:cxn>
+            </a:cxnLst>
+            <a:rect l="l" t="t" r="r" b="b"/>
+            <a:pathLst>
+              <a:path w="4959047" h="6858000">
+                <a:moveTo>
+                  <a:pt x="0" y="0"/>
+                </a:moveTo>
+                <a:lnTo>
+                  <a:pt x="4110127" y="0"/>
+                </a:lnTo>
+                <a:lnTo>
+                  <a:pt x="4179024" y="123368"/>
+                </a:lnTo>
+                <a:cubicBezTo>
+                  <a:pt x="4668929" y="1045156"/>
+                  <a:pt x="4959047" y="2189404"/>
+                  <a:pt x="4959047" y="3429000"/>
+                </a:cubicBezTo>
+                <a:cubicBezTo>
+                  <a:pt x="4959047" y="4668597"/>
+                  <a:pt x="4668929" y="5812845"/>
+                  <a:pt x="4179024" y="6734633"/>
+                </a:cubicBezTo>
+                <a:lnTo>
+                  <a:pt x="4110127" y="6858000"/>
+                </a:lnTo>
+                <a:lnTo>
+                  <a:pt x="0" y="6858000"/>
+                </a:lnTo>
+                <a:close/>
+              </a:path>
+            </a:pathLst>
+          </a:custGeom>
+          <a:ln w="9525">
+            <a:solidFill>
+              <a:schemeClr val="tx2">
+                <a:lumMod val="10000"/>
+                <a:lumOff val="90000"/>
+              </a:schemeClr>
+            </a:solidFill>
+          </a:ln>
+          <a:effectLst>
+            <a:outerShdw blurRad="50800" dist="38100" algn="l" rotWithShape="0">
+              <a:schemeClr val="bg1">
+                <a:lumMod val="85000"/>
+                <a:alpha val="30000"/>
+              </a:schemeClr>
+            </a:outerShdw>
+          </a:effectLst>
+        </p:spPr>
+        <p:style>
+          <a:lnRef idx="2">
+            <a:schemeClr val="accent1">
+              <a:shade val="50000"/>
+            </a:schemeClr>
+          </a:lnRef>
+          <a:fillRef idx="1">
+            <a:schemeClr val="accent1"/>
+          </a:fillRef>
+          <a:effectRef idx="0">
+            <a:schemeClr val="accent1"/>
+          </a:effectRef>
+          <a:fontRef idx="minor">
+            <a:schemeClr val="lt1"/>
+          </a:fontRef>
+        </p:style>
+        <p:txBody>
+          <a:bodyPr wrap="square" rtlCol="0" anchor="ctr">
+            <a:noAutofit/>
+          </a:bodyPr>
+          <a:lstStyle/>
+          <a:p>
+            <a:pPr marL="0" marR="0" lvl="0" indent="0" algn="ctr" defTabSz="914400" rtl="0" eaLnBrk="1" fontAlgn="auto" latinLnBrk="0" hangingPunct="1">
+              <a:lnSpc>
+                <a:spcPct val="100000"/>
+              </a:lnSpc>
+              <a:spcBef>
+                <a:spcPts val="0"/>
+              </a:spcBef>
+              <a:spcAft>
+                <a:spcPts val="0"/>
+              </a:spcAft>
+              <a:buClrTx/>
+              <a:buSzTx/>
+              <a:buFontTx/>
+              <a:buNone/>
+              <a:tabLst/>
+              <a:defRPr/>
+            </a:pPr>
+            <a:endParaRPr kumimoji="0" lang="en-US" sz="1800" b="0" i="0" u="none" strike="noStrike" kern="1200" cap="none" spc="0" normalizeH="0" baseline="0" noProof="0">
+              <a:ln>
+                <a:noFill/>
+              </a:ln>
+              <a:solidFill>
+                <a:prstClr val="white"/>
+              </a:solidFill>
+              <a:effectLst/>
+              <a:uLnTx/>
+              <a:uFillTx/>
+              <a:latin typeface="Calibri" panose="020F0502020204030204"/>
+              <a:ea typeface="+mn-ea"/>
+              <a:cs typeface="+mn-cs"/>
+            </a:endParaRPr>
+          </a:p>
+        </p:txBody>
+      </p:sp>
+      <p:sp useBgFill="1">
+        <p:nvSpPr>
+          <p:cNvPr id="18" name="Freeform: Shape 17">
+            <a:extLst>
+              <a:ext uri="{FF2B5EF4-FFF2-40B4-BE49-F238E27FC236}">
+                <a16:creationId xmlns:a16="http://schemas.microsoft.com/office/drawing/2014/main" id="{84D4DDB8-B68F-45B0-9F62-C4279996F672}"/>
+              </a:ext>
+              <a:ext uri="{C183D7F6-B498-43B3-948B-1728B52AA6E4}">
+                <adec:decorative xmlns:adec="http://schemas.microsoft.com/office/drawing/2017/decorative" val="1"/>
+              </a:ext>
+            </a:extLst>
+          </p:cNvPr>
+          <p:cNvSpPr>
+            <a:spLocks noGrp="1" noRot="1" noChangeAspect="1" noMove="1" noResize="1" noEditPoints="1" noAdjustHandles="1" noChangeArrowheads="1" noChangeShapeType="1" noTextEdit="1"/>
+          </p:cNvSpPr>
+          <p:nvPr>
+            <p:extLst>
+              <p:ext uri="{386F3935-93C4-4BCD-93E2-E3B085C9AB24}">
+                <p16:designElem xmlns:p16="http://schemas.microsoft.com/office/powerpoint/2015/main" val="1"/>
+              </p:ext>
+            </p:extLst>
+          </p:nvPr>
+        </p:nvSpPr>
+        <p:spPr>
+          <a:xfrm>
+            <a:off x="0" y="0"/>
+            <a:ext cx="4948887" cy="6858000"/>
+          </a:xfrm>
+          <a:custGeom>
+            <a:avLst/>
+            <a:gdLst>
+              <a:gd name="connsiteX0" fmla="*/ 0 w 4948887"/>
+              <a:gd name="connsiteY0" fmla="*/ 0 h 6858000"/>
+              <a:gd name="connsiteX1" fmla="*/ 4099967 w 4948887"/>
+              <a:gd name="connsiteY1" fmla="*/ 0 h 6858000"/>
+              <a:gd name="connsiteX2" fmla="*/ 4168864 w 4948887"/>
+              <a:gd name="connsiteY2" fmla="*/ 123368 h 6858000"/>
+              <a:gd name="connsiteX3" fmla="*/ 4948887 w 4948887"/>
+              <a:gd name="connsiteY3" fmla="*/ 3429000 h 6858000"/>
+              <a:gd name="connsiteX4" fmla="*/ 4168864 w 4948887"/>
+              <a:gd name="connsiteY4" fmla="*/ 6734633 h 6858000"/>
+              <a:gd name="connsiteX5" fmla="*/ 4099967 w 4948887"/>
+              <a:gd name="connsiteY5" fmla="*/ 6858000 h 6858000"/>
+              <a:gd name="connsiteX6" fmla="*/ 0 w 4948887"/>
+              <a:gd name="connsiteY6" fmla="*/ 6858000 h 6858000"/>
+            </a:gdLst>
+            <a:ahLst/>
+            <a:cxnLst>
+              <a:cxn ang="0">
+                <a:pos x="connsiteX0" y="connsiteY0"/>
+              </a:cxn>
+              <a:cxn ang="0">
+                <a:pos x="connsiteX1" y="connsiteY1"/>
+              </a:cxn>
+              <a:cxn ang="0">
+                <a:pos x="connsiteX2" y="connsiteY2"/>
+              </a:cxn>
+              <a:cxn ang="0">
+                <a:pos x="connsiteX3" y="connsiteY3"/>
+              </a:cxn>
+              <a:cxn ang="0">
+                <a:pos x="connsiteX4" y="connsiteY4"/>
+              </a:cxn>
+              <a:cxn ang="0">
+                <a:pos x="connsiteX5" y="connsiteY5"/>
+              </a:cxn>
+              <a:cxn ang="0">
+                <a:pos x="connsiteX6" y="connsiteY6"/>
+              </a:cxn>
+            </a:cxnLst>
+            <a:rect l="l" t="t" r="r" b="b"/>
+            <a:pathLst>
+              <a:path w="4948887" h="6858000">
+                <a:moveTo>
+                  <a:pt x="0" y="0"/>
+                </a:moveTo>
+                <a:lnTo>
+                  <a:pt x="4099967" y="0"/>
+                </a:lnTo>
+                <a:lnTo>
+                  <a:pt x="4168864" y="123368"/>
+                </a:lnTo>
+                <a:cubicBezTo>
+                  <a:pt x="4658769" y="1045156"/>
+                  <a:pt x="4948887" y="2189404"/>
+                  <a:pt x="4948887" y="3429000"/>
+                </a:cubicBezTo>
+                <a:cubicBezTo>
+                  <a:pt x="4948887" y="4668597"/>
+                  <a:pt x="4658769" y="5812845"/>
+                  <a:pt x="4168864" y="6734633"/>
+                </a:cubicBezTo>
+                <a:lnTo>
+                  <a:pt x="4099967" y="6858000"/>
+                </a:lnTo>
+                <a:lnTo>
+                  <a:pt x="0" y="6858000"/>
+                </a:lnTo>
+                <a:close/>
+              </a:path>
+            </a:pathLst>
+          </a:custGeom>
+          <a:ln w="9525">
+            <a:noFill/>
+          </a:ln>
+          <a:effectLst/>
+        </p:spPr>
+        <p:style>
+          <a:lnRef idx="2">
+            <a:schemeClr val="accent1">
+              <a:shade val="50000"/>
+            </a:schemeClr>
+          </a:lnRef>
+          <a:fillRef idx="1">
+            <a:schemeClr val="accent1"/>
+          </a:fillRef>
+          <a:effectRef idx="0">
+            <a:schemeClr val="accent1"/>
+          </a:effectRef>
+          <a:fontRef idx="minor">
+            <a:schemeClr val="lt1"/>
+          </a:fontRef>
+        </p:style>
+        <p:txBody>
+          <a:bodyPr wrap="square" rtlCol="0" anchor="ctr">
+            <a:noAutofit/>
+          </a:bodyPr>
+          <a:lstStyle/>
+          <a:p>
+            <a:pPr marL="0" marR="0" lvl="0" indent="0" algn="ctr" defTabSz="914400" rtl="0" eaLnBrk="1" fontAlgn="auto" latinLnBrk="0" hangingPunct="1">
+              <a:lnSpc>
+                <a:spcPct val="100000"/>
+              </a:lnSpc>
+              <a:spcBef>
+                <a:spcPts val="0"/>
+              </a:spcBef>
+              <a:spcAft>
+                <a:spcPts val="0"/>
+              </a:spcAft>
+              <a:buClrTx/>
+              <a:buSzTx/>
+              <a:buFontTx/>
+              <a:buNone/>
+              <a:tabLst/>
+              <a:defRPr/>
+            </a:pPr>
+            <a:endParaRPr kumimoji="0" lang="en-US" sz="1800" b="0" i="0" u="none" strike="noStrike" kern="1200" cap="none" spc="0" normalizeH="0" baseline="0" noProof="0">
+              <a:ln>
+                <a:noFill/>
+              </a:ln>
+              <a:solidFill>
+                <a:prstClr val="white"/>
+              </a:solidFill>
+              <a:effectLst/>
+              <a:uLnTx/>
+              <a:uFillTx/>
+              <a:latin typeface="Calibri" panose="020F0502020204030204"/>
+              <a:ea typeface="+mn-ea"/>
+              <a:cs typeface="+mn-cs"/>
+            </a:endParaRPr>
+          </a:p>
+        </p:txBody>
+      </p:sp>
+      <p:sp>
+        <p:nvSpPr>
           <p:cNvPr id="2" name="Titre 1">
             <a:extLst>
               <a:ext uri="{FF2B5EF4-FFF2-40B4-BE49-F238E27FC236}">
@@ -9897,20 +10492,249 @@
             <p:ph type="title"/>
           </p:nvPr>
         </p:nvSpPr>
-        <p:spPr/>
-        <p:txBody>
-          <a:bodyPr>
+        <p:spPr>
+          <a:xfrm>
+            <a:off x="477981" y="1122363"/>
+            <a:ext cx="4023360" cy="3204134"/>
+          </a:xfrm>
+        </p:spPr>
+        <p:txBody>
+          <a:bodyPr vert="horz" lIns="91440" tIns="45720" rIns="91440" bIns="45720" rtlCol="0" anchor="b">
             <a:normAutofit/>
           </a:bodyPr>
           <a:lstStyle/>
           <a:p>
             <a:r>
-              <a:rPr lang="fr-FR" sz="2400" dirty="0"/>
+              <a:rPr lang="en-US" sz="4800"/>
               <a:t>Docker Compose</a:t>
             </a:r>
           </a:p>
         </p:txBody>
       </p:sp>
+      <p:sp>
+        <p:nvSpPr>
+          <p:cNvPr id="20" name="Rectangle 19">
+            <a:extLst>
+              <a:ext uri="{FF2B5EF4-FFF2-40B4-BE49-F238E27FC236}">
+                <a16:creationId xmlns:a16="http://schemas.microsoft.com/office/drawing/2014/main" id="{AF2F604E-43BE-4DC3-B983-E071523364F8}"/>
+              </a:ext>
+              <a:ext uri="{C183D7F6-B498-43B3-948B-1728B52AA6E4}">
+                <adec:decorative xmlns:adec="http://schemas.microsoft.com/office/drawing/2017/decorative" val="1"/>
+              </a:ext>
+            </a:extLst>
+          </p:cNvPr>
+          <p:cNvSpPr>
+            <a:spLocks noGrp="1" noRot="1" noChangeAspect="1" noMove="1" noResize="1" noEditPoints="1" noAdjustHandles="1" noChangeArrowheads="1" noChangeShapeType="1" noTextEdit="1"/>
+          </p:cNvSpPr>
+          <p:nvPr>
+            <p:extLst>
+              <p:ext uri="{386F3935-93C4-4BCD-93E2-E3B085C9AB24}">
+                <p16:designElem xmlns:p16="http://schemas.microsoft.com/office/powerpoint/2015/main" val="1"/>
+              </p:ext>
+            </p:extLst>
+          </p:nvPr>
+        </p:nvSpPr>
+        <p:spPr>
+          <a:xfrm rot="5400000">
+            <a:off x="759921" y="346791"/>
+            <a:ext cx="146304" cy="704088"/>
+          </a:xfrm>
+          <a:prstGeom prst="rect">
+            <a:avLst/>
+          </a:prstGeom>
+          <a:solidFill>
+            <a:schemeClr val="accent1"/>
+          </a:solidFill>
+          <a:ln>
+            <a:noFill/>
+          </a:ln>
+        </p:spPr>
+        <p:style>
+          <a:lnRef idx="2">
+            <a:schemeClr val="accent1">
+              <a:shade val="50000"/>
+            </a:schemeClr>
+          </a:lnRef>
+          <a:fillRef idx="1">
+            <a:schemeClr val="accent1"/>
+          </a:fillRef>
+          <a:effectRef idx="0">
+            <a:schemeClr val="accent1"/>
+          </a:effectRef>
+          <a:fontRef idx="minor">
+            <a:schemeClr val="lt1"/>
+          </a:fontRef>
+        </p:style>
+        <p:txBody>
+          <a:bodyPr rtlCol="0" anchor="ctr"/>
+          <a:lstStyle/>
+          <a:p>
+            <a:pPr marL="0" marR="0" lvl="0" indent="0" algn="ctr" defTabSz="914400" rtl="0" eaLnBrk="1" fontAlgn="auto" latinLnBrk="0" hangingPunct="1">
+              <a:lnSpc>
+                <a:spcPct val="100000"/>
+              </a:lnSpc>
+              <a:spcBef>
+                <a:spcPts val="0"/>
+              </a:spcBef>
+              <a:spcAft>
+                <a:spcPts val="0"/>
+              </a:spcAft>
+              <a:buClrTx/>
+              <a:buSzTx/>
+              <a:buFontTx/>
+              <a:buNone/>
+              <a:tabLst/>
+              <a:defRPr/>
+            </a:pPr>
+            <a:endParaRPr kumimoji="0" lang="en-US" sz="1800" b="0" i="0" u="none" strike="noStrike" kern="1200" cap="none" spc="0" normalizeH="0" baseline="0" noProof="0">
+              <a:ln>
+                <a:noFill/>
+              </a:ln>
+              <a:solidFill>
+                <a:prstClr val="white"/>
+              </a:solidFill>
+              <a:effectLst/>
+              <a:uLnTx/>
+              <a:uFillTx/>
+              <a:latin typeface="Calibri" panose="020F0502020204030204"/>
+              <a:ea typeface="+mn-ea"/>
+              <a:cs typeface="+mn-cs"/>
+            </a:endParaRPr>
+          </a:p>
+        </p:txBody>
+      </p:sp>
+      <p:sp>
+        <p:nvSpPr>
+          <p:cNvPr id="22" name="Rectangle 21">
+            <a:extLst>
+              <a:ext uri="{FF2B5EF4-FFF2-40B4-BE49-F238E27FC236}">
+                <a16:creationId xmlns:a16="http://schemas.microsoft.com/office/drawing/2014/main" id="{08C9B587-E65E-4B52-B37C-ABEBB6E87928}"/>
+              </a:ext>
+              <a:ext uri="{C183D7F6-B498-43B3-948B-1728B52AA6E4}">
+                <adec:decorative xmlns:adec="http://schemas.microsoft.com/office/drawing/2017/decorative" val="1"/>
+              </a:ext>
+            </a:extLst>
+          </p:cNvPr>
+          <p:cNvSpPr>
+            <a:spLocks noGrp="1" noRot="1" noChangeAspect="1" noMove="1" noResize="1" noEditPoints="1" noAdjustHandles="1" noChangeArrowheads="1" noChangeShapeType="1" noTextEdit="1"/>
+          </p:cNvSpPr>
+          <p:nvPr>
+            <p:extLst>
+              <p:ext uri="{386F3935-93C4-4BCD-93E2-E3B085C9AB24}">
+                <p16:designElem xmlns:p16="http://schemas.microsoft.com/office/powerpoint/2015/main" val="1"/>
+              </p:ext>
+            </p:extLst>
+          </p:nvPr>
+        </p:nvSpPr>
+        <p:spPr>
+          <a:xfrm>
+            <a:off x="481029" y="4546920"/>
+            <a:ext cx="4023360" cy="18288"/>
+          </a:xfrm>
+          <a:prstGeom prst="rect">
+            <a:avLst/>
+          </a:prstGeom>
+          <a:solidFill>
+            <a:schemeClr val="tx2">
+              <a:lumMod val="25000"/>
+              <a:lumOff val="75000"/>
+            </a:schemeClr>
+          </a:solidFill>
+          <a:ln w="3175">
+            <a:noFill/>
+          </a:ln>
+          <a:effectLst/>
+        </p:spPr>
+        <p:style>
+          <a:lnRef idx="2">
+            <a:schemeClr val="accent1">
+              <a:shade val="50000"/>
+            </a:schemeClr>
+          </a:lnRef>
+          <a:fillRef idx="1">
+            <a:schemeClr val="accent1"/>
+          </a:fillRef>
+          <a:effectRef idx="0">
+            <a:schemeClr val="accent1"/>
+          </a:effectRef>
+          <a:fontRef idx="minor">
+            <a:schemeClr val="lt1"/>
+          </a:fontRef>
+        </p:style>
+        <p:txBody>
+          <a:bodyPr rtlCol="0" anchor="ctr"/>
+          <a:lstStyle/>
+          <a:p>
+            <a:pPr marL="0" marR="0" lvl="0" indent="0" algn="ctr" defTabSz="914400" rtl="0" eaLnBrk="1" fontAlgn="auto" latinLnBrk="0" hangingPunct="1">
+              <a:lnSpc>
+                <a:spcPct val="100000"/>
+              </a:lnSpc>
+              <a:spcBef>
+                <a:spcPts val="0"/>
+              </a:spcBef>
+              <a:spcAft>
+                <a:spcPts val="0"/>
+              </a:spcAft>
+              <a:buClrTx/>
+              <a:buSzTx/>
+              <a:buFontTx/>
+              <a:buNone/>
+              <a:tabLst/>
+              <a:defRPr/>
+            </a:pPr>
+            <a:endParaRPr kumimoji="0" lang="en-US" sz="1800" b="0" i="0" u="none" strike="noStrike" kern="1200" cap="none" spc="0" normalizeH="0" baseline="0" noProof="0">
+              <a:ln>
+                <a:noFill/>
+              </a:ln>
+              <a:solidFill>
+                <a:prstClr val="white"/>
+              </a:solidFill>
+              <a:effectLst/>
+              <a:uLnTx/>
+              <a:uFillTx/>
+              <a:latin typeface="Calibri" panose="020F0502020204030204"/>
+              <a:ea typeface="+mn-ea"/>
+              <a:cs typeface="+mn-cs"/>
+            </a:endParaRPr>
+          </a:p>
+        </p:txBody>
+      </p:sp>
+      <p:pic>
+        <p:nvPicPr>
+          <p:cNvPr id="4" name="Image 3">
+            <a:extLst>
+              <a:ext uri="{FF2B5EF4-FFF2-40B4-BE49-F238E27FC236}">
+                <a16:creationId xmlns:a16="http://schemas.microsoft.com/office/drawing/2014/main" id="{25CCCCA6-2003-9647-9B40-46559211375B}"/>
+              </a:ext>
+            </a:extLst>
+          </p:cNvPr>
+          <p:cNvPicPr>
+            <a:picLocks noChangeAspect="1"/>
+          </p:cNvPicPr>
+          <p:nvPr/>
+        </p:nvPicPr>
+        <p:blipFill>
+          <a:blip r:embed="rId2">
+            <a:extLst>
+              <a:ext uri="{837473B0-CC2E-450A-ABE3-18F120FF3D39}">
+                <a1611:picAttrSrcUrl xmlns:a1611="http://schemas.microsoft.com/office/drawing/2016/11/main" r:id="rId3"/>
+              </a:ext>
+            </a:extLst>
+          </a:blip>
+          <a:stretch>
+            <a:fillRect/>
+          </a:stretch>
+        </p:blipFill>
+        <p:spPr>
+          <a:xfrm>
+            <a:off x="5849546" y="625684"/>
+            <a:ext cx="5538456" cy="5455380"/>
+          </a:xfrm>
+          <a:prstGeom prst="rect">
+            <a:avLst/>
+          </a:prstGeom>
+        </p:spPr>
+      </p:pic>
     </p:spTree>
     <p:extLst>
       <p:ext uri="{BB962C8B-B14F-4D97-AF65-F5344CB8AC3E}">
@@ -11583,6 +12407,14 @@
 <file path=ppt/slides/slide29.xml><?xml version="1.0" encoding="utf-8"?>
 <p:sld xmlns:a="http://schemas.openxmlformats.org/drawingml/2006/main" xmlns:r="http://schemas.openxmlformats.org/officeDocument/2006/relationships" xmlns:p="http://schemas.openxmlformats.org/presentationml/2006/main">
   <p:cSld>
+    <p:bg>
+      <p:bgPr>
+        <a:solidFill>
+          <a:schemeClr val="bg1"/>
+        </a:solidFill>
+        <a:effectLst/>
+      </p:bgPr>
+    </p:bg>
     <p:spTree>
       <p:nvGrpSpPr>
         <p:cNvPr id="1" name=""/>
@@ -11599,6 +12431,254 @@
       </p:grpSpPr>
       <p:sp>
         <p:nvSpPr>
+          <p:cNvPr id="13" name="Rectangle 12">
+            <a:extLst>
+              <a:ext uri="{FF2B5EF4-FFF2-40B4-BE49-F238E27FC236}">
+                <a16:creationId xmlns:a16="http://schemas.microsoft.com/office/drawing/2014/main" id="{8D06CE56-3881-4ADA-8CEF-D18B02C242A3}"/>
+              </a:ext>
+              <a:ext uri="{C183D7F6-B498-43B3-948B-1728B52AA6E4}">
+                <adec:decorative xmlns:adec="http://schemas.microsoft.com/office/drawing/2017/decorative" val="1"/>
+              </a:ext>
+            </a:extLst>
+          </p:cNvPr>
+          <p:cNvSpPr>
+            <a:spLocks noGrp="1" noRot="1" noChangeAspect="1" noMove="1" noResize="1" noEditPoints="1" noAdjustHandles="1" noChangeArrowheads="1" noChangeShapeType="1" noTextEdit="1"/>
+          </p:cNvSpPr>
+          <p:nvPr>
+            <p:extLst>
+              <p:ext uri="{386F3935-93C4-4BCD-93E2-E3B085C9AB24}">
+                <p16:designElem xmlns:p16="http://schemas.microsoft.com/office/powerpoint/2015/main" val="1"/>
+              </p:ext>
+            </p:extLst>
+          </p:nvPr>
+        </p:nvSpPr>
+        <p:spPr>
+          <a:xfrm rot="5400000">
+            <a:off x="857544" y="346791"/>
+            <a:ext cx="146304" cy="704088"/>
+          </a:xfrm>
+          <a:prstGeom prst="rect">
+            <a:avLst/>
+          </a:prstGeom>
+          <a:solidFill>
+            <a:schemeClr val="accent1"/>
+          </a:solidFill>
+          <a:ln>
+            <a:noFill/>
+          </a:ln>
+        </p:spPr>
+        <p:style>
+          <a:lnRef idx="2">
+            <a:schemeClr val="accent1">
+              <a:shade val="50000"/>
+            </a:schemeClr>
+          </a:lnRef>
+          <a:fillRef idx="1">
+            <a:schemeClr val="accent1"/>
+          </a:fillRef>
+          <a:effectRef idx="0">
+            <a:schemeClr val="accent1"/>
+          </a:effectRef>
+          <a:fontRef idx="minor">
+            <a:schemeClr val="lt1"/>
+          </a:fontRef>
+        </p:style>
+        <p:txBody>
+          <a:bodyPr rtlCol="0" anchor="ctr"/>
+          <a:lstStyle/>
+          <a:p>
+            <a:pPr marL="0" marR="0" lvl="0" indent="0" algn="ctr" defTabSz="914400" rtl="0" eaLnBrk="1" fontAlgn="auto" latinLnBrk="0" hangingPunct="1">
+              <a:lnSpc>
+                <a:spcPct val="100000"/>
+              </a:lnSpc>
+              <a:spcBef>
+                <a:spcPts val="0"/>
+              </a:spcBef>
+              <a:spcAft>
+                <a:spcPts val="0"/>
+              </a:spcAft>
+              <a:buClrTx/>
+              <a:buSzTx/>
+              <a:buFontTx/>
+              <a:buNone/>
+              <a:tabLst/>
+              <a:defRPr/>
+            </a:pPr>
+            <a:endParaRPr kumimoji="0" lang="en-US" sz="1800" b="0" i="0" u="none" strike="noStrike" kern="1200" cap="none" spc="0" normalizeH="0" baseline="0" noProof="0">
+              <a:ln>
+                <a:noFill/>
+              </a:ln>
+              <a:solidFill>
+                <a:prstClr val="white"/>
+              </a:solidFill>
+              <a:effectLst/>
+              <a:uLnTx/>
+              <a:uFillTx/>
+              <a:latin typeface="Calibri" panose="020F0502020204030204"/>
+              <a:ea typeface="+mn-ea"/>
+              <a:cs typeface="+mn-cs"/>
+            </a:endParaRPr>
+          </a:p>
+        </p:txBody>
+      </p:sp>
+      <p:sp>
+        <p:nvSpPr>
+          <p:cNvPr id="15" name="Rectangle 14">
+            <a:extLst>
+              <a:ext uri="{FF2B5EF4-FFF2-40B4-BE49-F238E27FC236}">
+                <a16:creationId xmlns:a16="http://schemas.microsoft.com/office/drawing/2014/main" id="{79F3C543-62EC-4433-9C93-A2CD8764E9B4}"/>
+              </a:ext>
+              <a:ext uri="{C183D7F6-B498-43B3-948B-1728B52AA6E4}">
+                <adec:decorative xmlns:adec="http://schemas.microsoft.com/office/drawing/2017/decorative" val="1"/>
+              </a:ext>
+            </a:extLst>
+          </p:cNvPr>
+          <p:cNvSpPr>
+            <a:spLocks noGrp="1" noRot="1" noChangeAspect="1" noMove="1" noResize="1" noEditPoints="1" noAdjustHandles="1" noChangeArrowheads="1" noChangeShapeType="1" noTextEdit="1"/>
+          </p:cNvSpPr>
+          <p:nvPr>
+            <p:extLst>
+              <p:ext uri="{386F3935-93C4-4BCD-93E2-E3B085C9AB24}">
+                <p16:designElem xmlns:p16="http://schemas.microsoft.com/office/powerpoint/2015/main" val="1"/>
+              </p:ext>
+            </p:extLst>
+          </p:nvPr>
+        </p:nvSpPr>
+        <p:spPr>
+          <a:xfrm flipV="1">
+            <a:off x="578652" y="4501201"/>
+            <a:ext cx="11034696" cy="18288"/>
+          </a:xfrm>
+          <a:prstGeom prst="rect">
+            <a:avLst/>
+          </a:prstGeom>
+          <a:solidFill>
+            <a:schemeClr val="tx2">
+              <a:lumMod val="25000"/>
+              <a:lumOff val="75000"/>
+            </a:schemeClr>
+          </a:solidFill>
+          <a:ln w="3175">
+            <a:noFill/>
+          </a:ln>
+          <a:effectLst/>
+        </p:spPr>
+        <p:style>
+          <a:lnRef idx="2">
+            <a:schemeClr val="accent1">
+              <a:shade val="50000"/>
+            </a:schemeClr>
+          </a:lnRef>
+          <a:fillRef idx="1">
+            <a:schemeClr val="accent1"/>
+          </a:fillRef>
+          <a:effectRef idx="0">
+            <a:schemeClr val="accent1"/>
+          </a:effectRef>
+          <a:fontRef idx="minor">
+            <a:schemeClr val="lt1"/>
+          </a:fontRef>
+        </p:style>
+        <p:txBody>
+          <a:bodyPr rtlCol="0" anchor="ctr"/>
+          <a:lstStyle/>
+          <a:p>
+            <a:pPr marL="0" marR="0" lvl="0" indent="0" algn="ctr" defTabSz="914400" rtl="0" eaLnBrk="1" fontAlgn="auto" latinLnBrk="0" hangingPunct="1">
+              <a:lnSpc>
+                <a:spcPct val="100000"/>
+              </a:lnSpc>
+              <a:spcBef>
+                <a:spcPts val="0"/>
+              </a:spcBef>
+              <a:spcAft>
+                <a:spcPts val="0"/>
+              </a:spcAft>
+              <a:buClrTx/>
+              <a:buSzTx/>
+              <a:buFontTx/>
+              <a:buNone/>
+              <a:tabLst/>
+              <a:defRPr/>
+            </a:pPr>
+            <a:endParaRPr kumimoji="0" lang="en-US" sz="1800" b="0" i="0" u="none" strike="noStrike" kern="1200" cap="none" spc="0" normalizeH="0" baseline="0" noProof="0">
+              <a:ln>
+                <a:noFill/>
+              </a:ln>
+              <a:solidFill>
+                <a:prstClr val="white"/>
+              </a:solidFill>
+              <a:effectLst/>
+              <a:uLnTx/>
+              <a:uFillTx/>
+              <a:latin typeface="Calibri" panose="020F0502020204030204"/>
+              <a:ea typeface="+mn-ea"/>
+              <a:cs typeface="+mn-cs"/>
+            </a:endParaRPr>
+          </a:p>
+        </p:txBody>
+      </p:sp>
+      <p:sp useBgFill="1">
+        <p:nvSpPr>
+          <p:cNvPr id="17" name="Rectangle 16">
+            <a:extLst>
+              <a:ext uri="{FF2B5EF4-FFF2-40B4-BE49-F238E27FC236}">
+                <a16:creationId xmlns:a16="http://schemas.microsoft.com/office/drawing/2014/main" id="{68AF5748-FED8-45BA-8631-26D1D10F3246}"/>
+              </a:ext>
+              <a:ext uri="{C183D7F6-B498-43B3-948B-1728B52AA6E4}">
+                <adec:decorative xmlns:adec="http://schemas.microsoft.com/office/drawing/2017/decorative" val="1"/>
+              </a:ext>
+            </a:extLst>
+          </p:cNvPr>
+          <p:cNvSpPr>
+            <a:spLocks noGrp="1" noRot="1" noChangeAspect="1" noMove="1" noResize="1" noEditPoints="1" noAdjustHandles="1" noChangeArrowheads="1" noChangeShapeType="1" noTextEdit="1"/>
+          </p:cNvSpPr>
+          <p:nvPr>
+            <p:extLst>
+              <p:ext uri="{386F3935-93C4-4BCD-93E2-E3B085C9AB24}">
+                <p16:designElem xmlns:p16="http://schemas.microsoft.com/office/powerpoint/2015/main" val="1"/>
+              </p:ext>
+            </p:extLst>
+          </p:nvPr>
+        </p:nvSpPr>
+        <p:spPr>
+          <a:xfrm>
+            <a:off x="0" y="0"/>
+            <a:ext cx="12192000" cy="6858000"/>
+          </a:xfrm>
+          <a:prstGeom prst="rect">
+            <a:avLst/>
+          </a:prstGeom>
+          <a:ln>
+            <a:noFill/>
+          </a:ln>
+        </p:spPr>
+        <p:style>
+          <a:lnRef idx="2">
+            <a:schemeClr val="accent1">
+              <a:shade val="50000"/>
+            </a:schemeClr>
+          </a:lnRef>
+          <a:fillRef idx="1">
+            <a:schemeClr val="accent1"/>
+          </a:fillRef>
+          <a:effectRef idx="0">
+            <a:schemeClr val="accent1"/>
+          </a:effectRef>
+          <a:fontRef idx="minor">
+            <a:schemeClr val="lt1"/>
+          </a:fontRef>
+        </p:style>
+        <p:txBody>
+          <a:bodyPr rtlCol="0" anchor="ctr"/>
+          <a:lstStyle/>
+          <a:p>
+            <a:pPr algn="ctr"/>
+            <a:endParaRPr lang="en-US"/>
+          </a:p>
+        </p:txBody>
+      </p:sp>
+      <p:sp>
+        <p:nvSpPr>
           <p:cNvPr id="2" name="Titre 1">
             <a:extLst>
               <a:ext uri="{FF2B5EF4-FFF2-40B4-BE49-F238E27FC236}">
@@ -11613,20 +12693,249 @@
             <p:ph type="title"/>
           </p:nvPr>
         </p:nvSpPr>
-        <p:spPr/>
-        <p:txBody>
-          <a:bodyPr>
+        <p:spPr>
+          <a:xfrm>
+            <a:off x="477981" y="1122363"/>
+            <a:ext cx="4023360" cy="3204134"/>
+          </a:xfrm>
+        </p:spPr>
+        <p:txBody>
+          <a:bodyPr vert="horz" lIns="91440" tIns="45720" rIns="91440" bIns="45720" rtlCol="0" anchor="b">
             <a:normAutofit/>
           </a:bodyPr>
           <a:lstStyle/>
           <a:p>
             <a:r>
-              <a:rPr lang="fr-FR" sz="4000" dirty="0"/>
+              <a:rPr lang="en-US" sz="4800"/>
               <a:t>Kubernetes</a:t>
             </a:r>
           </a:p>
         </p:txBody>
       </p:sp>
+      <p:sp>
+        <p:nvSpPr>
+          <p:cNvPr id="19" name="Rectangle 18">
+            <a:extLst>
+              <a:ext uri="{FF2B5EF4-FFF2-40B4-BE49-F238E27FC236}">
+                <a16:creationId xmlns:a16="http://schemas.microsoft.com/office/drawing/2014/main" id="{AF2F604E-43BE-4DC3-B983-E071523364F8}"/>
+              </a:ext>
+              <a:ext uri="{C183D7F6-B498-43B3-948B-1728B52AA6E4}">
+                <adec:decorative xmlns:adec="http://schemas.microsoft.com/office/drawing/2017/decorative" val="1"/>
+              </a:ext>
+            </a:extLst>
+          </p:cNvPr>
+          <p:cNvSpPr>
+            <a:spLocks noGrp="1" noRot="1" noChangeAspect="1" noMove="1" noResize="1" noEditPoints="1" noAdjustHandles="1" noChangeArrowheads="1" noChangeShapeType="1" noTextEdit="1"/>
+          </p:cNvSpPr>
+          <p:nvPr>
+            <p:extLst>
+              <p:ext uri="{386F3935-93C4-4BCD-93E2-E3B085C9AB24}">
+                <p16:designElem xmlns:p16="http://schemas.microsoft.com/office/powerpoint/2015/main" val="1"/>
+              </p:ext>
+            </p:extLst>
+          </p:nvPr>
+        </p:nvSpPr>
+        <p:spPr>
+          <a:xfrm rot="5400000">
+            <a:off x="759921" y="346791"/>
+            <a:ext cx="146304" cy="704088"/>
+          </a:xfrm>
+          <a:prstGeom prst="rect">
+            <a:avLst/>
+          </a:prstGeom>
+          <a:solidFill>
+            <a:schemeClr val="accent1"/>
+          </a:solidFill>
+          <a:ln>
+            <a:noFill/>
+          </a:ln>
+        </p:spPr>
+        <p:style>
+          <a:lnRef idx="2">
+            <a:schemeClr val="accent1">
+              <a:shade val="50000"/>
+            </a:schemeClr>
+          </a:lnRef>
+          <a:fillRef idx="1">
+            <a:schemeClr val="accent1"/>
+          </a:fillRef>
+          <a:effectRef idx="0">
+            <a:schemeClr val="accent1"/>
+          </a:effectRef>
+          <a:fontRef idx="minor">
+            <a:schemeClr val="lt1"/>
+          </a:fontRef>
+        </p:style>
+        <p:txBody>
+          <a:bodyPr rtlCol="0" anchor="ctr"/>
+          <a:lstStyle/>
+          <a:p>
+            <a:pPr marL="0" marR="0" lvl="0" indent="0" algn="ctr" defTabSz="914400" rtl="0" eaLnBrk="1" fontAlgn="auto" latinLnBrk="0" hangingPunct="1">
+              <a:lnSpc>
+                <a:spcPct val="100000"/>
+              </a:lnSpc>
+              <a:spcBef>
+                <a:spcPts val="0"/>
+              </a:spcBef>
+              <a:spcAft>
+                <a:spcPts val="0"/>
+              </a:spcAft>
+              <a:buClrTx/>
+              <a:buSzTx/>
+              <a:buFontTx/>
+              <a:buNone/>
+              <a:tabLst/>
+              <a:defRPr/>
+            </a:pPr>
+            <a:endParaRPr kumimoji="0" lang="en-US" sz="1800" b="0" i="0" u="none" strike="noStrike" kern="1200" cap="none" spc="0" normalizeH="0" baseline="0" noProof="0">
+              <a:ln>
+                <a:noFill/>
+              </a:ln>
+              <a:solidFill>
+                <a:prstClr val="white"/>
+              </a:solidFill>
+              <a:effectLst/>
+              <a:uLnTx/>
+              <a:uFillTx/>
+              <a:latin typeface="Calibri" panose="020F0502020204030204"/>
+              <a:ea typeface="+mn-ea"/>
+              <a:cs typeface="+mn-cs"/>
+            </a:endParaRPr>
+          </a:p>
+        </p:txBody>
+      </p:sp>
+      <p:sp>
+        <p:nvSpPr>
+          <p:cNvPr id="21" name="Rectangle 20">
+            <a:extLst>
+              <a:ext uri="{FF2B5EF4-FFF2-40B4-BE49-F238E27FC236}">
+                <a16:creationId xmlns:a16="http://schemas.microsoft.com/office/drawing/2014/main" id="{08C9B587-E65E-4B52-B37C-ABEBB6E87928}"/>
+              </a:ext>
+              <a:ext uri="{C183D7F6-B498-43B3-948B-1728B52AA6E4}">
+                <adec:decorative xmlns:adec="http://schemas.microsoft.com/office/drawing/2017/decorative" val="1"/>
+              </a:ext>
+            </a:extLst>
+          </p:cNvPr>
+          <p:cNvSpPr>
+            <a:spLocks noGrp="1" noRot="1" noChangeAspect="1" noMove="1" noResize="1" noEditPoints="1" noAdjustHandles="1" noChangeArrowheads="1" noChangeShapeType="1" noTextEdit="1"/>
+          </p:cNvSpPr>
+          <p:nvPr>
+            <p:extLst>
+              <p:ext uri="{386F3935-93C4-4BCD-93E2-E3B085C9AB24}">
+                <p16:designElem xmlns:p16="http://schemas.microsoft.com/office/powerpoint/2015/main" val="1"/>
+              </p:ext>
+            </p:extLst>
+          </p:nvPr>
+        </p:nvSpPr>
+        <p:spPr>
+          <a:xfrm>
+            <a:off x="481029" y="4546920"/>
+            <a:ext cx="4023360" cy="18288"/>
+          </a:xfrm>
+          <a:prstGeom prst="rect">
+            <a:avLst/>
+          </a:prstGeom>
+          <a:solidFill>
+            <a:schemeClr val="tx2">
+              <a:lumMod val="25000"/>
+              <a:lumOff val="75000"/>
+            </a:schemeClr>
+          </a:solidFill>
+          <a:ln w="3175">
+            <a:noFill/>
+          </a:ln>
+          <a:effectLst/>
+        </p:spPr>
+        <p:style>
+          <a:lnRef idx="2">
+            <a:schemeClr val="accent1">
+              <a:shade val="50000"/>
+            </a:schemeClr>
+          </a:lnRef>
+          <a:fillRef idx="1">
+            <a:schemeClr val="accent1"/>
+          </a:fillRef>
+          <a:effectRef idx="0">
+            <a:schemeClr val="accent1"/>
+          </a:effectRef>
+          <a:fontRef idx="minor">
+            <a:schemeClr val="lt1"/>
+          </a:fontRef>
+        </p:style>
+        <p:txBody>
+          <a:bodyPr rtlCol="0" anchor="ctr"/>
+          <a:lstStyle/>
+          <a:p>
+            <a:pPr marL="0" marR="0" lvl="0" indent="0" algn="ctr" defTabSz="914400" rtl="0" eaLnBrk="1" fontAlgn="auto" latinLnBrk="0" hangingPunct="1">
+              <a:lnSpc>
+                <a:spcPct val="100000"/>
+              </a:lnSpc>
+              <a:spcBef>
+                <a:spcPts val="0"/>
+              </a:spcBef>
+              <a:spcAft>
+                <a:spcPts val="0"/>
+              </a:spcAft>
+              <a:buClrTx/>
+              <a:buSzTx/>
+              <a:buFontTx/>
+              <a:buNone/>
+              <a:tabLst/>
+              <a:defRPr/>
+            </a:pPr>
+            <a:endParaRPr kumimoji="0" lang="en-US" sz="1800" b="0" i="0" u="none" strike="noStrike" kern="1200" cap="none" spc="0" normalizeH="0" baseline="0" noProof="0">
+              <a:ln>
+                <a:noFill/>
+              </a:ln>
+              <a:solidFill>
+                <a:prstClr val="white"/>
+              </a:solidFill>
+              <a:effectLst/>
+              <a:uLnTx/>
+              <a:uFillTx/>
+              <a:latin typeface="Calibri" panose="020F0502020204030204"/>
+              <a:ea typeface="+mn-ea"/>
+              <a:cs typeface="+mn-cs"/>
+            </a:endParaRPr>
+          </a:p>
+        </p:txBody>
+      </p:sp>
+      <p:pic>
+        <p:nvPicPr>
+          <p:cNvPr id="7" name="Image 6">
+            <a:extLst>
+              <a:ext uri="{FF2B5EF4-FFF2-40B4-BE49-F238E27FC236}">
+                <a16:creationId xmlns:a16="http://schemas.microsoft.com/office/drawing/2014/main" id="{5008B51A-12C7-E54A-8AFA-B97A98C4A811}"/>
+              </a:ext>
+            </a:extLst>
+          </p:cNvPr>
+          <p:cNvPicPr>
+            <a:picLocks noChangeAspect="1"/>
+          </p:cNvPicPr>
+          <p:nvPr/>
+        </p:nvPicPr>
+        <p:blipFill>
+          <a:blip r:embed="rId2">
+            <a:extLst>
+              <a:ext uri="{837473B0-CC2E-450A-ABE3-18F120FF3D39}">
+                <a1611:picAttrSrcUrl xmlns:a1611="http://schemas.microsoft.com/office/drawing/2016/11/main" r:id="rId3"/>
+              </a:ext>
+            </a:extLst>
+          </a:blip>
+          <a:stretch>
+            <a:fillRect/>
+          </a:stretch>
+        </p:blipFill>
+        <p:spPr>
+          <a:xfrm>
+            <a:off x="8230821" y="1949526"/>
+            <a:ext cx="2569963" cy="2569963"/>
+          </a:xfrm>
+          <a:prstGeom prst="rect">
+            <a:avLst/>
+          </a:prstGeom>
+        </p:spPr>
+      </p:pic>
     </p:spTree>
     <p:extLst>
       <p:ext uri="{BB962C8B-B14F-4D97-AF65-F5344CB8AC3E}">
@@ -12135,7 +13444,7 @@
           <a:lstStyle/>
           <a:p>
             <a:r>
-              <a:rPr lang="fr-FR" dirty="0"/>
+              <a:rPr lang="fr-FR" sz="2400" dirty="0"/>
               <a:t>Qu’est ce que Kubernetes</a:t>
             </a:r>
           </a:p>
@@ -12157,12 +13466,160 @@
             <p:ph idx="1"/>
           </p:nvPr>
         </p:nvSpPr>
-        <p:spPr/>
-        <p:txBody>
-          <a:bodyPr/>
-          <a:lstStyle/>
-          <a:p>
-            <a:endParaRPr lang="fr-FR"/>
+        <p:spPr>
+          <a:xfrm>
+            <a:off x="552261" y="2308634"/>
+            <a:ext cx="10731435" cy="3863566"/>
+          </a:xfrm>
+        </p:spPr>
+        <p:txBody>
+          <a:bodyPr>
+            <a:normAutofit/>
+          </a:bodyPr>
+          <a:lstStyle/>
+          <a:p>
+            <a:pPr marL="0" indent="0">
+              <a:buNone/>
+            </a:pPr>
+            <a:r>
+              <a:rPr lang="fr-FR" sz="1200" dirty="0"/>
+              <a:t>Kubernetes est un système open source qui vise à fournir une « plate-forme permettant d'automatiser le déploiement, la montée en charge et la mise en œuvre de conteneurs d'application sur des clusters de serveurs ».</a:t>
+            </a:r>
+          </a:p>
+          <a:p>
+            <a:pPr marL="0" indent="0">
+              <a:buNone/>
+            </a:pPr>
+            <a:endParaRPr lang="fr-FR" sz="1200" dirty="0"/>
+          </a:p>
+          <a:p>
+            <a:pPr marL="0" indent="0">
+              <a:buNone/>
+            </a:pPr>
+            <a:r>
+              <a:rPr lang="fr-FR" sz="1200" dirty="0"/>
+              <a:t>Explication de master, </a:t>
+            </a:r>
+            <a:r>
+              <a:rPr lang="fr-FR" sz="1200" dirty="0" err="1"/>
+              <a:t>Nodes</a:t>
+            </a:r>
+            <a:r>
+              <a:rPr lang="fr-FR" sz="1200" dirty="0"/>
+              <a:t>,</a:t>
+            </a:r>
+          </a:p>
+          <a:p>
+            <a:pPr marL="0" indent="0">
+              <a:buNone/>
+            </a:pPr>
+            <a:endParaRPr lang="fr-FR" sz="1200" dirty="0"/>
+          </a:p>
+          <a:p>
+            <a:pPr marL="0" indent="0">
+              <a:buNone/>
+            </a:pPr>
+            <a:r>
+              <a:rPr lang="fr-FR" sz="1200" dirty="0"/>
+              <a:t>Production Manage solutions, Amazon EKS, Google Kubernetes Engine GKE</a:t>
+            </a:r>
+          </a:p>
+          <a:p>
+            <a:pPr marL="0" indent="0">
+              <a:buNone/>
+            </a:pPr>
+            <a:r>
+              <a:rPr lang="fr-FR" sz="1200" dirty="0"/>
+              <a:t>Développement </a:t>
+            </a:r>
+            <a:r>
+              <a:rPr lang="fr-FR" sz="1200" dirty="0" err="1"/>
+              <a:t>minikube</a:t>
+            </a:r>
+            <a:r>
+              <a:rPr lang="fr-FR" sz="1200" dirty="0"/>
+              <a:t> -&gt; </a:t>
+            </a:r>
+            <a:r>
+              <a:rPr lang="fr-FR" sz="1200" dirty="0" err="1"/>
+              <a:t>gére</a:t>
+            </a:r>
+            <a:r>
+              <a:rPr lang="fr-FR" sz="1200" dirty="0"/>
+              <a:t> la VM (utilisé aussi en production)</a:t>
+            </a:r>
+          </a:p>
+          <a:p>
+            <a:pPr marL="0" indent="0">
+              <a:buNone/>
+            </a:pPr>
+            <a:r>
+              <a:rPr lang="fr-FR" sz="1200" dirty="0" err="1"/>
+              <a:t>Dévéloppement</a:t>
+            </a:r>
+            <a:r>
+              <a:rPr lang="fr-FR" sz="1200" dirty="0"/>
+              <a:t> </a:t>
+            </a:r>
+            <a:r>
+              <a:rPr lang="fr-FR" sz="1200" dirty="0" err="1"/>
+              <a:t>kubectl</a:t>
+            </a:r>
+            <a:r>
+              <a:rPr lang="fr-FR" sz="1200" dirty="0"/>
+              <a:t> -&gt; </a:t>
+            </a:r>
+            <a:r>
+              <a:rPr lang="fr-FR" sz="1200" dirty="0" err="1"/>
+              <a:t>gére</a:t>
+            </a:r>
+            <a:r>
+              <a:rPr lang="fr-FR" sz="1200" dirty="0"/>
+              <a:t> les </a:t>
+            </a:r>
+            <a:r>
+              <a:rPr lang="fr-FR" sz="1200" dirty="0" err="1"/>
+              <a:t>contaieners</a:t>
+            </a:r>
+            <a:r>
+              <a:rPr lang="fr-FR" sz="1200" dirty="0"/>
+              <a:t> au sein du </a:t>
+            </a:r>
+            <a:r>
+              <a:rPr lang="fr-FR" sz="1200" dirty="0" err="1"/>
+              <a:t>node</a:t>
+            </a:r>
+            <a:endParaRPr lang="fr-FR" sz="1200" dirty="0"/>
+          </a:p>
+          <a:p>
+            <a:pPr marL="0" indent="0">
+              <a:buNone/>
+            </a:pPr>
+            <a:endParaRPr lang="fr-FR" sz="1200" dirty="0"/>
+          </a:p>
+          <a:p>
+            <a:pPr marL="0" indent="0">
+              <a:buNone/>
+            </a:pPr>
+            <a:endParaRPr lang="fr-FR" sz="1200" dirty="0"/>
+          </a:p>
+          <a:p>
+            <a:pPr marL="0" indent="0">
+              <a:buNone/>
+            </a:pPr>
+            <a:endParaRPr lang="fr-FR" sz="1200" dirty="0"/>
+          </a:p>
+          <a:p>
+            <a:pPr marL="0" indent="0">
+              <a:buNone/>
+            </a:pPr>
+            <a:endParaRPr lang="fr-FR" sz="1200" dirty="0"/>
+          </a:p>
+          <a:p>
+            <a:pPr marL="0" indent="0">
+              <a:buNone/>
+            </a:pPr>
+            <a:endParaRPr lang="fr-FR" sz="1200" dirty="0"/>
           </a:p>
         </p:txBody>
       </p:sp>
@@ -12214,11 +13671,13 @@
         </p:nvSpPr>
         <p:spPr/>
         <p:txBody>
-          <a:bodyPr/>
-          <a:lstStyle/>
-          <a:p>
-            <a:r>
-              <a:rPr lang="fr-FR" dirty="0"/>
+          <a:bodyPr>
+            <a:normAutofit/>
+          </a:bodyPr>
+          <a:lstStyle/>
+          <a:p>
+            <a:r>
+              <a:rPr lang="fr-FR" sz="2400" dirty="0"/>
               <a:t>Pourquoi Kubernetes</a:t>
             </a:r>
           </a:p>
@@ -12284,7 +13743,7 @@
           <p:cNvPr id="2" name="Titre 1">
             <a:extLst>
               <a:ext uri="{FF2B5EF4-FFF2-40B4-BE49-F238E27FC236}">
-                <a16:creationId xmlns:a16="http://schemas.microsoft.com/office/drawing/2014/main" id="{D7F3DB66-8D3D-514C-93D2-4A8116A820E1}"/>
+                <a16:creationId xmlns:a16="http://schemas.microsoft.com/office/drawing/2014/main" id="{69C960B3-9F47-8749-9768-A3A7B33CC3F8}"/>
               </a:ext>
             </a:extLst>
           </p:cNvPr>
@@ -12297,12 +13756,14 @@
         </p:nvSpPr>
         <p:spPr/>
         <p:txBody>
-          <a:bodyPr/>
-          <a:lstStyle/>
-          <a:p>
-            <a:r>
-              <a:rPr lang="fr-FR" dirty="0"/>
-              <a:t>Installation</a:t>
+          <a:bodyPr>
+            <a:normAutofit/>
+          </a:bodyPr>
+          <a:lstStyle/>
+          <a:p>
+            <a:r>
+              <a:rPr lang="fr-FR" sz="2400" dirty="0"/>
+              <a:t>Kubernetes production</a:t>
             </a:r>
           </a:p>
         </p:txBody>
@@ -12312,7 +13773,7 @@
           <p:cNvPr id="3" name="Espace réservé du contenu 2">
             <a:extLst>
               <a:ext uri="{FF2B5EF4-FFF2-40B4-BE49-F238E27FC236}">
-                <a16:creationId xmlns:a16="http://schemas.microsoft.com/office/drawing/2014/main" id="{64CB6E40-D37E-3340-94D0-49C94AA5A624}"/>
+                <a16:creationId xmlns:a16="http://schemas.microsoft.com/office/drawing/2014/main" id="{AFC4072F-64C7-894D-B1D2-708F778CC2E2}"/>
               </a:ext>
             </a:extLst>
           </p:cNvPr>
@@ -12335,7 +13796,7 @@
     </p:spTree>
     <p:extLst>
       <p:ext uri="{BB962C8B-B14F-4D97-AF65-F5344CB8AC3E}">
-        <p14:creationId xmlns:p14="http://schemas.microsoft.com/office/powerpoint/2010/main" val="2461077664"/>
+        <p14:creationId xmlns:p14="http://schemas.microsoft.com/office/powerpoint/2010/main" val="3908242837"/>
       </p:ext>
     </p:extLst>
   </p:cSld>
@@ -12367,7 +13828,7 @@
           <p:cNvPr id="2" name="Titre 1">
             <a:extLst>
               <a:ext uri="{FF2B5EF4-FFF2-40B4-BE49-F238E27FC236}">
-                <a16:creationId xmlns:a16="http://schemas.microsoft.com/office/drawing/2014/main" id="{C356CBC8-BFB8-0247-8BA8-C7D03B57F189}"/>
+                <a16:creationId xmlns:a16="http://schemas.microsoft.com/office/drawing/2014/main" id="{5BA142B3-ED15-8048-950C-44C02404CFCC}"/>
               </a:ext>
             </a:extLst>
           </p:cNvPr>
@@ -12380,14 +13841,15 @@
         </p:nvSpPr>
         <p:spPr/>
         <p:txBody>
-          <a:bodyPr/>
-          <a:lstStyle/>
-          <a:p>
-            <a:r>
-              <a:rPr lang="fr-FR" dirty="0" err="1"/>
-              <a:t>Pod</a:t>
-            </a:r>
-            <a:endParaRPr lang="fr-FR" dirty="0"/>
+          <a:bodyPr>
+            <a:normAutofit/>
+          </a:bodyPr>
+          <a:lstStyle/>
+          <a:p>
+            <a:r>
+              <a:rPr lang="fr-FR" sz="2400" dirty="0"/>
+              <a:t>Kubernetes développement local</a:t>
+            </a:r>
           </a:p>
         </p:txBody>
       </p:sp>
@@ -12396,7 +13858,7 @@
           <p:cNvPr id="3" name="Espace réservé du contenu 2">
             <a:extLst>
               <a:ext uri="{FF2B5EF4-FFF2-40B4-BE49-F238E27FC236}">
-                <a16:creationId xmlns:a16="http://schemas.microsoft.com/office/drawing/2014/main" id="{638C7C71-D621-CD45-975B-1A9FE0A690C4}"/>
+                <a16:creationId xmlns:a16="http://schemas.microsoft.com/office/drawing/2014/main" id="{4983B7C0-4FEF-6B4B-ADFF-1ABBD75BAD4A}"/>
               </a:ext>
             </a:extLst>
           </p:cNvPr>
@@ -12419,7 +13881,7 @@
     </p:spTree>
     <p:extLst>
       <p:ext uri="{BB962C8B-B14F-4D97-AF65-F5344CB8AC3E}">
-        <p14:creationId xmlns:p14="http://schemas.microsoft.com/office/powerpoint/2010/main" val="3321395717"/>
+        <p14:creationId xmlns:p14="http://schemas.microsoft.com/office/powerpoint/2010/main" val="1820156134"/>
       </p:ext>
     </p:extLst>
   </p:cSld>
@@ -12451,6 +13913,91 @@
           <p:cNvPr id="2" name="Titre 1">
             <a:extLst>
               <a:ext uri="{FF2B5EF4-FFF2-40B4-BE49-F238E27FC236}">
+                <a16:creationId xmlns:a16="http://schemas.microsoft.com/office/drawing/2014/main" id="{D7F3DB66-8D3D-514C-93D2-4A8116A820E1}"/>
+              </a:ext>
+            </a:extLst>
+          </p:cNvPr>
+          <p:cNvSpPr>
+            <a:spLocks noGrp="1"/>
+          </p:cNvSpPr>
+          <p:nvPr>
+            <p:ph type="title"/>
+          </p:nvPr>
+        </p:nvSpPr>
+        <p:spPr/>
+        <p:txBody>
+          <a:bodyPr>
+            <a:normAutofit/>
+          </a:bodyPr>
+          <a:lstStyle/>
+          <a:p>
+            <a:r>
+              <a:rPr lang="fr-FR" sz="2400" dirty="0"/>
+              <a:t>Installation</a:t>
+            </a:r>
+          </a:p>
+        </p:txBody>
+      </p:sp>
+      <p:sp>
+        <p:nvSpPr>
+          <p:cNvPr id="3" name="Espace réservé du contenu 2">
+            <a:extLst>
+              <a:ext uri="{FF2B5EF4-FFF2-40B4-BE49-F238E27FC236}">
+                <a16:creationId xmlns:a16="http://schemas.microsoft.com/office/drawing/2014/main" id="{64CB6E40-D37E-3340-94D0-49C94AA5A624}"/>
+              </a:ext>
+            </a:extLst>
+          </p:cNvPr>
+          <p:cNvSpPr>
+            <a:spLocks noGrp="1"/>
+          </p:cNvSpPr>
+          <p:nvPr>
+            <p:ph idx="1"/>
+          </p:nvPr>
+        </p:nvSpPr>
+        <p:spPr/>
+        <p:txBody>
+          <a:bodyPr/>
+          <a:lstStyle/>
+          <a:p>
+            <a:endParaRPr lang="fr-FR"/>
+          </a:p>
+        </p:txBody>
+      </p:sp>
+    </p:spTree>
+    <p:extLst>
+      <p:ext uri="{BB962C8B-B14F-4D97-AF65-F5344CB8AC3E}">
+        <p14:creationId xmlns:p14="http://schemas.microsoft.com/office/powerpoint/2010/main" val="2461077664"/>
+      </p:ext>
+    </p:extLst>
+  </p:cSld>
+  <p:clrMapOvr>
+    <a:masterClrMapping/>
+  </p:clrMapOvr>
+</p:sld>
+</file>
+
+<file path=ppt/slides/slide35.xml><?xml version="1.0" encoding="utf-8"?>
+<p:sld xmlns:a="http://schemas.openxmlformats.org/drawingml/2006/main" xmlns:r="http://schemas.openxmlformats.org/officeDocument/2006/relationships" xmlns:p="http://schemas.openxmlformats.org/presentationml/2006/main">
+  <p:cSld>
+    <p:spTree>
+      <p:nvGrpSpPr>
+        <p:cNvPr id="1" name=""/>
+        <p:cNvGrpSpPr/>
+        <p:nvPr/>
+      </p:nvGrpSpPr>
+      <p:grpSpPr>
+        <a:xfrm>
+          <a:off x="0" y="0"/>
+          <a:ext cx="0" cy="0"/>
+          <a:chOff x="0" y="0"/>
+          <a:chExt cx="0" cy="0"/>
+        </a:xfrm>
+      </p:grpSpPr>
+      <p:sp>
+        <p:nvSpPr>
+          <p:cNvPr id="2" name="Titre 1">
+            <a:extLst>
+              <a:ext uri="{FF2B5EF4-FFF2-40B4-BE49-F238E27FC236}">
                 <a16:creationId xmlns:a16="http://schemas.microsoft.com/office/drawing/2014/main" id="{8185F0AD-8C11-1B4E-AACE-96333D865C09}"/>
               </a:ext>
             </a:extLst>
@@ -12464,11 +14011,13 @@
         </p:nvSpPr>
         <p:spPr/>
         <p:txBody>
-          <a:bodyPr/>
-          <a:lstStyle/>
-          <a:p>
-            <a:r>
-              <a:rPr lang="fr-FR" dirty="0"/>
+          <a:bodyPr>
+            <a:normAutofit/>
+          </a:bodyPr>
+          <a:lstStyle/>
+          <a:p>
+            <a:r>
+              <a:rPr lang="fr-FR" sz="2400" dirty="0"/>
               <a:t>Projet Kubernetes</a:t>
             </a:r>
           </a:p>
@@ -12487,7 +14036,7 @@
 </p:sld>
 </file>
 
-<file path=ppt/slides/slide35.xml><?xml version="1.0" encoding="utf-8"?>
+<file path=ppt/slides/slide36.xml><?xml version="1.0" encoding="utf-8"?>
 <p:sld xmlns:a="http://schemas.openxmlformats.org/drawingml/2006/main" xmlns:r="http://schemas.openxmlformats.org/officeDocument/2006/relationships" xmlns:p="http://schemas.openxmlformats.org/presentationml/2006/main">
   <p:cSld>
     <p:spTree>
@@ -12683,7 +14232,7 @@
       </p:grpSpPr>
       <p:sp>
         <p:nvSpPr>
-          <p:cNvPr id="19" name="Rectangle 6">
+          <p:cNvPr id="28" name="Rectangle 27">
             <a:extLst>
               <a:ext uri="{FF2B5EF4-FFF2-40B4-BE49-F238E27FC236}">
                 <a16:creationId xmlns:a16="http://schemas.microsoft.com/office/drawing/2014/main" id="{8D06CE56-3881-4ADA-8CEF-D18B02C242A3}"/>
@@ -12775,7 +14324,7 @@
       </p:sp>
       <p:sp>
         <p:nvSpPr>
-          <p:cNvPr id="20" name="Rectangle 8">
+          <p:cNvPr id="30" name="Rectangle 29">
             <a:extLst>
               <a:ext uri="{FF2B5EF4-FFF2-40B4-BE49-F238E27FC236}">
                 <a16:creationId xmlns:a16="http://schemas.microsoft.com/office/drawing/2014/main" id="{79F3C543-62EC-4433-9C93-A2CD8764E9B4}"/>
@@ -12871,10 +14420,10 @@
       </p:sp>
       <p:sp useBgFill="1">
         <p:nvSpPr>
-          <p:cNvPr id="21" name="Rectangle 10">
-            <a:extLst>
-              <a:ext uri="{FF2B5EF4-FFF2-40B4-BE49-F238E27FC236}">
-                <a16:creationId xmlns:a16="http://schemas.microsoft.com/office/drawing/2014/main" id="{5463EB0A-3D7C-4AA5-BFA5-8EE5B4BA5624}"/>
+          <p:cNvPr id="32" name="Rectangle 31">
+            <a:extLst>
+              <a:ext uri="{FF2B5EF4-FFF2-40B4-BE49-F238E27FC236}">
+                <a16:creationId xmlns:a16="http://schemas.microsoft.com/office/drawing/2014/main" id="{68AF5748-FED8-45BA-8631-26D1D10F3246}"/>
               </a:ext>
               <a:ext uri="{C183D7F6-B498-43B3-948B-1728B52AA6E4}">
                 <adec:decorative xmlns:adec="http://schemas.microsoft.com/office/drawing/2017/decorative" val="1"/>
@@ -12947,8 +14496,8 @@
         </p:nvSpPr>
         <p:spPr>
           <a:xfrm>
-            <a:off x="578651" y="1122363"/>
-            <a:ext cx="11034695" cy="3174690"/>
+            <a:off x="477981" y="1122363"/>
+            <a:ext cx="4023360" cy="3204134"/>
           </a:xfrm>
         </p:spPr>
         <p:txBody>
@@ -12958,7 +14507,7 @@
           <a:lstStyle/>
           <a:p>
             <a:r>
-              <a:rPr lang="en-US" sz="4000" dirty="0"/>
+              <a:rPr lang="en-US" sz="4800"/>
               <a:t>Docker</a:t>
             </a:r>
           </a:p>
@@ -12966,10 +14515,10 @@
       </p:sp>
       <p:sp>
         <p:nvSpPr>
-          <p:cNvPr id="22" name="Rectangle 12">
-            <a:extLst>
-              <a:ext uri="{FF2B5EF4-FFF2-40B4-BE49-F238E27FC236}">
-                <a16:creationId xmlns:a16="http://schemas.microsoft.com/office/drawing/2014/main" id="{7945AD00-F967-454D-A4B2-39ABA5C88C20}"/>
+          <p:cNvPr id="34" name="Rectangle 33">
+            <a:extLst>
+              <a:ext uri="{FF2B5EF4-FFF2-40B4-BE49-F238E27FC236}">
+                <a16:creationId xmlns:a16="http://schemas.microsoft.com/office/drawing/2014/main" id="{AF2F604E-43BE-4DC3-B983-E071523364F8}"/>
               </a:ext>
               <a:ext uri="{C183D7F6-B498-43B3-948B-1728B52AA6E4}">
                 <adec:decorative xmlns:adec="http://schemas.microsoft.com/office/drawing/2017/decorative" val="1"/>
@@ -12989,7 +14538,7 @@
         </p:nvSpPr>
         <p:spPr>
           <a:xfrm rot="5400000">
-            <a:off x="857544" y="346791"/>
+            <a:off x="759921" y="346791"/>
             <a:ext cx="146304" cy="704088"/>
           </a:xfrm>
           <a:prstGeom prst="rect">
@@ -13058,10 +14607,10 @@
       </p:sp>
       <p:sp>
         <p:nvSpPr>
-          <p:cNvPr id="23" name="Rectangle 14">
-            <a:extLst>
-              <a:ext uri="{FF2B5EF4-FFF2-40B4-BE49-F238E27FC236}">
-                <a16:creationId xmlns:a16="http://schemas.microsoft.com/office/drawing/2014/main" id="{E9BC5B79-B912-427C-8219-E3E50943FCDE}"/>
+          <p:cNvPr id="36" name="Rectangle 35">
+            <a:extLst>
+              <a:ext uri="{FF2B5EF4-FFF2-40B4-BE49-F238E27FC236}">
+                <a16:creationId xmlns:a16="http://schemas.microsoft.com/office/drawing/2014/main" id="{08C9B587-E65E-4B52-B37C-ABEBB6E87928}"/>
               </a:ext>
               <a:ext uri="{C183D7F6-B498-43B3-948B-1728B52AA6E4}">
                 <adec:decorative xmlns:adec="http://schemas.microsoft.com/office/drawing/2017/decorative" val="1"/>
@@ -13080,9 +14629,9 @@
           </p:nvPr>
         </p:nvSpPr>
         <p:spPr>
-          <a:xfrm flipV="1">
-            <a:off x="578652" y="4501201"/>
-            <a:ext cx="11034696" cy="18288"/>
+          <a:xfrm>
+            <a:off x="481029" y="4546920"/>
+            <a:ext cx="4023360" cy="18288"/>
           </a:xfrm>
           <a:prstGeom prst="rect">
             <a:avLst/>
@@ -13152,6 +14701,42 @@
           </a:p>
         </p:txBody>
       </p:sp>
+      <p:pic>
+        <p:nvPicPr>
+          <p:cNvPr id="4" name="Image 3">
+            <a:extLst>
+              <a:ext uri="{FF2B5EF4-FFF2-40B4-BE49-F238E27FC236}">
+                <a16:creationId xmlns:a16="http://schemas.microsoft.com/office/drawing/2014/main" id="{950B5D30-5B61-294B-A03B-6536F4721B51}"/>
+              </a:ext>
+            </a:extLst>
+          </p:cNvPr>
+          <p:cNvPicPr>
+            <a:picLocks noChangeAspect="1"/>
+          </p:cNvPicPr>
+          <p:nvPr/>
+        </p:nvPicPr>
+        <p:blipFill>
+          <a:blip r:embed="rId2">
+            <a:extLst>
+              <a:ext uri="{837473B0-CC2E-450A-ABE3-18F120FF3D39}">
+                <a1611:picAttrSrcUrl xmlns:a1611="http://schemas.microsoft.com/office/drawing/2016/11/main" r:id="rId3"/>
+              </a:ext>
+            </a:extLst>
+          </a:blip>
+          <a:stretch>
+            <a:fillRect/>
+          </a:stretch>
+        </p:blipFill>
+        <p:spPr>
+          <a:xfrm>
+            <a:off x="4864608" y="1385044"/>
+            <a:ext cx="6846363" cy="3936657"/>
+          </a:xfrm>
+          <a:prstGeom prst="rect">
+            <a:avLst/>
+          </a:prstGeom>
+        </p:spPr>
+      </p:pic>
     </p:spTree>
     <p:extLst>
       <p:ext uri="{BB962C8B-B14F-4D97-AF65-F5344CB8AC3E}">

--- a/Cours/Cours.pptx
+++ b/Cours/Cours.pptx
@@ -35,12 +35,14 @@
     <p:sldId id="309" r:id="rId29"/>
     <p:sldId id="286" r:id="rId30"/>
     <p:sldId id="274" r:id="rId31"/>
-    <p:sldId id="275" r:id="rId32"/>
-    <p:sldId id="310" r:id="rId33"/>
-    <p:sldId id="311" r:id="rId34"/>
-    <p:sldId id="276" r:id="rId35"/>
-    <p:sldId id="287" r:id="rId36"/>
-    <p:sldId id="288" r:id="rId37"/>
+    <p:sldId id="314" r:id="rId32"/>
+    <p:sldId id="313" r:id="rId33"/>
+    <p:sldId id="315" r:id="rId34"/>
+    <p:sldId id="316" r:id="rId35"/>
+    <p:sldId id="317" r:id="rId36"/>
+    <p:sldId id="276" r:id="rId37"/>
+    <p:sldId id="287" r:id="rId38"/>
+    <p:sldId id="288" r:id="rId39"/>
   </p:sldIdLst>
   <p:sldSz cx="12192000" cy="6858000"/>
   <p:notesSz cx="6858000" cy="9144000"/>
@@ -303,7 +305,7 @@
           <a:p>
             <a:fld id="{02AC24A9-CCB6-4F8D-B8DB-C2F3692CFA5A}" type="datetimeFigureOut">
               <a:rPr lang="en-US" smtClean="0"/>
-              <a:t>1/3/22</a:t>
+              <a:t>1/4/22</a:t>
             </a:fld>
             <a:endParaRPr lang="en-US" dirty="0"/>
           </a:p>
@@ -673,7 +675,7 @@
           <a:p>
             <a:fld id="{02AC24A9-CCB6-4F8D-B8DB-C2F3692CFA5A}" type="datetimeFigureOut">
               <a:rPr lang="en-US" smtClean="0"/>
-              <a:t>1/3/22</a:t>
+              <a:t>1/4/22</a:t>
             </a:fld>
             <a:endParaRPr lang="en-US"/>
           </a:p>
@@ -882,7 +884,7 @@
           <a:p>
             <a:fld id="{02AC24A9-CCB6-4F8D-B8DB-C2F3692CFA5A}" type="datetimeFigureOut">
               <a:rPr lang="en-US" smtClean="0"/>
-              <a:t>1/3/22</a:t>
+              <a:t>1/4/22</a:t>
             </a:fld>
             <a:endParaRPr lang="en-US"/>
           </a:p>
@@ -1352,7 +1354,7 @@
           <a:p>
             <a:fld id="{02AC24A9-CCB6-4F8D-B8DB-C2F3692CFA5A}" type="datetimeFigureOut">
               <a:rPr lang="en-US" smtClean="0"/>
-              <a:t>1/3/22</a:t>
+              <a:t>1/4/22</a:t>
             </a:fld>
             <a:endParaRPr lang="en-US"/>
           </a:p>
@@ -1806,7 +1808,7 @@
           <a:p>
             <a:fld id="{02AC24A9-CCB6-4F8D-B8DB-C2F3692CFA5A}" type="datetimeFigureOut">
               <a:rPr lang="en-US" smtClean="0"/>
-              <a:t>1/3/22</a:t>
+              <a:t>1/4/22</a:t>
             </a:fld>
             <a:endParaRPr lang="en-US"/>
           </a:p>
@@ -2338,7 +2340,7 @@
           <a:p>
             <a:fld id="{02AC24A9-CCB6-4F8D-B8DB-C2F3692CFA5A}" type="datetimeFigureOut">
               <a:rPr lang="en-US" smtClean="0"/>
-              <a:t>1/3/22</a:t>
+              <a:t>1/4/22</a:t>
             </a:fld>
             <a:endParaRPr lang="en-US"/>
           </a:p>
@@ -3037,7 +3039,7 @@
           <a:p>
             <a:fld id="{02AC24A9-CCB6-4F8D-B8DB-C2F3692CFA5A}" type="datetimeFigureOut">
               <a:rPr lang="en-US" smtClean="0"/>
-              <a:t>1/3/22</a:t>
+              <a:t>1/4/22</a:t>
             </a:fld>
             <a:endParaRPr lang="en-US"/>
           </a:p>
@@ -3366,7 +3368,7 @@
           <a:p>
             <a:fld id="{02AC24A9-CCB6-4F8D-B8DB-C2F3692CFA5A}" type="datetimeFigureOut">
               <a:rPr lang="en-US" smtClean="0"/>
-              <a:t>1/3/22</a:t>
+              <a:t>1/4/22</a:t>
             </a:fld>
             <a:endParaRPr lang="en-US"/>
           </a:p>
@@ -3479,7 +3481,7 @@
           <a:p>
             <a:fld id="{02AC24A9-CCB6-4F8D-B8DB-C2F3692CFA5A}" type="datetimeFigureOut">
               <a:rPr lang="en-US" smtClean="0"/>
-              <a:t>1/3/22</a:t>
+              <a:t>1/4/22</a:t>
             </a:fld>
             <a:endParaRPr lang="en-US"/>
           </a:p>
@@ -3974,7 +3976,7 @@
           <a:p>
             <a:fld id="{02AC24A9-CCB6-4F8D-B8DB-C2F3692CFA5A}" type="datetimeFigureOut">
               <a:rPr lang="en-US" smtClean="0"/>
-              <a:t>1/3/22</a:t>
+              <a:t>1/4/22</a:t>
             </a:fld>
             <a:endParaRPr lang="en-US" dirty="0"/>
           </a:p>
@@ -4451,7 +4453,7 @@
           <a:p>
             <a:fld id="{02AC24A9-CCB6-4F8D-B8DB-C2F3692CFA5A}" type="datetimeFigureOut">
               <a:rPr lang="en-US" smtClean="0"/>
-              <a:t>1/3/22</a:t>
+              <a:t>1/4/22</a:t>
             </a:fld>
             <a:endParaRPr lang="en-US"/>
           </a:p>
@@ -4694,7 +4696,7 @@
           <a:p>
             <a:fld id="{02AC24A9-CCB6-4F8D-B8DB-C2F3692CFA5A}" type="datetimeFigureOut">
               <a:rPr lang="en-US" smtClean="0"/>
-              <a:t>1/3/22</a:t>
+              <a:t>1/4/22</a:t>
             </a:fld>
             <a:endParaRPr lang="en-US"/>
           </a:p>
@@ -13445,7 +13447,7 @@
           <a:p>
             <a:r>
               <a:rPr lang="fr-FR" sz="2400" dirty="0"/>
-              <a:t>Qu’est ce que Kubernetes</a:t>
+              <a:t>Kubernetes</a:t>
             </a:r>
           </a:p>
         </p:txBody>
@@ -13478,12 +13480,55 @@
           </a:bodyPr>
           <a:lstStyle/>
           <a:p>
+            <a:r>
+              <a:rPr lang="fr-FR" sz="1200" dirty="0"/>
+              <a:t>D’anciens développeurs de Borg écrivent K8s en Go </a:t>
+            </a:r>
+          </a:p>
+          <a:p>
+            <a:r>
+              <a:rPr lang="fr-FR" sz="1200" dirty="0"/>
+              <a:t>Directement pensé pour utiliser Docker (</a:t>
+            </a:r>
+            <a:r>
+              <a:rPr lang="fr-FR" sz="1200" dirty="0" err="1"/>
+              <a:t>engine</a:t>
+            </a:r>
+            <a:r>
+              <a:rPr lang="fr-FR" sz="1200" dirty="0"/>
+              <a:t>) </a:t>
+            </a:r>
+          </a:p>
+          <a:p>
+            <a:r>
+              <a:rPr lang="fr-FR" sz="1200" dirty="0"/>
+              <a:t>Directement dans l’optique d’en faire un projet </a:t>
+            </a:r>
+            <a:r>
+              <a:rPr lang="fr-FR" sz="1200" dirty="0" err="1"/>
+              <a:t>OpenSource</a:t>
+            </a:r>
+            <a:r>
+              <a:rPr lang="fr-FR" sz="1200" dirty="0"/>
+              <a:t> </a:t>
+            </a:r>
+          </a:p>
+          <a:p>
+            <a:r>
+              <a:rPr lang="fr-FR" sz="1200" dirty="0"/>
+              <a:t>Version 1.0 en Juin 2015</a:t>
+            </a:r>
+          </a:p>
+          <a:p>
+            <a:endParaRPr lang="fr-FR" sz="1200" dirty="0"/>
+          </a:p>
+          <a:p>
             <a:pPr marL="0" indent="0">
               <a:buNone/>
             </a:pPr>
             <a:r>
               <a:rPr lang="fr-FR" sz="1200" dirty="0"/>
-              <a:t>Kubernetes est un système open source qui vise à fournir une « plate-forme permettant d'automatiser le déploiement, la montée en charge et la mise en œuvre de conteneurs d'application sur des clusters de serveurs ».</a:t>
+              <a:t>Kubernetes permet d'éliminer de nombreux processus manuels associés au déploiement et à la mise à l'échelle des applications conteneurisées</a:t>
             </a:r>
           </a:p>
           <a:p>
@@ -13498,15 +13543,7 @@
             </a:pPr>
             <a:r>
               <a:rPr lang="fr-FR" sz="1200" dirty="0"/>
-              <a:t>Explication de master, </a:t>
-            </a:r>
-            <a:r>
-              <a:rPr lang="fr-FR" sz="1200" dirty="0" err="1"/>
-              <a:t>Nodes</a:t>
-            </a:r>
-            <a:r>
-              <a:rPr lang="fr-FR" sz="1200" dirty="0"/>
-              <a:t>,</a:t>
+              <a:t>Kubernetes vous aide à gérer facilement et efficacement des clusters au sein desquels vous aurez rassemblé des groupes d'hôtes exécutant des conteneurs Linux.</a:t>
             </a:r>
           </a:p>
           <a:p>
@@ -13521,99 +13558,8 @@
             </a:pPr>
             <a:r>
               <a:rPr lang="fr-FR" sz="1200" dirty="0"/>
-              <a:t>Production Manage solutions, Amazon EKS, Google Kubernetes Engine GKE</a:t>
-            </a:r>
-          </a:p>
-          <a:p>
-            <a:pPr marL="0" indent="0">
-              <a:buNone/>
-            </a:pPr>
-            <a:r>
-              <a:rPr lang="fr-FR" sz="1200" dirty="0"/>
-              <a:t>Développement </a:t>
-            </a:r>
-            <a:r>
-              <a:rPr lang="fr-FR" sz="1200" dirty="0" err="1"/>
-              <a:t>minikube</a:t>
-            </a:r>
-            <a:r>
-              <a:rPr lang="fr-FR" sz="1200" dirty="0"/>
-              <a:t> -&gt; </a:t>
-            </a:r>
-            <a:r>
-              <a:rPr lang="fr-FR" sz="1200" dirty="0" err="1"/>
-              <a:t>gére</a:t>
-            </a:r>
-            <a:r>
-              <a:rPr lang="fr-FR" sz="1200" dirty="0"/>
-              <a:t> la VM (utilisé aussi en production)</a:t>
-            </a:r>
-          </a:p>
-          <a:p>
-            <a:pPr marL="0" indent="0">
-              <a:buNone/>
-            </a:pPr>
-            <a:r>
-              <a:rPr lang="fr-FR" sz="1200" dirty="0" err="1"/>
-              <a:t>Dévéloppement</a:t>
-            </a:r>
-            <a:r>
-              <a:rPr lang="fr-FR" sz="1200" dirty="0"/>
-              <a:t> </a:t>
-            </a:r>
-            <a:r>
-              <a:rPr lang="fr-FR" sz="1200" dirty="0" err="1"/>
-              <a:t>kubectl</a:t>
-            </a:r>
-            <a:r>
-              <a:rPr lang="fr-FR" sz="1200" dirty="0"/>
-              <a:t> -&gt; </a:t>
-            </a:r>
-            <a:r>
-              <a:rPr lang="fr-FR" sz="1200" dirty="0" err="1"/>
-              <a:t>gére</a:t>
-            </a:r>
-            <a:r>
-              <a:rPr lang="fr-FR" sz="1200" dirty="0"/>
-              <a:t> les </a:t>
-            </a:r>
-            <a:r>
-              <a:rPr lang="fr-FR" sz="1200" dirty="0" err="1"/>
-              <a:t>contaieners</a:t>
-            </a:r>
-            <a:r>
-              <a:rPr lang="fr-FR" sz="1200" dirty="0"/>
-              <a:t> au sein du </a:t>
-            </a:r>
-            <a:r>
-              <a:rPr lang="fr-FR" sz="1200" dirty="0" err="1"/>
-              <a:t>node</a:t>
-            </a:r>
-            <a:endParaRPr lang="fr-FR" sz="1200" dirty="0"/>
-          </a:p>
-          <a:p>
-            <a:pPr marL="0" indent="0">
-              <a:buNone/>
-            </a:pPr>
-            <a:endParaRPr lang="fr-FR" sz="1200" dirty="0"/>
-          </a:p>
-          <a:p>
-            <a:pPr marL="0" indent="0">
-              <a:buNone/>
-            </a:pPr>
-            <a:endParaRPr lang="fr-FR" sz="1200" dirty="0"/>
-          </a:p>
-          <a:p>
-            <a:pPr marL="0" indent="0">
-              <a:buNone/>
-            </a:pPr>
-            <a:endParaRPr lang="fr-FR" sz="1200" dirty="0"/>
-          </a:p>
-          <a:p>
-            <a:pPr marL="0" indent="0">
-              <a:buNone/>
-            </a:pPr>
-            <a:endParaRPr lang="fr-FR" sz="1200" dirty="0"/>
+              <a:t>Concrètement, Kubernetes aide à optimiser l'utilisation des ressources et les coûts en faisant évoluer automatiquement les ressources en fonction de la demande</a:t>
+            </a:r>
           </a:p>
           <a:p>
             <a:pPr marL="0" indent="0">
@@ -13658,7 +13604,7 @@
           <p:cNvPr id="2" name="Titre 1">
             <a:extLst>
               <a:ext uri="{FF2B5EF4-FFF2-40B4-BE49-F238E27FC236}">
-                <a16:creationId xmlns:a16="http://schemas.microsoft.com/office/drawing/2014/main" id="{18DD65D0-03CD-DF49-B1F8-35CE2A6182D4}"/>
+                <a16:creationId xmlns:a16="http://schemas.microsoft.com/office/drawing/2014/main" id="{189B7B4F-EC42-8148-B1C8-43810A892074}"/>
               </a:ext>
             </a:extLst>
           </p:cNvPr>
@@ -13688,7 +13634,7 @@
           <p:cNvPr id="3" name="Espace réservé du contenu 2">
             <a:extLst>
               <a:ext uri="{FF2B5EF4-FFF2-40B4-BE49-F238E27FC236}">
-                <a16:creationId xmlns:a16="http://schemas.microsoft.com/office/drawing/2014/main" id="{53F6BB81-2BEF-E341-B9E8-B2C06BC9F1FE}"/>
+                <a16:creationId xmlns:a16="http://schemas.microsoft.com/office/drawing/2014/main" id="{FA04DAE1-B727-084E-A859-8FD4ED81BC64}"/>
               </a:ext>
             </a:extLst>
           </p:cNvPr>
@@ -13699,19 +13645,107 @@
             <p:ph idx="1"/>
           </p:nvPr>
         </p:nvSpPr>
-        <p:spPr/>
-        <p:txBody>
-          <a:bodyPr/>
-          <a:lstStyle/>
-          <a:p>
-            <a:endParaRPr lang="fr-FR"/>
+        <p:spPr>
+          <a:xfrm>
+            <a:off x="552261" y="2308634"/>
+            <a:ext cx="10731435" cy="3863566"/>
+          </a:xfrm>
+        </p:spPr>
+        <p:txBody>
+          <a:bodyPr>
+            <a:normAutofit lnSpcReduction="10000"/>
+          </a:bodyPr>
+          <a:lstStyle/>
+          <a:p>
+            <a:r>
+              <a:rPr lang="fr-FR" sz="1200" dirty="0"/>
+              <a:t>Définir et déployer des applications multi-conteneurs </a:t>
+            </a:r>
+          </a:p>
+          <a:p>
+            <a:r>
+              <a:rPr lang="fr-FR" sz="1200" dirty="0"/>
+              <a:t>Répartir les conteneurs sur une flotte d’hôtes (nœuds) </a:t>
+            </a:r>
+          </a:p>
+          <a:p>
+            <a:r>
+              <a:rPr lang="fr-FR" sz="1200" dirty="0"/>
+              <a:t>Optimiser et adapter le placement des conteneurs </a:t>
+            </a:r>
+          </a:p>
+          <a:p>
+            <a:r>
+              <a:rPr lang="fr-FR" sz="1200" dirty="0"/>
+              <a:t>Surveiller la santé des conteneurs </a:t>
+            </a:r>
+          </a:p>
+          <a:p>
+            <a:r>
+              <a:rPr lang="fr-FR" sz="1200" dirty="0"/>
+              <a:t>Définir et appliquer des contraintes de niveaux de services </a:t>
+            </a:r>
+          </a:p>
+          <a:p>
+            <a:r>
+              <a:rPr lang="fr-FR" sz="1200" dirty="0"/>
+              <a:t>Gérer la disponibilité et la </a:t>
+            </a:r>
+            <a:r>
+              <a:rPr lang="fr-FR" sz="1200" dirty="0" err="1"/>
+              <a:t>scalabilité</a:t>
+            </a:r>
+            <a:r>
+              <a:rPr lang="fr-FR" sz="1200" dirty="0"/>
+              <a:t> des conteneurs </a:t>
+            </a:r>
+          </a:p>
+          <a:p>
+            <a:r>
+              <a:rPr lang="fr-FR" sz="1200" dirty="0"/>
+              <a:t>Gérer le provisionnement et l’accès au stockage </a:t>
+            </a:r>
+          </a:p>
+          <a:p>
+            <a:r>
+              <a:rPr lang="fr-FR" sz="1200" dirty="0"/>
+              <a:t>Isoler les conteneurs </a:t>
+            </a:r>
+          </a:p>
+          <a:p>
+            <a:r>
+              <a:rPr lang="fr-FR" sz="1200" dirty="0"/>
+              <a:t>Limitation de ressources </a:t>
+            </a:r>
+          </a:p>
+          <a:p>
+            <a:r>
+              <a:rPr lang="fr-FR" sz="1200" dirty="0"/>
+              <a:t>Sécurité (vision multi-tenant)</a:t>
+            </a:r>
+          </a:p>
+          <a:p>
+            <a:endParaRPr lang="fr-FR" sz="1200" dirty="0"/>
+          </a:p>
+          <a:p>
+            <a:pPr marL="0" indent="0">
+              <a:buNone/>
+            </a:pPr>
+            <a:r>
+              <a:rPr lang="fr-FR" sz="1200" dirty="0"/>
+              <a:t>T</a:t>
+            </a:r>
+            <a:r>
+              <a:rPr lang="fr-FR" sz="1200" b="1" dirty="0"/>
+              <a:t>out ça de manière dynamique et pour des milliers de conteneurs !</a:t>
+            </a:r>
           </a:p>
         </p:txBody>
       </p:sp>
     </p:spTree>
     <p:extLst>
       <p:ext uri="{BB962C8B-B14F-4D97-AF65-F5344CB8AC3E}">
-        <p14:creationId xmlns:p14="http://schemas.microsoft.com/office/powerpoint/2010/main" val="3725948383"/>
+        <p14:creationId xmlns:p14="http://schemas.microsoft.com/office/powerpoint/2010/main" val="3551227897"/>
       </p:ext>
     </p:extLst>
   </p:cSld>
@@ -13743,7 +13777,7 @@
           <p:cNvPr id="2" name="Titre 1">
             <a:extLst>
               <a:ext uri="{FF2B5EF4-FFF2-40B4-BE49-F238E27FC236}">
-                <a16:creationId xmlns:a16="http://schemas.microsoft.com/office/drawing/2014/main" id="{69C960B3-9F47-8749-9768-A3A7B33CC3F8}"/>
+                <a16:creationId xmlns:a16="http://schemas.microsoft.com/office/drawing/2014/main" id="{189B7B4F-EC42-8148-B1C8-43810A892074}"/>
               </a:ext>
             </a:extLst>
           </p:cNvPr>
@@ -13763,7 +13797,7 @@
           <a:p>
             <a:r>
               <a:rPr lang="fr-FR" sz="2400" dirty="0"/>
-              <a:t>Kubernetes production</a:t>
+              <a:t>Qu’est ce que Kubernetes</a:t>
             </a:r>
           </a:p>
         </p:txBody>
@@ -13773,7 +13807,7 @@
           <p:cNvPr id="3" name="Espace réservé du contenu 2">
             <a:extLst>
               <a:ext uri="{FF2B5EF4-FFF2-40B4-BE49-F238E27FC236}">
-                <a16:creationId xmlns:a16="http://schemas.microsoft.com/office/drawing/2014/main" id="{AFC4072F-64C7-894D-B1D2-708F778CC2E2}"/>
+                <a16:creationId xmlns:a16="http://schemas.microsoft.com/office/drawing/2014/main" id="{FA04DAE1-B727-084E-A859-8FD4ED81BC64}"/>
               </a:ext>
             </a:extLst>
           </p:cNvPr>
@@ -13784,19 +13818,86 @@
             <p:ph idx="1"/>
           </p:nvPr>
         </p:nvSpPr>
-        <p:spPr/>
-        <p:txBody>
-          <a:bodyPr/>
-          <a:lstStyle/>
-          <a:p>
-            <a:endParaRPr lang="fr-FR"/>
+        <p:spPr>
+          <a:xfrm>
+            <a:off x="552261" y="2308634"/>
+            <a:ext cx="10731435" cy="3863566"/>
+          </a:xfrm>
+        </p:spPr>
+        <p:txBody>
+          <a:bodyPr>
+            <a:normAutofit/>
+          </a:bodyPr>
+          <a:lstStyle/>
+          <a:p>
+            <a:pPr marL="0" indent="0">
+              <a:buNone/>
+            </a:pPr>
+            <a:r>
+              <a:rPr lang="fr-FR" sz="1200" dirty="0"/>
+              <a:t>Kubernetes permet d'éliminer de nombreux processus manuels associés au déploiement et à la mise à l'échelle des applications conteneurisées</a:t>
+            </a:r>
+          </a:p>
+          <a:p>
+            <a:pPr marL="0" indent="0">
+              <a:buNone/>
+            </a:pPr>
+            <a:endParaRPr lang="fr-FR" sz="1200" dirty="0"/>
+          </a:p>
+          <a:p>
+            <a:pPr marL="0" indent="0">
+              <a:buNone/>
+            </a:pPr>
+            <a:r>
+              <a:rPr lang="fr-FR" sz="1200" dirty="0"/>
+              <a:t>Kubernetes vous aide à gérer facilement et efficacement des clusters au sein desquels vous aurez rassemblé des groupes d'hôtes exécutant des conteneurs Linux.</a:t>
+            </a:r>
+          </a:p>
+          <a:p>
+            <a:pPr marL="0" indent="0">
+              <a:buNone/>
+            </a:pPr>
+            <a:endParaRPr lang="fr-FR" sz="1200" dirty="0"/>
+          </a:p>
+          <a:p>
+            <a:pPr marL="0" indent="0">
+              <a:buNone/>
+            </a:pPr>
+            <a:r>
+              <a:rPr lang="fr-FR" sz="1200" dirty="0"/>
+              <a:t>Concrètement, Kubernetes aide à optimiser l'utilisation des ressources et les coûts en faisant évoluer automatiquement les ressources en fonction de la demande</a:t>
+            </a:r>
+          </a:p>
+          <a:p>
+            <a:pPr marL="0" indent="0">
+              <a:buNone/>
+            </a:pPr>
+            <a:endParaRPr lang="fr-FR" sz="1200" dirty="0"/>
+          </a:p>
+          <a:p>
+            <a:pPr marL="0" indent="0">
+              <a:buNone/>
+            </a:pPr>
+            <a:endParaRPr lang="fr-FR" sz="1200" dirty="0"/>
+          </a:p>
+          <a:p>
+            <a:pPr marL="0" indent="0">
+              <a:buNone/>
+            </a:pPr>
+            <a:endParaRPr lang="fr-FR" sz="1200" dirty="0"/>
+          </a:p>
+          <a:p>
+            <a:pPr marL="0" indent="0">
+              <a:buNone/>
+            </a:pPr>
+            <a:endParaRPr lang="fr-FR" sz="1200" dirty="0"/>
           </a:p>
         </p:txBody>
       </p:sp>
     </p:spTree>
     <p:extLst>
       <p:ext uri="{BB962C8B-B14F-4D97-AF65-F5344CB8AC3E}">
-        <p14:creationId xmlns:p14="http://schemas.microsoft.com/office/powerpoint/2010/main" val="3908242837"/>
+        <p14:creationId xmlns:p14="http://schemas.microsoft.com/office/powerpoint/2010/main" val="1883478929"/>
       </p:ext>
     </p:extLst>
   </p:cSld>
@@ -13809,6 +13910,14 @@
 <file path=ppt/slides/slide33.xml><?xml version="1.0" encoding="utf-8"?>
 <p:sld xmlns:a="http://schemas.openxmlformats.org/drawingml/2006/main" xmlns:r="http://schemas.openxmlformats.org/officeDocument/2006/relationships" xmlns:p="http://schemas.openxmlformats.org/presentationml/2006/main">
   <p:cSld>
+    <p:bg>
+      <p:bgPr>
+        <a:solidFill>
+          <a:schemeClr val="bg1"/>
+        </a:solidFill>
+        <a:effectLst/>
+      </p:bgPr>
+    </p:bg>
     <p:spTree>
       <p:nvGrpSpPr>
         <p:cNvPr id="1" name=""/>
@@ -13825,10 +13934,258 @@
       </p:grpSpPr>
       <p:sp>
         <p:nvSpPr>
+          <p:cNvPr id="22" name="Rectangle 11">
+            <a:extLst>
+              <a:ext uri="{FF2B5EF4-FFF2-40B4-BE49-F238E27FC236}">
+                <a16:creationId xmlns:a16="http://schemas.microsoft.com/office/drawing/2014/main" id="{8D06CE56-3881-4ADA-8CEF-D18B02C242A3}"/>
+              </a:ext>
+              <a:ext uri="{C183D7F6-B498-43B3-948B-1728B52AA6E4}">
+                <adec:decorative xmlns:adec="http://schemas.microsoft.com/office/drawing/2017/decorative" val="1"/>
+              </a:ext>
+            </a:extLst>
+          </p:cNvPr>
+          <p:cNvSpPr>
+            <a:spLocks noGrp="1" noRot="1" noChangeAspect="1" noMove="1" noResize="1" noEditPoints="1" noAdjustHandles="1" noChangeArrowheads="1" noChangeShapeType="1" noTextEdit="1"/>
+          </p:cNvSpPr>
+          <p:nvPr>
+            <p:extLst>
+              <p:ext uri="{386F3935-93C4-4BCD-93E2-E3B085C9AB24}">
+                <p16:designElem xmlns:p16="http://schemas.microsoft.com/office/powerpoint/2015/main" val="1"/>
+              </p:ext>
+            </p:extLst>
+          </p:nvPr>
+        </p:nvSpPr>
+        <p:spPr>
+          <a:xfrm rot="5400000">
+            <a:off x="857544" y="346791"/>
+            <a:ext cx="146304" cy="704088"/>
+          </a:xfrm>
+          <a:prstGeom prst="rect">
+            <a:avLst/>
+          </a:prstGeom>
+          <a:solidFill>
+            <a:schemeClr val="accent1"/>
+          </a:solidFill>
+          <a:ln>
+            <a:noFill/>
+          </a:ln>
+        </p:spPr>
+        <p:style>
+          <a:lnRef idx="2">
+            <a:schemeClr val="accent1">
+              <a:shade val="50000"/>
+            </a:schemeClr>
+          </a:lnRef>
+          <a:fillRef idx="1">
+            <a:schemeClr val="accent1"/>
+          </a:fillRef>
+          <a:effectRef idx="0">
+            <a:schemeClr val="accent1"/>
+          </a:effectRef>
+          <a:fontRef idx="minor">
+            <a:schemeClr val="lt1"/>
+          </a:fontRef>
+        </p:style>
+        <p:txBody>
+          <a:bodyPr rtlCol="0" anchor="ctr"/>
+          <a:lstStyle/>
+          <a:p>
+            <a:pPr marL="0" marR="0" lvl="0" indent="0" algn="ctr" defTabSz="914400" rtl="0" eaLnBrk="1" fontAlgn="auto" latinLnBrk="0" hangingPunct="1">
+              <a:lnSpc>
+                <a:spcPct val="100000"/>
+              </a:lnSpc>
+              <a:spcBef>
+                <a:spcPts val="0"/>
+              </a:spcBef>
+              <a:spcAft>
+                <a:spcPts val="0"/>
+              </a:spcAft>
+              <a:buClrTx/>
+              <a:buSzTx/>
+              <a:buFontTx/>
+              <a:buNone/>
+              <a:tabLst/>
+              <a:defRPr/>
+            </a:pPr>
+            <a:endParaRPr kumimoji="0" lang="en-US" sz="1800" b="0" i="0" u="none" strike="noStrike" kern="1200" cap="none" spc="0" normalizeH="0" baseline="0" noProof="0">
+              <a:ln>
+                <a:noFill/>
+              </a:ln>
+              <a:solidFill>
+                <a:prstClr val="white"/>
+              </a:solidFill>
+              <a:effectLst/>
+              <a:uLnTx/>
+              <a:uFillTx/>
+              <a:latin typeface="Calibri" panose="020F0502020204030204"/>
+              <a:ea typeface="+mn-ea"/>
+              <a:cs typeface="+mn-cs"/>
+            </a:endParaRPr>
+          </a:p>
+        </p:txBody>
+      </p:sp>
+      <p:sp>
+        <p:nvSpPr>
+          <p:cNvPr id="23" name="Rectangle 13">
+            <a:extLst>
+              <a:ext uri="{FF2B5EF4-FFF2-40B4-BE49-F238E27FC236}">
+                <a16:creationId xmlns:a16="http://schemas.microsoft.com/office/drawing/2014/main" id="{79F3C543-62EC-4433-9C93-A2CD8764E9B4}"/>
+              </a:ext>
+              <a:ext uri="{C183D7F6-B498-43B3-948B-1728B52AA6E4}">
+                <adec:decorative xmlns:adec="http://schemas.microsoft.com/office/drawing/2017/decorative" val="1"/>
+              </a:ext>
+            </a:extLst>
+          </p:cNvPr>
+          <p:cNvSpPr>
+            <a:spLocks noGrp="1" noRot="1" noChangeAspect="1" noMove="1" noResize="1" noEditPoints="1" noAdjustHandles="1" noChangeArrowheads="1" noChangeShapeType="1" noTextEdit="1"/>
+          </p:cNvSpPr>
+          <p:nvPr>
+            <p:extLst>
+              <p:ext uri="{386F3935-93C4-4BCD-93E2-E3B085C9AB24}">
+                <p16:designElem xmlns:p16="http://schemas.microsoft.com/office/powerpoint/2015/main" val="1"/>
+              </p:ext>
+            </p:extLst>
+          </p:nvPr>
+        </p:nvSpPr>
+        <p:spPr>
+          <a:xfrm flipV="1">
+            <a:off x="578652" y="4501201"/>
+            <a:ext cx="11034696" cy="18288"/>
+          </a:xfrm>
+          <a:prstGeom prst="rect">
+            <a:avLst/>
+          </a:prstGeom>
+          <a:solidFill>
+            <a:schemeClr val="tx2">
+              <a:lumMod val="25000"/>
+              <a:lumOff val="75000"/>
+            </a:schemeClr>
+          </a:solidFill>
+          <a:ln w="3175">
+            <a:noFill/>
+          </a:ln>
+          <a:effectLst/>
+        </p:spPr>
+        <p:style>
+          <a:lnRef idx="2">
+            <a:schemeClr val="accent1">
+              <a:shade val="50000"/>
+            </a:schemeClr>
+          </a:lnRef>
+          <a:fillRef idx="1">
+            <a:schemeClr val="accent1"/>
+          </a:fillRef>
+          <a:effectRef idx="0">
+            <a:schemeClr val="accent1"/>
+          </a:effectRef>
+          <a:fontRef idx="minor">
+            <a:schemeClr val="lt1"/>
+          </a:fontRef>
+        </p:style>
+        <p:txBody>
+          <a:bodyPr rtlCol="0" anchor="ctr"/>
+          <a:lstStyle/>
+          <a:p>
+            <a:pPr marL="0" marR="0" lvl="0" indent="0" algn="ctr" defTabSz="914400" rtl="0" eaLnBrk="1" fontAlgn="auto" latinLnBrk="0" hangingPunct="1">
+              <a:lnSpc>
+                <a:spcPct val="100000"/>
+              </a:lnSpc>
+              <a:spcBef>
+                <a:spcPts val="0"/>
+              </a:spcBef>
+              <a:spcAft>
+                <a:spcPts val="0"/>
+              </a:spcAft>
+              <a:buClrTx/>
+              <a:buSzTx/>
+              <a:buFontTx/>
+              <a:buNone/>
+              <a:tabLst/>
+              <a:defRPr/>
+            </a:pPr>
+            <a:endParaRPr kumimoji="0" lang="en-US" sz="1800" b="0" i="0" u="none" strike="noStrike" kern="1200" cap="none" spc="0" normalizeH="0" baseline="0" noProof="0">
+              <a:ln>
+                <a:noFill/>
+              </a:ln>
+              <a:solidFill>
+                <a:prstClr val="white"/>
+              </a:solidFill>
+              <a:effectLst/>
+              <a:uLnTx/>
+              <a:uFillTx/>
+              <a:latin typeface="Calibri" panose="020F0502020204030204"/>
+              <a:ea typeface="+mn-ea"/>
+              <a:cs typeface="+mn-cs"/>
+            </a:endParaRPr>
+          </a:p>
+        </p:txBody>
+      </p:sp>
+      <p:sp useBgFill="1">
+        <p:nvSpPr>
+          <p:cNvPr id="24" name="Rectangle 15">
+            <a:extLst>
+              <a:ext uri="{FF2B5EF4-FFF2-40B4-BE49-F238E27FC236}">
+                <a16:creationId xmlns:a16="http://schemas.microsoft.com/office/drawing/2014/main" id="{D7D03296-BABA-47AD-A5D5-ED156727016E}"/>
+              </a:ext>
+              <a:ext uri="{C183D7F6-B498-43B3-948B-1728B52AA6E4}">
+                <adec:decorative xmlns:adec="http://schemas.microsoft.com/office/drawing/2017/decorative" val="1"/>
+              </a:ext>
+            </a:extLst>
+          </p:cNvPr>
+          <p:cNvSpPr>
+            <a:spLocks noGrp="1" noRot="1" noChangeAspect="1" noMove="1" noResize="1" noEditPoints="1" noAdjustHandles="1" noChangeArrowheads="1" noChangeShapeType="1" noTextEdit="1"/>
+          </p:cNvSpPr>
+          <p:nvPr>
+            <p:extLst>
+              <p:ext uri="{386F3935-93C4-4BCD-93E2-E3B085C9AB24}">
+                <p16:designElem xmlns:p16="http://schemas.microsoft.com/office/powerpoint/2015/main" val="1"/>
+              </p:ext>
+            </p:extLst>
+          </p:nvPr>
+        </p:nvSpPr>
+        <p:spPr>
+          <a:xfrm>
+            <a:off x="0" y="0"/>
+            <a:ext cx="12192000" cy="6858000"/>
+          </a:xfrm>
+          <a:prstGeom prst="rect">
+            <a:avLst/>
+          </a:prstGeom>
+          <a:ln>
+            <a:noFill/>
+          </a:ln>
+        </p:spPr>
+        <p:style>
+          <a:lnRef idx="2">
+            <a:schemeClr val="accent1">
+              <a:shade val="50000"/>
+            </a:schemeClr>
+          </a:lnRef>
+          <a:fillRef idx="1">
+            <a:schemeClr val="accent1"/>
+          </a:fillRef>
+          <a:effectRef idx="0">
+            <a:schemeClr val="accent1"/>
+          </a:effectRef>
+          <a:fontRef idx="minor">
+            <a:schemeClr val="lt1"/>
+          </a:fontRef>
+        </p:style>
+        <p:txBody>
+          <a:bodyPr rtlCol="0" anchor="ctr"/>
+          <a:lstStyle/>
+          <a:p>
+            <a:pPr algn="ctr"/>
+            <a:endParaRPr lang="en-US"/>
+          </a:p>
+        </p:txBody>
+      </p:sp>
+      <p:sp>
+        <p:nvSpPr>
           <p:cNvPr id="2" name="Titre 1">
             <a:extLst>
               <a:ext uri="{FF2B5EF4-FFF2-40B4-BE49-F238E27FC236}">
-                <a16:creationId xmlns:a16="http://schemas.microsoft.com/office/drawing/2014/main" id="{5BA142B3-ED15-8048-950C-44C02404CFCC}"/>
+                <a16:creationId xmlns:a16="http://schemas.microsoft.com/office/drawing/2014/main" id="{189B7B4F-EC42-8148-B1C8-43810A892074}"/>
               </a:ext>
             </a:extLst>
           </p:cNvPr>
@@ -13839,49 +14196,286 @@
             <p:ph type="title"/>
           </p:nvPr>
         </p:nvSpPr>
-        <p:spPr/>
-        <p:txBody>
-          <a:bodyPr>
+        <p:spPr>
+          <a:xfrm>
+            <a:off x="838200" y="226061"/>
+            <a:ext cx="10515600" cy="1092050"/>
+          </a:xfrm>
+        </p:spPr>
+        <p:txBody>
+          <a:bodyPr vert="horz" lIns="91440" tIns="45720" rIns="91440" bIns="45720" rtlCol="0" anchor="b">
             <a:normAutofit/>
           </a:bodyPr>
           <a:lstStyle/>
           <a:p>
-            <a:r>
-              <a:rPr lang="fr-FR" sz="2400" dirty="0"/>
-              <a:t>Kubernetes développement local</a:t>
-            </a:r>
+            <a:pPr algn="ctr"/>
+            <a:r>
+              <a:rPr lang="en-US" sz="2400" dirty="0"/>
+              <a:t>Example de Scaling</a:t>
+            </a:r>
+          </a:p>
+        </p:txBody>
+      </p:sp>
+      <p:sp useBgFill="1">
+        <p:nvSpPr>
+          <p:cNvPr id="25" name="Rectangle 17">
+            <a:extLst>
+              <a:ext uri="{FF2B5EF4-FFF2-40B4-BE49-F238E27FC236}">
+                <a16:creationId xmlns:a16="http://schemas.microsoft.com/office/drawing/2014/main" id="{284A8429-F65A-490D-96E4-1158D3E8A026}"/>
+              </a:ext>
+              <a:ext uri="{C183D7F6-B498-43B3-948B-1728B52AA6E4}">
+                <adec:decorative xmlns:adec="http://schemas.microsoft.com/office/drawing/2017/decorative" val="1"/>
+              </a:ext>
+            </a:extLst>
+          </p:cNvPr>
+          <p:cNvSpPr>
+            <a:spLocks noGrp="1" noRot="1" noChangeAspect="1" noMove="1" noResize="1" noEditPoints="1" noAdjustHandles="1" noChangeArrowheads="1" noChangeShapeType="1" noTextEdit="1"/>
+          </p:cNvSpPr>
+          <p:nvPr>
+            <p:extLst>
+              <p:ext uri="{386F3935-93C4-4BCD-93E2-E3B085C9AB24}">
+                <p16:designElem xmlns:p16="http://schemas.microsoft.com/office/powerpoint/2015/main" val="1"/>
+              </p:ext>
+            </p:extLst>
+          </p:nvPr>
+        </p:nvSpPr>
+        <p:spPr>
+          <a:xfrm>
+            <a:off x="838199" y="1396083"/>
+            <a:ext cx="10515599" cy="822960"/>
+          </a:xfrm>
+          <a:prstGeom prst="rect">
+            <a:avLst/>
+          </a:prstGeom>
+          <a:ln w="12700">
+            <a:solidFill>
+              <a:schemeClr val="tx2">
+                <a:lumMod val="10000"/>
+                <a:lumOff val="90000"/>
+              </a:schemeClr>
+            </a:solidFill>
+          </a:ln>
+          <a:effectLst>
+            <a:outerShdw blurRad="50800" dist="38100" dir="2700000" algn="tl" rotWithShape="0">
+              <a:schemeClr val="bg1">
+                <a:lumMod val="85000"/>
+                <a:alpha val="30000"/>
+              </a:schemeClr>
+            </a:outerShdw>
+          </a:effectLst>
+        </p:spPr>
+        <p:style>
+          <a:lnRef idx="2">
+            <a:schemeClr val="accent1">
+              <a:shade val="50000"/>
+            </a:schemeClr>
+          </a:lnRef>
+          <a:fillRef idx="1">
+            <a:schemeClr val="accent1"/>
+          </a:fillRef>
+          <a:effectRef idx="0">
+            <a:schemeClr val="accent1"/>
+          </a:effectRef>
+          <a:fontRef idx="minor">
+            <a:schemeClr val="lt1"/>
+          </a:fontRef>
+        </p:style>
+        <p:txBody>
+          <a:bodyPr rtlCol="0" anchor="ctr"/>
+          <a:lstStyle/>
+          <a:p>
+            <a:pPr marL="0" marR="0" lvl="0" indent="0" algn="ctr" defTabSz="914400" rtl="0" eaLnBrk="1" fontAlgn="auto" latinLnBrk="0" hangingPunct="1">
+              <a:lnSpc>
+                <a:spcPct val="100000"/>
+              </a:lnSpc>
+              <a:spcBef>
+                <a:spcPts val="0"/>
+              </a:spcBef>
+              <a:spcAft>
+                <a:spcPts val="0"/>
+              </a:spcAft>
+              <a:buClrTx/>
+              <a:buSzTx/>
+              <a:buFontTx/>
+              <a:buNone/>
+              <a:tabLst/>
+              <a:defRPr/>
+            </a:pPr>
+            <a:endParaRPr kumimoji="0" lang="en-US" sz="1800" b="0" i="0" u="none" strike="noStrike" kern="1200" cap="none" spc="0" normalizeH="0" baseline="0" noProof="0" dirty="0">
+              <a:ln>
+                <a:noFill/>
+              </a:ln>
+              <a:solidFill>
+                <a:prstClr val="white"/>
+              </a:solidFill>
+              <a:effectLst/>
+              <a:uLnTx/>
+              <a:uFillTx/>
+              <a:latin typeface="Calibri" panose="020F0502020204030204"/>
+              <a:ea typeface="+mn-ea"/>
+              <a:cs typeface="+mn-cs"/>
+            </a:endParaRPr>
           </a:p>
         </p:txBody>
       </p:sp>
       <p:sp>
         <p:nvSpPr>
-          <p:cNvPr id="3" name="Espace réservé du contenu 2">
-            <a:extLst>
-              <a:ext uri="{FF2B5EF4-FFF2-40B4-BE49-F238E27FC236}">
-                <a16:creationId xmlns:a16="http://schemas.microsoft.com/office/drawing/2014/main" id="{4983B7C0-4FEF-6B4B-ADFF-1ABBD75BAD4A}"/>
-              </a:ext>
-            </a:extLst>
-          </p:cNvPr>
-          <p:cNvSpPr>
-            <a:spLocks noGrp="1"/>
-          </p:cNvSpPr>
+          <p:cNvPr id="26" name="Rectangle 19">
+            <a:extLst>
+              <a:ext uri="{FF2B5EF4-FFF2-40B4-BE49-F238E27FC236}">
+                <a16:creationId xmlns:a16="http://schemas.microsoft.com/office/drawing/2014/main" id="{0F022291-A82B-4D23-A1E0-5F9BD684669E}"/>
+              </a:ext>
+              <a:ext uri="{C183D7F6-B498-43B3-948B-1728B52AA6E4}">
+                <adec:decorative xmlns:adec="http://schemas.microsoft.com/office/drawing/2017/decorative" val="1"/>
+              </a:ext>
+            </a:extLst>
+          </p:cNvPr>
+          <p:cNvSpPr>
+            <a:spLocks noGrp="1" noRot="1" noChangeAspect="1" noMove="1" noResize="1" noEditPoints="1" noAdjustHandles="1" noChangeArrowheads="1" noChangeShapeType="1" noTextEdit="1"/>
+          </p:cNvSpPr>
+          <p:nvPr>
+            <p:extLst>
+              <p:ext uri="{386F3935-93C4-4BCD-93E2-E3B085C9AB24}">
+                <p16:designElem xmlns:p16="http://schemas.microsoft.com/office/powerpoint/2015/main" val="1"/>
+              </p:ext>
+            </p:extLst>
+          </p:nvPr>
+        </p:nvSpPr>
+        <p:spPr>
+          <a:xfrm rot="5400000">
+            <a:off x="6041136" y="1859832"/>
+            <a:ext cx="109728" cy="731520"/>
+          </a:xfrm>
+          <a:prstGeom prst="rect">
+            <a:avLst/>
+          </a:prstGeom>
+          <a:solidFill>
+            <a:schemeClr val="accent1"/>
+          </a:solidFill>
+          <a:ln>
+            <a:noFill/>
+          </a:ln>
+        </p:spPr>
+        <p:style>
+          <a:lnRef idx="2">
+            <a:schemeClr val="accent1">
+              <a:shade val="50000"/>
+            </a:schemeClr>
+          </a:lnRef>
+          <a:fillRef idx="1">
+            <a:schemeClr val="accent1"/>
+          </a:fillRef>
+          <a:effectRef idx="0">
+            <a:schemeClr val="accent1"/>
+          </a:effectRef>
+          <a:fontRef idx="minor">
+            <a:schemeClr val="lt1"/>
+          </a:fontRef>
+        </p:style>
+        <p:txBody>
+          <a:bodyPr rtlCol="0" anchor="ctr"/>
+          <a:lstStyle/>
+          <a:p>
+            <a:pPr marL="0" marR="0" lvl="0" indent="0" algn="ctr" defTabSz="914400" rtl="0" eaLnBrk="1" fontAlgn="auto" latinLnBrk="0" hangingPunct="1">
+              <a:lnSpc>
+                <a:spcPct val="100000"/>
+              </a:lnSpc>
+              <a:spcBef>
+                <a:spcPts val="0"/>
+              </a:spcBef>
+              <a:spcAft>
+                <a:spcPts val="0"/>
+              </a:spcAft>
+              <a:buClrTx/>
+              <a:buSzTx/>
+              <a:buFontTx/>
+              <a:buNone/>
+              <a:tabLst/>
+              <a:defRPr/>
+            </a:pPr>
+            <a:endParaRPr kumimoji="0" lang="en-US" sz="1800" b="0" i="0" u="none" strike="noStrike" kern="1200" cap="none" spc="0" normalizeH="0" baseline="0" noProof="0">
+              <a:ln>
+                <a:noFill/>
+              </a:ln>
+              <a:solidFill>
+                <a:prstClr val="white"/>
+              </a:solidFill>
+              <a:effectLst/>
+              <a:uLnTx/>
+              <a:uFillTx/>
+              <a:latin typeface="Calibri" panose="020F0502020204030204"/>
+              <a:ea typeface="+mn-ea"/>
+              <a:cs typeface="+mn-cs"/>
+            </a:endParaRPr>
+          </a:p>
+        </p:txBody>
+      </p:sp>
+      <p:pic>
+        <p:nvPicPr>
+          <p:cNvPr id="5" name="Espace réservé du contenu 4">
+            <a:extLst>
+              <a:ext uri="{FF2B5EF4-FFF2-40B4-BE49-F238E27FC236}">
+                <a16:creationId xmlns:a16="http://schemas.microsoft.com/office/drawing/2014/main" id="{915735B2-FE72-9C45-93C5-2C9DD5FDAED0}"/>
+              </a:ext>
+            </a:extLst>
+          </p:cNvPr>
+          <p:cNvPicPr>
+            <a:picLocks noGrp="1" noChangeAspect="1"/>
+          </p:cNvPicPr>
           <p:nvPr>
             <p:ph idx="1"/>
           </p:nvPr>
-        </p:nvSpPr>
-        <p:spPr/>
-        <p:txBody>
-          <a:bodyPr/>
-          <a:lstStyle/>
-          <a:p>
-            <a:endParaRPr lang="fr-FR"/>
-          </a:p>
-        </p:txBody>
-      </p:sp>
+        </p:nvPicPr>
+        <p:blipFill>
+          <a:blip r:embed="rId2"/>
+          <a:stretch>
+            <a:fillRect/>
+          </a:stretch>
+        </p:blipFill>
+        <p:spPr>
+          <a:xfrm>
+            <a:off x="-3" y="2479255"/>
+            <a:ext cx="6228787" cy="3659412"/>
+          </a:xfrm>
+          <a:prstGeom prst="rect">
+            <a:avLst/>
+          </a:prstGeom>
+        </p:spPr>
+      </p:pic>
+      <p:pic>
+        <p:nvPicPr>
+          <p:cNvPr id="7" name="Image 6">
+            <a:extLst>
+              <a:ext uri="{FF2B5EF4-FFF2-40B4-BE49-F238E27FC236}">
+                <a16:creationId xmlns:a16="http://schemas.microsoft.com/office/drawing/2014/main" id="{1F7A5EAC-7ABC-5340-B0DE-D56E1272EC73}"/>
+              </a:ext>
+            </a:extLst>
+          </p:cNvPr>
+          <p:cNvPicPr>
+            <a:picLocks noChangeAspect="1"/>
+          </p:cNvPicPr>
+          <p:nvPr/>
+        </p:nvPicPr>
+        <p:blipFill>
+          <a:blip r:embed="rId3"/>
+          <a:stretch>
+            <a:fillRect/>
+          </a:stretch>
+        </p:blipFill>
+        <p:spPr>
+          <a:xfrm>
+            <a:off x="6303987" y="2431672"/>
+            <a:ext cx="5812810" cy="3691134"/>
+          </a:xfrm>
+          <a:prstGeom prst="rect">
+            <a:avLst/>
+          </a:prstGeom>
+        </p:spPr>
+      </p:pic>
     </p:spTree>
     <p:extLst>
       <p:ext uri="{BB962C8B-B14F-4D97-AF65-F5344CB8AC3E}">
-        <p14:creationId xmlns:p14="http://schemas.microsoft.com/office/powerpoint/2010/main" val="1820156134"/>
+        <p14:creationId xmlns:p14="http://schemas.microsoft.com/office/powerpoint/2010/main" val="779627796"/>
       </p:ext>
     </p:extLst>
   </p:cSld>
@@ -13913,7 +14507,7 @@
           <p:cNvPr id="2" name="Titre 1">
             <a:extLst>
               <a:ext uri="{FF2B5EF4-FFF2-40B4-BE49-F238E27FC236}">
-                <a16:creationId xmlns:a16="http://schemas.microsoft.com/office/drawing/2014/main" id="{D7F3DB66-8D3D-514C-93D2-4A8116A820E1}"/>
+                <a16:creationId xmlns:a16="http://schemas.microsoft.com/office/drawing/2014/main" id="{2877301E-757B-E342-A305-526845206B1E}"/>
               </a:ext>
             </a:extLst>
           </p:cNvPr>
@@ -13933,40 +14527,44 @@
           <a:p>
             <a:r>
               <a:rPr lang="fr-FR" sz="2400" dirty="0"/>
-              <a:t>Installation</a:t>
-            </a:r>
-          </a:p>
-        </p:txBody>
-      </p:sp>
-      <p:sp>
-        <p:nvSpPr>
-          <p:cNvPr id="3" name="Espace réservé du contenu 2">
-            <a:extLst>
-              <a:ext uri="{FF2B5EF4-FFF2-40B4-BE49-F238E27FC236}">
-                <a16:creationId xmlns:a16="http://schemas.microsoft.com/office/drawing/2014/main" id="{64CB6E40-D37E-3340-94D0-49C94AA5A624}"/>
-              </a:ext>
-            </a:extLst>
-          </p:cNvPr>
-          <p:cNvSpPr>
-            <a:spLocks noGrp="1"/>
-          </p:cNvSpPr>
+              <a:t>Cluster</a:t>
+            </a:r>
+          </a:p>
+        </p:txBody>
+      </p:sp>
+      <p:pic>
+        <p:nvPicPr>
+          <p:cNvPr id="5" name="Espace réservé du contenu 4">
+            <a:extLst>
+              <a:ext uri="{FF2B5EF4-FFF2-40B4-BE49-F238E27FC236}">
+                <a16:creationId xmlns:a16="http://schemas.microsoft.com/office/drawing/2014/main" id="{3907A002-29D2-6F44-8773-BA7784F2BAD7}"/>
+              </a:ext>
+            </a:extLst>
+          </p:cNvPr>
+          <p:cNvPicPr>
+            <a:picLocks noGrp="1" noChangeAspect="1"/>
+          </p:cNvPicPr>
           <p:nvPr>
             <p:ph idx="1"/>
           </p:nvPr>
-        </p:nvSpPr>
-        <p:spPr/>
-        <p:txBody>
-          <a:bodyPr/>
-          <a:lstStyle/>
-          <a:p>
-            <a:endParaRPr lang="fr-FR"/>
-          </a:p>
-        </p:txBody>
-      </p:sp>
+        </p:nvPicPr>
+        <p:blipFill>
+          <a:blip r:embed="rId2"/>
+          <a:stretch>
+            <a:fillRect/>
+          </a:stretch>
+        </p:blipFill>
+        <p:spPr>
+          <a:xfrm>
+            <a:off x="3469284" y="2478088"/>
+            <a:ext cx="5461394" cy="3694112"/>
+          </a:xfrm>
+        </p:spPr>
+      </p:pic>
     </p:spTree>
     <p:extLst>
       <p:ext uri="{BB962C8B-B14F-4D97-AF65-F5344CB8AC3E}">
-        <p14:creationId xmlns:p14="http://schemas.microsoft.com/office/powerpoint/2010/main" val="2461077664"/>
+        <p14:creationId xmlns:p14="http://schemas.microsoft.com/office/powerpoint/2010/main" val="2619397838"/>
       </p:ext>
     </p:extLst>
   </p:cSld>
@@ -13998,6 +14596,317 @@
           <p:cNvPr id="2" name="Titre 1">
             <a:extLst>
               <a:ext uri="{FF2B5EF4-FFF2-40B4-BE49-F238E27FC236}">
+                <a16:creationId xmlns:a16="http://schemas.microsoft.com/office/drawing/2014/main" id="{651CF1DC-57F0-AD47-8D3E-073309B0A475}"/>
+              </a:ext>
+            </a:extLst>
+          </p:cNvPr>
+          <p:cNvSpPr>
+            <a:spLocks noGrp="1"/>
+          </p:cNvSpPr>
+          <p:nvPr>
+            <p:ph type="title"/>
+          </p:nvPr>
+        </p:nvSpPr>
+        <p:spPr/>
+        <p:txBody>
+          <a:bodyPr>
+            <a:normAutofit/>
+          </a:bodyPr>
+          <a:lstStyle/>
+          <a:p>
+            <a:r>
+              <a:rPr lang="fr-FR" sz="2400" dirty="0"/>
+              <a:t>Développement et production</a:t>
+            </a:r>
+          </a:p>
+        </p:txBody>
+      </p:sp>
+      <p:sp>
+        <p:nvSpPr>
+          <p:cNvPr id="3" name="Espace réservé du contenu 2">
+            <a:extLst>
+              <a:ext uri="{FF2B5EF4-FFF2-40B4-BE49-F238E27FC236}">
+                <a16:creationId xmlns:a16="http://schemas.microsoft.com/office/drawing/2014/main" id="{068778A1-D8A5-3844-9AE0-172130E7F8C4}"/>
+              </a:ext>
+            </a:extLst>
+          </p:cNvPr>
+          <p:cNvSpPr>
+            <a:spLocks noGrp="1"/>
+          </p:cNvSpPr>
+          <p:nvPr>
+            <p:ph idx="1"/>
+          </p:nvPr>
+        </p:nvSpPr>
+        <p:spPr>
+          <a:xfrm>
+            <a:off x="639271" y="2370966"/>
+            <a:ext cx="10644425" cy="3801234"/>
+          </a:xfrm>
+        </p:spPr>
+        <p:txBody>
+          <a:bodyPr>
+            <a:normAutofit/>
+          </a:bodyPr>
+          <a:lstStyle/>
+          <a:p>
+            <a:r>
+              <a:rPr lang="fr-FR" sz="1200" dirty="0"/>
+              <a:t>Pour utiliser Kubernetes lors de la phase de développement, il faut utiliser le logiciel </a:t>
+            </a:r>
+            <a:r>
+              <a:rPr lang="fr-FR" sz="1200" dirty="0">
+                <a:hlinkClick r:id="rId2">
+                  <a:extLst>
+                    <a:ext uri="{A12FA001-AC4F-418D-AE19-62706E023703}">
+                      <ahyp:hlinkClr xmlns:ahyp="http://schemas.microsoft.com/office/drawing/2018/hyperlinkcolor" val="tx"/>
+                    </a:ext>
+                  </a:extLst>
+                </a:hlinkClick>
+              </a:rPr>
+              <a:t>Minikube</a:t>
+            </a:r>
+            <a:endParaRPr lang="fr-FR" sz="1200" dirty="0"/>
+          </a:p>
+          <a:p>
+            <a:endParaRPr lang="fr-FR" sz="1200" dirty="0"/>
+          </a:p>
+          <a:p>
+            <a:r>
+              <a:rPr lang="fr-FR" sz="1200" dirty="0"/>
+              <a:t>Pour déployer un cluster Kubernetes, plusieurs solutions existent, les plus connues étant </a:t>
+            </a:r>
+            <a:r>
+              <a:rPr lang="fr-FR" sz="1200" dirty="0" err="1"/>
+              <a:t>Elastic</a:t>
+            </a:r>
+            <a:r>
+              <a:rPr lang="fr-FR" sz="1200" dirty="0"/>
+              <a:t> Container Service (</a:t>
+            </a:r>
+            <a:r>
+              <a:rPr lang="fr-FR" sz="1200" b="1" dirty="0"/>
+              <a:t>EKS</a:t>
+            </a:r>
+            <a:r>
+              <a:rPr lang="fr-FR" sz="1200" dirty="0"/>
+              <a:t>) d’Amazon, et Google Cloud Kubernetes Engine (</a:t>
+            </a:r>
+            <a:r>
+              <a:rPr lang="fr-FR" sz="1200" b="1" dirty="0"/>
+              <a:t>GKE</a:t>
+            </a:r>
+            <a:r>
+              <a:rPr lang="fr-FR" sz="1200" dirty="0"/>
+              <a:t>) de Google</a:t>
+            </a:r>
+          </a:p>
+          <a:p>
+            <a:endParaRPr lang="fr-FR" sz="1200" dirty="0"/>
+          </a:p>
+          <a:p>
+            <a:r>
+              <a:rPr lang="fr-FR" sz="1200" dirty="0" err="1"/>
+              <a:t>Minikube</a:t>
+            </a:r>
+            <a:r>
+              <a:rPr lang="fr-FR" sz="1200" dirty="0"/>
+              <a:t> s’occupe de gérer la machine virtuelle contenant le cluster, et utilise un autre programme appelé </a:t>
+            </a:r>
+            <a:r>
+              <a:rPr lang="fr-FR" sz="1200" b="1" dirty="0">
+                <a:hlinkClick r:id="rId3">
+                  <a:extLst>
+                    <a:ext uri="{A12FA001-AC4F-418D-AE19-62706E023703}">
+                      <ahyp:hlinkClr xmlns:ahyp="http://schemas.microsoft.com/office/drawing/2018/hyperlinkcolor" val="tx"/>
+                    </a:ext>
+                  </a:extLst>
+                </a:hlinkClick>
+              </a:rPr>
+              <a:t>kubectl</a:t>
+            </a:r>
+            <a:r>
+              <a:rPr lang="fr-FR" sz="1200" b="1" dirty="0"/>
+              <a:t> </a:t>
+            </a:r>
+            <a:r>
+              <a:rPr lang="fr-FR" sz="1200" dirty="0"/>
+              <a:t>pour gérer les containers au sein d’un nœud.</a:t>
+            </a:r>
+            <a:r>
+              <a:rPr lang="fr-FR" sz="1200" b="1" dirty="0"/>
+              <a:t>  </a:t>
+            </a:r>
+            <a:endParaRPr lang="fr-FR" sz="1200" dirty="0"/>
+          </a:p>
+          <a:p>
+            <a:endParaRPr lang="fr-FR" sz="1200" dirty="0"/>
+          </a:p>
+          <a:p>
+            <a:r>
+              <a:rPr lang="fr-FR" sz="1200" dirty="0" err="1"/>
+              <a:t>Minikube</a:t>
+            </a:r>
+            <a:r>
+              <a:rPr lang="fr-FR" sz="1200" dirty="0"/>
+              <a:t> n’est utilisé qu’en phase de développement, mais le programme </a:t>
+            </a:r>
+            <a:r>
+              <a:rPr lang="fr-FR" sz="1200" dirty="0" err="1"/>
+              <a:t>kubectl</a:t>
+            </a:r>
+            <a:r>
+              <a:rPr lang="fr-FR" sz="1200" dirty="0"/>
+              <a:t> est également utilisé en production par les solutions citées plus haut pour gérer les containers</a:t>
+            </a:r>
+          </a:p>
+        </p:txBody>
+      </p:sp>
+    </p:spTree>
+    <p:extLst>
+      <p:ext uri="{BB962C8B-B14F-4D97-AF65-F5344CB8AC3E}">
+        <p14:creationId xmlns:p14="http://schemas.microsoft.com/office/powerpoint/2010/main" val="1547332431"/>
+      </p:ext>
+    </p:extLst>
+  </p:cSld>
+  <p:clrMapOvr>
+    <a:masterClrMapping/>
+  </p:clrMapOvr>
+</p:sld>
+</file>
+
+<file path=ppt/slides/slide36.xml><?xml version="1.0" encoding="utf-8"?>
+<p:sld xmlns:a="http://schemas.openxmlformats.org/drawingml/2006/main" xmlns:r="http://schemas.openxmlformats.org/officeDocument/2006/relationships" xmlns:p="http://schemas.openxmlformats.org/presentationml/2006/main">
+  <p:cSld>
+    <p:spTree>
+      <p:nvGrpSpPr>
+        <p:cNvPr id="1" name=""/>
+        <p:cNvGrpSpPr/>
+        <p:nvPr/>
+      </p:nvGrpSpPr>
+      <p:grpSpPr>
+        <a:xfrm>
+          <a:off x="0" y="0"/>
+          <a:ext cx="0" cy="0"/>
+          <a:chOff x="0" y="0"/>
+          <a:chExt cx="0" cy="0"/>
+        </a:xfrm>
+      </p:grpSpPr>
+      <p:sp>
+        <p:nvSpPr>
+          <p:cNvPr id="2" name="Titre 1">
+            <a:extLst>
+              <a:ext uri="{FF2B5EF4-FFF2-40B4-BE49-F238E27FC236}">
+                <a16:creationId xmlns:a16="http://schemas.microsoft.com/office/drawing/2014/main" id="{D7F3DB66-8D3D-514C-93D2-4A8116A820E1}"/>
+              </a:ext>
+            </a:extLst>
+          </p:cNvPr>
+          <p:cNvSpPr>
+            <a:spLocks noGrp="1"/>
+          </p:cNvSpPr>
+          <p:nvPr>
+            <p:ph type="title"/>
+          </p:nvPr>
+        </p:nvSpPr>
+        <p:spPr/>
+        <p:txBody>
+          <a:bodyPr>
+            <a:normAutofit/>
+          </a:bodyPr>
+          <a:lstStyle/>
+          <a:p>
+            <a:r>
+              <a:rPr lang="fr-FR" sz="2400" dirty="0"/>
+              <a:t>Installation</a:t>
+            </a:r>
+          </a:p>
+        </p:txBody>
+      </p:sp>
+      <p:sp>
+        <p:nvSpPr>
+          <p:cNvPr id="3" name="Espace réservé du contenu 2">
+            <a:extLst>
+              <a:ext uri="{FF2B5EF4-FFF2-40B4-BE49-F238E27FC236}">
+                <a16:creationId xmlns:a16="http://schemas.microsoft.com/office/drawing/2014/main" id="{64CB6E40-D37E-3340-94D0-49C94AA5A624}"/>
+              </a:ext>
+            </a:extLst>
+          </p:cNvPr>
+          <p:cNvSpPr>
+            <a:spLocks noGrp="1"/>
+          </p:cNvSpPr>
+          <p:nvPr>
+            <p:ph idx="1"/>
+          </p:nvPr>
+        </p:nvSpPr>
+        <p:spPr/>
+        <p:txBody>
+          <a:bodyPr>
+            <a:normAutofit/>
+          </a:bodyPr>
+          <a:lstStyle/>
+          <a:p>
+            <a:pPr marL="0" indent="0">
+              <a:buNone/>
+            </a:pPr>
+            <a:r>
+              <a:rPr lang="fr-FR" sz="1200" dirty="0"/>
+              <a:t>Voici le lien du TP4 </a:t>
+            </a:r>
+          </a:p>
+          <a:p>
+            <a:pPr marL="0" indent="0">
+              <a:buNone/>
+            </a:pPr>
+            <a:r>
+              <a:rPr lang="fr-FR" sz="1200" dirty="0"/>
+              <a:t>Durant ce TP,  vous allez </a:t>
+            </a:r>
+            <a:r>
+              <a:rPr lang="fr-FR" sz="1200"/>
+              <a:t>installer Kubernetes </a:t>
+            </a:r>
+            <a:r>
+              <a:rPr lang="fr-FR" sz="1200" dirty="0"/>
+              <a:t>pour créer et utiliser un cluster sur votre machine</a:t>
+            </a:r>
+            <a:endParaRPr lang="fr-FR" sz="1200" b="1" dirty="0"/>
+          </a:p>
+        </p:txBody>
+      </p:sp>
+    </p:spTree>
+    <p:extLst>
+      <p:ext uri="{BB962C8B-B14F-4D97-AF65-F5344CB8AC3E}">
+        <p14:creationId xmlns:p14="http://schemas.microsoft.com/office/powerpoint/2010/main" val="2461077664"/>
+      </p:ext>
+    </p:extLst>
+  </p:cSld>
+  <p:clrMapOvr>
+    <a:masterClrMapping/>
+  </p:clrMapOvr>
+</p:sld>
+</file>
+
+<file path=ppt/slides/slide37.xml><?xml version="1.0" encoding="utf-8"?>
+<p:sld xmlns:a="http://schemas.openxmlformats.org/drawingml/2006/main" xmlns:r="http://schemas.openxmlformats.org/officeDocument/2006/relationships" xmlns:p="http://schemas.openxmlformats.org/presentationml/2006/main">
+  <p:cSld>
+    <p:spTree>
+      <p:nvGrpSpPr>
+        <p:cNvPr id="1" name=""/>
+        <p:cNvGrpSpPr/>
+        <p:nvPr/>
+      </p:nvGrpSpPr>
+      <p:grpSpPr>
+        <a:xfrm>
+          <a:off x="0" y="0"/>
+          <a:ext cx="0" cy="0"/>
+          <a:chOff x="0" y="0"/>
+          <a:chExt cx="0" cy="0"/>
+        </a:xfrm>
+      </p:grpSpPr>
+      <p:sp>
+        <p:nvSpPr>
+          <p:cNvPr id="2" name="Titre 1">
+            <a:extLst>
+              <a:ext uri="{FF2B5EF4-FFF2-40B4-BE49-F238E27FC236}">
                 <a16:creationId xmlns:a16="http://schemas.microsoft.com/office/drawing/2014/main" id="{8185F0AD-8C11-1B4E-AACE-96333D865C09}"/>
               </a:ext>
             </a:extLst>
@@ -14036,7 +14945,7 @@
 </p:sld>
 </file>
 
-<file path=ppt/slides/slide36.xml><?xml version="1.0" encoding="utf-8"?>
+<file path=ppt/slides/slide38.xml><?xml version="1.0" encoding="utf-8"?>
 <p:sld xmlns:a="http://schemas.openxmlformats.org/drawingml/2006/main" xmlns:r="http://schemas.openxmlformats.org/officeDocument/2006/relationships" xmlns:p="http://schemas.openxmlformats.org/presentationml/2006/main">
   <p:cSld>
     <p:spTree>

--- a/Cours/Cours.pptx
+++ b/Cours/Cours.pptx
@@ -305,7 +305,7 @@
           <a:p>
             <a:fld id="{02AC24A9-CCB6-4F8D-B8DB-C2F3692CFA5A}" type="datetimeFigureOut">
               <a:rPr lang="en-US" smtClean="0"/>
-              <a:t>1/4/22</a:t>
+              <a:t>1/5/22</a:t>
             </a:fld>
             <a:endParaRPr lang="en-US" dirty="0"/>
           </a:p>
@@ -675,7 +675,7 @@
           <a:p>
             <a:fld id="{02AC24A9-CCB6-4F8D-B8DB-C2F3692CFA5A}" type="datetimeFigureOut">
               <a:rPr lang="en-US" smtClean="0"/>
-              <a:t>1/4/22</a:t>
+              <a:t>1/5/22</a:t>
             </a:fld>
             <a:endParaRPr lang="en-US"/>
           </a:p>
@@ -884,7 +884,7 @@
           <a:p>
             <a:fld id="{02AC24A9-CCB6-4F8D-B8DB-C2F3692CFA5A}" type="datetimeFigureOut">
               <a:rPr lang="en-US" smtClean="0"/>
-              <a:t>1/4/22</a:t>
+              <a:t>1/5/22</a:t>
             </a:fld>
             <a:endParaRPr lang="en-US"/>
           </a:p>
@@ -1354,7 +1354,7 @@
           <a:p>
             <a:fld id="{02AC24A9-CCB6-4F8D-B8DB-C2F3692CFA5A}" type="datetimeFigureOut">
               <a:rPr lang="en-US" smtClean="0"/>
-              <a:t>1/4/22</a:t>
+              <a:t>1/5/22</a:t>
             </a:fld>
             <a:endParaRPr lang="en-US"/>
           </a:p>
@@ -1808,7 +1808,7 @@
           <a:p>
             <a:fld id="{02AC24A9-CCB6-4F8D-B8DB-C2F3692CFA5A}" type="datetimeFigureOut">
               <a:rPr lang="en-US" smtClean="0"/>
-              <a:t>1/4/22</a:t>
+              <a:t>1/5/22</a:t>
             </a:fld>
             <a:endParaRPr lang="en-US"/>
           </a:p>
@@ -2340,7 +2340,7 @@
           <a:p>
             <a:fld id="{02AC24A9-CCB6-4F8D-B8DB-C2F3692CFA5A}" type="datetimeFigureOut">
               <a:rPr lang="en-US" smtClean="0"/>
-              <a:t>1/4/22</a:t>
+              <a:t>1/5/22</a:t>
             </a:fld>
             <a:endParaRPr lang="en-US"/>
           </a:p>
@@ -3039,7 +3039,7 @@
           <a:p>
             <a:fld id="{02AC24A9-CCB6-4F8D-B8DB-C2F3692CFA5A}" type="datetimeFigureOut">
               <a:rPr lang="en-US" smtClean="0"/>
-              <a:t>1/4/22</a:t>
+              <a:t>1/5/22</a:t>
             </a:fld>
             <a:endParaRPr lang="en-US"/>
           </a:p>
@@ -3368,7 +3368,7 @@
           <a:p>
             <a:fld id="{02AC24A9-CCB6-4F8D-B8DB-C2F3692CFA5A}" type="datetimeFigureOut">
               <a:rPr lang="en-US" smtClean="0"/>
-              <a:t>1/4/22</a:t>
+              <a:t>1/5/22</a:t>
             </a:fld>
             <a:endParaRPr lang="en-US"/>
           </a:p>
@@ -3481,7 +3481,7 @@
           <a:p>
             <a:fld id="{02AC24A9-CCB6-4F8D-B8DB-C2F3692CFA5A}" type="datetimeFigureOut">
               <a:rPr lang="en-US" smtClean="0"/>
-              <a:t>1/4/22</a:t>
+              <a:t>1/5/22</a:t>
             </a:fld>
             <a:endParaRPr lang="en-US"/>
           </a:p>
@@ -3976,7 +3976,7 @@
           <a:p>
             <a:fld id="{02AC24A9-CCB6-4F8D-B8DB-C2F3692CFA5A}" type="datetimeFigureOut">
               <a:rPr lang="en-US" smtClean="0"/>
-              <a:t>1/4/22</a:t>
+              <a:t>1/5/22</a:t>
             </a:fld>
             <a:endParaRPr lang="en-US" dirty="0"/>
           </a:p>
@@ -4453,7 +4453,7 @@
           <a:p>
             <a:fld id="{02AC24A9-CCB6-4F8D-B8DB-C2F3692CFA5A}" type="datetimeFigureOut">
               <a:rPr lang="en-US" smtClean="0"/>
-              <a:t>1/4/22</a:t>
+              <a:t>1/5/22</a:t>
             </a:fld>
             <a:endParaRPr lang="en-US"/>
           </a:p>
@@ -4696,7 +4696,7 @@
           <a:p>
             <a:fld id="{02AC24A9-CCB6-4F8D-B8DB-C2F3692CFA5A}" type="datetimeFigureOut">
               <a:rPr lang="en-US" smtClean="0"/>
-              <a:t>1/4/22</a:t>
+              <a:t>1/5/22</a:t>
             </a:fld>
             <a:endParaRPr lang="en-US"/>
           </a:p>
@@ -14651,7 +14651,7 @@
           <a:p>
             <a:r>
               <a:rPr lang="fr-FR" sz="1200" dirty="0"/>
-              <a:t>Pour utiliser Kubernetes lors de la phase de développement, il faut utiliser le logiciel </a:t>
+              <a:t>Pour utiliser Kubernetes lors de la phase de développement, il faut soit utiliser le programme </a:t>
             </a:r>
             <a:r>
               <a:rPr lang="fr-FR" sz="1200" dirty="0">
@@ -14665,39 +14665,9 @@
               </a:rPr>
               <a:t>Minikube</a:t>
             </a:r>
-            <a:endParaRPr lang="fr-FR" sz="1200" dirty="0"/>
-          </a:p>
-          <a:p>
-            <a:endParaRPr lang="fr-FR" sz="1200" dirty="0"/>
-          </a:p>
-          <a:p>
             <a:r>
               <a:rPr lang="fr-FR" sz="1200" dirty="0"/>
-              <a:t>Pour déployer un cluster Kubernetes, plusieurs solutions existent, les plus connues étant </a:t>
-            </a:r>
-            <a:r>
-              <a:rPr lang="fr-FR" sz="1200" dirty="0" err="1"/>
-              <a:t>Elastic</a:t>
-            </a:r>
-            <a:r>
-              <a:rPr lang="fr-FR" sz="1200" dirty="0"/>
-              <a:t> Container Service (</a:t>
-            </a:r>
-            <a:r>
-              <a:rPr lang="fr-FR" sz="1200" b="1" dirty="0"/>
-              <a:t>EKS</a:t>
-            </a:r>
-            <a:r>
-              <a:rPr lang="fr-FR" sz="1200" dirty="0"/>
-              <a:t>) d’Amazon, et Google Cloud Kubernetes Engine (</a:t>
-            </a:r>
-            <a:r>
-              <a:rPr lang="fr-FR" sz="1200" b="1" dirty="0"/>
-              <a:t>GKE</a:t>
-            </a:r>
-            <a:r>
-              <a:rPr lang="fr-FR" sz="1200" dirty="0"/>
-              <a:t>) de Google</a:t>
+              <a:t> qui permet de créer une VM contenant un Cluster, soit utiliser directement la solution Kubernetes intégrée à Docker Desktop</a:t>
             </a:r>
           </a:p>
           <a:p>
@@ -14710,7 +14680,7 @@
             </a:r>
             <a:r>
               <a:rPr lang="fr-FR" sz="1200" dirty="0"/>
-              <a:t> s’occupe de gérer la machine virtuelle contenant le cluster, et utilise un autre programme appelé </a:t>
+              <a:t> ou Kubernetes Docker Desktop installent un programme appelé </a:t>
             </a:r>
             <a:r>
               <a:rPr lang="fr-FR" sz="1200" b="1" dirty="0">
@@ -14726,29 +14696,24 @@
             </a:r>
             <a:r>
               <a:rPr lang="fr-FR" sz="1200" b="1" dirty="0"/>
-              <a:t> </a:t>
-            </a:r>
+              <a:t>. </a:t>
+            </a:r>
+          </a:p>
+          <a:p>
+            <a:endParaRPr lang="fr-FR" sz="1200" b="1" dirty="0"/>
+          </a:p>
+          <a:p>
             <a:r>
               <a:rPr lang="fr-FR" sz="1200" dirty="0"/>
-              <a:t>pour gérer les containers au sein d’un nœud.</a:t>
-            </a:r>
-            <a:r>
-              <a:rPr lang="fr-FR" sz="1200" b="1" dirty="0"/>
-              <a:t>  </a:t>
-            </a:r>
-            <a:endParaRPr lang="fr-FR" sz="1200" dirty="0"/>
-          </a:p>
-          <a:p>
-            <a:endParaRPr lang="fr-FR" sz="1200" dirty="0"/>
-          </a:p>
-          <a:p>
+              <a:t>Ce programme permet de gérer les containers au sein d’un cluster. </a:t>
+            </a:r>
             <a:r>
               <a:rPr lang="fr-FR" sz="1200" dirty="0" err="1"/>
               <a:t>Minikube</a:t>
             </a:r>
             <a:r>
               <a:rPr lang="fr-FR" sz="1200" dirty="0"/>
-              <a:t> n’est utilisé qu’en phase de développement, mais le programme </a:t>
+              <a:t> ou Kubernetes Docker Desktop s’occupent juste de gérer la VM en elle-même, et </a:t>
             </a:r>
             <a:r>
               <a:rPr lang="fr-FR" sz="1200" dirty="0" err="1"/>
@@ -14756,8 +14721,70 @@
             </a:r>
             <a:r>
               <a:rPr lang="fr-FR" sz="1200" dirty="0"/>
-              <a:t> est également utilisé en production par les solutions citées plus haut pour gérer les containers</a:t>
-            </a:r>
+              <a:t> est le programme principal qui va nous permettre de gérer notre cluster</a:t>
+            </a:r>
+          </a:p>
+          <a:p>
+            <a:endParaRPr lang="fr-FR" sz="1200" dirty="0"/>
+          </a:p>
+          <a:p>
+            <a:r>
+              <a:rPr lang="fr-FR" sz="1200" dirty="0"/>
+              <a:t>Pour déployer un cluster Kubernetes, plusieurs solutions existent, les plus connues étant </a:t>
+            </a:r>
+            <a:r>
+              <a:rPr lang="fr-FR" sz="1200" dirty="0" err="1"/>
+              <a:t>Elastic</a:t>
+            </a:r>
+            <a:r>
+              <a:rPr lang="fr-FR" sz="1200" dirty="0"/>
+              <a:t> Container Service (</a:t>
+            </a:r>
+            <a:r>
+              <a:rPr lang="fr-FR" sz="1200" b="1" dirty="0"/>
+              <a:t>EKS</a:t>
+            </a:r>
+            <a:r>
+              <a:rPr lang="fr-FR" sz="1200" dirty="0"/>
+              <a:t>) d’Amazon, et Google Cloud Kubernetes Engine (</a:t>
+            </a:r>
+            <a:r>
+              <a:rPr lang="fr-FR" sz="1200" b="1" dirty="0"/>
+              <a:t>GKE</a:t>
+            </a:r>
+            <a:r>
+              <a:rPr lang="fr-FR" sz="1200" dirty="0"/>
+              <a:t>) de Google</a:t>
+            </a:r>
+          </a:p>
+          <a:p>
+            <a:pPr marL="0" indent="0">
+              <a:buNone/>
+            </a:pPr>
+            <a:endParaRPr lang="fr-FR" sz="1200" dirty="0"/>
+          </a:p>
+          <a:p>
+            <a:r>
+              <a:rPr lang="fr-FR" sz="1200" dirty="0" err="1"/>
+              <a:t>Minikube</a:t>
+            </a:r>
+            <a:r>
+              <a:rPr lang="fr-FR" sz="1200" dirty="0"/>
+              <a:t> n’est utilisé qu’en phase de développement, mais le programme </a:t>
+            </a:r>
+            <a:r>
+              <a:rPr lang="fr-FR" sz="1200" dirty="0" err="1"/>
+              <a:t>kubectl</a:t>
+            </a:r>
+            <a:r>
+              <a:rPr lang="fr-FR" sz="1200" dirty="0"/>
+              <a:t> est également utilisé en production par les solutions citées plus haut pour la gestion </a:t>
+            </a:r>
+            <a:r>
+              <a:rPr lang="fr-FR" sz="1200"/>
+              <a:t>du cluster</a:t>
+            </a:r>
+            <a:endParaRPr lang="fr-FR" sz="1200" dirty="0"/>
           </a:p>
         </p:txBody>
       </p:sp>

--- a/Cours/Cours.pptx
+++ b/Cours/Cours.pptx
@@ -36,13 +36,14 @@
     <p:sldId id="286" r:id="rId30"/>
     <p:sldId id="274" r:id="rId31"/>
     <p:sldId id="314" r:id="rId32"/>
-    <p:sldId id="313" r:id="rId33"/>
+    <p:sldId id="317" r:id="rId33"/>
     <p:sldId id="315" r:id="rId34"/>
-    <p:sldId id="316" r:id="rId35"/>
-    <p:sldId id="317" r:id="rId36"/>
-    <p:sldId id="276" r:id="rId37"/>
-    <p:sldId id="287" r:id="rId38"/>
-    <p:sldId id="288" r:id="rId39"/>
+    <p:sldId id="276" r:id="rId35"/>
+    <p:sldId id="316" r:id="rId36"/>
+    <p:sldId id="318" r:id="rId37"/>
+    <p:sldId id="319" r:id="rId38"/>
+    <p:sldId id="287" r:id="rId39"/>
+    <p:sldId id="288" r:id="rId40"/>
   </p:sldIdLst>
   <p:sldSz cx="12192000" cy="6858000"/>
   <p:notesSz cx="6858000" cy="9144000"/>
@@ -13777,7 +13778,7 @@
           <p:cNvPr id="2" name="Titre 1">
             <a:extLst>
               <a:ext uri="{FF2B5EF4-FFF2-40B4-BE49-F238E27FC236}">
-                <a16:creationId xmlns:a16="http://schemas.microsoft.com/office/drawing/2014/main" id="{189B7B4F-EC42-8148-B1C8-43810A892074}"/>
+                <a16:creationId xmlns:a16="http://schemas.microsoft.com/office/drawing/2014/main" id="{651CF1DC-57F0-AD47-8D3E-073309B0A475}"/>
               </a:ext>
             </a:extLst>
           </p:cNvPr>
@@ -13797,7 +13798,7 @@
           <a:p>
             <a:r>
               <a:rPr lang="fr-FR" sz="2400" dirty="0"/>
-              <a:t>Qu’est ce que Kubernetes</a:t>
+              <a:t>Développement et production</a:t>
             </a:r>
           </a:p>
         </p:txBody>
@@ -13807,7 +13808,7 @@
           <p:cNvPr id="3" name="Espace réservé du contenu 2">
             <a:extLst>
               <a:ext uri="{FF2B5EF4-FFF2-40B4-BE49-F238E27FC236}">
-                <a16:creationId xmlns:a16="http://schemas.microsoft.com/office/drawing/2014/main" id="{FA04DAE1-B727-084E-A859-8FD4ED81BC64}"/>
+                <a16:creationId xmlns:a16="http://schemas.microsoft.com/office/drawing/2014/main" id="{068778A1-D8A5-3844-9AE0-172130E7F8C4}"/>
               </a:ext>
             </a:extLst>
           </p:cNvPr>
@@ -13820,8 +13821,8 @@
         </p:nvSpPr>
         <p:spPr>
           <a:xfrm>
-            <a:off x="552261" y="2308634"/>
-            <a:ext cx="10731435" cy="3863566"/>
+            <a:off x="639271" y="2370966"/>
+            <a:ext cx="10644425" cy="3801234"/>
           </a:xfrm>
         </p:spPr>
         <p:txBody>
@@ -13830,12 +13831,112 @@
           </a:bodyPr>
           <a:lstStyle/>
           <a:p>
-            <a:pPr marL="0" indent="0">
-              <a:buNone/>
-            </a:pPr>
             <a:r>
               <a:rPr lang="fr-FR" sz="1200" dirty="0"/>
-              <a:t>Kubernetes permet d'éliminer de nombreux processus manuels associés au déploiement et à la mise à l'échelle des applications conteneurisées</a:t>
+              <a:t>Pour utiliser Kubernetes lors de la phase de développement, il faut soit utiliser le programme </a:t>
+            </a:r>
+            <a:r>
+              <a:rPr lang="fr-FR" sz="1200" dirty="0">
+                <a:hlinkClick r:id="rId2">
+                  <a:extLst>
+                    <a:ext uri="{A12FA001-AC4F-418D-AE19-62706E023703}">
+                      <ahyp:hlinkClr xmlns:ahyp="http://schemas.microsoft.com/office/drawing/2018/hyperlinkcolor" val="tx"/>
+                    </a:ext>
+                  </a:extLst>
+                </a:hlinkClick>
+              </a:rPr>
+              <a:t>Minikube</a:t>
+            </a:r>
+            <a:r>
+              <a:rPr lang="fr-FR" sz="1200" dirty="0"/>
+              <a:t> qui permet de créer une VM contenant un Cluster, soit utiliser directement la solution Kubernetes intégrée à Docker Desktop</a:t>
+            </a:r>
+          </a:p>
+          <a:p>
+            <a:endParaRPr lang="fr-FR" sz="1200" dirty="0"/>
+          </a:p>
+          <a:p>
+            <a:r>
+              <a:rPr lang="fr-FR" sz="1200" dirty="0" err="1"/>
+              <a:t>Minikube</a:t>
+            </a:r>
+            <a:r>
+              <a:rPr lang="fr-FR" sz="1200" dirty="0"/>
+              <a:t> ou Kubernetes Docker Desktop installent un programme appelé </a:t>
+            </a:r>
+            <a:r>
+              <a:rPr lang="fr-FR" sz="1200" b="1" dirty="0">
+                <a:hlinkClick r:id="rId3">
+                  <a:extLst>
+                    <a:ext uri="{A12FA001-AC4F-418D-AE19-62706E023703}">
+                      <ahyp:hlinkClr xmlns:ahyp="http://schemas.microsoft.com/office/drawing/2018/hyperlinkcolor" val="tx"/>
+                    </a:ext>
+                  </a:extLst>
+                </a:hlinkClick>
+              </a:rPr>
+              <a:t>kubectl</a:t>
+            </a:r>
+            <a:r>
+              <a:rPr lang="fr-FR" sz="1200" b="1" dirty="0"/>
+              <a:t>. </a:t>
+            </a:r>
+          </a:p>
+          <a:p>
+            <a:endParaRPr lang="fr-FR" sz="1200" b="1" dirty="0"/>
+          </a:p>
+          <a:p>
+            <a:r>
+              <a:rPr lang="fr-FR" sz="1200" dirty="0"/>
+              <a:t>Ce programme permet de gérer les containers au sein d’un cluster. </a:t>
+            </a:r>
+            <a:r>
+              <a:rPr lang="fr-FR" sz="1200" dirty="0" err="1"/>
+              <a:t>Minikube</a:t>
+            </a:r>
+            <a:r>
+              <a:rPr lang="fr-FR" sz="1200" dirty="0"/>
+              <a:t> ou Kubernetes Docker Desktop s’occupent juste de gérer la VM en elle-même, et </a:t>
+            </a:r>
+            <a:r>
+              <a:rPr lang="fr-FR" sz="1200" dirty="0" err="1"/>
+              <a:t>kubectl</a:t>
+            </a:r>
+            <a:r>
+              <a:rPr lang="fr-FR" sz="1200" dirty="0"/>
+              <a:t> est le programme principal qui va nous permettre de gérer notre cluster</a:t>
+            </a:r>
+          </a:p>
+          <a:p>
+            <a:endParaRPr lang="fr-FR" sz="1200" dirty="0"/>
+          </a:p>
+          <a:p>
+            <a:r>
+              <a:rPr lang="fr-FR" sz="1200" dirty="0"/>
+              <a:t>Pour déployer un cluster Kubernetes, plusieurs solutions existent, les plus connues étant </a:t>
+            </a:r>
+            <a:r>
+              <a:rPr lang="fr-FR" sz="1200" dirty="0" err="1"/>
+              <a:t>Elastic</a:t>
+            </a:r>
+            <a:r>
+              <a:rPr lang="fr-FR" sz="1200" dirty="0"/>
+              <a:t> Container Service (</a:t>
+            </a:r>
+            <a:r>
+              <a:rPr lang="fr-FR" sz="1200" b="1" dirty="0"/>
+              <a:t>EKS</a:t>
+            </a:r>
+            <a:r>
+              <a:rPr lang="fr-FR" sz="1200" dirty="0"/>
+              <a:t>) d’Amazon, et Google Cloud Kubernetes Engine (</a:t>
+            </a:r>
+            <a:r>
+              <a:rPr lang="fr-FR" sz="1200" b="1" dirty="0"/>
+              <a:t>GKE</a:t>
+            </a:r>
+            <a:r>
+              <a:rPr lang="fr-FR" sz="1200" dirty="0"/>
+              <a:t>) de Google</a:t>
             </a:r>
           </a:p>
           <a:p>
@@ -13845,51 +13946,26 @@
             <a:endParaRPr lang="fr-FR" sz="1200" dirty="0"/>
           </a:p>
           <a:p>
-            <a:pPr marL="0" indent="0">
-              <a:buNone/>
-            </a:pPr>
+            <a:r>
+              <a:rPr lang="fr-FR" sz="1200" dirty="0" err="1"/>
+              <a:t>Minikube</a:t>
+            </a:r>
             <a:r>
               <a:rPr lang="fr-FR" sz="1200" dirty="0"/>
-              <a:t>Kubernetes vous aide à gérer facilement et efficacement des clusters au sein desquels vous aurez rassemblé des groupes d'hôtes exécutant des conteneurs Linux.</a:t>
-            </a:r>
-          </a:p>
-          <a:p>
-            <a:pPr marL="0" indent="0">
-              <a:buNone/>
-            </a:pPr>
-            <a:endParaRPr lang="fr-FR" sz="1200" dirty="0"/>
-          </a:p>
-          <a:p>
-            <a:pPr marL="0" indent="0">
-              <a:buNone/>
-            </a:pPr>
+              <a:t> n’est utilisé qu’en phase de développement, mais le programme </a:t>
+            </a:r>
+            <a:r>
+              <a:rPr lang="fr-FR" sz="1200" dirty="0" err="1"/>
+              <a:t>kubectl</a:t>
+            </a:r>
             <a:r>
               <a:rPr lang="fr-FR" sz="1200" dirty="0"/>
-              <a:t>Concrètement, Kubernetes aide à optimiser l'utilisation des ressources et les coûts en faisant évoluer automatiquement les ressources en fonction de la demande</a:t>
-            </a:r>
-          </a:p>
-          <a:p>
-            <a:pPr marL="0" indent="0">
-              <a:buNone/>
-            </a:pPr>
-            <a:endParaRPr lang="fr-FR" sz="1200" dirty="0"/>
-          </a:p>
-          <a:p>
-            <a:pPr marL="0" indent="0">
-              <a:buNone/>
-            </a:pPr>
-            <a:endParaRPr lang="fr-FR" sz="1200" dirty="0"/>
-          </a:p>
-          <a:p>
-            <a:pPr marL="0" indent="0">
-              <a:buNone/>
-            </a:pPr>
-            <a:endParaRPr lang="fr-FR" sz="1200" dirty="0"/>
-          </a:p>
-          <a:p>
-            <a:pPr marL="0" indent="0">
-              <a:buNone/>
-            </a:pPr>
+              <a:t> est également utilisé en production par les solutions citées plus haut pour la gestion </a:t>
+            </a:r>
+            <a:r>
+              <a:rPr lang="fr-FR" sz="1200"/>
+              <a:t>du cluster</a:t>
+            </a:r>
             <a:endParaRPr lang="fr-FR" sz="1200" dirty="0"/>
           </a:p>
         </p:txBody>
@@ -13897,7 +13973,7 @@
     </p:spTree>
     <p:extLst>
       <p:ext uri="{BB962C8B-B14F-4D97-AF65-F5344CB8AC3E}">
-        <p14:creationId xmlns:p14="http://schemas.microsoft.com/office/powerpoint/2010/main" val="1883478929"/>
+        <p14:creationId xmlns:p14="http://schemas.microsoft.com/office/powerpoint/2010/main" val="1547332431"/>
       </p:ext>
     </p:extLst>
   </p:cSld>
@@ -14507,7 +14583,7 @@
           <p:cNvPr id="2" name="Titre 1">
             <a:extLst>
               <a:ext uri="{FF2B5EF4-FFF2-40B4-BE49-F238E27FC236}">
-                <a16:creationId xmlns:a16="http://schemas.microsoft.com/office/drawing/2014/main" id="{2877301E-757B-E342-A305-526845206B1E}"/>
+                <a16:creationId xmlns:a16="http://schemas.microsoft.com/office/drawing/2014/main" id="{D7F3DB66-8D3D-514C-93D2-4A8116A820E1}"/>
               </a:ext>
             </a:extLst>
           </p:cNvPr>
@@ -14527,44 +14603,66 @@
           <a:p>
             <a:r>
               <a:rPr lang="fr-FR" sz="2400" dirty="0"/>
-              <a:t>Cluster</a:t>
-            </a:r>
-          </a:p>
-        </p:txBody>
-      </p:sp>
-      <p:pic>
-        <p:nvPicPr>
-          <p:cNvPr id="5" name="Espace réservé du contenu 4">
-            <a:extLst>
-              <a:ext uri="{FF2B5EF4-FFF2-40B4-BE49-F238E27FC236}">
-                <a16:creationId xmlns:a16="http://schemas.microsoft.com/office/drawing/2014/main" id="{3907A002-29D2-6F44-8773-BA7784F2BAD7}"/>
-              </a:ext>
-            </a:extLst>
-          </p:cNvPr>
-          <p:cNvPicPr>
-            <a:picLocks noGrp="1" noChangeAspect="1"/>
-          </p:cNvPicPr>
+              <a:t>Installation</a:t>
+            </a:r>
+          </a:p>
+        </p:txBody>
+      </p:sp>
+      <p:sp>
+        <p:nvSpPr>
+          <p:cNvPr id="3" name="Espace réservé du contenu 2">
+            <a:extLst>
+              <a:ext uri="{FF2B5EF4-FFF2-40B4-BE49-F238E27FC236}">
+                <a16:creationId xmlns:a16="http://schemas.microsoft.com/office/drawing/2014/main" id="{64CB6E40-D37E-3340-94D0-49C94AA5A624}"/>
+              </a:ext>
+            </a:extLst>
+          </p:cNvPr>
+          <p:cNvSpPr>
+            <a:spLocks noGrp="1"/>
+          </p:cNvSpPr>
           <p:nvPr>
             <p:ph idx="1"/>
           </p:nvPr>
-        </p:nvPicPr>
-        <p:blipFill>
-          <a:blip r:embed="rId2"/>
-          <a:stretch>
-            <a:fillRect/>
-          </a:stretch>
-        </p:blipFill>
-        <p:spPr>
-          <a:xfrm>
-            <a:off x="3469284" y="2478088"/>
-            <a:ext cx="5461394" cy="3694112"/>
-          </a:xfrm>
-        </p:spPr>
-      </p:pic>
+        </p:nvSpPr>
+        <p:spPr/>
+        <p:txBody>
+          <a:bodyPr>
+            <a:normAutofit/>
+          </a:bodyPr>
+          <a:lstStyle/>
+          <a:p>
+            <a:pPr marL="0" indent="0">
+              <a:buNone/>
+            </a:pPr>
+            <a:r>
+              <a:rPr lang="fr-FR" sz="1200" dirty="0"/>
+              <a:t>Voici le lien du TP4 </a:t>
+            </a:r>
+          </a:p>
+          <a:p>
+            <a:pPr marL="0" indent="0">
+              <a:buNone/>
+            </a:pPr>
+            <a:r>
+              <a:rPr lang="fr-FR" sz="1200" dirty="0"/>
+              <a:t>Durant ce TP,  vous allez </a:t>
+            </a:r>
+            <a:r>
+              <a:rPr lang="fr-FR" sz="1200"/>
+              <a:t>installer Kubernetes </a:t>
+            </a:r>
+            <a:r>
+              <a:rPr lang="fr-FR" sz="1200" dirty="0"/>
+              <a:t>pour créer et utiliser un cluster sur votre machine</a:t>
+            </a:r>
+            <a:endParaRPr lang="fr-FR" sz="1200" b="1" dirty="0"/>
+          </a:p>
+        </p:txBody>
+      </p:sp>
     </p:spTree>
     <p:extLst>
       <p:ext uri="{BB962C8B-B14F-4D97-AF65-F5344CB8AC3E}">
-        <p14:creationId xmlns:p14="http://schemas.microsoft.com/office/powerpoint/2010/main" val="2619397838"/>
+        <p14:creationId xmlns:p14="http://schemas.microsoft.com/office/powerpoint/2010/main" val="2461077664"/>
       </p:ext>
     </p:extLst>
   </p:cSld>
@@ -14596,7 +14694,7 @@
           <p:cNvPr id="2" name="Titre 1">
             <a:extLst>
               <a:ext uri="{FF2B5EF4-FFF2-40B4-BE49-F238E27FC236}">
-                <a16:creationId xmlns:a16="http://schemas.microsoft.com/office/drawing/2014/main" id="{651CF1DC-57F0-AD47-8D3E-073309B0A475}"/>
+                <a16:creationId xmlns:a16="http://schemas.microsoft.com/office/drawing/2014/main" id="{2877301E-757B-E342-A305-526845206B1E}"/>
               </a:ext>
             </a:extLst>
           </p:cNvPr>
@@ -14616,182 +14714,74 @@
           <a:p>
             <a:r>
               <a:rPr lang="fr-FR" sz="2400" dirty="0"/>
-              <a:t>Développement et production</a:t>
-            </a:r>
-          </a:p>
-        </p:txBody>
-      </p:sp>
-      <p:sp>
-        <p:nvSpPr>
-          <p:cNvPr id="3" name="Espace réservé du contenu 2">
-            <a:extLst>
-              <a:ext uri="{FF2B5EF4-FFF2-40B4-BE49-F238E27FC236}">
-                <a16:creationId xmlns:a16="http://schemas.microsoft.com/office/drawing/2014/main" id="{068778A1-D8A5-3844-9AE0-172130E7F8C4}"/>
-              </a:ext>
-            </a:extLst>
-          </p:cNvPr>
-          <p:cNvSpPr>
-            <a:spLocks noGrp="1"/>
-          </p:cNvSpPr>
+              <a:t>Cluster</a:t>
+            </a:r>
+          </a:p>
+        </p:txBody>
+      </p:sp>
+      <p:pic>
+        <p:nvPicPr>
+          <p:cNvPr id="5" name="Espace réservé du contenu 4">
+            <a:extLst>
+              <a:ext uri="{FF2B5EF4-FFF2-40B4-BE49-F238E27FC236}">
+                <a16:creationId xmlns:a16="http://schemas.microsoft.com/office/drawing/2014/main" id="{3907A002-29D2-6F44-8773-BA7784F2BAD7}"/>
+              </a:ext>
+            </a:extLst>
+          </p:cNvPr>
+          <p:cNvPicPr>
+            <a:picLocks noGrp="1" noChangeAspect="1"/>
+          </p:cNvPicPr>
           <p:nvPr>
             <p:ph idx="1"/>
           </p:nvPr>
-        </p:nvSpPr>
+        </p:nvPicPr>
+        <p:blipFill>
+          <a:blip r:embed="rId2"/>
+          <a:stretch>
+            <a:fillRect/>
+          </a:stretch>
+        </p:blipFill>
         <p:spPr>
           <a:xfrm>
-            <a:off x="639271" y="2370966"/>
-            <a:ext cx="10644425" cy="3801234"/>
-          </a:xfrm>
-        </p:spPr>
-        <p:txBody>
-          <a:bodyPr>
-            <a:normAutofit/>
-          </a:bodyPr>
-          <a:lstStyle/>
-          <a:p>
-            <a:r>
-              <a:rPr lang="fr-FR" sz="1200" dirty="0"/>
-              <a:t>Pour utiliser Kubernetes lors de la phase de développement, il faut soit utiliser le programme </a:t>
-            </a:r>
-            <a:r>
-              <a:rPr lang="fr-FR" sz="1200" dirty="0">
-                <a:hlinkClick r:id="rId2">
-                  <a:extLst>
-                    <a:ext uri="{A12FA001-AC4F-418D-AE19-62706E023703}">
-                      <ahyp:hlinkClr xmlns:ahyp="http://schemas.microsoft.com/office/drawing/2018/hyperlinkcolor" val="tx"/>
-                    </a:ext>
-                  </a:extLst>
-                </a:hlinkClick>
-              </a:rPr>
-              <a:t>Minikube</a:t>
-            </a:r>
-            <a:r>
-              <a:rPr lang="fr-FR" sz="1200" dirty="0"/>
-              <a:t> qui permet de créer une VM contenant un Cluster, soit utiliser directement la solution Kubernetes intégrée à Docker Desktop</a:t>
-            </a:r>
-          </a:p>
-          <a:p>
-            <a:endParaRPr lang="fr-FR" sz="1200" dirty="0"/>
-          </a:p>
-          <a:p>
-            <a:r>
-              <a:rPr lang="fr-FR" sz="1200" dirty="0" err="1"/>
-              <a:t>Minikube</a:t>
-            </a:r>
-            <a:r>
-              <a:rPr lang="fr-FR" sz="1200" dirty="0"/>
-              <a:t> ou Kubernetes Docker Desktop installent un programme appelé </a:t>
-            </a:r>
-            <a:r>
-              <a:rPr lang="fr-FR" sz="1200" b="1" dirty="0">
-                <a:hlinkClick r:id="rId3">
-                  <a:extLst>
-                    <a:ext uri="{A12FA001-AC4F-418D-AE19-62706E023703}">
-                      <ahyp:hlinkClr xmlns:ahyp="http://schemas.microsoft.com/office/drawing/2018/hyperlinkcolor" val="tx"/>
-                    </a:ext>
-                  </a:extLst>
-                </a:hlinkClick>
-              </a:rPr>
-              <a:t>kubectl</a:t>
-            </a:r>
-            <a:r>
-              <a:rPr lang="fr-FR" sz="1200" b="1" dirty="0"/>
-              <a:t>. </a:t>
-            </a:r>
-          </a:p>
-          <a:p>
-            <a:endParaRPr lang="fr-FR" sz="1200" b="1" dirty="0"/>
-          </a:p>
-          <a:p>
-            <a:r>
-              <a:rPr lang="fr-FR" sz="1200" dirty="0"/>
-              <a:t>Ce programme permet de gérer les containers au sein d’un cluster. </a:t>
-            </a:r>
-            <a:r>
-              <a:rPr lang="fr-FR" sz="1200" dirty="0" err="1"/>
-              <a:t>Minikube</a:t>
-            </a:r>
-            <a:r>
-              <a:rPr lang="fr-FR" sz="1200" dirty="0"/>
-              <a:t> ou Kubernetes Docker Desktop s’occupent juste de gérer la VM en elle-même, et </a:t>
-            </a:r>
-            <a:r>
-              <a:rPr lang="fr-FR" sz="1200" dirty="0" err="1"/>
-              <a:t>kubectl</a:t>
-            </a:r>
-            <a:r>
-              <a:rPr lang="fr-FR" sz="1200" dirty="0"/>
-              <a:t> est le programme principal qui va nous permettre de gérer notre cluster</a:t>
-            </a:r>
-          </a:p>
-          <a:p>
-            <a:endParaRPr lang="fr-FR" sz="1200" dirty="0"/>
-          </a:p>
-          <a:p>
-            <a:r>
-              <a:rPr lang="fr-FR" sz="1200" dirty="0"/>
-              <a:t>Pour déployer un cluster Kubernetes, plusieurs solutions existent, les plus connues étant </a:t>
-            </a:r>
-            <a:r>
-              <a:rPr lang="fr-FR" sz="1200" dirty="0" err="1"/>
-              <a:t>Elastic</a:t>
-            </a:r>
-            <a:r>
-              <a:rPr lang="fr-FR" sz="1200" dirty="0"/>
-              <a:t> Container Service (</a:t>
-            </a:r>
-            <a:r>
-              <a:rPr lang="fr-FR" sz="1200" b="1" dirty="0"/>
-              <a:t>EKS</a:t>
-            </a:r>
-            <a:r>
-              <a:rPr lang="fr-FR" sz="1200" dirty="0"/>
-              <a:t>) d’Amazon, et Google Cloud Kubernetes Engine (</a:t>
-            </a:r>
-            <a:r>
-              <a:rPr lang="fr-FR" sz="1200" b="1" dirty="0"/>
-              <a:t>GKE</a:t>
-            </a:r>
-            <a:r>
-              <a:rPr lang="fr-FR" sz="1200" dirty="0"/>
-              <a:t>) de Google</a:t>
-            </a:r>
-          </a:p>
-          <a:p>
-            <a:pPr marL="0" indent="0">
-              <a:buNone/>
-            </a:pPr>
-            <a:endParaRPr lang="fr-FR" sz="1200" dirty="0"/>
-          </a:p>
-          <a:p>
-            <a:r>
-              <a:rPr lang="fr-FR" sz="1200" dirty="0" err="1"/>
-              <a:t>Minikube</a:t>
-            </a:r>
-            <a:r>
-              <a:rPr lang="fr-FR" sz="1200" dirty="0"/>
-              <a:t> n’est utilisé qu’en phase de développement, mais le programme </a:t>
-            </a:r>
-            <a:r>
-              <a:rPr lang="fr-FR" sz="1200" dirty="0" err="1"/>
-              <a:t>kubectl</a:t>
-            </a:r>
-            <a:r>
-              <a:rPr lang="fr-FR" sz="1200" dirty="0"/>
-              <a:t> est également utilisé en production par les solutions citées plus haut pour la gestion </a:t>
-            </a:r>
-            <a:r>
-              <a:rPr lang="fr-FR" sz="1200"/>
-              <a:t>du cluster</a:t>
-            </a:r>
-            <a:endParaRPr lang="fr-FR" sz="1200" dirty="0"/>
-          </a:p>
-        </p:txBody>
-      </p:sp>
+            <a:off x="-1" y="2324338"/>
+            <a:ext cx="5891475" cy="3985021"/>
+          </a:xfrm>
+        </p:spPr>
+      </p:pic>
+      <p:pic>
+        <p:nvPicPr>
+          <p:cNvPr id="4" name="Image 3" descr="Une image contenant table&#10;&#10;Description générée automatiquement">
+            <a:extLst>
+              <a:ext uri="{FF2B5EF4-FFF2-40B4-BE49-F238E27FC236}">
+                <a16:creationId xmlns:a16="http://schemas.microsoft.com/office/drawing/2014/main" id="{9C28A3EE-7921-9348-BBF9-B83D4DAA2EFD}"/>
+              </a:ext>
+            </a:extLst>
+          </p:cNvPr>
+          <p:cNvPicPr>
+            <a:picLocks noChangeAspect="1"/>
+          </p:cNvPicPr>
+          <p:nvPr/>
+        </p:nvPicPr>
+        <p:blipFill>
+          <a:blip r:embed="rId3"/>
+          <a:stretch>
+            <a:fillRect/>
+          </a:stretch>
+        </p:blipFill>
+        <p:spPr>
+          <a:xfrm>
+            <a:off x="6096000" y="2224750"/>
+            <a:ext cx="5929833" cy="4011581"/>
+          </a:xfrm>
+          <a:prstGeom prst="rect">
+            <a:avLst/>
+          </a:prstGeom>
+        </p:spPr>
+      </p:pic>
     </p:spTree>
     <p:extLst>
       <p:ext uri="{BB962C8B-B14F-4D97-AF65-F5344CB8AC3E}">
-        <p14:creationId xmlns:p14="http://schemas.microsoft.com/office/powerpoint/2010/main" val="1547332431"/>
+        <p14:creationId xmlns:p14="http://schemas.microsoft.com/office/powerpoint/2010/main" val="2619397838"/>
       </p:ext>
     </p:extLst>
   </p:cSld>
@@ -14823,7 +14813,7 @@
           <p:cNvPr id="2" name="Titre 1">
             <a:extLst>
               <a:ext uri="{FF2B5EF4-FFF2-40B4-BE49-F238E27FC236}">
-                <a16:creationId xmlns:a16="http://schemas.microsoft.com/office/drawing/2014/main" id="{D7F3DB66-8D3D-514C-93D2-4A8116A820E1}"/>
+                <a16:creationId xmlns:a16="http://schemas.microsoft.com/office/drawing/2014/main" id="{095546A6-7B6C-684F-9E9B-5B30F1C40276}"/>
               </a:ext>
             </a:extLst>
           </p:cNvPr>
@@ -14842,9 +14832,10 @@
           <a:lstStyle/>
           <a:p>
             <a:r>
-              <a:rPr lang="fr-FR" sz="2400" dirty="0"/>
-              <a:t>Installation</a:t>
-            </a:r>
+              <a:rPr lang="fr-FR" sz="2400"/>
+              <a:t>Notre premier cluster</a:t>
+            </a:r>
+            <a:endParaRPr lang="fr-FR" sz="2400" dirty="0"/>
           </a:p>
         </p:txBody>
       </p:sp>
@@ -14853,7 +14844,7 @@
           <p:cNvPr id="3" name="Espace réservé du contenu 2">
             <a:extLst>
               <a:ext uri="{FF2B5EF4-FFF2-40B4-BE49-F238E27FC236}">
-                <a16:creationId xmlns:a16="http://schemas.microsoft.com/office/drawing/2014/main" id="{64CB6E40-D37E-3340-94D0-49C94AA5A624}"/>
+                <a16:creationId xmlns:a16="http://schemas.microsoft.com/office/drawing/2014/main" id="{A058A4E7-3CC3-4D4B-83BA-CB5420B351B0}"/>
               </a:ext>
             </a:extLst>
           </p:cNvPr>
@@ -14864,45 +14855,66 @@
             <p:ph idx="1"/>
           </p:nvPr>
         </p:nvSpPr>
-        <p:spPr/>
-        <p:txBody>
-          <a:bodyPr>
-            <a:normAutofit/>
-          </a:bodyPr>
+        <p:spPr>
+          <a:xfrm>
+            <a:off x="590719" y="2395242"/>
+            <a:ext cx="10692977" cy="3776958"/>
+          </a:xfrm>
+        </p:spPr>
+        <p:txBody>
+          <a:bodyPr/>
           <a:lstStyle/>
           <a:p>
             <a:pPr marL="0" indent="0">
               <a:buNone/>
             </a:pPr>
             <a:r>
-              <a:rPr lang="fr-FR" sz="1200" dirty="0"/>
-              <a:t>Voici le lien du TP4 </a:t>
-            </a:r>
-          </a:p>
-          <a:p>
-            <a:pPr marL="0" indent="0">
-              <a:buNone/>
-            </a:pPr>
-            <a:r>
-              <a:rPr lang="fr-FR" sz="1200" dirty="0"/>
-              <a:t>Durant ce TP,  vous allez </a:t>
-            </a:r>
-            <a:r>
               <a:rPr lang="fr-FR" sz="1200"/>
-              <a:t>installer Kubernetes </a:t>
-            </a:r>
-            <a:r>
-              <a:rPr lang="fr-FR" sz="1200" dirty="0"/>
-              <a:t>pour créer et utiliser un cluster sur votre machine</a:t>
-            </a:r>
-            <a:endParaRPr lang="fr-FR" sz="1200" b="1" dirty="0"/>
-          </a:p>
-        </p:txBody>
-      </p:sp>
+              <a:t>Nous allons voir comment créer notre premier cluster pour utiliser notre image react du projet Star Wars</a:t>
+            </a:r>
+          </a:p>
+          <a:p>
+            <a:endParaRPr lang="fr-FR"/>
+          </a:p>
+          <a:p>
+            <a:endParaRPr lang="fr-FR" dirty="0"/>
+          </a:p>
+        </p:txBody>
+      </p:sp>
+      <p:pic>
+        <p:nvPicPr>
+          <p:cNvPr id="7" name="Image 6">
+            <a:extLst>
+              <a:ext uri="{FF2B5EF4-FFF2-40B4-BE49-F238E27FC236}">
+                <a16:creationId xmlns:a16="http://schemas.microsoft.com/office/drawing/2014/main" id="{8526152B-A144-7A40-ADC2-676F12C6F6D7}"/>
+              </a:ext>
+            </a:extLst>
+          </p:cNvPr>
+          <p:cNvPicPr>
+            <a:picLocks noChangeAspect="1"/>
+          </p:cNvPicPr>
+          <p:nvPr/>
+        </p:nvPicPr>
+        <p:blipFill>
+          <a:blip r:embed="rId2"/>
+          <a:stretch>
+            <a:fillRect/>
+          </a:stretch>
+        </p:blipFill>
+        <p:spPr>
+          <a:xfrm>
+            <a:off x="1471912" y="2908213"/>
+            <a:ext cx="9248175" cy="3785702"/>
+          </a:xfrm>
+          <a:prstGeom prst="rect">
+            <a:avLst/>
+          </a:prstGeom>
+        </p:spPr>
+      </p:pic>
     </p:spTree>
     <p:extLst>
       <p:ext uri="{BB962C8B-B14F-4D97-AF65-F5344CB8AC3E}">
-        <p14:creationId xmlns:p14="http://schemas.microsoft.com/office/powerpoint/2010/main" val="2461077664"/>
+        <p14:creationId xmlns:p14="http://schemas.microsoft.com/office/powerpoint/2010/main" val="1221779778"/>
       </p:ext>
     </p:extLst>
   </p:cSld>
@@ -14934,6 +14946,96 @@
           <p:cNvPr id="2" name="Titre 1">
             <a:extLst>
               <a:ext uri="{FF2B5EF4-FFF2-40B4-BE49-F238E27FC236}">
+                <a16:creationId xmlns:a16="http://schemas.microsoft.com/office/drawing/2014/main" id="{9AE02BA3-6149-EE42-9ADD-5EF57287AF15}"/>
+              </a:ext>
+            </a:extLst>
+          </p:cNvPr>
+          <p:cNvSpPr>
+            <a:spLocks noGrp="1"/>
+          </p:cNvSpPr>
+          <p:nvPr>
+            <p:ph type="title"/>
+          </p:nvPr>
+        </p:nvSpPr>
+        <p:spPr/>
+        <p:txBody>
+          <a:bodyPr>
+            <a:normAutofit/>
+          </a:bodyPr>
+          <a:lstStyle/>
+          <a:p>
+            <a:r>
+              <a:rPr lang="fr-FR" sz="2400" dirty="0"/>
+              <a:t>Notre premier </a:t>
+            </a:r>
+            <a:r>
+              <a:rPr lang="fr-FR" sz="2400" dirty="0" err="1"/>
+              <a:t>pod</a:t>
+            </a:r>
+            <a:endParaRPr lang="fr-FR" sz="2400" dirty="0"/>
+          </a:p>
+        </p:txBody>
+      </p:sp>
+      <p:sp>
+        <p:nvSpPr>
+          <p:cNvPr id="3" name="Espace réservé du contenu 2">
+            <a:extLst>
+              <a:ext uri="{FF2B5EF4-FFF2-40B4-BE49-F238E27FC236}">
+                <a16:creationId xmlns:a16="http://schemas.microsoft.com/office/drawing/2014/main" id="{57C74293-5616-8A44-BFB3-D932B4012978}"/>
+              </a:ext>
+            </a:extLst>
+          </p:cNvPr>
+          <p:cNvSpPr>
+            <a:spLocks noGrp="1"/>
+          </p:cNvSpPr>
+          <p:nvPr>
+            <p:ph idx="1"/>
+          </p:nvPr>
+        </p:nvSpPr>
+        <p:spPr/>
+        <p:txBody>
+          <a:bodyPr/>
+          <a:lstStyle/>
+          <a:p>
+            <a:endParaRPr lang="fr-FR" dirty="0"/>
+          </a:p>
+        </p:txBody>
+      </p:sp>
+    </p:spTree>
+    <p:extLst>
+      <p:ext uri="{BB962C8B-B14F-4D97-AF65-F5344CB8AC3E}">
+        <p14:creationId xmlns:p14="http://schemas.microsoft.com/office/powerpoint/2010/main" val="3221065100"/>
+      </p:ext>
+    </p:extLst>
+  </p:cSld>
+  <p:clrMapOvr>
+    <a:masterClrMapping/>
+  </p:clrMapOvr>
+</p:sld>
+</file>
+
+<file path=ppt/slides/slide38.xml><?xml version="1.0" encoding="utf-8"?>
+<p:sld xmlns:a="http://schemas.openxmlformats.org/drawingml/2006/main" xmlns:r="http://schemas.openxmlformats.org/officeDocument/2006/relationships" xmlns:p="http://schemas.openxmlformats.org/presentationml/2006/main">
+  <p:cSld>
+    <p:spTree>
+      <p:nvGrpSpPr>
+        <p:cNvPr id="1" name=""/>
+        <p:cNvGrpSpPr/>
+        <p:nvPr/>
+      </p:nvGrpSpPr>
+      <p:grpSpPr>
+        <a:xfrm>
+          <a:off x="0" y="0"/>
+          <a:ext cx="0" cy="0"/>
+          <a:chOff x="0" y="0"/>
+          <a:chExt cx="0" cy="0"/>
+        </a:xfrm>
+      </p:grpSpPr>
+      <p:sp>
+        <p:nvSpPr>
+          <p:cNvPr id="2" name="Titre 1">
+            <a:extLst>
+              <a:ext uri="{FF2B5EF4-FFF2-40B4-BE49-F238E27FC236}">
                 <a16:creationId xmlns:a16="http://schemas.microsoft.com/office/drawing/2014/main" id="{8185F0AD-8C11-1B4E-AACE-96333D865C09}"/>
               </a:ext>
             </a:extLst>
@@ -14972,7 +15074,7 @@
 </p:sld>
 </file>
 
-<file path=ppt/slides/slide38.xml><?xml version="1.0" encoding="utf-8"?>
+<file path=ppt/slides/slide39.xml><?xml version="1.0" encoding="utf-8"?>
 <p:sld xmlns:a="http://schemas.openxmlformats.org/drawingml/2006/main" xmlns:r="http://schemas.openxmlformats.org/officeDocument/2006/relationships" xmlns:p="http://schemas.openxmlformats.org/presentationml/2006/main">
   <p:cSld>
     <p:spTree>

--- a/Cours/Cours.pptx
+++ b/Cours/Cours.pptx
@@ -306,7 +306,7 @@
           <a:p>
             <a:fld id="{02AC24A9-CCB6-4F8D-B8DB-C2F3692CFA5A}" type="datetimeFigureOut">
               <a:rPr lang="en-US" smtClean="0"/>
-              <a:t>1/5/22</a:t>
+              <a:t>1/6/22</a:t>
             </a:fld>
             <a:endParaRPr lang="en-US" dirty="0"/>
           </a:p>
@@ -676,7 +676,7 @@
           <a:p>
             <a:fld id="{02AC24A9-CCB6-4F8D-B8DB-C2F3692CFA5A}" type="datetimeFigureOut">
               <a:rPr lang="en-US" smtClean="0"/>
-              <a:t>1/5/22</a:t>
+              <a:t>1/6/22</a:t>
             </a:fld>
             <a:endParaRPr lang="en-US"/>
           </a:p>
@@ -885,7 +885,7 @@
           <a:p>
             <a:fld id="{02AC24A9-CCB6-4F8D-B8DB-C2F3692CFA5A}" type="datetimeFigureOut">
               <a:rPr lang="en-US" smtClean="0"/>
-              <a:t>1/5/22</a:t>
+              <a:t>1/6/22</a:t>
             </a:fld>
             <a:endParaRPr lang="en-US"/>
           </a:p>
@@ -1355,7 +1355,7 @@
           <a:p>
             <a:fld id="{02AC24A9-CCB6-4F8D-B8DB-C2F3692CFA5A}" type="datetimeFigureOut">
               <a:rPr lang="en-US" smtClean="0"/>
-              <a:t>1/5/22</a:t>
+              <a:t>1/6/22</a:t>
             </a:fld>
             <a:endParaRPr lang="en-US"/>
           </a:p>
@@ -1809,7 +1809,7 @@
           <a:p>
             <a:fld id="{02AC24A9-CCB6-4F8D-B8DB-C2F3692CFA5A}" type="datetimeFigureOut">
               <a:rPr lang="en-US" smtClean="0"/>
-              <a:t>1/5/22</a:t>
+              <a:t>1/6/22</a:t>
             </a:fld>
             <a:endParaRPr lang="en-US"/>
           </a:p>
@@ -2341,7 +2341,7 @@
           <a:p>
             <a:fld id="{02AC24A9-CCB6-4F8D-B8DB-C2F3692CFA5A}" type="datetimeFigureOut">
               <a:rPr lang="en-US" smtClean="0"/>
-              <a:t>1/5/22</a:t>
+              <a:t>1/6/22</a:t>
             </a:fld>
             <a:endParaRPr lang="en-US"/>
           </a:p>
@@ -3040,7 +3040,7 @@
           <a:p>
             <a:fld id="{02AC24A9-CCB6-4F8D-B8DB-C2F3692CFA5A}" type="datetimeFigureOut">
               <a:rPr lang="en-US" smtClean="0"/>
-              <a:t>1/5/22</a:t>
+              <a:t>1/6/22</a:t>
             </a:fld>
             <a:endParaRPr lang="en-US"/>
           </a:p>
@@ -3369,7 +3369,7 @@
           <a:p>
             <a:fld id="{02AC24A9-CCB6-4F8D-B8DB-C2F3692CFA5A}" type="datetimeFigureOut">
               <a:rPr lang="en-US" smtClean="0"/>
-              <a:t>1/5/22</a:t>
+              <a:t>1/6/22</a:t>
             </a:fld>
             <a:endParaRPr lang="en-US"/>
           </a:p>
@@ -3482,7 +3482,7 @@
           <a:p>
             <a:fld id="{02AC24A9-CCB6-4F8D-B8DB-C2F3692CFA5A}" type="datetimeFigureOut">
               <a:rPr lang="en-US" smtClean="0"/>
-              <a:t>1/5/22</a:t>
+              <a:t>1/6/22</a:t>
             </a:fld>
             <a:endParaRPr lang="en-US"/>
           </a:p>
@@ -3977,7 +3977,7 @@
           <a:p>
             <a:fld id="{02AC24A9-CCB6-4F8D-B8DB-C2F3692CFA5A}" type="datetimeFigureOut">
               <a:rPr lang="en-US" smtClean="0"/>
-              <a:t>1/5/22</a:t>
+              <a:t>1/6/22</a:t>
             </a:fld>
             <a:endParaRPr lang="en-US" dirty="0"/>
           </a:p>
@@ -4454,7 +4454,7 @@
           <a:p>
             <a:fld id="{02AC24A9-CCB6-4F8D-B8DB-C2F3692CFA5A}" type="datetimeFigureOut">
               <a:rPr lang="en-US" smtClean="0"/>
-              <a:t>1/5/22</a:t>
+              <a:t>1/6/22</a:t>
             </a:fld>
             <a:endParaRPr lang="en-US"/>
           </a:p>
@@ -4697,7 +4697,7 @@
           <a:p>
             <a:fld id="{02AC24A9-CCB6-4F8D-B8DB-C2F3692CFA5A}" type="datetimeFigureOut">
               <a:rPr lang="en-US" smtClean="0"/>
-              <a:t>1/5/22</a:t>
+              <a:t>1/6/22</a:t>
             </a:fld>
             <a:endParaRPr lang="en-US"/>
           </a:p>
